--- a/estructura.pptx
+++ b/estructura.pptx
@@ -104,6 +104,11 @@
       </a:defRPr>
     </a:lvl9pPr>
   </p:defaultTextStyle>
+  <p:extLst>
+    <p:ext uri="{EFAFB233-063F-42B5-8137-9DF3F51BA10A}">
+      <p15:sldGuideLst xmlns:p15="http://schemas.microsoft.com/office/powerpoint/2012/main"/>
+    </p:ext>
+  </p:extLst>
 </p:presentation>
 </file>
 
@@ -389,7 +394,7 @@
           <a:p>
             <a:fld id="{231E479A-090E-4E0E-A87B-A2D1A9833DF2}" type="datetimeFigureOut">
               <a:rPr lang="es-UY" smtClean="0"/>
-              <a:t>13 Abr. 2023</a:t>
+              <a:t>22/4/2023</a:t>
             </a:fld>
             <a:endParaRPr lang="es-UY"/>
           </a:p>
@@ -589,7 +594,7 @@
           <a:p>
             <a:fld id="{231E479A-090E-4E0E-A87B-A2D1A9833DF2}" type="datetimeFigureOut">
               <a:rPr lang="es-UY" smtClean="0"/>
-              <a:t>13 Abr. 2023</a:t>
+              <a:t>22/4/2023</a:t>
             </a:fld>
             <a:endParaRPr lang="es-UY"/>
           </a:p>
@@ -799,7 +804,7 @@
           <a:p>
             <a:fld id="{231E479A-090E-4E0E-A87B-A2D1A9833DF2}" type="datetimeFigureOut">
               <a:rPr lang="es-UY" smtClean="0"/>
-              <a:t>13 Abr. 2023</a:t>
+              <a:t>22/4/2023</a:t>
             </a:fld>
             <a:endParaRPr lang="es-UY"/>
           </a:p>
@@ -999,7 +1004,7 @@
           <a:p>
             <a:fld id="{231E479A-090E-4E0E-A87B-A2D1A9833DF2}" type="datetimeFigureOut">
               <a:rPr lang="es-UY" smtClean="0"/>
-              <a:t>13 Abr. 2023</a:t>
+              <a:t>22/4/2023</a:t>
             </a:fld>
             <a:endParaRPr lang="es-UY"/>
           </a:p>
@@ -1275,7 +1280,7 @@
           <a:p>
             <a:fld id="{231E479A-090E-4E0E-A87B-A2D1A9833DF2}" type="datetimeFigureOut">
               <a:rPr lang="es-UY" smtClean="0"/>
-              <a:t>13 Abr. 2023</a:t>
+              <a:t>22/4/2023</a:t>
             </a:fld>
             <a:endParaRPr lang="es-UY"/>
           </a:p>
@@ -1543,7 +1548,7 @@
           <a:p>
             <a:fld id="{231E479A-090E-4E0E-A87B-A2D1A9833DF2}" type="datetimeFigureOut">
               <a:rPr lang="es-UY" smtClean="0"/>
-              <a:t>13 Abr. 2023</a:t>
+              <a:t>22/4/2023</a:t>
             </a:fld>
             <a:endParaRPr lang="es-UY"/>
           </a:p>
@@ -1958,7 +1963,7 @@
           <a:p>
             <a:fld id="{231E479A-090E-4E0E-A87B-A2D1A9833DF2}" type="datetimeFigureOut">
               <a:rPr lang="es-UY" smtClean="0"/>
-              <a:t>13 Abr. 2023</a:t>
+              <a:t>22/4/2023</a:t>
             </a:fld>
             <a:endParaRPr lang="es-UY"/>
           </a:p>
@@ -2100,7 +2105,7 @@
           <a:p>
             <a:fld id="{231E479A-090E-4E0E-A87B-A2D1A9833DF2}" type="datetimeFigureOut">
               <a:rPr lang="es-UY" smtClean="0"/>
-              <a:t>13 Abr. 2023</a:t>
+              <a:t>22/4/2023</a:t>
             </a:fld>
             <a:endParaRPr lang="es-UY"/>
           </a:p>
@@ -2213,7 +2218,7 @@
           <a:p>
             <a:fld id="{231E479A-090E-4E0E-A87B-A2D1A9833DF2}" type="datetimeFigureOut">
               <a:rPr lang="es-UY" smtClean="0"/>
-              <a:t>13 Abr. 2023</a:t>
+              <a:t>22/4/2023</a:t>
             </a:fld>
             <a:endParaRPr lang="es-UY"/>
           </a:p>
@@ -2526,7 +2531,7 @@
           <a:p>
             <a:fld id="{231E479A-090E-4E0E-A87B-A2D1A9833DF2}" type="datetimeFigureOut">
               <a:rPr lang="es-UY" smtClean="0"/>
-              <a:t>13 Abr. 2023</a:t>
+              <a:t>22/4/2023</a:t>
             </a:fld>
             <a:endParaRPr lang="es-UY"/>
           </a:p>
@@ -2815,7 +2820,7 @@
           <a:p>
             <a:fld id="{231E479A-090E-4E0E-A87B-A2D1A9833DF2}" type="datetimeFigureOut">
               <a:rPr lang="es-UY" smtClean="0"/>
-              <a:t>13 Abr. 2023</a:t>
+              <a:t>22/4/2023</a:t>
             </a:fld>
             <a:endParaRPr lang="es-UY"/>
           </a:p>
@@ -3058,7 +3063,7 @@
           <a:p>
             <a:fld id="{231E479A-090E-4E0E-A87B-A2D1A9833DF2}" type="datetimeFigureOut">
               <a:rPr lang="es-UY" smtClean="0"/>
-              <a:t>13 Abr. 2023</a:t>
+              <a:t>22/4/2023</a:t>
             </a:fld>
             <a:endParaRPr lang="es-UY"/>
           </a:p>
@@ -3489,7 +3494,7 @@
         </p:nvSpPr>
         <p:spPr>
           <a:xfrm>
-            <a:off x="1696825" y="1253765"/>
+            <a:off x="1028812" y="1033596"/>
             <a:ext cx="1140643" cy="688157"/>
           </a:xfrm>
           <a:prstGeom prst="rect">
@@ -3535,8 +3540,8 @@
         </p:nvSpPr>
         <p:spPr>
           <a:xfrm flipH="1">
-            <a:off x="741752" y="677839"/>
-            <a:ext cx="2715680" cy="369332"/>
+            <a:off x="165065" y="273004"/>
+            <a:ext cx="3407121" cy="369332"/>
           </a:xfrm>
           <a:prstGeom prst="rect">
             <a:avLst/>
@@ -3551,7 +3556,7 @@
           <a:p>
             <a:r>
               <a:rPr lang="es-UY" dirty="0" err="1"/>
-              <a:t>listaClientes</a:t>
+              <a:t>listaSimpleClientes</a:t>
             </a:r>
             <a:r>
               <a:rPr lang="es-UY" dirty="0"/>
@@ -3574,7 +3579,7 @@
         </p:nvSpPr>
         <p:spPr>
           <a:xfrm>
-            <a:off x="2922849" y="1253764"/>
+            <a:off x="2254836" y="1033595"/>
             <a:ext cx="1140643" cy="688157"/>
           </a:xfrm>
           <a:prstGeom prst="rect">
@@ -3620,7 +3625,7 @@
         </p:nvSpPr>
         <p:spPr>
           <a:xfrm>
-            <a:off x="4148873" y="1253764"/>
+            <a:off x="3480860" y="1033595"/>
             <a:ext cx="1140643" cy="688157"/>
           </a:xfrm>
           <a:prstGeom prst="rect">
@@ -3652,45 +3657,6 @@
           </a:p>
         </p:txBody>
       </p:sp>
-      <p:cxnSp>
-        <p:nvCxnSpPr>
-          <p:cNvPr id="9" name="Conector recto de flecha 8">
-            <a:extLst>
-              <a:ext uri="{FF2B5EF4-FFF2-40B4-BE49-F238E27FC236}">
-                <a16:creationId xmlns:a16="http://schemas.microsoft.com/office/drawing/2014/main" id="{5F8C3683-6270-DE3C-6200-ACEDCE00593D}"/>
-              </a:ext>
-            </a:extLst>
-          </p:cNvPr>
-          <p:cNvCxnSpPr/>
-          <p:nvPr/>
-        </p:nvCxnSpPr>
-        <p:spPr>
-          <a:xfrm>
-            <a:off x="2267146" y="2047164"/>
-            <a:ext cx="0" cy="518615"/>
-          </a:xfrm>
-          <a:prstGeom prst="straightConnector1">
-            <a:avLst/>
-          </a:prstGeom>
-          <a:ln>
-            <a:tailEnd type="triangle"/>
-          </a:ln>
-        </p:spPr>
-        <p:style>
-          <a:lnRef idx="1">
-            <a:schemeClr val="accent1"/>
-          </a:lnRef>
-          <a:fillRef idx="0">
-            <a:schemeClr val="accent1"/>
-          </a:fillRef>
-          <a:effectRef idx="0">
-            <a:schemeClr val="accent1"/>
-          </a:effectRef>
-          <a:fontRef idx="minor">
-            <a:schemeClr val="tx1"/>
-          </a:fontRef>
-        </p:style>
-      </p:cxnSp>
       <p:sp>
         <p:nvSpPr>
           <p:cNvPr id="10" name="Rectángulo 9">
@@ -3705,7 +3671,7 @@
         </p:nvSpPr>
         <p:spPr>
           <a:xfrm>
-            <a:off x="1740043" y="2671021"/>
+            <a:off x="7872808" y="4557121"/>
             <a:ext cx="1140643" cy="688157"/>
           </a:xfrm>
           <a:prstGeom prst="rect">
@@ -3751,8 +3717,8 @@
         </p:nvSpPr>
         <p:spPr>
           <a:xfrm flipH="1">
-            <a:off x="184468" y="2281549"/>
-            <a:ext cx="2284509" cy="369332"/>
+            <a:off x="5723753" y="4620318"/>
+            <a:ext cx="2191134" cy="646331"/>
           </a:xfrm>
           <a:prstGeom prst="rect">
             <a:avLst/>
@@ -3767,11 +3733,11 @@
           <a:p>
             <a:r>
               <a:rPr lang="es-UY" dirty="0" err="1"/>
-              <a:t>listaPedido</a:t>
+              <a:t>ColaPedidosCerrados</a:t>
             </a:r>
             <a:r>
               <a:rPr lang="es-UY" dirty="0"/>
-              <a:t> (Cliente)</a:t>
+              <a:t> (Sistema)</a:t>
             </a:r>
           </a:p>
         </p:txBody>
@@ -3790,7 +3756,7 @@
         </p:nvSpPr>
         <p:spPr>
           <a:xfrm>
-            <a:off x="1740042" y="3498823"/>
+            <a:off x="7872807" y="5351206"/>
             <a:ext cx="1140643" cy="688157"/>
           </a:xfrm>
           <a:prstGeom prst="rect">
@@ -3836,7 +3802,7 @@
         </p:nvSpPr>
         <p:spPr>
           <a:xfrm>
-            <a:off x="1740042" y="4321843"/>
+            <a:off x="7872808" y="6116969"/>
             <a:ext cx="1140643" cy="688157"/>
           </a:xfrm>
           <a:prstGeom prst="rect">
@@ -3870,10 +3836,10 @@
       </p:sp>
       <p:sp>
         <p:nvSpPr>
-          <p:cNvPr id="15" name="CuadroTexto 14">
-            <a:extLst>
-              <a:ext uri="{FF2B5EF4-FFF2-40B4-BE49-F238E27FC236}">
-                <a16:creationId xmlns:a16="http://schemas.microsoft.com/office/drawing/2014/main" id="{0393ADEE-806B-04B1-FB42-A36A652A5F85}"/>
+          <p:cNvPr id="16" name="CuadroTexto 15">
+            <a:extLst>
+              <a:ext uri="{FF2B5EF4-FFF2-40B4-BE49-F238E27FC236}">
+                <a16:creationId xmlns:a16="http://schemas.microsoft.com/office/drawing/2014/main" id="{74940B42-6742-9E5D-19ED-60BA00053131}"/>
               </a:ext>
             </a:extLst>
           </p:cNvPr>
@@ -3881,9 +3847,9 @@
           <p:nvPr/>
         </p:nvSpPr>
         <p:spPr>
-          <a:xfrm>
-            <a:off x="741864" y="2611271"/>
-            <a:ext cx="716283" cy="369332"/>
+          <a:xfrm flipH="1">
+            <a:off x="96328" y="611803"/>
+            <a:ext cx="4317016" cy="369332"/>
           </a:xfrm>
           <a:prstGeom prst="rect">
             <a:avLst/>
@@ -3898,48 +3864,8 @@
           <a:p>
             <a:r>
               <a:rPr lang="es-UY" dirty="0"/>
-              <a:t>cola</a:t>
-            </a:r>
-          </a:p>
-        </p:txBody>
-      </p:sp>
-      <p:sp>
-        <p:nvSpPr>
-          <p:cNvPr id="16" name="CuadroTexto 15">
-            <a:extLst>
-              <a:ext uri="{FF2B5EF4-FFF2-40B4-BE49-F238E27FC236}">
-                <a16:creationId xmlns:a16="http://schemas.microsoft.com/office/drawing/2014/main" id="{74940B42-6742-9E5D-19ED-60BA00053131}"/>
-              </a:ext>
-            </a:extLst>
-          </p:cNvPr>
-          <p:cNvSpPr txBox="1"/>
-          <p:nvPr/>
-        </p:nvSpPr>
-        <p:spPr>
-          <a:xfrm flipH="1">
-            <a:off x="764341" y="906923"/>
-            <a:ext cx="4317016" cy="369332"/>
-          </a:xfrm>
-          <a:prstGeom prst="rect">
-            <a:avLst/>
-          </a:prstGeom>
-          <a:noFill/>
-        </p:spPr>
-        <p:txBody>
-          <a:bodyPr wrap="square" rtlCol="0">
-            <a:spAutoFit/>
-          </a:bodyPr>
-          <a:lstStyle/>
-          <a:p>
-            <a:r>
-              <a:rPr lang="es-UY" dirty="0"/>
-              <a:t>Lista simple ordenada </a:t>
-            </a:r>
-            <a:r>
-              <a:rPr lang="es-UY" dirty="0" err="1"/>
-              <a:t>alfabeticamente</a:t>
-            </a:r>
-            <a:endParaRPr lang="es-UY" dirty="0"/>
+              <a:t>ordenada alfabéticamente por nombre</a:t>
+            </a:r>
           </a:p>
         </p:txBody>
       </p:sp>
@@ -3959,8 +3885,8 @@
         </p:nvCxnSpPr>
         <p:spPr>
           <a:xfrm flipV="1">
-            <a:off x="3117247" y="4665921"/>
-            <a:ext cx="612485" cy="1"/>
+            <a:off x="2169455" y="3385651"/>
+            <a:ext cx="370906" cy="1"/>
           </a:xfrm>
           <a:prstGeom prst="straightConnector1">
             <a:avLst/>
@@ -3998,8 +3924,8 @@
         </p:nvSpPr>
         <p:spPr>
           <a:xfrm>
-            <a:off x="3875918" y="4354080"/>
-            <a:ext cx="1140643" cy="688157"/>
+            <a:off x="2646524" y="3053741"/>
+            <a:ext cx="690745" cy="672723"/>
           </a:xfrm>
           <a:prstGeom prst="rect">
             <a:avLst/>
@@ -4044,8 +3970,8 @@
         </p:nvSpPr>
         <p:spPr>
           <a:xfrm flipH="1">
-            <a:off x="3785202" y="5020347"/>
-            <a:ext cx="2506415" cy="369332"/>
+            <a:off x="2354908" y="3760701"/>
+            <a:ext cx="2317379" cy="369332"/>
           </a:xfrm>
           <a:prstGeom prst="rect">
             <a:avLst/>
@@ -4060,7 +3986,7 @@
           <a:p>
             <a:r>
               <a:rPr lang="es-UY" dirty="0" err="1"/>
-              <a:t>listaProductos</a:t>
+              <a:t>PilaProductos</a:t>
             </a:r>
             <a:r>
               <a:rPr lang="es-UY" dirty="0"/>
@@ -4071,41 +3997,6 @@
       </p:sp>
       <p:sp>
         <p:nvSpPr>
-          <p:cNvPr id="21" name="CuadroTexto 20">
-            <a:extLst>
-              <a:ext uri="{FF2B5EF4-FFF2-40B4-BE49-F238E27FC236}">
-                <a16:creationId xmlns:a16="http://schemas.microsoft.com/office/drawing/2014/main" id="{A4946D1C-FBF4-BBD1-826F-3D24638A2DD6}"/>
-              </a:ext>
-            </a:extLst>
-          </p:cNvPr>
-          <p:cNvSpPr txBox="1"/>
-          <p:nvPr/>
-        </p:nvSpPr>
-        <p:spPr>
-          <a:xfrm>
-            <a:off x="3804521" y="5339172"/>
-            <a:ext cx="1484995" cy="369332"/>
-          </a:xfrm>
-          <a:prstGeom prst="rect">
-            <a:avLst/>
-          </a:prstGeom>
-          <a:noFill/>
-        </p:spPr>
-        <p:txBody>
-          <a:bodyPr wrap="square" rtlCol="0">
-            <a:spAutoFit/>
-          </a:bodyPr>
-          <a:lstStyle/>
-          <a:p>
-            <a:r>
-              <a:rPr lang="es-UY" dirty="0"/>
-              <a:t>Pila</a:t>
-            </a:r>
-          </a:p>
-        </p:txBody>
-      </p:sp>
-      <p:sp>
-        <p:nvSpPr>
           <p:cNvPr id="22" name="Rectángulo 21">
             <a:extLst>
               <a:ext uri="{FF2B5EF4-FFF2-40B4-BE49-F238E27FC236}">
@@ -4118,8 +4009,8 @@
         </p:nvSpPr>
         <p:spPr>
           <a:xfrm>
-            <a:off x="5107276" y="4354080"/>
-            <a:ext cx="1140643" cy="688157"/>
+            <a:off x="3501165" y="3049291"/>
+            <a:ext cx="690745" cy="672723"/>
           </a:xfrm>
           <a:prstGeom prst="rect">
             <a:avLst/>
@@ -4164,8 +4055,8 @@
         </p:nvSpPr>
         <p:spPr>
           <a:xfrm>
-            <a:off x="6338634" y="4354080"/>
-            <a:ext cx="1140643" cy="688157"/>
+            <a:off x="4317944" y="3049290"/>
+            <a:ext cx="690745" cy="672723"/>
           </a:xfrm>
           <a:prstGeom prst="rect">
             <a:avLst/>
@@ -4210,7 +4101,7 @@
         </p:nvSpPr>
         <p:spPr>
           <a:xfrm>
-            <a:off x="8322813" y="1359007"/>
+            <a:off x="8184884" y="1036632"/>
             <a:ext cx="1140643" cy="688157"/>
           </a:xfrm>
           <a:prstGeom prst="rect">
@@ -4262,8 +4153,8 @@
         </p:nvSpPr>
         <p:spPr>
           <a:xfrm flipH="1">
-            <a:off x="8210248" y="939379"/>
-            <a:ext cx="2506415" cy="369332"/>
+            <a:off x="7646698" y="334804"/>
+            <a:ext cx="2506415" cy="646331"/>
           </a:xfrm>
           <a:prstGeom prst="rect">
             <a:avLst/>
@@ -4278,7 +4169,7 @@
           <a:p>
             <a:r>
               <a:rPr lang="es-UY" dirty="0" err="1"/>
-              <a:t>listaProductos</a:t>
+              <a:t>ListaSimpleProductos</a:t>
             </a:r>
             <a:r>
               <a:rPr lang="es-UY" dirty="0"/>
@@ -4301,7 +4192,7 @@
         </p:nvSpPr>
         <p:spPr>
           <a:xfrm>
-            <a:off x="8322813" y="2179514"/>
+            <a:off x="8184884" y="1857139"/>
             <a:ext cx="1140643" cy="688157"/>
           </a:xfrm>
           <a:prstGeom prst="rect">
@@ -4353,7 +4244,7 @@
         </p:nvSpPr>
         <p:spPr>
           <a:xfrm>
-            <a:off x="8322813" y="3000021"/>
+            <a:off x="8184884" y="2677646"/>
             <a:ext cx="1140643" cy="688157"/>
           </a:xfrm>
           <a:prstGeom prst="rect">
@@ -4393,10 +4284,10 @@
       </p:sp>
       <p:sp>
         <p:nvSpPr>
-          <p:cNvPr id="29" name="CuadroTexto 28">
-            <a:extLst>
-              <a:ext uri="{FF2B5EF4-FFF2-40B4-BE49-F238E27FC236}">
-                <a16:creationId xmlns:a16="http://schemas.microsoft.com/office/drawing/2014/main" id="{DB4379BE-FD88-AFF3-53D5-0F37DAB64340}"/>
+          <p:cNvPr id="8" name="CuadroTexto 7">
+            <a:extLst>
+              <a:ext uri="{FF2B5EF4-FFF2-40B4-BE49-F238E27FC236}">
+                <a16:creationId xmlns:a16="http://schemas.microsoft.com/office/drawing/2014/main" id="{134F8412-F78E-DE75-6C45-1C63F7E9C8EA}"/>
               </a:ext>
             </a:extLst>
           </p:cNvPr>
@@ -4405,8 +4296,8 @@
         </p:nvSpPr>
         <p:spPr>
           <a:xfrm>
-            <a:off x="9463455" y="1308711"/>
-            <a:ext cx="1484995" cy="369332"/>
+            <a:off x="9478011" y="908555"/>
+            <a:ext cx="2284509" cy="2585323"/>
           </a:xfrm>
           <a:prstGeom prst="rect">
             <a:avLst/>
@@ -4421,7 +4312,671 @@
           <a:p>
             <a:r>
               <a:rPr lang="es-UY" dirty="0"/>
-              <a:t>Lista simple</a:t>
+              <a:t>Se muestran en orden en que se les dio el alta (el primer elementos se muestra primero). </a:t>
+            </a:r>
+            <a:r>
+              <a:rPr lang="es-UY" dirty="0">
+                <a:highlight>
+                  <a:srgbClr val="FFFF00"/>
+                </a:highlight>
+              </a:rPr>
+              <a:t>PERO</a:t>
+            </a:r>
+          </a:p>
+          <a:p>
+            <a:r>
+              <a:rPr lang="es-UY" dirty="0">
+                <a:highlight>
+                  <a:srgbClr val="FFFF00"/>
+                </a:highlight>
+              </a:rPr>
+              <a:t>2.5 Tengo que buscar por nombre para eliminar producto ósea LISTA?</a:t>
+            </a:r>
+          </a:p>
+        </p:txBody>
+      </p:sp>
+      <p:sp>
+        <p:nvSpPr>
+          <p:cNvPr id="14" name="CuadroTexto 13">
+            <a:extLst>
+              <a:ext uri="{FF2B5EF4-FFF2-40B4-BE49-F238E27FC236}">
+                <a16:creationId xmlns:a16="http://schemas.microsoft.com/office/drawing/2014/main" id="{26887DC5-23BC-230D-690C-08F829EB4DE9}"/>
+              </a:ext>
+            </a:extLst>
+          </p:cNvPr>
+          <p:cNvSpPr txBox="1"/>
+          <p:nvPr/>
+        </p:nvSpPr>
+        <p:spPr>
+          <a:xfrm>
+            <a:off x="5134723" y="2878797"/>
+            <a:ext cx="2211127" cy="1477328"/>
+          </a:xfrm>
+          <a:prstGeom prst="rect">
+            <a:avLst/>
+          </a:prstGeom>
+          <a:noFill/>
+        </p:spPr>
+        <p:txBody>
+          <a:bodyPr wrap="square" rtlCol="0">
+            <a:spAutoFit/>
+          </a:bodyPr>
+          <a:lstStyle/>
+          <a:p>
+            <a:r>
+              <a:rPr lang="es-UY" dirty="0"/>
+              <a:t>Se agrega uno arriba de otro, y cuando se deshacen pasos, el ultimo en entrar es el primero en salir</a:t>
+            </a:r>
+          </a:p>
+        </p:txBody>
+      </p:sp>
+      <p:sp>
+        <p:nvSpPr>
+          <p:cNvPr id="17" name="CuadroTexto 16">
+            <a:extLst>
+              <a:ext uri="{FF2B5EF4-FFF2-40B4-BE49-F238E27FC236}">
+                <a16:creationId xmlns:a16="http://schemas.microsoft.com/office/drawing/2014/main" id="{DFAFAC94-7726-C550-AD0E-66EBC61B15BC}"/>
+              </a:ext>
+            </a:extLst>
+          </p:cNvPr>
+          <p:cNvSpPr txBox="1"/>
+          <p:nvPr/>
+        </p:nvSpPr>
+        <p:spPr>
+          <a:xfrm>
+            <a:off x="9013451" y="4506614"/>
+            <a:ext cx="3362544" cy="1477328"/>
+          </a:xfrm>
+          <a:prstGeom prst="rect">
+            <a:avLst/>
+          </a:prstGeom>
+          <a:noFill/>
+        </p:spPr>
+        <p:txBody>
+          <a:bodyPr wrap="square" rtlCol="0">
+            <a:spAutoFit/>
+          </a:bodyPr>
+          <a:lstStyle/>
+          <a:p>
+            <a:r>
+              <a:rPr lang="es-UY" dirty="0"/>
+              <a:t>Se procesan en orden de llegada (el primer elementos se procesa primero), pedido procesado se elimina y pasa a </a:t>
+            </a:r>
+            <a:r>
+              <a:rPr lang="es-UY" dirty="0" err="1"/>
+              <a:t>ColaPedidosParaEntregar</a:t>
+            </a:r>
+            <a:r>
+              <a:rPr lang="es-UY" dirty="0"/>
+              <a:t>()</a:t>
+            </a:r>
+          </a:p>
+        </p:txBody>
+      </p:sp>
+      <p:sp>
+        <p:nvSpPr>
+          <p:cNvPr id="26" name="CuadroTexto 25">
+            <a:extLst>
+              <a:ext uri="{FF2B5EF4-FFF2-40B4-BE49-F238E27FC236}">
+                <a16:creationId xmlns:a16="http://schemas.microsoft.com/office/drawing/2014/main" id="{E1D28098-26E0-366C-D16D-75ADED6F6D87}"/>
+              </a:ext>
+            </a:extLst>
+          </p:cNvPr>
+          <p:cNvSpPr txBox="1"/>
+          <p:nvPr/>
+        </p:nvSpPr>
+        <p:spPr>
+          <a:xfrm>
+            <a:off x="3480860" y="84631"/>
+            <a:ext cx="3407121" cy="646331"/>
+          </a:xfrm>
+          <a:prstGeom prst="rect">
+            <a:avLst/>
+          </a:prstGeom>
+          <a:noFill/>
+        </p:spPr>
+        <p:txBody>
+          <a:bodyPr wrap="square" rtlCol="0">
+            <a:spAutoFit/>
+          </a:bodyPr>
+          <a:lstStyle/>
+          <a:p>
+            <a:r>
+              <a:rPr lang="es-UY" dirty="0"/>
+              <a:t>Se busca por Ci, se muestran ordenados </a:t>
+            </a:r>
+            <a:r>
+              <a:rPr lang="es-UY" dirty="0" err="1"/>
+              <a:t>alfabeticamente</a:t>
+            </a:r>
+            <a:endParaRPr lang="es-UY" dirty="0"/>
+          </a:p>
+        </p:txBody>
+      </p:sp>
+      <p:cxnSp>
+        <p:nvCxnSpPr>
+          <p:cNvPr id="30" name="Conector recto de flecha 29">
+            <a:extLst>
+              <a:ext uri="{FF2B5EF4-FFF2-40B4-BE49-F238E27FC236}">
+                <a16:creationId xmlns:a16="http://schemas.microsoft.com/office/drawing/2014/main" id="{583D7A11-6D9E-0F74-8A41-FF4898A569CD}"/>
+              </a:ext>
+            </a:extLst>
+          </p:cNvPr>
+          <p:cNvCxnSpPr>
+            <a:cxnSpLocks/>
+          </p:cNvCxnSpPr>
+          <p:nvPr/>
+        </p:nvCxnSpPr>
+        <p:spPr>
+          <a:xfrm>
+            <a:off x="1599133" y="1794419"/>
+            <a:ext cx="0" cy="534291"/>
+          </a:xfrm>
+          <a:prstGeom prst="straightConnector1">
+            <a:avLst/>
+          </a:prstGeom>
+          <a:ln>
+            <a:tailEnd type="triangle"/>
+          </a:ln>
+        </p:spPr>
+        <p:style>
+          <a:lnRef idx="1">
+            <a:schemeClr val="accent1"/>
+          </a:lnRef>
+          <a:fillRef idx="0">
+            <a:schemeClr val="accent1"/>
+          </a:fillRef>
+          <a:effectRef idx="0">
+            <a:schemeClr val="accent1"/>
+          </a:effectRef>
+          <a:fontRef idx="minor">
+            <a:schemeClr val="tx1"/>
+          </a:fontRef>
+        </p:style>
+      </p:cxnSp>
+      <p:sp>
+        <p:nvSpPr>
+          <p:cNvPr id="32" name="Rectángulo 31">
+            <a:extLst>
+              <a:ext uri="{FF2B5EF4-FFF2-40B4-BE49-F238E27FC236}">
+                <a16:creationId xmlns:a16="http://schemas.microsoft.com/office/drawing/2014/main" id="{5C33449E-246E-476B-5E7D-DD20D8213147}"/>
+              </a:ext>
+            </a:extLst>
+          </p:cNvPr>
+          <p:cNvSpPr/>
+          <p:nvPr/>
+        </p:nvSpPr>
+        <p:spPr>
+          <a:xfrm flipV="1">
+            <a:off x="1126745" y="2338667"/>
+            <a:ext cx="944774" cy="369332"/>
+          </a:xfrm>
+          <a:prstGeom prst="rect">
+            <a:avLst/>
+          </a:prstGeom>
+        </p:spPr>
+        <p:style>
+          <a:lnRef idx="2">
+            <a:schemeClr val="accent4">
+              <a:shade val="50000"/>
+            </a:schemeClr>
+          </a:lnRef>
+          <a:fillRef idx="1">
+            <a:schemeClr val="accent4"/>
+          </a:fillRef>
+          <a:effectRef idx="0">
+            <a:schemeClr val="accent4"/>
+          </a:effectRef>
+          <a:fontRef idx="minor">
+            <a:schemeClr val="lt1"/>
+          </a:fontRef>
+        </p:style>
+        <p:txBody>
+          <a:bodyPr rtlCol="0" anchor="ctr"/>
+          <a:lstStyle/>
+          <a:p>
+            <a:pPr algn="ctr"/>
+            <a:endParaRPr lang="es-UY"/>
+          </a:p>
+        </p:txBody>
+      </p:sp>
+      <p:sp>
+        <p:nvSpPr>
+          <p:cNvPr id="33" name="Rectángulo 32">
+            <a:extLst>
+              <a:ext uri="{FF2B5EF4-FFF2-40B4-BE49-F238E27FC236}">
+                <a16:creationId xmlns:a16="http://schemas.microsoft.com/office/drawing/2014/main" id="{B48A363C-AE49-66AD-16A1-EF2222439BD3}"/>
+              </a:ext>
+            </a:extLst>
+          </p:cNvPr>
+          <p:cNvSpPr/>
+          <p:nvPr/>
+        </p:nvSpPr>
+        <p:spPr>
+          <a:xfrm flipV="1">
+            <a:off x="1126747" y="2762600"/>
+            <a:ext cx="944774" cy="369332"/>
+          </a:xfrm>
+          <a:prstGeom prst="rect">
+            <a:avLst/>
+          </a:prstGeom>
+        </p:spPr>
+        <p:style>
+          <a:lnRef idx="2">
+            <a:schemeClr val="accent4">
+              <a:shade val="50000"/>
+            </a:schemeClr>
+          </a:lnRef>
+          <a:fillRef idx="1">
+            <a:schemeClr val="accent4"/>
+          </a:fillRef>
+          <a:effectRef idx="0">
+            <a:schemeClr val="accent4"/>
+          </a:effectRef>
+          <a:fontRef idx="minor">
+            <a:schemeClr val="lt1"/>
+          </a:fontRef>
+        </p:style>
+        <p:txBody>
+          <a:bodyPr rtlCol="0" anchor="ctr"/>
+          <a:lstStyle/>
+          <a:p>
+            <a:pPr algn="ctr"/>
+            <a:endParaRPr lang="es-UY"/>
+          </a:p>
+        </p:txBody>
+      </p:sp>
+      <p:sp>
+        <p:nvSpPr>
+          <p:cNvPr id="34" name="Rectángulo 33">
+            <a:extLst>
+              <a:ext uri="{FF2B5EF4-FFF2-40B4-BE49-F238E27FC236}">
+                <a16:creationId xmlns:a16="http://schemas.microsoft.com/office/drawing/2014/main" id="{3F3ADED7-FE15-8C10-1B98-FA35576FCDC9}"/>
+              </a:ext>
+            </a:extLst>
+          </p:cNvPr>
+          <p:cNvSpPr/>
+          <p:nvPr/>
+        </p:nvSpPr>
+        <p:spPr>
+          <a:xfrm flipV="1">
+            <a:off x="1126746" y="3208831"/>
+            <a:ext cx="944774" cy="369332"/>
+          </a:xfrm>
+          <a:prstGeom prst="rect">
+            <a:avLst/>
+          </a:prstGeom>
+        </p:spPr>
+        <p:style>
+          <a:lnRef idx="2">
+            <a:schemeClr val="accent4">
+              <a:shade val="50000"/>
+            </a:schemeClr>
+          </a:lnRef>
+          <a:fillRef idx="1">
+            <a:schemeClr val="accent4"/>
+          </a:fillRef>
+          <a:effectRef idx="0">
+            <a:schemeClr val="accent4"/>
+          </a:effectRef>
+          <a:fontRef idx="minor">
+            <a:schemeClr val="lt1"/>
+          </a:fontRef>
+        </p:style>
+        <p:txBody>
+          <a:bodyPr rtlCol="0" anchor="ctr"/>
+          <a:lstStyle/>
+          <a:p>
+            <a:pPr algn="ctr"/>
+            <a:endParaRPr lang="es-UY"/>
+          </a:p>
+        </p:txBody>
+      </p:sp>
+      <p:sp>
+        <p:nvSpPr>
+          <p:cNvPr id="35" name="CuadroTexto 34">
+            <a:extLst>
+              <a:ext uri="{FF2B5EF4-FFF2-40B4-BE49-F238E27FC236}">
+                <a16:creationId xmlns:a16="http://schemas.microsoft.com/office/drawing/2014/main" id="{6D232677-BD88-1493-AB99-F3C0661E7921}"/>
+              </a:ext>
+            </a:extLst>
+          </p:cNvPr>
+          <p:cNvSpPr txBox="1"/>
+          <p:nvPr/>
+        </p:nvSpPr>
+        <p:spPr>
+          <a:xfrm rot="16200000">
+            <a:off x="-211969" y="2735775"/>
+            <a:ext cx="2052550" cy="369332"/>
+          </a:xfrm>
+          <a:prstGeom prst="rect">
+            <a:avLst/>
+          </a:prstGeom>
+          <a:noFill/>
+        </p:spPr>
+        <p:txBody>
+          <a:bodyPr wrap="none" rtlCol="0">
+            <a:spAutoFit/>
+          </a:bodyPr>
+          <a:lstStyle/>
+          <a:p>
+            <a:r>
+              <a:rPr lang="en-US" dirty="0" err="1"/>
+              <a:t>PilaPedidos</a:t>
+            </a:r>
+            <a:r>
+              <a:rPr lang="en-US" dirty="0"/>
+              <a:t>(</a:t>
+            </a:r>
+            <a:r>
+              <a:rPr lang="en-US" dirty="0" err="1"/>
+              <a:t>Cliente</a:t>
+            </a:r>
+            <a:r>
+              <a:rPr lang="en-US" dirty="0"/>
+              <a:t>)</a:t>
+            </a:r>
+            <a:endParaRPr lang="es-UY" dirty="0"/>
+          </a:p>
+        </p:txBody>
+      </p:sp>
+      <p:sp>
+        <p:nvSpPr>
+          <p:cNvPr id="36" name="CuadroTexto 35">
+            <a:extLst>
+              <a:ext uri="{FF2B5EF4-FFF2-40B4-BE49-F238E27FC236}">
+                <a16:creationId xmlns:a16="http://schemas.microsoft.com/office/drawing/2014/main" id="{05D2C676-402B-893F-D85C-9083FD14B72B}"/>
+              </a:ext>
+            </a:extLst>
+          </p:cNvPr>
+          <p:cNvSpPr txBox="1"/>
+          <p:nvPr/>
+        </p:nvSpPr>
+        <p:spPr>
+          <a:xfrm>
+            <a:off x="2071520" y="1923256"/>
+            <a:ext cx="4547956" cy="923330"/>
+          </a:xfrm>
+          <a:prstGeom prst="rect">
+            <a:avLst/>
+          </a:prstGeom>
+          <a:noFill/>
+        </p:spPr>
+        <p:txBody>
+          <a:bodyPr wrap="square" rtlCol="0">
+            <a:spAutoFit/>
+          </a:bodyPr>
+          <a:lstStyle/>
+          <a:p>
+            <a:r>
+              <a:rPr lang="en-US" dirty="0" err="1"/>
+              <a:t>Nuevos</a:t>
+            </a:r>
+            <a:r>
+              <a:rPr lang="en-US" dirty="0"/>
+              <a:t> </a:t>
+            </a:r>
+            <a:r>
+              <a:rPr lang="en-US" dirty="0" err="1"/>
+              <a:t>pedidos</a:t>
+            </a:r>
+            <a:r>
+              <a:rPr lang="en-US" dirty="0"/>
+              <a:t> se </a:t>
+            </a:r>
+            <a:r>
+              <a:rPr lang="en-US" dirty="0" err="1"/>
+              <a:t>agregan</a:t>
+            </a:r>
+            <a:r>
+              <a:rPr lang="en-US" dirty="0"/>
+              <a:t> al final, para </a:t>
+            </a:r>
+            <a:r>
+              <a:rPr lang="en-US" dirty="0" err="1"/>
+              <a:t>listar</a:t>
+            </a:r>
+            <a:r>
+              <a:rPr lang="en-US" dirty="0"/>
+              <a:t> </a:t>
+            </a:r>
+            <a:r>
+              <a:rPr lang="en-US" dirty="0" err="1"/>
+              <a:t>pedidos</a:t>
+            </a:r>
+            <a:r>
+              <a:rPr lang="en-US" dirty="0"/>
+              <a:t> </a:t>
+            </a:r>
+            <a:r>
+              <a:rPr lang="en-US" dirty="0" err="1"/>
+              <a:t>cerrados</a:t>
+            </a:r>
+            <a:r>
+              <a:rPr lang="en-US" dirty="0"/>
+              <a:t>, se </a:t>
+            </a:r>
+            <a:r>
+              <a:rPr lang="en-US" dirty="0" err="1"/>
+              <a:t>evalua</a:t>
+            </a:r>
+            <a:r>
+              <a:rPr lang="en-US" dirty="0"/>
+              <a:t> </a:t>
+            </a:r>
+            <a:r>
+              <a:rPr lang="en-US" dirty="0" err="1"/>
+              <a:t>el</a:t>
+            </a:r>
+            <a:r>
+              <a:rPr lang="en-US" dirty="0"/>
+              <a:t> primero </a:t>
+            </a:r>
+            <a:r>
+              <a:rPr lang="en-US" dirty="0" err="1"/>
+              <a:t>ya</a:t>
+            </a:r>
+            <a:r>
+              <a:rPr lang="en-US" dirty="0"/>
+              <a:t> que </a:t>
+            </a:r>
+            <a:r>
+              <a:rPr lang="en-US" dirty="0" err="1"/>
+              <a:t>el</a:t>
+            </a:r>
+            <a:r>
+              <a:rPr lang="en-US" dirty="0"/>
+              <a:t> resto </a:t>
+            </a:r>
+            <a:r>
+              <a:rPr lang="en-US" dirty="0" err="1"/>
+              <a:t>estan</a:t>
+            </a:r>
+            <a:r>
+              <a:rPr lang="en-US" dirty="0"/>
+              <a:t> </a:t>
+            </a:r>
+            <a:r>
+              <a:rPr lang="en-US" dirty="0" err="1"/>
+              <a:t>cerrados</a:t>
+            </a:r>
+            <a:endParaRPr lang="es-UY" dirty="0"/>
+          </a:p>
+        </p:txBody>
+      </p:sp>
+      <p:sp>
+        <p:nvSpPr>
+          <p:cNvPr id="38" name="Rectángulo 37">
+            <a:extLst>
+              <a:ext uri="{FF2B5EF4-FFF2-40B4-BE49-F238E27FC236}">
+                <a16:creationId xmlns:a16="http://schemas.microsoft.com/office/drawing/2014/main" id="{65967C9B-5C8B-22F8-529D-25972AC458AD}"/>
+              </a:ext>
+            </a:extLst>
+          </p:cNvPr>
+          <p:cNvSpPr/>
+          <p:nvPr/>
+        </p:nvSpPr>
+        <p:spPr>
+          <a:xfrm>
+            <a:off x="411506" y="5599859"/>
+            <a:ext cx="1140643" cy="688157"/>
+          </a:xfrm>
+          <a:prstGeom prst="rect">
+            <a:avLst/>
+          </a:prstGeom>
+        </p:spPr>
+        <p:style>
+          <a:lnRef idx="2">
+            <a:schemeClr val="accent4">
+              <a:shade val="50000"/>
+            </a:schemeClr>
+          </a:lnRef>
+          <a:fillRef idx="1">
+            <a:schemeClr val="accent4"/>
+          </a:fillRef>
+          <a:effectRef idx="0">
+            <a:schemeClr val="accent4"/>
+          </a:effectRef>
+          <a:fontRef idx="minor">
+            <a:schemeClr val="lt1"/>
+          </a:fontRef>
+        </p:style>
+        <p:txBody>
+          <a:bodyPr rtlCol="0" anchor="ctr"/>
+          <a:lstStyle/>
+          <a:p>
+            <a:pPr algn="ctr"/>
+            <a:endParaRPr lang="es-UY"/>
+          </a:p>
+        </p:txBody>
+      </p:sp>
+      <p:sp>
+        <p:nvSpPr>
+          <p:cNvPr id="39" name="Rectángulo 38">
+            <a:extLst>
+              <a:ext uri="{FF2B5EF4-FFF2-40B4-BE49-F238E27FC236}">
+                <a16:creationId xmlns:a16="http://schemas.microsoft.com/office/drawing/2014/main" id="{EE2135ED-D600-D083-3172-D0B0B7F03AC0}"/>
+              </a:ext>
+            </a:extLst>
+          </p:cNvPr>
+          <p:cNvSpPr/>
+          <p:nvPr/>
+        </p:nvSpPr>
+        <p:spPr>
+          <a:xfrm>
+            <a:off x="1677539" y="5599859"/>
+            <a:ext cx="1140643" cy="688157"/>
+          </a:xfrm>
+          <a:prstGeom prst="rect">
+            <a:avLst/>
+          </a:prstGeom>
+        </p:spPr>
+        <p:style>
+          <a:lnRef idx="2">
+            <a:schemeClr val="accent4">
+              <a:shade val="50000"/>
+            </a:schemeClr>
+          </a:lnRef>
+          <a:fillRef idx="1">
+            <a:schemeClr val="accent4"/>
+          </a:fillRef>
+          <a:effectRef idx="0">
+            <a:schemeClr val="accent4"/>
+          </a:effectRef>
+          <a:fontRef idx="minor">
+            <a:schemeClr val="lt1"/>
+          </a:fontRef>
+        </p:style>
+        <p:txBody>
+          <a:bodyPr rtlCol="0" anchor="ctr"/>
+          <a:lstStyle/>
+          <a:p>
+            <a:pPr algn="ctr"/>
+            <a:endParaRPr lang="es-UY"/>
+          </a:p>
+        </p:txBody>
+      </p:sp>
+      <p:sp>
+        <p:nvSpPr>
+          <p:cNvPr id="40" name="Rectángulo 39">
+            <a:extLst>
+              <a:ext uri="{FF2B5EF4-FFF2-40B4-BE49-F238E27FC236}">
+                <a16:creationId xmlns:a16="http://schemas.microsoft.com/office/drawing/2014/main" id="{B920682D-5C3B-A225-9B5E-B258BC17BE40}"/>
+              </a:ext>
+            </a:extLst>
+          </p:cNvPr>
+          <p:cNvSpPr/>
+          <p:nvPr/>
+        </p:nvSpPr>
+        <p:spPr>
+          <a:xfrm>
+            <a:off x="2905206" y="5599859"/>
+            <a:ext cx="1140643" cy="688157"/>
+          </a:xfrm>
+          <a:prstGeom prst="rect">
+            <a:avLst/>
+          </a:prstGeom>
+        </p:spPr>
+        <p:style>
+          <a:lnRef idx="2">
+            <a:schemeClr val="accent4">
+              <a:shade val="50000"/>
+            </a:schemeClr>
+          </a:lnRef>
+          <a:fillRef idx="1">
+            <a:schemeClr val="accent4"/>
+          </a:fillRef>
+          <a:effectRef idx="0">
+            <a:schemeClr val="accent4"/>
+          </a:effectRef>
+          <a:fontRef idx="minor">
+            <a:schemeClr val="lt1"/>
+          </a:fontRef>
+        </p:style>
+        <p:txBody>
+          <a:bodyPr rtlCol="0" anchor="ctr"/>
+          <a:lstStyle/>
+          <a:p>
+            <a:pPr algn="ctr"/>
+            <a:endParaRPr lang="es-UY"/>
+          </a:p>
+        </p:txBody>
+      </p:sp>
+      <p:sp>
+        <p:nvSpPr>
+          <p:cNvPr id="44" name="CuadroTexto 43">
+            <a:extLst>
+              <a:ext uri="{FF2B5EF4-FFF2-40B4-BE49-F238E27FC236}">
+                <a16:creationId xmlns:a16="http://schemas.microsoft.com/office/drawing/2014/main" id="{37ADB68D-C40F-217B-B994-AD420C64EC5C}"/>
+              </a:ext>
+            </a:extLst>
+          </p:cNvPr>
+          <p:cNvSpPr txBox="1"/>
+          <p:nvPr/>
+        </p:nvSpPr>
+        <p:spPr>
+          <a:xfrm flipH="1">
+            <a:off x="309109" y="5081983"/>
+            <a:ext cx="3524821" cy="369332"/>
+          </a:xfrm>
+          <a:prstGeom prst="rect">
+            <a:avLst/>
+          </a:prstGeom>
+          <a:noFill/>
+        </p:spPr>
+        <p:txBody>
+          <a:bodyPr wrap="square" rtlCol="0">
+            <a:spAutoFit/>
+          </a:bodyPr>
+          <a:lstStyle/>
+          <a:p>
+            <a:r>
+              <a:rPr lang="es-UY" dirty="0" err="1"/>
+              <a:t>ColaPedidosParaEntrgar</a:t>
+            </a:r>
+            <a:r>
+              <a:rPr lang="es-UY" dirty="0"/>
+              <a:t> (Sistema)</a:t>
             </a:r>
           </a:p>
         </p:txBody>

--- a/estructura.pptx
+++ b/estructura.pptx
@@ -6,6 +6,8 @@
   </p:sldMasterIdLst>
   <p:sldIdLst>
     <p:sldId id="256" r:id="rId2"/>
+    <p:sldId id="258" r:id="rId3"/>
+    <p:sldId id="257" r:id="rId4"/>
   </p:sldIdLst>
   <p:sldSz cx="12192000" cy="6858000"/>
   <p:notesSz cx="6858000" cy="9144000"/>
@@ -115,7 +117,7 @@
 <file path=ppt/revisionInfo.xml><?xml version="1.0" encoding="utf-8"?>
 <p1510:revInfo xmlns:a="http://schemas.openxmlformats.org/drawingml/2006/main" xmlns:r="http://schemas.openxmlformats.org/officeDocument/2006/relationships" xmlns:p1510="http://schemas.microsoft.com/office/powerpoint/2015/10/main">
   <p1510:revLst>
-    <p1510:client id="{CEFFCF97-A6EB-42E5-A1B4-79EF91758720}" v="7" dt="2023-04-13T21:48:47.275"/>
+    <p1510:client id="{CEFFCF97-A6EB-42E5-A1B4-79EF91758720}" v="24" dt="2023-04-24T15:05:34.517"/>
   </p1510:revLst>
 </p1510:revInfo>
 </file>
@@ -124,19 +126,19 @@
 <pc:chgInfo xmlns:a="http://schemas.openxmlformats.org/drawingml/2006/main" xmlns:r="http://schemas.openxmlformats.org/officeDocument/2006/relationships" xmlns:ac="http://schemas.microsoft.com/office/drawing/2013/main/command" xmlns:pc="http://schemas.microsoft.com/office/powerpoint/2013/main/command">
   <pc:docChgLst>
     <pc:chgData name="Sofi Fernandez" userId="5dcd86d9bf03d87f" providerId="LiveId" clId="{CEFFCF97-A6EB-42E5-A1B4-79EF91758720}"/>
-    <pc:docChg chg="custSel modSld">
-      <pc:chgData name="Sofi Fernandez" userId="5dcd86d9bf03d87f" providerId="LiveId" clId="{CEFFCF97-A6EB-42E5-A1B4-79EF91758720}" dt="2023-04-13T21:52:37.551" v="92" actId="1076"/>
+    <pc:docChg chg="undo custSel addSld modSld">
+      <pc:chgData name="Sofi Fernandez" userId="5dcd86d9bf03d87f" providerId="LiveId" clId="{CEFFCF97-A6EB-42E5-A1B4-79EF91758720}" dt="2023-04-24T15:05:54.775" v="946" actId="20577"/>
       <pc:docMkLst>
         <pc:docMk/>
       </pc:docMkLst>
       <pc:sldChg chg="addSp delSp modSp mod">
-        <pc:chgData name="Sofi Fernandez" userId="5dcd86d9bf03d87f" providerId="LiveId" clId="{CEFFCF97-A6EB-42E5-A1B4-79EF91758720}" dt="2023-04-13T21:52:37.551" v="92" actId="1076"/>
+        <pc:chgData name="Sofi Fernandez" userId="5dcd86d9bf03d87f" providerId="LiveId" clId="{CEFFCF97-A6EB-42E5-A1B4-79EF91758720}" dt="2023-04-24T13:37:15.928" v="170" actId="14100"/>
         <pc:sldMkLst>
           <pc:docMk/>
           <pc:sldMk cId="3422180790" sldId="256"/>
         </pc:sldMkLst>
         <pc:spChg chg="mod">
-          <ac:chgData name="Sofi Fernandez" userId="5dcd86d9bf03d87f" providerId="LiveId" clId="{CEFFCF97-A6EB-42E5-A1B4-79EF91758720}" dt="2023-04-13T21:52:21.403" v="80" actId="20577"/>
+          <ac:chgData name="Sofi Fernandez" userId="5dcd86d9bf03d87f" providerId="LiveId" clId="{CEFFCF97-A6EB-42E5-A1B4-79EF91758720}" dt="2023-04-24T13:35:09.388" v="116" actId="113"/>
           <ac:spMkLst>
             <pc:docMk/>
             <pc:sldMk cId="3422180790" sldId="256"/>
@@ -152,7 +154,23 @@
           </ac:spMkLst>
         </pc:spChg>
         <pc:spChg chg="mod">
-          <ac:chgData name="Sofi Fernandez" userId="5dcd86d9bf03d87f" providerId="LiveId" clId="{CEFFCF97-A6EB-42E5-A1B4-79EF91758720}" dt="2023-04-13T21:47:50.984" v="27" actId="20577"/>
+          <ac:chgData name="Sofi Fernandez" userId="5dcd86d9bf03d87f" providerId="LiveId" clId="{CEFFCF97-A6EB-42E5-A1B4-79EF91758720}" dt="2023-04-24T13:35:56.098" v="135" actId="1076"/>
+          <ac:spMkLst>
+            <pc:docMk/>
+            <pc:sldMk cId="3422180790" sldId="256"/>
+            <ac:spMk id="14" creationId="{26887DC5-23BC-230D-690C-08F829EB4DE9}"/>
+          </ac:spMkLst>
+        </pc:spChg>
+        <pc:spChg chg="mod">
+          <ac:chgData name="Sofi Fernandez" userId="5dcd86d9bf03d87f" providerId="LiveId" clId="{CEFFCF97-A6EB-42E5-A1B4-79EF91758720}" dt="2023-04-24T13:37:15.928" v="170" actId="14100"/>
+          <ac:spMkLst>
+            <pc:docMk/>
+            <pc:sldMk cId="3422180790" sldId="256"/>
+            <ac:spMk id="16" creationId="{74940B42-6742-9E5D-19ED-60BA00053131}"/>
+          </ac:spMkLst>
+        </pc:spChg>
+        <pc:spChg chg="mod">
+          <ac:chgData name="Sofi Fernandez" userId="5dcd86d9bf03d87f" providerId="LiveId" clId="{CEFFCF97-A6EB-42E5-A1B4-79EF91758720}" dt="2023-04-24T13:36:01.259" v="136" actId="113"/>
           <ac:spMkLst>
             <pc:docMk/>
             <pc:sldMk cId="3422180790" sldId="256"/>
@@ -168,7 +186,7 @@
           </ac:spMkLst>
         </pc:spChg>
         <pc:spChg chg="add mod">
-          <ac:chgData name="Sofi Fernandez" userId="5dcd86d9bf03d87f" providerId="LiveId" clId="{CEFFCF97-A6EB-42E5-A1B4-79EF91758720}" dt="2023-04-13T21:51:55.519" v="67" actId="1076"/>
+          <ac:chgData name="Sofi Fernandez" userId="5dcd86d9bf03d87f" providerId="LiveId" clId="{CEFFCF97-A6EB-42E5-A1B4-79EF91758720}" dt="2023-04-24T13:36:48.291" v="167" actId="113"/>
           <ac:spMkLst>
             <pc:docMk/>
             <pc:sldMk cId="3422180790" sldId="256"/>
@@ -181,6 +199,14 @@
             <pc:docMk/>
             <pc:sldMk cId="3422180790" sldId="256"/>
             <ac:spMk id="26" creationId="{AE7A5A37-8AF1-594D-D28E-74485B357376}"/>
+          </ac:spMkLst>
+        </pc:spChg>
+        <pc:spChg chg="mod">
+          <ac:chgData name="Sofi Fernandez" userId="5dcd86d9bf03d87f" providerId="LiveId" clId="{CEFFCF97-A6EB-42E5-A1B4-79EF91758720}" dt="2023-04-24T13:35:50.898" v="133" actId="123"/>
+          <ac:spMkLst>
+            <pc:docMk/>
+            <pc:sldMk cId="3422180790" sldId="256"/>
+            <ac:spMk id="26" creationId="{E1D28098-26E0-366C-D16D-75ADED6F6D87}"/>
           </ac:spMkLst>
         </pc:spChg>
         <pc:spChg chg="add mod">
@@ -239,6 +265,500 @@
             <ac:spMk id="33" creationId="{C5E98CA0-42DF-DBE5-6A79-10213ECB9DF8}"/>
           </ac:spMkLst>
         </pc:spChg>
+        <pc:spChg chg="mod">
+          <ac:chgData name="Sofi Fernandez" userId="5dcd86d9bf03d87f" providerId="LiveId" clId="{CEFFCF97-A6EB-42E5-A1B4-79EF91758720}" dt="2023-04-24T13:35:12" v="117" actId="113"/>
+          <ac:spMkLst>
+            <pc:docMk/>
+            <pc:sldMk cId="3422180790" sldId="256"/>
+            <ac:spMk id="35" creationId="{6D232677-BD88-1493-AB99-F3C0661E7921}"/>
+          </ac:spMkLst>
+        </pc:spChg>
+        <pc:spChg chg="mod">
+          <ac:chgData name="Sofi Fernandez" userId="5dcd86d9bf03d87f" providerId="LiveId" clId="{CEFFCF97-A6EB-42E5-A1B4-79EF91758720}" dt="2023-04-24T13:36:38.602" v="166" actId="20577"/>
+          <ac:spMkLst>
+            <pc:docMk/>
+            <pc:sldMk cId="3422180790" sldId="256"/>
+            <ac:spMk id="36" creationId="{05D2C676-402B-893F-D85C-9083FD14B72B}"/>
+          </ac:spMkLst>
+        </pc:spChg>
+        <pc:cxnChg chg="mod">
+          <ac:chgData name="Sofi Fernandez" userId="5dcd86d9bf03d87f" providerId="LiveId" clId="{CEFFCF97-A6EB-42E5-A1B4-79EF91758720}" dt="2023-04-24T13:34:20.822" v="115" actId="1076"/>
+          <ac:cxnSpMkLst>
+            <pc:docMk/>
+            <pc:sldMk cId="3422180790" sldId="256"/>
+            <ac:cxnSpMk id="30" creationId="{583D7A11-6D9E-0F74-8A41-FF4898A569CD}"/>
+          </ac:cxnSpMkLst>
+        </pc:cxnChg>
+      </pc:sldChg>
+      <pc:sldChg chg="new">
+        <pc:chgData name="Sofi Fernandez" userId="5dcd86d9bf03d87f" providerId="LiveId" clId="{CEFFCF97-A6EB-42E5-A1B4-79EF91758720}" dt="2023-04-24T13:37:02.914" v="168" actId="680"/>
+        <pc:sldMkLst>
+          <pc:docMk/>
+          <pc:sldMk cId="2670844793" sldId="257"/>
+        </pc:sldMkLst>
+      </pc:sldChg>
+      <pc:sldChg chg="addSp delSp modSp add mod">
+        <pc:chgData name="Sofi Fernandez" userId="5dcd86d9bf03d87f" providerId="LiveId" clId="{CEFFCF97-A6EB-42E5-A1B4-79EF91758720}" dt="2023-04-24T15:05:54.775" v="946" actId="20577"/>
+        <pc:sldMkLst>
+          <pc:docMk/>
+          <pc:sldMk cId="1857491606" sldId="258"/>
+        </pc:sldMkLst>
+        <pc:spChg chg="add mod">
+          <ac:chgData name="Sofi Fernandez" userId="5dcd86d9bf03d87f" providerId="LiveId" clId="{CEFFCF97-A6EB-42E5-A1B4-79EF91758720}" dt="2023-04-24T15:01:00.971" v="670" actId="1037"/>
+          <ac:spMkLst>
+            <pc:docMk/>
+            <pc:sldMk cId="1857491606" sldId="258"/>
+            <ac:spMk id="2" creationId="{BA0B6EE6-4538-E103-BF58-0802A09FF01B}"/>
+          </ac:spMkLst>
+        </pc:spChg>
+        <pc:spChg chg="add mod ord">
+          <ac:chgData name="Sofi Fernandez" userId="5dcd86d9bf03d87f" providerId="LiveId" clId="{CEFFCF97-A6EB-42E5-A1B4-79EF91758720}" dt="2023-04-24T15:01:44.711" v="677" actId="14100"/>
+          <ac:spMkLst>
+            <pc:docMk/>
+            <pc:sldMk cId="1857491606" sldId="258"/>
+            <ac:spMk id="3" creationId="{95911338-262D-7B49-33B7-AE2E84EDCA3E}"/>
+          </ac:spMkLst>
+        </pc:spChg>
+        <pc:spChg chg="mod">
+          <ac:chgData name="Sofi Fernandez" userId="5dcd86d9bf03d87f" providerId="LiveId" clId="{CEFFCF97-A6EB-42E5-A1B4-79EF91758720}" dt="2023-04-24T15:01:00.971" v="670" actId="1037"/>
+          <ac:spMkLst>
+            <pc:docMk/>
+            <pc:sldMk cId="1857491606" sldId="258"/>
+            <ac:spMk id="4" creationId="{8E20DFBD-0FDC-CFBE-D1FF-6F795AE7A329}"/>
+          </ac:spMkLst>
+        </pc:spChg>
+        <pc:spChg chg="mod">
+          <ac:chgData name="Sofi Fernandez" userId="5dcd86d9bf03d87f" providerId="LiveId" clId="{CEFFCF97-A6EB-42E5-A1B4-79EF91758720}" dt="2023-04-24T14:58:59.381" v="616" actId="1037"/>
+          <ac:spMkLst>
+            <pc:docMk/>
+            <pc:sldMk cId="1857491606" sldId="258"/>
+            <ac:spMk id="5" creationId="{45F51AFA-473D-FCCF-98D8-C1D95D16F69F}"/>
+          </ac:spMkLst>
+        </pc:spChg>
+        <pc:spChg chg="mod">
+          <ac:chgData name="Sofi Fernandez" userId="5dcd86d9bf03d87f" providerId="LiveId" clId="{CEFFCF97-A6EB-42E5-A1B4-79EF91758720}" dt="2023-04-24T15:01:00.971" v="670" actId="1037"/>
+          <ac:spMkLst>
+            <pc:docMk/>
+            <pc:sldMk cId="1857491606" sldId="258"/>
+            <ac:spMk id="6" creationId="{06FE537E-7325-47A6-5B65-C56ED4B8BB8F}"/>
+          </ac:spMkLst>
+        </pc:spChg>
+        <pc:spChg chg="mod">
+          <ac:chgData name="Sofi Fernandez" userId="5dcd86d9bf03d87f" providerId="LiveId" clId="{CEFFCF97-A6EB-42E5-A1B4-79EF91758720}" dt="2023-04-24T15:01:00.971" v="670" actId="1037"/>
+          <ac:spMkLst>
+            <pc:docMk/>
+            <pc:sldMk cId="1857491606" sldId="258"/>
+            <ac:spMk id="7" creationId="{A7EE3BBC-1498-E26E-FE19-C1F8E59937FA}"/>
+          </ac:spMkLst>
+        </pc:spChg>
+        <pc:spChg chg="mod">
+          <ac:chgData name="Sofi Fernandez" userId="5dcd86d9bf03d87f" providerId="LiveId" clId="{CEFFCF97-A6EB-42E5-A1B4-79EF91758720}" dt="2023-04-24T14:59:41.934" v="642" actId="1038"/>
+          <ac:spMkLst>
+            <pc:docMk/>
+            <pc:sldMk cId="1857491606" sldId="258"/>
+            <ac:spMk id="8" creationId="{134F8412-F78E-DE75-6C45-1C63F7E9C8EA}"/>
+          </ac:spMkLst>
+        </pc:spChg>
+        <pc:spChg chg="add mod">
+          <ac:chgData name="Sofi Fernandez" userId="5dcd86d9bf03d87f" providerId="LiveId" clId="{CEFFCF97-A6EB-42E5-A1B4-79EF91758720}" dt="2023-04-24T14:58:59.381" v="616" actId="1037"/>
+          <ac:spMkLst>
+            <pc:docMk/>
+            <pc:sldMk cId="1857491606" sldId="258"/>
+            <ac:spMk id="9" creationId="{955BBB35-0100-7EB5-46F6-81013E689508}"/>
+          </ac:spMkLst>
+        </pc:spChg>
+        <pc:spChg chg="mod">
+          <ac:chgData name="Sofi Fernandez" userId="5dcd86d9bf03d87f" providerId="LiveId" clId="{CEFFCF97-A6EB-42E5-A1B4-79EF91758720}" dt="2023-04-24T14:58:59.381" v="616" actId="1037"/>
+          <ac:spMkLst>
+            <pc:docMk/>
+            <pc:sldMk cId="1857491606" sldId="258"/>
+            <ac:spMk id="10" creationId="{EAC9CFAD-DCF2-2A10-F70F-FD5571DA632F}"/>
+          </ac:spMkLst>
+        </pc:spChg>
+        <pc:spChg chg="mod">
+          <ac:chgData name="Sofi Fernandez" userId="5dcd86d9bf03d87f" providerId="LiveId" clId="{CEFFCF97-A6EB-42E5-A1B4-79EF91758720}" dt="2023-04-24T14:58:59.381" v="616" actId="1037"/>
+          <ac:spMkLst>
+            <pc:docMk/>
+            <pc:sldMk cId="1857491606" sldId="258"/>
+            <ac:spMk id="11" creationId="{7271AA81-1F73-E4C6-70AE-B9A7BE60EC8C}"/>
+          </ac:spMkLst>
+        </pc:spChg>
+        <pc:spChg chg="del mod">
+          <ac:chgData name="Sofi Fernandez" userId="5dcd86d9bf03d87f" providerId="LiveId" clId="{CEFFCF97-A6EB-42E5-A1B4-79EF91758720}" dt="2023-04-24T14:51:34.240" v="443" actId="478"/>
+          <ac:spMkLst>
+            <pc:docMk/>
+            <pc:sldMk cId="1857491606" sldId="258"/>
+            <ac:spMk id="12" creationId="{388F6D36-1236-B005-F128-A65C74D8DCAC}"/>
+          </ac:spMkLst>
+        </pc:spChg>
+        <pc:spChg chg="del mod">
+          <ac:chgData name="Sofi Fernandez" userId="5dcd86d9bf03d87f" providerId="LiveId" clId="{CEFFCF97-A6EB-42E5-A1B4-79EF91758720}" dt="2023-04-24T14:51:35.051" v="444" actId="478"/>
+          <ac:spMkLst>
+            <pc:docMk/>
+            <pc:sldMk cId="1857491606" sldId="258"/>
+            <ac:spMk id="13" creationId="{DADF913F-90E3-3DA3-F316-635460342B14}"/>
+          </ac:spMkLst>
+        </pc:spChg>
+        <pc:spChg chg="mod">
+          <ac:chgData name="Sofi Fernandez" userId="5dcd86d9bf03d87f" providerId="LiveId" clId="{CEFFCF97-A6EB-42E5-A1B4-79EF91758720}" dt="2023-04-24T15:03:04.159" v="736" actId="20577"/>
+          <ac:spMkLst>
+            <pc:docMk/>
+            <pc:sldMk cId="1857491606" sldId="258"/>
+            <ac:spMk id="14" creationId="{26887DC5-23BC-230D-690C-08F829EB4DE9}"/>
+          </ac:spMkLst>
+        </pc:spChg>
+        <pc:spChg chg="mod">
+          <ac:chgData name="Sofi Fernandez" userId="5dcd86d9bf03d87f" providerId="LiveId" clId="{CEFFCF97-A6EB-42E5-A1B4-79EF91758720}" dt="2023-04-24T14:58:59.381" v="616" actId="1037"/>
+          <ac:spMkLst>
+            <pc:docMk/>
+            <pc:sldMk cId="1857491606" sldId="258"/>
+            <ac:spMk id="16" creationId="{74940B42-6742-9E5D-19ED-60BA00053131}"/>
+          </ac:spMkLst>
+        </pc:spChg>
+        <pc:spChg chg="mod">
+          <ac:chgData name="Sofi Fernandez" userId="5dcd86d9bf03d87f" providerId="LiveId" clId="{CEFFCF97-A6EB-42E5-A1B4-79EF91758720}" dt="2023-04-24T14:58:59.381" v="616" actId="1037"/>
+          <ac:spMkLst>
+            <pc:docMk/>
+            <pc:sldMk cId="1857491606" sldId="258"/>
+            <ac:spMk id="17" creationId="{DFAFAC94-7726-C550-AD0E-66EBC61B15BC}"/>
+          </ac:spMkLst>
+        </pc:spChg>
+        <pc:spChg chg="mod">
+          <ac:chgData name="Sofi Fernandez" userId="5dcd86d9bf03d87f" providerId="LiveId" clId="{CEFFCF97-A6EB-42E5-A1B4-79EF91758720}" dt="2023-04-24T14:58:59.381" v="616" actId="1037"/>
+          <ac:spMkLst>
+            <pc:docMk/>
+            <pc:sldMk cId="1857491606" sldId="258"/>
+            <ac:spMk id="19" creationId="{CF6B36BF-CA83-4C16-2878-9F1B073A9F33}"/>
+          </ac:spMkLst>
+        </pc:spChg>
+        <pc:spChg chg="mod">
+          <ac:chgData name="Sofi Fernandez" userId="5dcd86d9bf03d87f" providerId="LiveId" clId="{CEFFCF97-A6EB-42E5-A1B4-79EF91758720}" dt="2023-04-24T15:05:54.775" v="946" actId="20577"/>
+          <ac:spMkLst>
+            <pc:docMk/>
+            <pc:sldMk cId="1857491606" sldId="258"/>
+            <ac:spMk id="20" creationId="{AF9EC196-11E2-4549-EEE1-461C2BDE45B9}"/>
+          </ac:spMkLst>
+        </pc:spChg>
+        <pc:spChg chg="add mod">
+          <ac:chgData name="Sofi Fernandez" userId="5dcd86d9bf03d87f" providerId="LiveId" clId="{CEFFCF97-A6EB-42E5-A1B4-79EF91758720}" dt="2023-04-24T15:01:00.971" v="670" actId="1037"/>
+          <ac:spMkLst>
+            <pc:docMk/>
+            <pc:sldMk cId="1857491606" sldId="258"/>
+            <ac:spMk id="21" creationId="{0BD4AAE6-AC89-C6C9-91ED-0B7187C44C9B}"/>
+          </ac:spMkLst>
+        </pc:spChg>
+        <pc:spChg chg="mod">
+          <ac:chgData name="Sofi Fernandez" userId="5dcd86d9bf03d87f" providerId="LiveId" clId="{CEFFCF97-A6EB-42E5-A1B4-79EF91758720}" dt="2023-04-24T14:58:59.381" v="616" actId="1037"/>
+          <ac:spMkLst>
+            <pc:docMk/>
+            <pc:sldMk cId="1857491606" sldId="258"/>
+            <ac:spMk id="22" creationId="{4E1F71AD-6E22-A47D-2A64-C875E2F17F04}"/>
+          </ac:spMkLst>
+        </pc:spChg>
+        <pc:spChg chg="mod">
+          <ac:chgData name="Sofi Fernandez" userId="5dcd86d9bf03d87f" providerId="LiveId" clId="{CEFFCF97-A6EB-42E5-A1B4-79EF91758720}" dt="2023-04-24T14:58:59.381" v="616" actId="1037"/>
+          <ac:spMkLst>
+            <pc:docMk/>
+            <pc:sldMk cId="1857491606" sldId="258"/>
+            <ac:spMk id="23" creationId="{23B8CAC4-D738-D956-33C6-B5CA2028B64E}"/>
+          </ac:spMkLst>
+        </pc:spChg>
+        <pc:spChg chg="mod">
+          <ac:chgData name="Sofi Fernandez" userId="5dcd86d9bf03d87f" providerId="LiveId" clId="{CEFFCF97-A6EB-42E5-A1B4-79EF91758720}" dt="2023-04-24T14:59:41.934" v="642" actId="1038"/>
+          <ac:spMkLst>
+            <pc:docMk/>
+            <pc:sldMk cId="1857491606" sldId="258"/>
+            <ac:spMk id="24" creationId="{4E8827D2-C37F-76E1-47E5-9F88D819006C}"/>
+          </ac:spMkLst>
+        </pc:spChg>
+        <pc:spChg chg="mod">
+          <ac:chgData name="Sofi Fernandez" userId="5dcd86d9bf03d87f" providerId="LiveId" clId="{CEFFCF97-A6EB-42E5-A1B4-79EF91758720}" dt="2023-04-24T14:58:59.381" v="616" actId="1037"/>
+          <ac:spMkLst>
+            <pc:docMk/>
+            <pc:sldMk cId="1857491606" sldId="258"/>
+            <ac:spMk id="25" creationId="{5DABC579-AEF4-C43A-12AF-9795422F78AE}"/>
+          </ac:spMkLst>
+        </pc:spChg>
+        <pc:spChg chg="mod">
+          <ac:chgData name="Sofi Fernandez" userId="5dcd86d9bf03d87f" providerId="LiveId" clId="{CEFFCF97-A6EB-42E5-A1B4-79EF91758720}" dt="2023-04-24T15:01:08.816" v="673" actId="1076"/>
+          <ac:spMkLst>
+            <pc:docMk/>
+            <pc:sldMk cId="1857491606" sldId="258"/>
+            <ac:spMk id="26" creationId="{E1D28098-26E0-366C-D16D-75ADED6F6D87}"/>
+          </ac:spMkLst>
+        </pc:spChg>
+        <pc:spChg chg="del mod">
+          <ac:chgData name="Sofi Fernandez" userId="5dcd86d9bf03d87f" providerId="LiveId" clId="{CEFFCF97-A6EB-42E5-A1B4-79EF91758720}" dt="2023-04-24T14:50:51.929" v="430" actId="478"/>
+          <ac:spMkLst>
+            <pc:docMk/>
+            <pc:sldMk cId="1857491606" sldId="258"/>
+            <ac:spMk id="27" creationId="{2F7EEF35-3278-2BE5-3679-98E679178B90}"/>
+          </ac:spMkLst>
+        </pc:spChg>
+        <pc:spChg chg="del mod">
+          <ac:chgData name="Sofi Fernandez" userId="5dcd86d9bf03d87f" providerId="LiveId" clId="{CEFFCF97-A6EB-42E5-A1B4-79EF91758720}" dt="2023-04-24T14:50:51.215" v="429" actId="478"/>
+          <ac:spMkLst>
+            <pc:docMk/>
+            <pc:sldMk cId="1857491606" sldId="258"/>
+            <ac:spMk id="28" creationId="{4A663C44-D2CB-7415-3AC7-000513E14D13}"/>
+          </ac:spMkLst>
+        </pc:spChg>
+        <pc:spChg chg="add mod">
+          <ac:chgData name="Sofi Fernandez" userId="5dcd86d9bf03d87f" providerId="LiveId" clId="{CEFFCF97-A6EB-42E5-A1B4-79EF91758720}" dt="2023-04-24T14:58:59.381" v="616" actId="1037"/>
+          <ac:spMkLst>
+            <pc:docMk/>
+            <pc:sldMk cId="1857491606" sldId="258"/>
+            <ac:spMk id="29" creationId="{51D24C7D-AA9A-371B-B4F3-CAECA2210592}"/>
+          </ac:spMkLst>
+        </pc:spChg>
+        <pc:spChg chg="mod">
+          <ac:chgData name="Sofi Fernandez" userId="5dcd86d9bf03d87f" providerId="LiveId" clId="{CEFFCF97-A6EB-42E5-A1B4-79EF91758720}" dt="2023-04-24T14:58:59.381" v="616" actId="1037"/>
+          <ac:spMkLst>
+            <pc:docMk/>
+            <pc:sldMk cId="1857491606" sldId="258"/>
+            <ac:spMk id="32" creationId="{5C33449E-246E-476B-5E7D-DD20D8213147}"/>
+          </ac:spMkLst>
+        </pc:spChg>
+        <pc:spChg chg="mod">
+          <ac:chgData name="Sofi Fernandez" userId="5dcd86d9bf03d87f" providerId="LiveId" clId="{CEFFCF97-A6EB-42E5-A1B4-79EF91758720}" dt="2023-04-24T14:58:59.381" v="616" actId="1037"/>
+          <ac:spMkLst>
+            <pc:docMk/>
+            <pc:sldMk cId="1857491606" sldId="258"/>
+            <ac:spMk id="33" creationId="{B48A363C-AE49-66AD-16A1-EF2222439BD3}"/>
+          </ac:spMkLst>
+        </pc:spChg>
+        <pc:spChg chg="mod">
+          <ac:chgData name="Sofi Fernandez" userId="5dcd86d9bf03d87f" providerId="LiveId" clId="{CEFFCF97-A6EB-42E5-A1B4-79EF91758720}" dt="2023-04-24T14:58:59.381" v="616" actId="1037"/>
+          <ac:spMkLst>
+            <pc:docMk/>
+            <pc:sldMk cId="1857491606" sldId="258"/>
+            <ac:spMk id="34" creationId="{3F3ADED7-FE15-8C10-1B98-FA35576FCDC9}"/>
+          </ac:spMkLst>
+        </pc:spChg>
+        <pc:spChg chg="mod">
+          <ac:chgData name="Sofi Fernandez" userId="5dcd86d9bf03d87f" providerId="LiveId" clId="{CEFFCF97-A6EB-42E5-A1B4-79EF91758720}" dt="2023-04-24T14:58:59.381" v="616" actId="1037"/>
+          <ac:spMkLst>
+            <pc:docMk/>
+            <pc:sldMk cId="1857491606" sldId="258"/>
+            <ac:spMk id="35" creationId="{6D232677-BD88-1493-AB99-F3C0661E7921}"/>
+          </ac:spMkLst>
+        </pc:spChg>
+        <pc:spChg chg="mod">
+          <ac:chgData name="Sofi Fernandez" userId="5dcd86d9bf03d87f" providerId="LiveId" clId="{CEFFCF97-A6EB-42E5-A1B4-79EF91758720}" dt="2023-04-24T15:03:33.219" v="748" actId="20577"/>
+          <ac:spMkLst>
+            <pc:docMk/>
+            <pc:sldMk cId="1857491606" sldId="258"/>
+            <ac:spMk id="36" creationId="{05D2C676-402B-893F-D85C-9083FD14B72B}"/>
+          </ac:spMkLst>
+        </pc:spChg>
+        <pc:spChg chg="add mod">
+          <ac:chgData name="Sofi Fernandez" userId="5dcd86d9bf03d87f" providerId="LiveId" clId="{CEFFCF97-A6EB-42E5-A1B4-79EF91758720}" dt="2023-04-24T14:59:41.934" v="642" actId="1038"/>
+          <ac:spMkLst>
+            <pc:docMk/>
+            <pc:sldMk cId="1857491606" sldId="258"/>
+            <ac:spMk id="37" creationId="{C5D48424-461D-6B81-BCBA-7FD04F2A7D91}"/>
+          </ac:spMkLst>
+        </pc:spChg>
+        <pc:spChg chg="del">
+          <ac:chgData name="Sofi Fernandez" userId="5dcd86d9bf03d87f" providerId="LiveId" clId="{CEFFCF97-A6EB-42E5-A1B4-79EF91758720}" dt="2023-04-24T13:40:21.988" v="201" actId="478"/>
+          <ac:spMkLst>
+            <pc:docMk/>
+            <pc:sldMk cId="1857491606" sldId="258"/>
+            <ac:spMk id="38" creationId="{65967C9B-5C8B-22F8-529D-25972AC458AD}"/>
+          </ac:spMkLst>
+        </pc:spChg>
+        <pc:spChg chg="del">
+          <ac:chgData name="Sofi Fernandez" userId="5dcd86d9bf03d87f" providerId="LiveId" clId="{CEFFCF97-A6EB-42E5-A1B4-79EF91758720}" dt="2023-04-24T13:40:21.988" v="201" actId="478"/>
+          <ac:spMkLst>
+            <pc:docMk/>
+            <pc:sldMk cId="1857491606" sldId="258"/>
+            <ac:spMk id="39" creationId="{EE2135ED-D600-D083-3172-D0B0B7F03AC0}"/>
+          </ac:spMkLst>
+        </pc:spChg>
+        <pc:spChg chg="del">
+          <ac:chgData name="Sofi Fernandez" userId="5dcd86d9bf03d87f" providerId="LiveId" clId="{CEFFCF97-A6EB-42E5-A1B4-79EF91758720}" dt="2023-04-24T13:40:21.988" v="201" actId="478"/>
+          <ac:spMkLst>
+            <pc:docMk/>
+            <pc:sldMk cId="1857491606" sldId="258"/>
+            <ac:spMk id="40" creationId="{B920682D-5C3B-A225-9B5E-B258BC17BE40}"/>
+          </ac:spMkLst>
+        </pc:spChg>
+        <pc:spChg chg="add mod">
+          <ac:chgData name="Sofi Fernandez" userId="5dcd86d9bf03d87f" providerId="LiveId" clId="{CEFFCF97-A6EB-42E5-A1B4-79EF91758720}" dt="2023-04-24T14:59:41.934" v="642" actId="1038"/>
+          <ac:spMkLst>
+            <pc:docMk/>
+            <pc:sldMk cId="1857491606" sldId="258"/>
+            <ac:spMk id="41" creationId="{A6471AA1-3783-39B1-6422-74D4A608E628}"/>
+          </ac:spMkLst>
+        </pc:spChg>
+        <pc:spChg chg="add mod">
+          <ac:chgData name="Sofi Fernandez" userId="5dcd86d9bf03d87f" providerId="LiveId" clId="{CEFFCF97-A6EB-42E5-A1B4-79EF91758720}" dt="2023-04-24T14:59:41.934" v="642" actId="1038"/>
+          <ac:spMkLst>
+            <pc:docMk/>
+            <pc:sldMk cId="1857491606" sldId="258"/>
+            <ac:spMk id="42" creationId="{28402205-DE90-C306-2B47-3B06453ADB30}"/>
+          </ac:spMkLst>
+        </pc:spChg>
+        <pc:spChg chg="add mod">
+          <ac:chgData name="Sofi Fernandez" userId="5dcd86d9bf03d87f" providerId="LiveId" clId="{CEFFCF97-A6EB-42E5-A1B4-79EF91758720}" dt="2023-04-24T14:58:59.381" v="616" actId="1037"/>
+          <ac:spMkLst>
+            <pc:docMk/>
+            <pc:sldMk cId="1857491606" sldId="258"/>
+            <ac:spMk id="43" creationId="{ED35BCF5-B5AD-2005-B077-F03E180D7358}"/>
+          </ac:spMkLst>
+        </pc:spChg>
+        <pc:spChg chg="del">
+          <ac:chgData name="Sofi Fernandez" userId="5dcd86d9bf03d87f" providerId="LiveId" clId="{CEFFCF97-A6EB-42E5-A1B4-79EF91758720}" dt="2023-04-24T13:40:21.988" v="201" actId="478"/>
+          <ac:spMkLst>
+            <pc:docMk/>
+            <pc:sldMk cId="1857491606" sldId="258"/>
+            <ac:spMk id="44" creationId="{37ADB68D-C40F-217B-B994-AD420C64EC5C}"/>
+          </ac:spMkLst>
+        </pc:spChg>
+        <pc:spChg chg="add mod">
+          <ac:chgData name="Sofi Fernandez" userId="5dcd86d9bf03d87f" providerId="LiveId" clId="{CEFFCF97-A6EB-42E5-A1B4-79EF91758720}" dt="2023-04-24T14:58:59.381" v="616" actId="1037"/>
+          <ac:spMkLst>
+            <pc:docMk/>
+            <pc:sldMk cId="1857491606" sldId="258"/>
+            <ac:spMk id="45" creationId="{A979DDA7-D82F-A449-2CC0-5D1D97106448}"/>
+          </ac:spMkLst>
+        </pc:spChg>
+        <pc:spChg chg="add mod">
+          <ac:chgData name="Sofi Fernandez" userId="5dcd86d9bf03d87f" providerId="LiveId" clId="{CEFFCF97-A6EB-42E5-A1B4-79EF91758720}" dt="2023-04-24T14:58:59.381" v="616" actId="1037"/>
+          <ac:spMkLst>
+            <pc:docMk/>
+            <pc:sldMk cId="1857491606" sldId="258"/>
+            <ac:spMk id="47" creationId="{C3A9A9D0-BA11-006F-E277-4199AFD2C8FA}"/>
+          </ac:spMkLst>
+        </pc:spChg>
+        <pc:spChg chg="add mod">
+          <ac:chgData name="Sofi Fernandez" userId="5dcd86d9bf03d87f" providerId="LiveId" clId="{CEFFCF97-A6EB-42E5-A1B4-79EF91758720}" dt="2023-04-24T14:58:59.381" v="616" actId="1037"/>
+          <ac:spMkLst>
+            <pc:docMk/>
+            <pc:sldMk cId="1857491606" sldId="258"/>
+            <ac:spMk id="48" creationId="{9A6BA44E-135B-C855-06A2-B8595306141B}"/>
+          </ac:spMkLst>
+        </pc:spChg>
+        <pc:spChg chg="add mod">
+          <ac:chgData name="Sofi Fernandez" userId="5dcd86d9bf03d87f" providerId="LiveId" clId="{CEFFCF97-A6EB-42E5-A1B4-79EF91758720}" dt="2023-04-24T14:58:59.381" v="616" actId="1037"/>
+          <ac:spMkLst>
+            <pc:docMk/>
+            <pc:sldMk cId="1857491606" sldId="258"/>
+            <ac:spMk id="49" creationId="{12CCCDD6-DB9F-2B15-AC38-66B77947AB1F}"/>
+          </ac:spMkLst>
+        </pc:spChg>
+        <pc:spChg chg="add mod">
+          <ac:chgData name="Sofi Fernandez" userId="5dcd86d9bf03d87f" providerId="LiveId" clId="{CEFFCF97-A6EB-42E5-A1B4-79EF91758720}" dt="2023-04-24T15:01:53.377" v="678" actId="1076"/>
+          <ac:spMkLst>
+            <pc:docMk/>
+            <pc:sldMk cId="1857491606" sldId="258"/>
+            <ac:spMk id="50" creationId="{05CCD542-BA2A-7325-014E-002D5C4A2307}"/>
+          </ac:spMkLst>
+        </pc:spChg>
+        <pc:spChg chg="add del mod">
+          <ac:chgData name="Sofi Fernandez" userId="5dcd86d9bf03d87f" providerId="LiveId" clId="{CEFFCF97-A6EB-42E5-A1B4-79EF91758720}" dt="2023-04-24T14:57:01.462" v="569" actId="478"/>
+          <ac:spMkLst>
+            <pc:docMk/>
+            <pc:sldMk cId="1857491606" sldId="258"/>
+            <ac:spMk id="51" creationId="{89A8ACDC-FD28-7DD6-506E-064EE7C22CF2}"/>
+          </ac:spMkLst>
+        </pc:spChg>
+        <pc:spChg chg="add mod">
+          <ac:chgData name="Sofi Fernandez" userId="5dcd86d9bf03d87f" providerId="LiveId" clId="{CEFFCF97-A6EB-42E5-A1B4-79EF91758720}" dt="2023-04-24T15:01:59.624" v="681" actId="1076"/>
+          <ac:spMkLst>
+            <pc:docMk/>
+            <pc:sldMk cId="1857491606" sldId="258"/>
+            <ac:spMk id="52" creationId="{0016181F-B7FC-078C-7D9D-27533DD2B339}"/>
+          </ac:spMkLst>
+        </pc:spChg>
+        <pc:spChg chg="add mod">
+          <ac:chgData name="Sofi Fernandez" userId="5dcd86d9bf03d87f" providerId="LiveId" clId="{CEFFCF97-A6EB-42E5-A1B4-79EF91758720}" dt="2023-04-24T15:02:03.695" v="682" actId="1076"/>
+          <ac:spMkLst>
+            <pc:docMk/>
+            <pc:sldMk cId="1857491606" sldId="258"/>
+            <ac:spMk id="53" creationId="{7FE5730F-3E2F-F60F-E9A2-5ABF5A213D0B}"/>
+          </ac:spMkLst>
+        </pc:spChg>
+        <pc:spChg chg="add mod">
+          <ac:chgData name="Sofi Fernandez" userId="5dcd86d9bf03d87f" providerId="LiveId" clId="{CEFFCF97-A6EB-42E5-A1B4-79EF91758720}" dt="2023-04-24T15:01:39.715" v="676" actId="404"/>
+          <ac:spMkLst>
+            <pc:docMk/>
+            <pc:sldMk cId="1857491606" sldId="258"/>
+            <ac:spMk id="54" creationId="{D7CA9954-7CC9-131B-0630-ACDEB6CC655E}"/>
+          </ac:spMkLst>
+        </pc:spChg>
+        <pc:spChg chg="add mod">
+          <ac:chgData name="Sofi Fernandez" userId="5dcd86d9bf03d87f" providerId="LiveId" clId="{CEFFCF97-A6EB-42E5-A1B4-79EF91758720}" dt="2023-04-24T15:02:30.056" v="691" actId="14100"/>
+          <ac:spMkLst>
+            <pc:docMk/>
+            <pc:sldMk cId="1857491606" sldId="258"/>
+            <ac:spMk id="55" creationId="{0C2A44B0-0F81-61A8-9232-ECC59540E83D}"/>
+          </ac:spMkLst>
+        </pc:spChg>
+        <pc:spChg chg="add mod">
+          <ac:chgData name="Sofi Fernandez" userId="5dcd86d9bf03d87f" providerId="LiveId" clId="{CEFFCF97-A6EB-42E5-A1B4-79EF91758720}" dt="2023-04-24T15:04:26.719" v="906" actId="20577"/>
+          <ac:spMkLst>
+            <pc:docMk/>
+            <pc:sldMk cId="1857491606" sldId="258"/>
+            <ac:spMk id="56" creationId="{8E7E45FE-4B5C-C6AA-BAAE-284C96BD78D3}"/>
+          </ac:spMkLst>
+        </pc:spChg>
+        <pc:spChg chg="add mod">
+          <ac:chgData name="Sofi Fernandez" userId="5dcd86d9bf03d87f" providerId="LiveId" clId="{CEFFCF97-A6EB-42E5-A1B4-79EF91758720}" dt="2023-04-24T15:04:50.603" v="908" actId="1076"/>
+          <ac:spMkLst>
+            <pc:docMk/>
+            <pc:sldMk cId="1857491606" sldId="258"/>
+            <ac:spMk id="57" creationId="{AE63BDF4-15E3-3FB8-9F71-5C166AE1BD52}"/>
+          </ac:spMkLst>
+        </pc:spChg>
+        <pc:spChg chg="add mod">
+          <ac:chgData name="Sofi Fernandez" userId="5dcd86d9bf03d87f" providerId="LiveId" clId="{CEFFCF97-A6EB-42E5-A1B4-79EF91758720}" dt="2023-04-24T15:04:55.985" v="910" actId="1076"/>
+          <ac:spMkLst>
+            <pc:docMk/>
+            <pc:sldMk cId="1857491606" sldId="258"/>
+            <ac:spMk id="58" creationId="{CDFE4583-7628-7507-91FD-B26A1612925B}"/>
+          </ac:spMkLst>
+        </pc:spChg>
+        <pc:spChg chg="add mod">
+          <ac:chgData name="Sofi Fernandez" userId="5dcd86d9bf03d87f" providerId="LiveId" clId="{CEFFCF97-A6EB-42E5-A1B4-79EF91758720}" dt="2023-04-24T15:05:28.352" v="941" actId="1076"/>
+          <ac:spMkLst>
+            <pc:docMk/>
+            <pc:sldMk cId="1857491606" sldId="258"/>
+            <ac:spMk id="59" creationId="{69796DB1-D39D-0D80-E482-08F3B8A52672}"/>
+          </ac:spMkLst>
+        </pc:spChg>
+        <pc:spChg chg="add mod">
+          <ac:chgData name="Sofi Fernandez" userId="5dcd86d9bf03d87f" providerId="LiveId" clId="{CEFFCF97-A6EB-42E5-A1B4-79EF91758720}" dt="2023-04-24T15:05:33.699" v="943" actId="1076"/>
+          <ac:spMkLst>
+            <pc:docMk/>
+            <pc:sldMk cId="1857491606" sldId="258"/>
+            <ac:spMk id="60" creationId="{86E31EFE-3D1B-0707-E7D9-A5C1C5CB23D2}"/>
+          </ac:spMkLst>
+        </pc:spChg>
+        <pc:spChg chg="add mod">
+          <ac:chgData name="Sofi Fernandez" userId="5dcd86d9bf03d87f" providerId="LiveId" clId="{CEFFCF97-A6EB-42E5-A1B4-79EF91758720}" dt="2023-04-24T15:05:38.619" v="945" actId="1076"/>
+          <ac:spMkLst>
+            <pc:docMk/>
+            <pc:sldMk cId="1857491606" sldId="258"/>
+            <ac:spMk id="61" creationId="{79CF027D-F1B8-C04C-AE91-55BA2FD0D55F}"/>
+          </ac:spMkLst>
+        </pc:spChg>
+        <pc:cxnChg chg="mod">
+          <ac:chgData name="Sofi Fernandez" userId="5dcd86d9bf03d87f" providerId="LiveId" clId="{CEFFCF97-A6EB-42E5-A1B4-79EF91758720}" dt="2023-04-24T14:58:59.381" v="616" actId="1037"/>
+          <ac:cxnSpMkLst>
+            <pc:docMk/>
+            <pc:sldMk cId="1857491606" sldId="258"/>
+            <ac:cxnSpMk id="18" creationId="{953C0AFA-3605-471F-EB0A-30D17221ED57}"/>
+          </ac:cxnSpMkLst>
+        </pc:cxnChg>
+        <pc:cxnChg chg="mod">
+          <ac:chgData name="Sofi Fernandez" userId="5dcd86d9bf03d87f" providerId="LiveId" clId="{CEFFCF97-A6EB-42E5-A1B4-79EF91758720}" dt="2023-04-24T14:58:59.381" v="616" actId="1037"/>
+          <ac:cxnSpMkLst>
+            <pc:docMk/>
+            <pc:sldMk cId="1857491606" sldId="258"/>
+            <ac:cxnSpMk id="30" creationId="{583D7A11-6D9E-0F74-8A41-FF4898A569CD}"/>
+          </ac:cxnSpMkLst>
+        </pc:cxnChg>
       </pc:sldChg>
     </pc:docChg>
   </pc:docChgLst>
@@ -394,7 +914,7 @@
           <a:p>
             <a:fld id="{231E479A-090E-4E0E-A87B-A2D1A9833DF2}" type="datetimeFigureOut">
               <a:rPr lang="es-UY" smtClean="0"/>
-              <a:t>22/4/2023</a:t>
+              <a:t>24 Abr. 2023</a:t>
             </a:fld>
             <a:endParaRPr lang="es-UY"/>
           </a:p>
@@ -594,7 +1114,7 @@
           <a:p>
             <a:fld id="{231E479A-090E-4E0E-A87B-A2D1A9833DF2}" type="datetimeFigureOut">
               <a:rPr lang="es-UY" smtClean="0"/>
-              <a:t>22/4/2023</a:t>
+              <a:t>24 Abr. 2023</a:t>
             </a:fld>
             <a:endParaRPr lang="es-UY"/>
           </a:p>
@@ -804,7 +1324,7 @@
           <a:p>
             <a:fld id="{231E479A-090E-4E0E-A87B-A2D1A9833DF2}" type="datetimeFigureOut">
               <a:rPr lang="es-UY" smtClean="0"/>
-              <a:t>22/4/2023</a:t>
+              <a:t>24 Abr. 2023</a:t>
             </a:fld>
             <a:endParaRPr lang="es-UY"/>
           </a:p>
@@ -1004,7 +1524,7 @@
           <a:p>
             <a:fld id="{231E479A-090E-4E0E-A87B-A2D1A9833DF2}" type="datetimeFigureOut">
               <a:rPr lang="es-UY" smtClean="0"/>
-              <a:t>22/4/2023</a:t>
+              <a:t>24 Abr. 2023</a:t>
             </a:fld>
             <a:endParaRPr lang="es-UY"/>
           </a:p>
@@ -1280,7 +1800,7 @@
           <a:p>
             <a:fld id="{231E479A-090E-4E0E-A87B-A2D1A9833DF2}" type="datetimeFigureOut">
               <a:rPr lang="es-UY" smtClean="0"/>
-              <a:t>22/4/2023</a:t>
+              <a:t>24 Abr. 2023</a:t>
             </a:fld>
             <a:endParaRPr lang="es-UY"/>
           </a:p>
@@ -1548,7 +2068,7 @@
           <a:p>
             <a:fld id="{231E479A-090E-4E0E-A87B-A2D1A9833DF2}" type="datetimeFigureOut">
               <a:rPr lang="es-UY" smtClean="0"/>
-              <a:t>22/4/2023</a:t>
+              <a:t>24 Abr. 2023</a:t>
             </a:fld>
             <a:endParaRPr lang="es-UY"/>
           </a:p>
@@ -1963,7 +2483,7 @@
           <a:p>
             <a:fld id="{231E479A-090E-4E0E-A87B-A2D1A9833DF2}" type="datetimeFigureOut">
               <a:rPr lang="es-UY" smtClean="0"/>
-              <a:t>22/4/2023</a:t>
+              <a:t>24 Abr. 2023</a:t>
             </a:fld>
             <a:endParaRPr lang="es-UY"/>
           </a:p>
@@ -2105,7 +2625,7 @@
           <a:p>
             <a:fld id="{231E479A-090E-4E0E-A87B-A2D1A9833DF2}" type="datetimeFigureOut">
               <a:rPr lang="es-UY" smtClean="0"/>
-              <a:t>22/4/2023</a:t>
+              <a:t>24 Abr. 2023</a:t>
             </a:fld>
             <a:endParaRPr lang="es-UY"/>
           </a:p>
@@ -2218,7 +2738,7 @@
           <a:p>
             <a:fld id="{231E479A-090E-4E0E-A87B-A2D1A9833DF2}" type="datetimeFigureOut">
               <a:rPr lang="es-UY" smtClean="0"/>
-              <a:t>22/4/2023</a:t>
+              <a:t>24 Abr. 2023</a:t>
             </a:fld>
             <a:endParaRPr lang="es-UY"/>
           </a:p>
@@ -2531,7 +3051,7 @@
           <a:p>
             <a:fld id="{231E479A-090E-4E0E-A87B-A2D1A9833DF2}" type="datetimeFigureOut">
               <a:rPr lang="es-UY" smtClean="0"/>
-              <a:t>22/4/2023</a:t>
+              <a:t>24 Abr. 2023</a:t>
             </a:fld>
             <a:endParaRPr lang="es-UY"/>
           </a:p>
@@ -2820,7 +3340,7 @@
           <a:p>
             <a:fld id="{231E479A-090E-4E0E-A87B-A2D1A9833DF2}" type="datetimeFigureOut">
               <a:rPr lang="es-UY" smtClean="0"/>
-              <a:t>22/4/2023</a:t>
+              <a:t>24 Abr. 2023</a:t>
             </a:fld>
             <a:endParaRPr lang="es-UY"/>
           </a:p>
@@ -3063,7 +3583,7 @@
           <a:p>
             <a:fld id="{231E479A-090E-4E0E-A87B-A2D1A9833DF2}" type="datetimeFigureOut">
               <a:rPr lang="es-UY" smtClean="0"/>
-              <a:t>22/4/2023</a:t>
+              <a:t>24 Abr. 2023</a:t>
             </a:fld>
             <a:endParaRPr lang="es-UY"/>
           </a:p>
@@ -3555,7 +4075,7 @@
           <a:lstStyle/>
           <a:p>
             <a:r>
-              <a:rPr lang="es-UY" dirty="0" err="1"/>
+              <a:rPr lang="es-UY" b="1" dirty="0" err="1"/>
               <a:t>listaSimpleClientes</a:t>
             </a:r>
             <a:r>
@@ -3848,8 +4368,8 @@
         </p:nvSpPr>
         <p:spPr>
           <a:xfrm flipH="1">
-            <a:off x="96328" y="611803"/>
-            <a:ext cx="4317016" cy="369332"/>
+            <a:off x="129666" y="486338"/>
+            <a:ext cx="3916183" cy="369332"/>
           </a:xfrm>
           <a:prstGeom prst="rect">
             <a:avLst/>
@@ -3970,7 +4490,7 @@
         </p:nvSpPr>
         <p:spPr>
           <a:xfrm flipH="1">
-            <a:off x="2354908" y="3760701"/>
+            <a:off x="2597795" y="3773729"/>
             <a:ext cx="2317379" cy="369332"/>
           </a:xfrm>
           <a:prstGeom prst="rect">
@@ -3985,7 +4505,7 @@
           <a:lstStyle/>
           <a:p>
             <a:r>
-              <a:rPr lang="es-UY" dirty="0" err="1"/>
+              <a:rPr lang="es-UY" b="1" dirty="0" err="1"/>
               <a:t>PilaProductos</a:t>
             </a:r>
             <a:r>
@@ -4168,7 +4688,7 @@
           <a:lstStyle/>
           <a:p>
             <a:r>
-              <a:rPr lang="es-UY" dirty="0" err="1"/>
+              <a:rPr lang="es-UY" b="1" dirty="0" err="1"/>
               <a:t>ListaSimpleProductos</a:t>
             </a:r>
             <a:r>
@@ -4349,8 +4869,8 @@
         </p:nvSpPr>
         <p:spPr>
           <a:xfrm>
-            <a:off x="5134723" y="2878797"/>
-            <a:ext cx="2211127" cy="1477328"/>
+            <a:off x="5008689" y="3046053"/>
+            <a:ext cx="2211127" cy="577081"/>
           </a:xfrm>
           <a:prstGeom prst="rect">
             <a:avLst/>
@@ -4363,8 +4883,9 @@
           </a:bodyPr>
           <a:lstStyle/>
           <a:p>
-            <a:r>
-              <a:rPr lang="es-UY" dirty="0"/>
+            <a:pPr algn="just"/>
+            <a:r>
+              <a:rPr lang="es-UY" sz="1050" dirty="0"/>
               <a:t>Se agrega uno arriba de otro, y cuando se deshacen pasos, el ultimo en entrar es el primero en salir</a:t>
             </a:r>
           </a:p>
@@ -4427,8 +4948,8 @@
         </p:nvSpPr>
         <p:spPr>
           <a:xfrm>
-            <a:off x="3480860" y="84631"/>
-            <a:ext cx="3407121" cy="646331"/>
+            <a:off x="4663316" y="1010386"/>
+            <a:ext cx="1275333" cy="769441"/>
           </a:xfrm>
           <a:prstGeom prst="rect">
             <a:avLst/>
@@ -4441,15 +4962,11 @@
           </a:bodyPr>
           <a:lstStyle/>
           <a:p>
-            <a:r>
-              <a:rPr lang="es-UY" dirty="0"/>
-              <a:t>Se busca por Ci, se muestran ordenados </a:t>
-            </a:r>
-            <a:r>
-              <a:rPr lang="es-UY" dirty="0" err="1"/>
-              <a:t>alfabeticamente</a:t>
-            </a:r>
-            <a:endParaRPr lang="es-UY" dirty="0"/>
+            <a:pPr algn="just"/>
+            <a:r>
+              <a:rPr lang="es-UY" sz="1100" dirty="0"/>
+              <a:t>Se busca por Ci, se muestran ordenados alfabéticamente</a:t>
+            </a:r>
           </a:p>
         </p:txBody>
       </p:sp>
@@ -4469,13 +4986,13 @@
         </p:nvCxnSpPr>
         <p:spPr>
           <a:xfrm>
-            <a:off x="1599133" y="1794419"/>
+            <a:off x="1552149" y="1804376"/>
             <a:ext cx="0" cy="534291"/>
           </a:xfrm>
           <a:prstGeom prst="straightConnector1">
             <a:avLst/>
           </a:prstGeom>
-          <a:ln>
+          <a:ln w="38100">
             <a:tailEnd type="triangle"/>
           </a:ln>
         </p:spPr>
@@ -4646,8 +5163,8 @@
         </p:nvSpPr>
         <p:spPr>
           <a:xfrm rot="16200000">
-            <a:off x="-211969" y="2735775"/>
-            <a:ext cx="2052550" cy="369332"/>
+            <a:off x="-226844" y="2735775"/>
+            <a:ext cx="2082301" cy="369332"/>
           </a:xfrm>
           <a:prstGeom prst="rect">
             <a:avLst/>
@@ -4661,7 +5178,7 @@
           <a:lstStyle/>
           <a:p>
             <a:r>
-              <a:rPr lang="en-US" dirty="0" err="1"/>
+              <a:rPr lang="en-US" b="1" dirty="0" err="1"/>
               <a:t>PilaPedidos</a:t>
             </a:r>
             <a:r>
@@ -4694,8 +5211,8 @@
         </p:nvSpPr>
         <p:spPr>
           <a:xfrm>
-            <a:off x="2071520" y="1923256"/>
-            <a:ext cx="4547956" cy="923330"/>
+            <a:off x="2105326" y="2253619"/>
+            <a:ext cx="2600767" cy="769441"/>
           </a:xfrm>
           <a:prstGeom prst="rect">
             <a:avLst/>
@@ -4708,99 +5225,116 @@
           </a:bodyPr>
           <a:lstStyle/>
           <a:p>
-            <a:r>
-              <a:rPr lang="en-US" dirty="0" err="1"/>
+            <a:pPr algn="just"/>
+            <a:r>
+              <a:rPr lang="en-US" sz="1100" dirty="0" err="1"/>
               <a:t>Nuevos</a:t>
             </a:r>
             <a:r>
-              <a:rPr lang="en-US" dirty="0"/>
+              <a:rPr lang="en-US" sz="1100" dirty="0"/>
               <a:t> </a:t>
             </a:r>
             <a:r>
-              <a:rPr lang="en-US" dirty="0" err="1"/>
+              <a:rPr lang="en-US" sz="1100" dirty="0" err="1"/>
               <a:t>pedidos</a:t>
             </a:r>
             <a:r>
-              <a:rPr lang="en-US" dirty="0"/>
+              <a:rPr lang="en-US" sz="1100" dirty="0"/>
               <a:t> se </a:t>
             </a:r>
             <a:r>
-              <a:rPr lang="en-US" dirty="0" err="1"/>
+              <a:rPr lang="en-US" sz="1100" dirty="0" err="1"/>
               <a:t>agregan</a:t>
             </a:r>
             <a:r>
-              <a:rPr lang="en-US" dirty="0"/>
-              <a:t> al final, para </a:t>
-            </a:r>
-            <a:r>
-              <a:rPr lang="en-US" dirty="0" err="1"/>
+              <a:rPr lang="en-US" sz="1100" dirty="0"/>
+              <a:t> al final (</a:t>
+            </a:r>
+            <a:r>
+              <a:rPr lang="en-US" sz="1100" dirty="0" err="1"/>
+              <a:t>queda</a:t>
+            </a:r>
+            <a:r>
+              <a:rPr lang="en-US" sz="1100" dirty="0"/>
+              <a:t> </a:t>
+            </a:r>
+            <a:r>
+              <a:rPr lang="en-US" sz="1100" dirty="0" err="1"/>
+              <a:t>abierto</a:t>
+            </a:r>
+            <a:r>
+              <a:rPr lang="en-US" sz="1100" dirty="0"/>
+              <a:t>), para </a:t>
+            </a:r>
+            <a:r>
+              <a:rPr lang="en-US" sz="1100" dirty="0" err="1"/>
               <a:t>listar</a:t>
             </a:r>
             <a:r>
-              <a:rPr lang="en-US" dirty="0"/>
+              <a:rPr lang="en-US" sz="1100" dirty="0"/>
               <a:t> </a:t>
             </a:r>
             <a:r>
-              <a:rPr lang="en-US" dirty="0" err="1"/>
+              <a:rPr lang="en-US" sz="1100" dirty="0" err="1"/>
               <a:t>pedidos</a:t>
             </a:r>
             <a:r>
-              <a:rPr lang="en-US" dirty="0"/>
+              <a:rPr lang="en-US" sz="1100" dirty="0"/>
               <a:t> </a:t>
             </a:r>
             <a:r>
-              <a:rPr lang="en-US" dirty="0" err="1"/>
+              <a:rPr lang="en-US" sz="1100" dirty="0" err="1"/>
               <a:t>cerrados</a:t>
             </a:r>
             <a:r>
-              <a:rPr lang="en-US" dirty="0"/>
+              <a:rPr lang="en-US" sz="1100" dirty="0"/>
               <a:t>, se </a:t>
             </a:r>
             <a:r>
-              <a:rPr lang="en-US" dirty="0" err="1"/>
+              <a:rPr lang="en-US" sz="1100" dirty="0" err="1"/>
               <a:t>evalua</a:t>
             </a:r>
             <a:r>
-              <a:rPr lang="en-US" dirty="0"/>
+              <a:rPr lang="en-US" sz="1100" dirty="0"/>
               <a:t> </a:t>
             </a:r>
             <a:r>
-              <a:rPr lang="en-US" dirty="0" err="1"/>
+              <a:rPr lang="en-US" sz="1100" dirty="0" err="1"/>
               <a:t>el</a:t>
             </a:r>
             <a:r>
-              <a:rPr lang="en-US" dirty="0"/>
+              <a:rPr lang="en-US" sz="1100" dirty="0"/>
               <a:t> primero </a:t>
             </a:r>
             <a:r>
-              <a:rPr lang="en-US" dirty="0" err="1"/>
+              <a:rPr lang="en-US" sz="1100" dirty="0" err="1"/>
               <a:t>ya</a:t>
             </a:r>
             <a:r>
-              <a:rPr lang="en-US" dirty="0"/>
+              <a:rPr lang="en-US" sz="1100" dirty="0"/>
               <a:t> que </a:t>
             </a:r>
             <a:r>
-              <a:rPr lang="en-US" dirty="0" err="1"/>
+              <a:rPr lang="en-US" sz="1100" dirty="0" err="1"/>
               <a:t>el</a:t>
             </a:r>
             <a:r>
-              <a:rPr lang="en-US" dirty="0"/>
+              <a:rPr lang="en-US" sz="1100" dirty="0"/>
               <a:t> resto </a:t>
             </a:r>
             <a:r>
-              <a:rPr lang="en-US" dirty="0" err="1"/>
-              <a:t>estan</a:t>
-            </a:r>
-            <a:r>
-              <a:rPr lang="en-US" dirty="0"/>
+              <a:rPr lang="en-US" sz="1100" dirty="0" err="1"/>
+              <a:t>estarán</a:t>
+            </a:r>
+            <a:r>
+              <a:rPr lang="en-US" sz="1100" dirty="0"/>
               <a:t> </a:t>
             </a:r>
             <a:r>
-              <a:rPr lang="en-US" dirty="0" err="1"/>
+              <a:rPr lang="en-US" sz="1100" dirty="0" err="1"/>
               <a:t>cerrados</a:t>
             </a:r>
-            <a:endParaRPr lang="es-UY" dirty="0"/>
+            <a:endParaRPr lang="es-UY" sz="1100" dirty="0"/>
           </a:p>
         </p:txBody>
       </p:sp>
@@ -4985,6 +5519,2582 @@
     <p:extLst>
       <p:ext uri="{BB962C8B-B14F-4D97-AF65-F5344CB8AC3E}">
         <p14:creationId xmlns:p14="http://schemas.microsoft.com/office/powerpoint/2010/main" val="3422180790"/>
+      </p:ext>
+    </p:extLst>
+  </p:cSld>
+  <p:clrMapOvr>
+    <a:masterClrMapping/>
+  </p:clrMapOvr>
+</p:sld>
+</file>
+
+<file path=ppt/slides/slide2.xml><?xml version="1.0" encoding="utf-8"?>
+<p:sld xmlns:a="http://schemas.openxmlformats.org/drawingml/2006/main" xmlns:r="http://schemas.openxmlformats.org/officeDocument/2006/relationships" xmlns:p="http://schemas.openxmlformats.org/presentationml/2006/main">
+  <p:cSld>
+    <p:spTree>
+      <p:nvGrpSpPr>
+        <p:cNvPr id="1" name=""/>
+        <p:cNvGrpSpPr/>
+        <p:nvPr/>
+      </p:nvGrpSpPr>
+      <p:grpSpPr>
+        <a:xfrm>
+          <a:off x="0" y="0"/>
+          <a:ext cx="0" cy="0"/>
+          <a:chOff x="0" y="0"/>
+          <a:chExt cx="0" cy="0"/>
+        </a:xfrm>
+      </p:grpSpPr>
+      <p:sp>
+        <p:nvSpPr>
+          <p:cNvPr id="3" name="Rectángulo: esquinas redondeadas 2">
+            <a:extLst>
+              <a:ext uri="{FF2B5EF4-FFF2-40B4-BE49-F238E27FC236}">
+                <a16:creationId xmlns:a16="http://schemas.microsoft.com/office/drawing/2014/main" id="{95911338-262D-7B49-33B7-AE2E84EDCA3E}"/>
+              </a:ext>
+            </a:extLst>
+          </p:cNvPr>
+          <p:cNvSpPr/>
+          <p:nvPr/>
+        </p:nvSpPr>
+        <p:spPr>
+          <a:xfrm>
+            <a:off x="62773" y="69880"/>
+            <a:ext cx="12081602" cy="3158536"/>
+          </a:xfrm>
+          <a:prstGeom prst="roundRect">
+            <a:avLst>
+              <a:gd name="adj" fmla="val 6565"/>
+            </a:avLst>
+          </a:prstGeom>
+          <a:solidFill>
+            <a:schemeClr val="bg1">
+              <a:lumMod val="85000"/>
+            </a:schemeClr>
+          </a:solidFill>
+          <a:ln>
+            <a:noFill/>
+          </a:ln>
+        </p:spPr>
+        <p:style>
+          <a:lnRef idx="2">
+            <a:schemeClr val="accent1">
+              <a:shade val="50000"/>
+            </a:schemeClr>
+          </a:lnRef>
+          <a:fillRef idx="1">
+            <a:schemeClr val="accent1"/>
+          </a:fillRef>
+          <a:effectRef idx="0">
+            <a:schemeClr val="accent1"/>
+          </a:effectRef>
+          <a:fontRef idx="minor">
+            <a:schemeClr val="lt1"/>
+          </a:fontRef>
+        </p:style>
+        <p:txBody>
+          <a:bodyPr rtlCol="0" anchor="ctr"/>
+          <a:lstStyle/>
+          <a:p>
+            <a:pPr algn="ctr"/>
+            <a:endParaRPr lang="es-UY"/>
+          </a:p>
+        </p:txBody>
+      </p:sp>
+      <p:sp>
+        <p:nvSpPr>
+          <p:cNvPr id="4" name="Rectángulo 3">
+            <a:extLst>
+              <a:ext uri="{FF2B5EF4-FFF2-40B4-BE49-F238E27FC236}">
+                <a16:creationId xmlns:a16="http://schemas.microsoft.com/office/drawing/2014/main" id="{8E20DFBD-0FDC-CFBE-D1FF-6F795AE7A329}"/>
+              </a:ext>
+            </a:extLst>
+          </p:cNvPr>
+          <p:cNvSpPr/>
+          <p:nvPr/>
+        </p:nvSpPr>
+        <p:spPr>
+          <a:xfrm>
+            <a:off x="589131" y="634632"/>
+            <a:ext cx="1392055" cy="688157"/>
+          </a:xfrm>
+          <a:prstGeom prst="rect">
+            <a:avLst/>
+          </a:prstGeom>
+          <a:solidFill>
+            <a:schemeClr val="accent1">
+              <a:lumMod val="60000"/>
+              <a:lumOff val="40000"/>
+            </a:schemeClr>
+          </a:solidFill>
+        </p:spPr>
+        <p:style>
+          <a:lnRef idx="2">
+            <a:schemeClr val="accent1">
+              <a:shade val="50000"/>
+            </a:schemeClr>
+          </a:lnRef>
+          <a:fillRef idx="1">
+            <a:schemeClr val="accent1"/>
+          </a:fillRef>
+          <a:effectRef idx="0">
+            <a:schemeClr val="accent1"/>
+          </a:effectRef>
+          <a:fontRef idx="minor">
+            <a:schemeClr val="lt1"/>
+          </a:fontRef>
+        </p:style>
+        <p:txBody>
+          <a:bodyPr rtlCol="0" anchor="ctr"/>
+          <a:lstStyle/>
+          <a:p>
+            <a:pPr algn="ctr"/>
+            <a:endParaRPr lang="es-UY"/>
+          </a:p>
+        </p:txBody>
+      </p:sp>
+      <p:sp>
+        <p:nvSpPr>
+          <p:cNvPr id="5" name="CuadroTexto 4">
+            <a:extLst>
+              <a:ext uri="{FF2B5EF4-FFF2-40B4-BE49-F238E27FC236}">
+                <a16:creationId xmlns:a16="http://schemas.microsoft.com/office/drawing/2014/main" id="{45F51AFA-473D-FCCF-98D8-C1D95D16F69F}"/>
+              </a:ext>
+            </a:extLst>
+          </p:cNvPr>
+          <p:cNvSpPr txBox="1"/>
+          <p:nvPr/>
+        </p:nvSpPr>
+        <p:spPr>
+          <a:xfrm flipH="1">
+            <a:off x="142927" y="87792"/>
+            <a:ext cx="3407121" cy="369332"/>
+          </a:xfrm>
+          <a:prstGeom prst="rect">
+            <a:avLst/>
+          </a:prstGeom>
+          <a:noFill/>
+        </p:spPr>
+        <p:txBody>
+          <a:bodyPr wrap="square" rtlCol="0">
+            <a:spAutoFit/>
+          </a:bodyPr>
+          <a:lstStyle/>
+          <a:p>
+            <a:r>
+              <a:rPr lang="es-UY" b="1" dirty="0" err="1"/>
+              <a:t>ListaSimpleClientes</a:t>
+            </a:r>
+            <a:r>
+              <a:rPr lang="es-UY" dirty="0"/>
+              <a:t> (Sistema)</a:t>
+            </a:r>
+          </a:p>
+        </p:txBody>
+      </p:sp>
+      <p:sp>
+        <p:nvSpPr>
+          <p:cNvPr id="6" name="Rectángulo 5">
+            <a:extLst>
+              <a:ext uri="{FF2B5EF4-FFF2-40B4-BE49-F238E27FC236}">
+                <a16:creationId xmlns:a16="http://schemas.microsoft.com/office/drawing/2014/main" id="{06FE537E-7325-47A6-5B65-C56ED4B8BB8F}"/>
+              </a:ext>
+            </a:extLst>
+          </p:cNvPr>
+          <p:cNvSpPr/>
+          <p:nvPr/>
+        </p:nvSpPr>
+        <p:spPr>
+          <a:xfrm>
+            <a:off x="590148" y="1427288"/>
+            <a:ext cx="1391038" cy="688157"/>
+          </a:xfrm>
+          <a:prstGeom prst="rect">
+            <a:avLst/>
+          </a:prstGeom>
+          <a:solidFill>
+            <a:schemeClr val="accent1">
+              <a:lumMod val="60000"/>
+              <a:lumOff val="40000"/>
+            </a:schemeClr>
+          </a:solidFill>
+        </p:spPr>
+        <p:style>
+          <a:lnRef idx="2">
+            <a:schemeClr val="accent1">
+              <a:shade val="50000"/>
+            </a:schemeClr>
+          </a:lnRef>
+          <a:fillRef idx="1">
+            <a:schemeClr val="accent1"/>
+          </a:fillRef>
+          <a:effectRef idx="0">
+            <a:schemeClr val="accent1"/>
+          </a:effectRef>
+          <a:fontRef idx="minor">
+            <a:schemeClr val="lt1"/>
+          </a:fontRef>
+        </p:style>
+        <p:txBody>
+          <a:bodyPr rtlCol="0" anchor="ctr"/>
+          <a:lstStyle/>
+          <a:p>
+            <a:pPr algn="ctr"/>
+            <a:endParaRPr lang="es-UY"/>
+          </a:p>
+        </p:txBody>
+      </p:sp>
+      <p:sp>
+        <p:nvSpPr>
+          <p:cNvPr id="7" name="Rectángulo 6">
+            <a:extLst>
+              <a:ext uri="{FF2B5EF4-FFF2-40B4-BE49-F238E27FC236}">
+                <a16:creationId xmlns:a16="http://schemas.microsoft.com/office/drawing/2014/main" id="{A7EE3BBC-1498-E26E-FE19-C1F8E59937FA}"/>
+              </a:ext>
+            </a:extLst>
+          </p:cNvPr>
+          <p:cNvSpPr/>
+          <p:nvPr/>
+        </p:nvSpPr>
+        <p:spPr>
+          <a:xfrm>
+            <a:off x="579330" y="2246612"/>
+            <a:ext cx="1338137" cy="688157"/>
+          </a:xfrm>
+          <a:prstGeom prst="rect">
+            <a:avLst/>
+          </a:prstGeom>
+          <a:solidFill>
+            <a:schemeClr val="accent1">
+              <a:lumMod val="60000"/>
+              <a:lumOff val="40000"/>
+            </a:schemeClr>
+          </a:solidFill>
+        </p:spPr>
+        <p:style>
+          <a:lnRef idx="2">
+            <a:schemeClr val="accent1">
+              <a:shade val="50000"/>
+            </a:schemeClr>
+          </a:lnRef>
+          <a:fillRef idx="1">
+            <a:schemeClr val="accent1"/>
+          </a:fillRef>
+          <a:effectRef idx="0">
+            <a:schemeClr val="accent1"/>
+          </a:effectRef>
+          <a:fontRef idx="minor">
+            <a:schemeClr val="lt1"/>
+          </a:fontRef>
+        </p:style>
+        <p:txBody>
+          <a:bodyPr rtlCol="0" anchor="ctr"/>
+          <a:lstStyle/>
+          <a:p>
+            <a:pPr algn="ctr"/>
+            <a:endParaRPr lang="es-UY"/>
+          </a:p>
+        </p:txBody>
+      </p:sp>
+      <p:sp>
+        <p:nvSpPr>
+          <p:cNvPr id="10" name="Rectángulo 9">
+            <a:extLst>
+              <a:ext uri="{FF2B5EF4-FFF2-40B4-BE49-F238E27FC236}">
+                <a16:creationId xmlns:a16="http://schemas.microsoft.com/office/drawing/2014/main" id="{EAC9CFAD-DCF2-2A10-F70F-FD5571DA632F}"/>
+              </a:ext>
+            </a:extLst>
+          </p:cNvPr>
+          <p:cNvSpPr/>
+          <p:nvPr/>
+        </p:nvSpPr>
+        <p:spPr>
+          <a:xfrm>
+            <a:off x="7195695" y="555975"/>
+            <a:ext cx="1483355" cy="872565"/>
+          </a:xfrm>
+          <a:prstGeom prst="rect">
+            <a:avLst/>
+          </a:prstGeom>
+          <a:solidFill>
+            <a:schemeClr val="accent4">
+              <a:lumMod val="60000"/>
+              <a:lumOff val="40000"/>
+            </a:schemeClr>
+          </a:solidFill>
+        </p:spPr>
+        <p:style>
+          <a:lnRef idx="2">
+            <a:schemeClr val="accent4">
+              <a:shade val="50000"/>
+            </a:schemeClr>
+          </a:lnRef>
+          <a:fillRef idx="1">
+            <a:schemeClr val="accent4"/>
+          </a:fillRef>
+          <a:effectRef idx="0">
+            <a:schemeClr val="accent4"/>
+          </a:effectRef>
+          <a:fontRef idx="minor">
+            <a:schemeClr val="lt1"/>
+          </a:fontRef>
+        </p:style>
+        <p:txBody>
+          <a:bodyPr rtlCol="0" anchor="ctr"/>
+          <a:lstStyle/>
+          <a:p>
+            <a:pPr algn="ctr"/>
+            <a:endParaRPr lang="es-UY"/>
+          </a:p>
+        </p:txBody>
+      </p:sp>
+      <p:sp>
+        <p:nvSpPr>
+          <p:cNvPr id="11" name="CuadroTexto 10">
+            <a:extLst>
+              <a:ext uri="{FF2B5EF4-FFF2-40B4-BE49-F238E27FC236}">
+                <a16:creationId xmlns:a16="http://schemas.microsoft.com/office/drawing/2014/main" id="{7271AA81-1F73-E4C6-70AE-B9A7BE60EC8C}"/>
+              </a:ext>
+            </a:extLst>
+          </p:cNvPr>
+          <p:cNvSpPr txBox="1"/>
+          <p:nvPr/>
+        </p:nvSpPr>
+        <p:spPr>
+          <a:xfrm flipH="1">
+            <a:off x="6693222" y="151056"/>
+            <a:ext cx="3289697" cy="369332"/>
+          </a:xfrm>
+          <a:prstGeom prst="rect">
+            <a:avLst/>
+          </a:prstGeom>
+          <a:noFill/>
+        </p:spPr>
+        <p:txBody>
+          <a:bodyPr wrap="square" rtlCol="0">
+            <a:spAutoFit/>
+          </a:bodyPr>
+          <a:lstStyle/>
+          <a:p>
+            <a:r>
+              <a:rPr lang="es-UY" b="1" dirty="0" err="1"/>
+              <a:t>ColaPedidosCerrados</a:t>
+            </a:r>
+            <a:r>
+              <a:rPr lang="es-UY" dirty="0"/>
+              <a:t> (Sistema)</a:t>
+            </a:r>
+          </a:p>
+        </p:txBody>
+      </p:sp>
+      <p:sp>
+        <p:nvSpPr>
+          <p:cNvPr id="16" name="CuadroTexto 15">
+            <a:extLst>
+              <a:ext uri="{FF2B5EF4-FFF2-40B4-BE49-F238E27FC236}">
+                <a16:creationId xmlns:a16="http://schemas.microsoft.com/office/drawing/2014/main" id="{74940B42-6742-9E5D-19ED-60BA00053131}"/>
+              </a:ext>
+            </a:extLst>
+          </p:cNvPr>
+          <p:cNvSpPr txBox="1"/>
+          <p:nvPr/>
+        </p:nvSpPr>
+        <p:spPr>
+          <a:xfrm flipH="1">
+            <a:off x="192566" y="335722"/>
+            <a:ext cx="3916183" cy="276999"/>
+          </a:xfrm>
+          <a:prstGeom prst="rect">
+            <a:avLst/>
+          </a:prstGeom>
+          <a:noFill/>
+        </p:spPr>
+        <p:txBody>
+          <a:bodyPr wrap="square" rtlCol="0">
+            <a:spAutoFit/>
+          </a:bodyPr>
+          <a:lstStyle/>
+          <a:p>
+            <a:r>
+              <a:rPr lang="es-UY" sz="1200" dirty="0"/>
+              <a:t>ordenada alfabéticamente por nombre</a:t>
+            </a:r>
+          </a:p>
+        </p:txBody>
+      </p:sp>
+      <p:cxnSp>
+        <p:nvCxnSpPr>
+          <p:cNvPr id="18" name="Conector recto de flecha 17">
+            <a:extLst>
+              <a:ext uri="{FF2B5EF4-FFF2-40B4-BE49-F238E27FC236}">
+                <a16:creationId xmlns:a16="http://schemas.microsoft.com/office/drawing/2014/main" id="{953C0AFA-3605-471F-EB0A-30D17221ED57}"/>
+              </a:ext>
+            </a:extLst>
+          </p:cNvPr>
+          <p:cNvCxnSpPr>
+            <a:cxnSpLocks/>
+          </p:cNvCxnSpPr>
+          <p:nvPr/>
+        </p:nvCxnSpPr>
+        <p:spPr>
+          <a:xfrm flipV="1">
+            <a:off x="1906270" y="4918702"/>
+            <a:ext cx="370906" cy="1"/>
+          </a:xfrm>
+          <a:prstGeom prst="straightConnector1">
+            <a:avLst/>
+          </a:prstGeom>
+          <a:ln w="38100">
+            <a:tailEnd type="triangle"/>
+          </a:ln>
+        </p:spPr>
+        <p:style>
+          <a:lnRef idx="1">
+            <a:schemeClr val="accent1"/>
+          </a:lnRef>
+          <a:fillRef idx="0">
+            <a:schemeClr val="accent1"/>
+          </a:fillRef>
+          <a:effectRef idx="0">
+            <a:schemeClr val="accent1"/>
+          </a:effectRef>
+          <a:fontRef idx="minor">
+            <a:schemeClr val="tx1"/>
+          </a:fontRef>
+        </p:style>
+      </p:cxnSp>
+      <p:sp>
+        <p:nvSpPr>
+          <p:cNvPr id="19" name="Rectángulo 18">
+            <a:extLst>
+              <a:ext uri="{FF2B5EF4-FFF2-40B4-BE49-F238E27FC236}">
+                <a16:creationId xmlns:a16="http://schemas.microsoft.com/office/drawing/2014/main" id="{CF6B36BF-CA83-4C16-2878-9F1B073A9F33}"/>
+              </a:ext>
+            </a:extLst>
+          </p:cNvPr>
+          <p:cNvSpPr/>
+          <p:nvPr/>
+        </p:nvSpPr>
+        <p:spPr>
+          <a:xfrm>
+            <a:off x="2336958" y="4850771"/>
+            <a:ext cx="690745" cy="672723"/>
+          </a:xfrm>
+          <a:prstGeom prst="rect">
+            <a:avLst/>
+          </a:prstGeom>
+        </p:spPr>
+        <p:style>
+          <a:lnRef idx="2">
+            <a:schemeClr val="accent6">
+              <a:shade val="50000"/>
+            </a:schemeClr>
+          </a:lnRef>
+          <a:fillRef idx="1">
+            <a:schemeClr val="accent6"/>
+          </a:fillRef>
+          <a:effectRef idx="0">
+            <a:schemeClr val="accent6"/>
+          </a:effectRef>
+          <a:fontRef idx="minor">
+            <a:schemeClr val="lt1"/>
+          </a:fontRef>
+        </p:style>
+        <p:txBody>
+          <a:bodyPr rtlCol="0" anchor="ctr"/>
+          <a:lstStyle/>
+          <a:p>
+            <a:pPr algn="ctr"/>
+            <a:endParaRPr lang="es-UY"/>
+          </a:p>
+        </p:txBody>
+      </p:sp>
+      <p:sp>
+        <p:nvSpPr>
+          <p:cNvPr id="20" name="CuadroTexto 19">
+            <a:extLst>
+              <a:ext uri="{FF2B5EF4-FFF2-40B4-BE49-F238E27FC236}">
+                <a16:creationId xmlns:a16="http://schemas.microsoft.com/office/drawing/2014/main" id="{AF9EC196-11E2-4549-EEE1-461C2BDE45B9}"/>
+              </a:ext>
+            </a:extLst>
+          </p:cNvPr>
+          <p:cNvSpPr txBox="1"/>
+          <p:nvPr/>
+        </p:nvSpPr>
+        <p:spPr>
+          <a:xfrm flipH="1">
+            <a:off x="3146558" y="4481439"/>
+            <a:ext cx="3376925" cy="369332"/>
+          </a:xfrm>
+          <a:prstGeom prst="rect">
+            <a:avLst/>
+          </a:prstGeom>
+          <a:noFill/>
+        </p:spPr>
+        <p:txBody>
+          <a:bodyPr wrap="square" rtlCol="0">
+            <a:spAutoFit/>
+          </a:bodyPr>
+          <a:lstStyle/>
+          <a:p>
+            <a:r>
+              <a:rPr lang="es-UY" b="1" dirty="0" err="1"/>
+              <a:t>PilaProductos</a:t>
+            </a:r>
+            <a:r>
+              <a:rPr lang="es-UY" dirty="0"/>
+              <a:t> </a:t>
+            </a:r>
+            <a:r>
+              <a:rPr lang="es-UY"/>
+              <a:t>(Pedido, </a:t>
+            </a:r>
+            <a:r>
+              <a:rPr lang="es-UY" sz="1100" dirty="0"/>
+              <a:t>del cliente</a:t>
+            </a:r>
+            <a:r>
+              <a:rPr lang="es-UY" dirty="0"/>
+              <a:t>)</a:t>
+            </a:r>
+          </a:p>
+        </p:txBody>
+      </p:sp>
+      <p:sp>
+        <p:nvSpPr>
+          <p:cNvPr id="22" name="Rectángulo 21">
+            <a:extLst>
+              <a:ext uri="{FF2B5EF4-FFF2-40B4-BE49-F238E27FC236}">
+                <a16:creationId xmlns:a16="http://schemas.microsoft.com/office/drawing/2014/main" id="{4E1F71AD-6E22-A47D-2A64-C875E2F17F04}"/>
+              </a:ext>
+            </a:extLst>
+          </p:cNvPr>
+          <p:cNvSpPr/>
+          <p:nvPr/>
+        </p:nvSpPr>
+        <p:spPr>
+          <a:xfrm>
+            <a:off x="3191599" y="4846321"/>
+            <a:ext cx="690745" cy="672723"/>
+          </a:xfrm>
+          <a:prstGeom prst="rect">
+            <a:avLst/>
+          </a:prstGeom>
+        </p:spPr>
+        <p:style>
+          <a:lnRef idx="2">
+            <a:schemeClr val="accent6">
+              <a:shade val="50000"/>
+            </a:schemeClr>
+          </a:lnRef>
+          <a:fillRef idx="1">
+            <a:schemeClr val="accent6"/>
+          </a:fillRef>
+          <a:effectRef idx="0">
+            <a:schemeClr val="accent6"/>
+          </a:effectRef>
+          <a:fontRef idx="minor">
+            <a:schemeClr val="lt1"/>
+          </a:fontRef>
+        </p:style>
+        <p:txBody>
+          <a:bodyPr rtlCol="0" anchor="ctr"/>
+          <a:lstStyle/>
+          <a:p>
+            <a:pPr algn="ctr"/>
+            <a:endParaRPr lang="es-UY"/>
+          </a:p>
+        </p:txBody>
+      </p:sp>
+      <p:sp>
+        <p:nvSpPr>
+          <p:cNvPr id="23" name="Rectángulo 22">
+            <a:extLst>
+              <a:ext uri="{FF2B5EF4-FFF2-40B4-BE49-F238E27FC236}">
+                <a16:creationId xmlns:a16="http://schemas.microsoft.com/office/drawing/2014/main" id="{23B8CAC4-D738-D956-33C6-B5CA2028B64E}"/>
+              </a:ext>
+            </a:extLst>
+          </p:cNvPr>
+          <p:cNvSpPr/>
+          <p:nvPr/>
+        </p:nvSpPr>
+        <p:spPr>
+          <a:xfrm>
+            <a:off x="4008378" y="4846320"/>
+            <a:ext cx="690745" cy="672723"/>
+          </a:xfrm>
+          <a:prstGeom prst="rect">
+            <a:avLst/>
+          </a:prstGeom>
+        </p:spPr>
+        <p:style>
+          <a:lnRef idx="2">
+            <a:schemeClr val="accent6">
+              <a:shade val="50000"/>
+            </a:schemeClr>
+          </a:lnRef>
+          <a:fillRef idx="1">
+            <a:schemeClr val="accent6"/>
+          </a:fillRef>
+          <a:effectRef idx="0">
+            <a:schemeClr val="accent6"/>
+          </a:effectRef>
+          <a:fontRef idx="minor">
+            <a:schemeClr val="lt1"/>
+          </a:fontRef>
+        </p:style>
+        <p:txBody>
+          <a:bodyPr rtlCol="0" anchor="ctr"/>
+          <a:lstStyle/>
+          <a:p>
+            <a:pPr algn="ctr"/>
+            <a:endParaRPr lang="es-UY"/>
+          </a:p>
+        </p:txBody>
+      </p:sp>
+      <p:sp>
+        <p:nvSpPr>
+          <p:cNvPr id="24" name="Rectángulo 23">
+            <a:extLst>
+              <a:ext uri="{FF2B5EF4-FFF2-40B4-BE49-F238E27FC236}">
+                <a16:creationId xmlns:a16="http://schemas.microsoft.com/office/drawing/2014/main" id="{4E8827D2-C37F-76E1-47E5-9F88D819006C}"/>
+              </a:ext>
+            </a:extLst>
+          </p:cNvPr>
+          <p:cNvSpPr/>
+          <p:nvPr/>
+        </p:nvSpPr>
+        <p:spPr>
+          <a:xfrm>
+            <a:off x="3742030" y="566025"/>
+            <a:ext cx="1623201" cy="1007959"/>
+          </a:xfrm>
+          <a:prstGeom prst="rect">
+            <a:avLst/>
+          </a:prstGeom>
+          <a:solidFill>
+            <a:schemeClr val="accent6">
+              <a:lumMod val="60000"/>
+              <a:lumOff val="40000"/>
+            </a:schemeClr>
+          </a:solidFill>
+          <a:ln/>
+        </p:spPr>
+        <p:style>
+          <a:lnRef idx="2">
+            <a:schemeClr val="accent6">
+              <a:shade val="50000"/>
+            </a:schemeClr>
+          </a:lnRef>
+          <a:fillRef idx="1">
+            <a:schemeClr val="accent6"/>
+          </a:fillRef>
+          <a:effectRef idx="0">
+            <a:schemeClr val="accent6"/>
+          </a:effectRef>
+          <a:fontRef idx="minor">
+            <a:schemeClr val="lt1"/>
+          </a:fontRef>
+        </p:style>
+        <p:txBody>
+          <a:bodyPr rtlCol="0" anchor="ctr"/>
+          <a:lstStyle/>
+          <a:p>
+            <a:pPr algn="ctr"/>
+            <a:endParaRPr lang="es-UY"/>
+          </a:p>
+        </p:txBody>
+      </p:sp>
+      <p:sp>
+        <p:nvSpPr>
+          <p:cNvPr id="25" name="CuadroTexto 24">
+            <a:extLst>
+              <a:ext uri="{FF2B5EF4-FFF2-40B4-BE49-F238E27FC236}">
+                <a16:creationId xmlns:a16="http://schemas.microsoft.com/office/drawing/2014/main" id="{5DABC579-AEF4-C43A-12AF-9795422F78AE}"/>
+              </a:ext>
+            </a:extLst>
+          </p:cNvPr>
+          <p:cNvSpPr txBox="1"/>
+          <p:nvPr/>
+        </p:nvSpPr>
+        <p:spPr>
+          <a:xfrm flipH="1">
+            <a:off x="3414934" y="170463"/>
+            <a:ext cx="3461301" cy="369332"/>
+          </a:xfrm>
+          <a:prstGeom prst="rect">
+            <a:avLst/>
+          </a:prstGeom>
+          <a:noFill/>
+        </p:spPr>
+        <p:txBody>
+          <a:bodyPr wrap="square" rtlCol="0">
+            <a:spAutoFit/>
+          </a:bodyPr>
+          <a:lstStyle/>
+          <a:p>
+            <a:r>
+              <a:rPr lang="es-UY" b="1" dirty="0" err="1"/>
+              <a:t>ListaSimpleProductos</a:t>
+            </a:r>
+            <a:r>
+              <a:rPr lang="es-UY" dirty="0"/>
+              <a:t> (Sistema)</a:t>
+            </a:r>
+          </a:p>
+        </p:txBody>
+      </p:sp>
+      <p:sp>
+        <p:nvSpPr>
+          <p:cNvPr id="8" name="CuadroTexto 7">
+            <a:extLst>
+              <a:ext uri="{FF2B5EF4-FFF2-40B4-BE49-F238E27FC236}">
+                <a16:creationId xmlns:a16="http://schemas.microsoft.com/office/drawing/2014/main" id="{134F8412-F78E-DE75-6C45-1C63F7E9C8EA}"/>
+              </a:ext>
+            </a:extLst>
+          </p:cNvPr>
+          <p:cNvSpPr txBox="1"/>
+          <p:nvPr/>
+        </p:nvSpPr>
+        <p:spPr>
+          <a:xfrm>
+            <a:off x="5389303" y="634632"/>
+            <a:ext cx="1136358" cy="2192908"/>
+          </a:xfrm>
+          <a:prstGeom prst="rect">
+            <a:avLst/>
+          </a:prstGeom>
+          <a:noFill/>
+        </p:spPr>
+        <p:txBody>
+          <a:bodyPr wrap="square" rtlCol="0">
+            <a:spAutoFit/>
+          </a:bodyPr>
+          <a:lstStyle/>
+          <a:p>
+            <a:r>
+              <a:rPr lang="es-UY" sz="1050" dirty="0"/>
+              <a:t>Se muestran en orden en que se les dio el alta (el primer elementos se muestra primero). </a:t>
+            </a:r>
+            <a:r>
+              <a:rPr lang="es-UY" sz="1050" dirty="0">
+                <a:highlight>
+                  <a:srgbClr val="FFFF00"/>
+                </a:highlight>
+              </a:rPr>
+              <a:t>PERO</a:t>
+            </a:r>
+          </a:p>
+          <a:p>
+            <a:r>
+              <a:rPr lang="es-UY" sz="1050" dirty="0">
+                <a:highlight>
+                  <a:srgbClr val="FFFF00"/>
+                </a:highlight>
+              </a:rPr>
+              <a:t>2.5 Tengo que buscar por nombre para eliminar producto o sea LISTA?</a:t>
+            </a:r>
+          </a:p>
+        </p:txBody>
+      </p:sp>
+      <p:sp>
+        <p:nvSpPr>
+          <p:cNvPr id="14" name="CuadroTexto 13">
+            <a:extLst>
+              <a:ext uri="{FF2B5EF4-FFF2-40B4-BE49-F238E27FC236}">
+                <a16:creationId xmlns:a16="http://schemas.microsoft.com/office/drawing/2014/main" id="{26887DC5-23BC-230D-690C-08F829EB4DE9}"/>
+              </a:ext>
+            </a:extLst>
+          </p:cNvPr>
+          <p:cNvSpPr txBox="1"/>
+          <p:nvPr/>
+        </p:nvSpPr>
+        <p:spPr>
+          <a:xfrm>
+            <a:off x="4699123" y="4843083"/>
+            <a:ext cx="2211127" cy="577081"/>
+          </a:xfrm>
+          <a:prstGeom prst="rect">
+            <a:avLst/>
+          </a:prstGeom>
+          <a:noFill/>
+        </p:spPr>
+        <p:txBody>
+          <a:bodyPr wrap="square" rtlCol="0">
+            <a:spAutoFit/>
+          </a:bodyPr>
+          <a:lstStyle/>
+          <a:p>
+            <a:pPr algn="just"/>
+            <a:r>
+              <a:rPr lang="es-UY" sz="1050" dirty="0"/>
+              <a:t>Se agrega uno arriba de otro, y se puede eliminar solo el último que entró</a:t>
+            </a:r>
+          </a:p>
+        </p:txBody>
+      </p:sp>
+      <p:sp>
+        <p:nvSpPr>
+          <p:cNvPr id="17" name="CuadroTexto 16">
+            <a:extLst>
+              <a:ext uri="{FF2B5EF4-FFF2-40B4-BE49-F238E27FC236}">
+                <a16:creationId xmlns:a16="http://schemas.microsoft.com/office/drawing/2014/main" id="{DFAFAC94-7726-C550-AD0E-66EBC61B15BC}"/>
+              </a:ext>
+            </a:extLst>
+          </p:cNvPr>
+          <p:cNvSpPr txBox="1"/>
+          <p:nvPr/>
+        </p:nvSpPr>
+        <p:spPr>
+          <a:xfrm>
+            <a:off x="7171750" y="3202576"/>
+            <a:ext cx="1747695" cy="1277273"/>
+          </a:xfrm>
+          <a:prstGeom prst="rect">
+            <a:avLst/>
+          </a:prstGeom>
+          <a:noFill/>
+        </p:spPr>
+        <p:txBody>
+          <a:bodyPr wrap="square" rtlCol="0">
+            <a:spAutoFit/>
+          </a:bodyPr>
+          <a:lstStyle/>
+          <a:p>
+            <a:r>
+              <a:rPr lang="es-UY" sz="1100" dirty="0"/>
+              <a:t>Se procesan en orden de llegada (el primer elementos se procesa primero), pedido procesado se elimina y pasa a </a:t>
+            </a:r>
+            <a:r>
+              <a:rPr lang="es-UY" sz="1100" dirty="0" err="1"/>
+              <a:t>ColaPedidosParaEntregar</a:t>
+            </a:r>
+            <a:r>
+              <a:rPr lang="es-UY" sz="1100" dirty="0"/>
+              <a:t>()</a:t>
+            </a:r>
+          </a:p>
+        </p:txBody>
+      </p:sp>
+      <p:sp>
+        <p:nvSpPr>
+          <p:cNvPr id="26" name="CuadroTexto 25">
+            <a:extLst>
+              <a:ext uri="{FF2B5EF4-FFF2-40B4-BE49-F238E27FC236}">
+                <a16:creationId xmlns:a16="http://schemas.microsoft.com/office/drawing/2014/main" id="{E1D28098-26E0-366C-D16D-75ADED6F6D87}"/>
+              </a:ext>
+            </a:extLst>
+          </p:cNvPr>
+          <p:cNvSpPr txBox="1"/>
+          <p:nvPr/>
+        </p:nvSpPr>
+        <p:spPr>
+          <a:xfrm>
+            <a:off x="1960056" y="605173"/>
+            <a:ext cx="1275333" cy="769441"/>
+          </a:xfrm>
+          <a:prstGeom prst="rect">
+            <a:avLst/>
+          </a:prstGeom>
+          <a:noFill/>
+        </p:spPr>
+        <p:txBody>
+          <a:bodyPr wrap="square" rtlCol="0">
+            <a:spAutoFit/>
+          </a:bodyPr>
+          <a:lstStyle/>
+          <a:p>
+            <a:pPr algn="just"/>
+            <a:r>
+              <a:rPr lang="es-UY" sz="1100" dirty="0"/>
+              <a:t>Se busca por Ci, se muestran ordenados alfabéticamente</a:t>
+            </a:r>
+          </a:p>
+        </p:txBody>
+      </p:sp>
+      <p:cxnSp>
+        <p:nvCxnSpPr>
+          <p:cNvPr id="30" name="Conector recto de flecha 29">
+            <a:extLst>
+              <a:ext uri="{FF2B5EF4-FFF2-40B4-BE49-F238E27FC236}">
+                <a16:creationId xmlns:a16="http://schemas.microsoft.com/office/drawing/2014/main" id="{583D7A11-6D9E-0F74-8A41-FF4898A569CD}"/>
+              </a:ext>
+            </a:extLst>
+          </p:cNvPr>
+          <p:cNvCxnSpPr>
+            <a:cxnSpLocks/>
+          </p:cNvCxnSpPr>
+          <p:nvPr/>
+        </p:nvCxnSpPr>
+        <p:spPr>
+          <a:xfrm>
+            <a:off x="1360418" y="3003383"/>
+            <a:ext cx="0" cy="817274"/>
+          </a:xfrm>
+          <a:prstGeom prst="straightConnector1">
+            <a:avLst/>
+          </a:prstGeom>
+          <a:ln w="38100">
+            <a:tailEnd type="triangle"/>
+          </a:ln>
+        </p:spPr>
+        <p:style>
+          <a:lnRef idx="1">
+            <a:schemeClr val="accent1"/>
+          </a:lnRef>
+          <a:fillRef idx="0">
+            <a:schemeClr val="accent1"/>
+          </a:fillRef>
+          <a:effectRef idx="0">
+            <a:schemeClr val="accent1"/>
+          </a:effectRef>
+          <a:fontRef idx="minor">
+            <a:schemeClr val="tx1"/>
+          </a:fontRef>
+        </p:style>
+      </p:cxnSp>
+      <p:sp>
+        <p:nvSpPr>
+          <p:cNvPr id="32" name="Rectángulo 31">
+            <a:extLst>
+              <a:ext uri="{FF2B5EF4-FFF2-40B4-BE49-F238E27FC236}">
+                <a16:creationId xmlns:a16="http://schemas.microsoft.com/office/drawing/2014/main" id="{5C33449E-246E-476B-5E7D-DD20D8213147}"/>
+              </a:ext>
+            </a:extLst>
+          </p:cNvPr>
+          <p:cNvSpPr/>
+          <p:nvPr/>
+        </p:nvSpPr>
+        <p:spPr>
+          <a:xfrm flipV="1">
+            <a:off x="901713" y="3863872"/>
+            <a:ext cx="944774" cy="369332"/>
+          </a:xfrm>
+          <a:prstGeom prst="rect">
+            <a:avLst/>
+          </a:prstGeom>
+        </p:spPr>
+        <p:style>
+          <a:lnRef idx="2">
+            <a:schemeClr val="accent4">
+              <a:shade val="50000"/>
+            </a:schemeClr>
+          </a:lnRef>
+          <a:fillRef idx="1">
+            <a:schemeClr val="accent4"/>
+          </a:fillRef>
+          <a:effectRef idx="0">
+            <a:schemeClr val="accent4"/>
+          </a:effectRef>
+          <a:fontRef idx="minor">
+            <a:schemeClr val="lt1"/>
+          </a:fontRef>
+        </p:style>
+        <p:txBody>
+          <a:bodyPr rtlCol="0" anchor="ctr"/>
+          <a:lstStyle/>
+          <a:p>
+            <a:pPr algn="ctr"/>
+            <a:endParaRPr lang="es-UY"/>
+          </a:p>
+        </p:txBody>
+      </p:sp>
+      <p:sp>
+        <p:nvSpPr>
+          <p:cNvPr id="33" name="Rectángulo 32">
+            <a:extLst>
+              <a:ext uri="{FF2B5EF4-FFF2-40B4-BE49-F238E27FC236}">
+                <a16:creationId xmlns:a16="http://schemas.microsoft.com/office/drawing/2014/main" id="{B48A363C-AE49-66AD-16A1-EF2222439BD3}"/>
+              </a:ext>
+            </a:extLst>
+          </p:cNvPr>
+          <p:cNvSpPr/>
+          <p:nvPr/>
+        </p:nvSpPr>
+        <p:spPr>
+          <a:xfrm flipV="1">
+            <a:off x="901715" y="4287805"/>
+            <a:ext cx="944774" cy="369332"/>
+          </a:xfrm>
+          <a:prstGeom prst="rect">
+            <a:avLst/>
+          </a:prstGeom>
+        </p:spPr>
+        <p:style>
+          <a:lnRef idx="2">
+            <a:schemeClr val="accent4">
+              <a:shade val="50000"/>
+            </a:schemeClr>
+          </a:lnRef>
+          <a:fillRef idx="1">
+            <a:schemeClr val="accent4"/>
+          </a:fillRef>
+          <a:effectRef idx="0">
+            <a:schemeClr val="accent4"/>
+          </a:effectRef>
+          <a:fontRef idx="minor">
+            <a:schemeClr val="lt1"/>
+          </a:fontRef>
+        </p:style>
+        <p:txBody>
+          <a:bodyPr rtlCol="0" anchor="ctr"/>
+          <a:lstStyle/>
+          <a:p>
+            <a:pPr algn="ctr"/>
+            <a:endParaRPr lang="es-UY"/>
+          </a:p>
+        </p:txBody>
+      </p:sp>
+      <p:sp>
+        <p:nvSpPr>
+          <p:cNvPr id="34" name="Rectángulo 33">
+            <a:extLst>
+              <a:ext uri="{FF2B5EF4-FFF2-40B4-BE49-F238E27FC236}">
+                <a16:creationId xmlns:a16="http://schemas.microsoft.com/office/drawing/2014/main" id="{3F3ADED7-FE15-8C10-1B98-FA35576FCDC9}"/>
+              </a:ext>
+            </a:extLst>
+          </p:cNvPr>
+          <p:cNvSpPr/>
+          <p:nvPr/>
+        </p:nvSpPr>
+        <p:spPr>
+          <a:xfrm flipV="1">
+            <a:off x="901714" y="4734036"/>
+            <a:ext cx="944774" cy="369332"/>
+          </a:xfrm>
+          <a:prstGeom prst="rect">
+            <a:avLst/>
+          </a:prstGeom>
+        </p:spPr>
+        <p:style>
+          <a:lnRef idx="2">
+            <a:schemeClr val="accent4">
+              <a:shade val="50000"/>
+            </a:schemeClr>
+          </a:lnRef>
+          <a:fillRef idx="1">
+            <a:schemeClr val="accent4"/>
+          </a:fillRef>
+          <a:effectRef idx="0">
+            <a:schemeClr val="accent4"/>
+          </a:effectRef>
+          <a:fontRef idx="minor">
+            <a:schemeClr val="lt1"/>
+          </a:fontRef>
+        </p:style>
+        <p:txBody>
+          <a:bodyPr rtlCol="0" anchor="ctr"/>
+          <a:lstStyle/>
+          <a:p>
+            <a:pPr algn="ctr"/>
+            <a:endParaRPr lang="es-UY"/>
+          </a:p>
+        </p:txBody>
+      </p:sp>
+      <p:sp>
+        <p:nvSpPr>
+          <p:cNvPr id="35" name="CuadroTexto 34">
+            <a:extLst>
+              <a:ext uri="{FF2B5EF4-FFF2-40B4-BE49-F238E27FC236}">
+                <a16:creationId xmlns:a16="http://schemas.microsoft.com/office/drawing/2014/main" id="{6D232677-BD88-1493-AB99-F3C0661E7921}"/>
+              </a:ext>
+            </a:extLst>
+          </p:cNvPr>
+          <p:cNvSpPr txBox="1"/>
+          <p:nvPr/>
+        </p:nvSpPr>
+        <p:spPr>
+          <a:xfrm>
+            <a:off x="1855905" y="3451325"/>
+            <a:ext cx="2082301" cy="369332"/>
+          </a:xfrm>
+          <a:prstGeom prst="rect">
+            <a:avLst/>
+          </a:prstGeom>
+          <a:noFill/>
+        </p:spPr>
+        <p:txBody>
+          <a:bodyPr wrap="none" rtlCol="0">
+            <a:spAutoFit/>
+          </a:bodyPr>
+          <a:lstStyle/>
+          <a:p>
+            <a:r>
+              <a:rPr lang="en-US" b="1" dirty="0" err="1"/>
+              <a:t>PilaPedidos</a:t>
+            </a:r>
+            <a:r>
+              <a:rPr lang="en-US" dirty="0"/>
+              <a:t>(</a:t>
+            </a:r>
+            <a:r>
+              <a:rPr lang="en-US" dirty="0" err="1"/>
+              <a:t>Cliente</a:t>
+            </a:r>
+            <a:r>
+              <a:rPr lang="en-US" dirty="0"/>
+              <a:t>)</a:t>
+            </a:r>
+            <a:endParaRPr lang="es-UY" dirty="0"/>
+          </a:p>
+        </p:txBody>
+      </p:sp>
+      <p:sp>
+        <p:nvSpPr>
+          <p:cNvPr id="36" name="CuadroTexto 35">
+            <a:extLst>
+              <a:ext uri="{FF2B5EF4-FFF2-40B4-BE49-F238E27FC236}">
+                <a16:creationId xmlns:a16="http://schemas.microsoft.com/office/drawing/2014/main" id="{05D2C676-402B-893F-D85C-9083FD14B72B}"/>
+              </a:ext>
+            </a:extLst>
+          </p:cNvPr>
+          <p:cNvSpPr txBox="1"/>
+          <p:nvPr/>
+        </p:nvSpPr>
+        <p:spPr>
+          <a:xfrm>
+            <a:off x="1871578" y="3824842"/>
+            <a:ext cx="2600767" cy="769441"/>
+          </a:xfrm>
+          <a:prstGeom prst="rect">
+            <a:avLst/>
+          </a:prstGeom>
+          <a:noFill/>
+        </p:spPr>
+        <p:txBody>
+          <a:bodyPr wrap="square" rtlCol="0">
+            <a:spAutoFit/>
+          </a:bodyPr>
+          <a:lstStyle/>
+          <a:p>
+            <a:pPr algn="just"/>
+            <a:r>
+              <a:rPr lang="en-US" sz="1100" dirty="0"/>
+              <a:t>Nuevo </a:t>
+            </a:r>
+            <a:r>
+              <a:rPr lang="en-US" sz="1100" dirty="0" err="1"/>
+              <a:t>pedido</a:t>
+            </a:r>
+            <a:r>
+              <a:rPr lang="en-US" sz="1100" dirty="0"/>
+              <a:t> se </a:t>
+            </a:r>
+            <a:r>
+              <a:rPr lang="en-US" sz="1100" dirty="0" err="1"/>
+              <a:t>agrega</a:t>
+            </a:r>
+            <a:r>
+              <a:rPr lang="en-US" sz="1100" dirty="0"/>
+              <a:t> al final (</a:t>
+            </a:r>
+            <a:r>
+              <a:rPr lang="en-US" sz="1100" dirty="0" err="1"/>
+              <a:t>queda</a:t>
+            </a:r>
+            <a:r>
+              <a:rPr lang="en-US" sz="1100" dirty="0"/>
+              <a:t> </a:t>
+            </a:r>
+            <a:r>
+              <a:rPr lang="en-US" sz="1100" dirty="0" err="1"/>
+              <a:t>abierto</a:t>
+            </a:r>
+            <a:r>
+              <a:rPr lang="en-US" sz="1100" dirty="0"/>
+              <a:t>). Para </a:t>
+            </a:r>
+            <a:r>
+              <a:rPr lang="en-US" sz="1100" dirty="0" err="1"/>
+              <a:t>listar</a:t>
+            </a:r>
+            <a:r>
+              <a:rPr lang="en-US" sz="1100" dirty="0"/>
+              <a:t> </a:t>
+            </a:r>
+            <a:r>
+              <a:rPr lang="en-US" sz="1100" dirty="0" err="1"/>
+              <a:t>pedidos</a:t>
+            </a:r>
+            <a:r>
+              <a:rPr lang="en-US" sz="1100" dirty="0"/>
+              <a:t> </a:t>
+            </a:r>
+            <a:r>
+              <a:rPr lang="en-US" sz="1100" dirty="0" err="1"/>
+              <a:t>cerrados</a:t>
+            </a:r>
+            <a:r>
+              <a:rPr lang="en-US" sz="1100" dirty="0"/>
+              <a:t>, se </a:t>
+            </a:r>
+            <a:r>
+              <a:rPr lang="en-US" sz="1100" dirty="0" err="1"/>
+              <a:t>evalua</a:t>
+            </a:r>
+            <a:r>
+              <a:rPr lang="en-US" sz="1100" dirty="0"/>
+              <a:t> solo </a:t>
+            </a:r>
+            <a:r>
+              <a:rPr lang="en-US" sz="1100" dirty="0" err="1"/>
+              <a:t>el</a:t>
+            </a:r>
+            <a:r>
+              <a:rPr lang="en-US" sz="1100" dirty="0"/>
+              <a:t> primero </a:t>
+            </a:r>
+            <a:r>
+              <a:rPr lang="en-US" sz="1100" dirty="0" err="1"/>
+              <a:t>ya</a:t>
+            </a:r>
+            <a:r>
+              <a:rPr lang="en-US" sz="1100" dirty="0"/>
+              <a:t> que </a:t>
+            </a:r>
+            <a:r>
+              <a:rPr lang="en-US" sz="1100" dirty="0" err="1"/>
+              <a:t>el</a:t>
+            </a:r>
+            <a:r>
+              <a:rPr lang="en-US" sz="1100" dirty="0"/>
+              <a:t> resto </a:t>
+            </a:r>
+            <a:r>
+              <a:rPr lang="en-US" sz="1100" dirty="0" err="1"/>
+              <a:t>estarán</a:t>
+            </a:r>
+            <a:r>
+              <a:rPr lang="en-US" sz="1100" dirty="0"/>
+              <a:t> </a:t>
+            </a:r>
+            <a:r>
+              <a:rPr lang="en-US" sz="1100" dirty="0" err="1"/>
+              <a:t>cerrados</a:t>
+            </a:r>
+            <a:endParaRPr lang="es-UY" sz="1100" dirty="0"/>
+          </a:p>
+        </p:txBody>
+      </p:sp>
+      <p:sp>
+        <p:nvSpPr>
+          <p:cNvPr id="2" name="Rectángulo 1">
+            <a:extLst>
+              <a:ext uri="{FF2B5EF4-FFF2-40B4-BE49-F238E27FC236}">
+                <a16:creationId xmlns:a16="http://schemas.microsoft.com/office/drawing/2014/main" id="{BA0B6EE6-4538-E103-BF58-0802A09FF01B}"/>
+              </a:ext>
+            </a:extLst>
+          </p:cNvPr>
+          <p:cNvSpPr/>
+          <p:nvPr/>
+        </p:nvSpPr>
+        <p:spPr>
+          <a:xfrm>
+            <a:off x="489264" y="2189977"/>
+            <a:ext cx="1491921" cy="813406"/>
+          </a:xfrm>
+          <a:prstGeom prst="rect">
+            <a:avLst/>
+          </a:prstGeom>
+          <a:noFill/>
+          <a:ln w="15875">
+            <a:prstDash val="sysDash"/>
+          </a:ln>
+        </p:spPr>
+        <p:style>
+          <a:lnRef idx="2">
+            <a:schemeClr val="accent1">
+              <a:shade val="50000"/>
+            </a:schemeClr>
+          </a:lnRef>
+          <a:fillRef idx="1">
+            <a:schemeClr val="accent1"/>
+          </a:fillRef>
+          <a:effectRef idx="0">
+            <a:schemeClr val="accent1"/>
+          </a:effectRef>
+          <a:fontRef idx="minor">
+            <a:schemeClr val="lt1"/>
+          </a:fontRef>
+        </p:style>
+        <p:txBody>
+          <a:bodyPr rtlCol="0" anchor="ctr"/>
+          <a:lstStyle/>
+          <a:p>
+            <a:pPr algn="ctr"/>
+            <a:endParaRPr lang="es-UY"/>
+          </a:p>
+        </p:txBody>
+      </p:sp>
+      <p:sp>
+        <p:nvSpPr>
+          <p:cNvPr id="9" name="Rectángulo 8">
+            <a:extLst>
+              <a:ext uri="{FF2B5EF4-FFF2-40B4-BE49-F238E27FC236}">
+                <a16:creationId xmlns:a16="http://schemas.microsoft.com/office/drawing/2014/main" id="{955BBB35-0100-7EB5-46F6-81013E689508}"/>
+              </a:ext>
+            </a:extLst>
+          </p:cNvPr>
+          <p:cNvSpPr/>
+          <p:nvPr/>
+        </p:nvSpPr>
+        <p:spPr>
+          <a:xfrm>
+            <a:off x="813246" y="4696665"/>
+            <a:ext cx="1135454" cy="502794"/>
+          </a:xfrm>
+          <a:prstGeom prst="rect">
+            <a:avLst/>
+          </a:prstGeom>
+          <a:noFill/>
+          <a:ln w="15875">
+            <a:prstDash val="sysDash"/>
+          </a:ln>
+        </p:spPr>
+        <p:style>
+          <a:lnRef idx="2">
+            <a:schemeClr val="accent1">
+              <a:shade val="50000"/>
+            </a:schemeClr>
+          </a:lnRef>
+          <a:fillRef idx="1">
+            <a:schemeClr val="accent1"/>
+          </a:fillRef>
+          <a:effectRef idx="0">
+            <a:schemeClr val="accent1"/>
+          </a:effectRef>
+          <a:fontRef idx="minor">
+            <a:schemeClr val="lt1"/>
+          </a:fontRef>
+        </p:style>
+        <p:txBody>
+          <a:bodyPr rtlCol="0" anchor="ctr"/>
+          <a:lstStyle/>
+          <a:p>
+            <a:pPr algn="ctr"/>
+            <a:endParaRPr lang="es-UY"/>
+          </a:p>
+        </p:txBody>
+      </p:sp>
+      <p:sp>
+        <p:nvSpPr>
+          <p:cNvPr id="21" name="CuadroTexto 20">
+            <a:extLst>
+              <a:ext uri="{FF2B5EF4-FFF2-40B4-BE49-F238E27FC236}">
+                <a16:creationId xmlns:a16="http://schemas.microsoft.com/office/drawing/2014/main" id="{0BD4AAE6-AC89-C6C9-91ED-0B7187C44C9B}"/>
+              </a:ext>
+            </a:extLst>
+          </p:cNvPr>
+          <p:cNvSpPr txBox="1"/>
+          <p:nvPr/>
+        </p:nvSpPr>
+        <p:spPr>
+          <a:xfrm>
+            <a:off x="608089" y="722171"/>
+            <a:ext cx="1494001" cy="553998"/>
+          </a:xfrm>
+          <a:prstGeom prst="rect">
+            <a:avLst/>
+          </a:prstGeom>
+          <a:noFill/>
+        </p:spPr>
+        <p:txBody>
+          <a:bodyPr wrap="square">
+            <a:spAutoFit/>
+          </a:bodyPr>
+          <a:lstStyle/>
+          <a:p>
+            <a:r>
+              <a:rPr lang="es-UY" sz="1000" dirty="0" err="1"/>
+              <a:t>private</a:t>
+            </a:r>
+            <a:r>
+              <a:rPr lang="es-UY" sz="1000" dirty="0"/>
+              <a:t> </a:t>
+            </a:r>
+            <a:r>
+              <a:rPr lang="es-UY" sz="1000" dirty="0" err="1"/>
+              <a:t>String</a:t>
+            </a:r>
+            <a:r>
+              <a:rPr lang="es-UY" sz="1000" dirty="0"/>
+              <a:t> </a:t>
+            </a:r>
+            <a:r>
+              <a:rPr lang="es-UY" sz="1000" b="1" dirty="0"/>
+              <a:t>nombre</a:t>
+            </a:r>
+            <a:r>
+              <a:rPr lang="es-UY" sz="1000" dirty="0"/>
+              <a:t>;</a:t>
+            </a:r>
+          </a:p>
+          <a:p>
+            <a:r>
+              <a:rPr lang="es-UY" sz="1000" dirty="0" err="1"/>
+              <a:t>private</a:t>
+            </a:r>
+            <a:r>
+              <a:rPr lang="es-UY" sz="1000" dirty="0"/>
+              <a:t> </a:t>
+            </a:r>
+            <a:r>
+              <a:rPr lang="es-UY" sz="1000" dirty="0" err="1"/>
+              <a:t>String</a:t>
+            </a:r>
+            <a:r>
+              <a:rPr lang="es-UY" sz="1000" dirty="0"/>
+              <a:t> </a:t>
+            </a:r>
+            <a:r>
+              <a:rPr lang="es-UY" sz="1000" b="1" dirty="0" err="1"/>
+              <a:t>ci</a:t>
+            </a:r>
+            <a:r>
+              <a:rPr lang="es-UY" sz="1000" dirty="0"/>
+              <a:t>;</a:t>
+            </a:r>
+          </a:p>
+          <a:p>
+            <a:r>
+              <a:rPr lang="es-UY" sz="1000" dirty="0" err="1"/>
+              <a:t>private</a:t>
+            </a:r>
+            <a:r>
+              <a:rPr lang="es-UY" sz="1000" dirty="0"/>
+              <a:t> Pila </a:t>
+            </a:r>
+            <a:r>
+              <a:rPr lang="es-UY" sz="1000" b="1" dirty="0" err="1"/>
+              <a:t>pilaPedidos</a:t>
+            </a:r>
+            <a:r>
+              <a:rPr lang="es-UY" sz="1000" dirty="0"/>
+              <a:t>;</a:t>
+            </a:r>
+          </a:p>
+        </p:txBody>
+      </p:sp>
+      <p:sp>
+        <p:nvSpPr>
+          <p:cNvPr id="29" name="CuadroTexto 28">
+            <a:extLst>
+              <a:ext uri="{FF2B5EF4-FFF2-40B4-BE49-F238E27FC236}">
+                <a16:creationId xmlns:a16="http://schemas.microsoft.com/office/drawing/2014/main" id="{51D24C7D-AA9A-371B-B4F3-CAECA2210592}"/>
+              </a:ext>
+            </a:extLst>
+          </p:cNvPr>
+          <p:cNvSpPr txBox="1"/>
+          <p:nvPr/>
+        </p:nvSpPr>
+        <p:spPr>
+          <a:xfrm>
+            <a:off x="7222816" y="566766"/>
+            <a:ext cx="1583501" cy="861774"/>
+          </a:xfrm>
+          <a:prstGeom prst="rect">
+            <a:avLst/>
+          </a:prstGeom>
+          <a:noFill/>
+        </p:spPr>
+        <p:txBody>
+          <a:bodyPr wrap="square">
+            <a:spAutoFit/>
+          </a:bodyPr>
+          <a:lstStyle/>
+          <a:p>
+            <a:r>
+              <a:rPr lang="es-UY" sz="1000" dirty="0" err="1"/>
+              <a:t>private</a:t>
+            </a:r>
+            <a:r>
+              <a:rPr lang="es-UY" sz="1000" dirty="0"/>
+              <a:t> </a:t>
+            </a:r>
+            <a:r>
+              <a:rPr lang="es-UY" sz="1000" dirty="0" err="1"/>
+              <a:t>static</a:t>
+            </a:r>
+            <a:r>
+              <a:rPr lang="es-UY" sz="1000" dirty="0"/>
+              <a:t> </a:t>
+            </a:r>
+            <a:r>
+              <a:rPr lang="es-UY" sz="1000" dirty="0" err="1"/>
+              <a:t>int</a:t>
+            </a:r>
+            <a:r>
+              <a:rPr lang="es-UY" sz="1000" dirty="0"/>
+              <a:t> </a:t>
+            </a:r>
+            <a:r>
+              <a:rPr lang="es-UY" sz="1000" b="1" dirty="0"/>
+              <a:t>ID</a:t>
+            </a:r>
+            <a:r>
+              <a:rPr lang="es-UY" sz="1000" dirty="0"/>
+              <a:t> = 1;</a:t>
+            </a:r>
+          </a:p>
+          <a:p>
+            <a:r>
+              <a:rPr lang="es-UY" sz="1000" dirty="0" err="1"/>
+              <a:t>private</a:t>
+            </a:r>
+            <a:r>
+              <a:rPr lang="es-UY" sz="1000" dirty="0"/>
+              <a:t> </a:t>
+            </a:r>
+            <a:r>
+              <a:rPr lang="es-UY" sz="1000" dirty="0" err="1"/>
+              <a:t>int</a:t>
+            </a:r>
+            <a:r>
+              <a:rPr lang="es-UY" sz="1000" dirty="0"/>
+              <a:t> </a:t>
+            </a:r>
+            <a:r>
+              <a:rPr lang="es-UY" sz="1000" b="1" dirty="0" err="1"/>
+              <a:t>IDPedido</a:t>
+            </a:r>
+            <a:r>
+              <a:rPr lang="es-UY" sz="1000" dirty="0"/>
+              <a:t>;</a:t>
+            </a:r>
+          </a:p>
+          <a:p>
+            <a:r>
+              <a:rPr lang="es-UY" sz="1000" dirty="0" err="1"/>
+              <a:t>private</a:t>
+            </a:r>
+            <a:r>
+              <a:rPr lang="es-UY" sz="1000" dirty="0"/>
+              <a:t> </a:t>
+            </a:r>
+            <a:r>
+              <a:rPr lang="es-UY" sz="1000" dirty="0" err="1"/>
+              <a:t>enum</a:t>
+            </a:r>
+            <a:r>
+              <a:rPr lang="es-UY" sz="1000" dirty="0"/>
+              <a:t> </a:t>
+            </a:r>
+            <a:r>
+              <a:rPr lang="es-UY" sz="1000" b="1" dirty="0"/>
+              <a:t>estado</a:t>
+            </a:r>
+            <a:r>
+              <a:rPr lang="es-UY" sz="1000" dirty="0"/>
+              <a:t>;</a:t>
+            </a:r>
+          </a:p>
+          <a:p>
+            <a:r>
+              <a:rPr lang="es-UY" sz="1000" dirty="0" err="1"/>
+              <a:t>private</a:t>
+            </a:r>
+            <a:r>
+              <a:rPr lang="es-UY" sz="1000" dirty="0"/>
+              <a:t> Cliente </a:t>
+            </a:r>
+            <a:r>
+              <a:rPr lang="es-UY" sz="1000" b="1" dirty="0" err="1"/>
+              <a:t>cli</a:t>
+            </a:r>
+            <a:r>
+              <a:rPr lang="es-UY" sz="1000" dirty="0"/>
+              <a:t>;</a:t>
+            </a:r>
+          </a:p>
+          <a:p>
+            <a:r>
+              <a:rPr lang="es-UY" sz="1000" dirty="0" err="1"/>
+              <a:t>private</a:t>
+            </a:r>
+            <a:r>
+              <a:rPr lang="es-UY" sz="1000" dirty="0"/>
+              <a:t> Pila </a:t>
+            </a:r>
+            <a:r>
+              <a:rPr lang="es-UY" sz="1000" b="1" dirty="0" err="1"/>
+              <a:t>pilaProductos</a:t>
+            </a:r>
+            <a:r>
+              <a:rPr lang="es-UY" sz="1000" dirty="0"/>
+              <a:t>;</a:t>
+            </a:r>
+          </a:p>
+        </p:txBody>
+      </p:sp>
+      <p:sp>
+        <p:nvSpPr>
+          <p:cNvPr id="37" name="CuadroTexto 36">
+            <a:extLst>
+              <a:ext uri="{FF2B5EF4-FFF2-40B4-BE49-F238E27FC236}">
+                <a16:creationId xmlns:a16="http://schemas.microsoft.com/office/drawing/2014/main" id="{C5D48424-461D-6B81-BCBA-7FD04F2A7D91}"/>
+              </a:ext>
+            </a:extLst>
+          </p:cNvPr>
+          <p:cNvSpPr txBox="1"/>
+          <p:nvPr/>
+        </p:nvSpPr>
+        <p:spPr>
+          <a:xfrm>
+            <a:off x="3712676" y="612895"/>
+            <a:ext cx="1879355" cy="861774"/>
+          </a:xfrm>
+          <a:prstGeom prst="rect">
+            <a:avLst/>
+          </a:prstGeom>
+          <a:noFill/>
+        </p:spPr>
+        <p:txBody>
+          <a:bodyPr wrap="square">
+            <a:spAutoFit/>
+          </a:bodyPr>
+          <a:lstStyle/>
+          <a:p>
+            <a:r>
+              <a:rPr lang="es-UY" sz="1000" dirty="0" err="1"/>
+              <a:t>private</a:t>
+            </a:r>
+            <a:r>
+              <a:rPr lang="es-UY" sz="1000" dirty="0"/>
+              <a:t> </a:t>
+            </a:r>
+            <a:r>
+              <a:rPr lang="es-UY" sz="1000" dirty="0" err="1"/>
+              <a:t>String</a:t>
+            </a:r>
+            <a:r>
+              <a:rPr lang="es-UY" sz="1000" dirty="0"/>
+              <a:t> </a:t>
+            </a:r>
+            <a:r>
+              <a:rPr lang="es-UY" sz="1000" b="1" dirty="0"/>
+              <a:t>nombre</a:t>
+            </a:r>
+            <a:r>
+              <a:rPr lang="es-UY" sz="1000" dirty="0"/>
+              <a:t>;</a:t>
+            </a:r>
+          </a:p>
+          <a:p>
+            <a:r>
+              <a:rPr lang="es-UY" sz="1000" dirty="0" err="1"/>
+              <a:t>private</a:t>
+            </a:r>
+            <a:r>
+              <a:rPr lang="es-UY" sz="1000" dirty="0"/>
+              <a:t> </a:t>
+            </a:r>
+            <a:r>
+              <a:rPr lang="es-UY" sz="1000" dirty="0" err="1"/>
+              <a:t>String</a:t>
+            </a:r>
+            <a:r>
+              <a:rPr lang="es-UY" sz="1000" dirty="0"/>
+              <a:t> </a:t>
+            </a:r>
+            <a:r>
+              <a:rPr lang="es-UY" sz="1000" b="1" dirty="0" err="1"/>
+              <a:t>descripcion</a:t>
+            </a:r>
+            <a:r>
+              <a:rPr lang="es-UY" sz="1000" dirty="0"/>
+              <a:t>;</a:t>
+            </a:r>
+          </a:p>
+          <a:p>
+            <a:r>
+              <a:rPr lang="es-UY" sz="1000" dirty="0" err="1"/>
+              <a:t>private</a:t>
+            </a:r>
+            <a:r>
+              <a:rPr lang="es-UY" sz="1000" dirty="0"/>
+              <a:t> </a:t>
+            </a:r>
+            <a:r>
+              <a:rPr lang="es-UY" sz="1000" dirty="0" err="1"/>
+              <a:t>int</a:t>
+            </a:r>
+            <a:r>
+              <a:rPr lang="es-UY" sz="1000" dirty="0"/>
+              <a:t> </a:t>
+            </a:r>
+            <a:r>
+              <a:rPr lang="es-UY" sz="1000" b="1" dirty="0"/>
+              <a:t>stock</a:t>
+            </a:r>
+            <a:r>
+              <a:rPr lang="es-UY" sz="1000" dirty="0"/>
+              <a:t>;</a:t>
+            </a:r>
+          </a:p>
+          <a:p>
+            <a:r>
+              <a:rPr lang="es-UY" sz="1000" dirty="0" err="1"/>
+              <a:t>private</a:t>
+            </a:r>
+            <a:r>
+              <a:rPr lang="es-UY" sz="1000" dirty="0"/>
+              <a:t> </a:t>
+            </a:r>
+            <a:r>
+              <a:rPr lang="es-UY" sz="1000" dirty="0" err="1"/>
+              <a:t>int</a:t>
+            </a:r>
+            <a:r>
+              <a:rPr lang="es-UY" sz="1000" dirty="0"/>
+              <a:t> </a:t>
+            </a:r>
+            <a:r>
+              <a:rPr lang="es-UY" sz="1000" b="1" dirty="0"/>
+              <a:t>ID</a:t>
+            </a:r>
+            <a:r>
+              <a:rPr lang="es-UY" sz="1000" dirty="0"/>
+              <a:t>;</a:t>
+            </a:r>
+          </a:p>
+          <a:p>
+            <a:r>
+              <a:rPr lang="es-UY" sz="1000" dirty="0" err="1"/>
+              <a:t>private</a:t>
+            </a:r>
+            <a:r>
+              <a:rPr lang="es-UY" sz="1000" dirty="0"/>
+              <a:t> </a:t>
+            </a:r>
+            <a:r>
+              <a:rPr lang="es-UY" sz="1000" dirty="0" err="1"/>
+              <a:t>static</a:t>
+            </a:r>
+            <a:r>
+              <a:rPr lang="es-UY" sz="1000" dirty="0"/>
+              <a:t> </a:t>
+            </a:r>
+            <a:r>
+              <a:rPr lang="es-UY" sz="1000" dirty="0" err="1"/>
+              <a:t>int</a:t>
+            </a:r>
+            <a:r>
+              <a:rPr lang="es-UY" sz="1000" dirty="0"/>
+              <a:t> </a:t>
+            </a:r>
+            <a:r>
+              <a:rPr lang="es-UY" sz="1000" b="1" dirty="0" err="1"/>
+              <a:t>IDClase</a:t>
+            </a:r>
+            <a:r>
+              <a:rPr lang="es-UY" sz="1000" dirty="0"/>
+              <a:t> = 1;</a:t>
+            </a:r>
+          </a:p>
+        </p:txBody>
+      </p:sp>
+      <p:sp>
+        <p:nvSpPr>
+          <p:cNvPr id="41" name="Rectángulo 40">
+            <a:extLst>
+              <a:ext uri="{FF2B5EF4-FFF2-40B4-BE49-F238E27FC236}">
+                <a16:creationId xmlns:a16="http://schemas.microsoft.com/office/drawing/2014/main" id="{A6471AA1-3783-39B1-6422-74D4A608E628}"/>
+              </a:ext>
+            </a:extLst>
+          </p:cNvPr>
+          <p:cNvSpPr/>
+          <p:nvPr/>
+        </p:nvSpPr>
+        <p:spPr>
+          <a:xfrm>
+            <a:off x="3738981" y="1624418"/>
+            <a:ext cx="1623201" cy="688157"/>
+          </a:xfrm>
+          <a:prstGeom prst="rect">
+            <a:avLst/>
+          </a:prstGeom>
+          <a:solidFill>
+            <a:schemeClr val="accent6">
+              <a:lumMod val="60000"/>
+              <a:lumOff val="40000"/>
+            </a:schemeClr>
+          </a:solidFill>
+          <a:ln/>
+        </p:spPr>
+        <p:style>
+          <a:lnRef idx="2">
+            <a:schemeClr val="accent6">
+              <a:shade val="50000"/>
+            </a:schemeClr>
+          </a:lnRef>
+          <a:fillRef idx="1">
+            <a:schemeClr val="accent6"/>
+          </a:fillRef>
+          <a:effectRef idx="0">
+            <a:schemeClr val="accent6"/>
+          </a:effectRef>
+          <a:fontRef idx="minor">
+            <a:schemeClr val="lt1"/>
+          </a:fontRef>
+        </p:style>
+        <p:txBody>
+          <a:bodyPr rtlCol="0" anchor="ctr"/>
+          <a:lstStyle/>
+          <a:p>
+            <a:pPr algn="ctr"/>
+            <a:endParaRPr lang="es-UY"/>
+          </a:p>
+        </p:txBody>
+      </p:sp>
+      <p:sp>
+        <p:nvSpPr>
+          <p:cNvPr id="42" name="Rectángulo 41">
+            <a:extLst>
+              <a:ext uri="{FF2B5EF4-FFF2-40B4-BE49-F238E27FC236}">
+                <a16:creationId xmlns:a16="http://schemas.microsoft.com/office/drawing/2014/main" id="{28402205-DE90-C306-2B47-3B06453ADB30}"/>
+              </a:ext>
+            </a:extLst>
+          </p:cNvPr>
+          <p:cNvSpPr/>
+          <p:nvPr/>
+        </p:nvSpPr>
+        <p:spPr>
+          <a:xfrm>
+            <a:off x="3738981" y="2395246"/>
+            <a:ext cx="1623201" cy="688157"/>
+          </a:xfrm>
+          <a:prstGeom prst="rect">
+            <a:avLst/>
+          </a:prstGeom>
+          <a:solidFill>
+            <a:schemeClr val="accent6">
+              <a:lumMod val="60000"/>
+              <a:lumOff val="40000"/>
+            </a:schemeClr>
+          </a:solidFill>
+          <a:ln/>
+        </p:spPr>
+        <p:style>
+          <a:lnRef idx="2">
+            <a:schemeClr val="accent6">
+              <a:shade val="50000"/>
+            </a:schemeClr>
+          </a:lnRef>
+          <a:fillRef idx="1">
+            <a:schemeClr val="accent6"/>
+          </a:fillRef>
+          <a:effectRef idx="0">
+            <a:schemeClr val="accent6"/>
+          </a:effectRef>
+          <a:fontRef idx="minor">
+            <a:schemeClr val="lt1"/>
+          </a:fontRef>
+        </p:style>
+        <p:txBody>
+          <a:bodyPr rtlCol="0" anchor="ctr"/>
+          <a:lstStyle/>
+          <a:p>
+            <a:pPr algn="ctr"/>
+            <a:endParaRPr lang="es-UY"/>
+          </a:p>
+        </p:txBody>
+      </p:sp>
+      <p:sp>
+        <p:nvSpPr>
+          <p:cNvPr id="43" name="Rectángulo 42">
+            <a:extLst>
+              <a:ext uri="{FF2B5EF4-FFF2-40B4-BE49-F238E27FC236}">
+                <a16:creationId xmlns:a16="http://schemas.microsoft.com/office/drawing/2014/main" id="{ED35BCF5-B5AD-2005-B077-F03E180D7358}"/>
+              </a:ext>
+            </a:extLst>
+          </p:cNvPr>
+          <p:cNvSpPr/>
+          <p:nvPr/>
+        </p:nvSpPr>
+        <p:spPr>
+          <a:xfrm>
+            <a:off x="7186405" y="1521454"/>
+            <a:ext cx="1483355" cy="744101"/>
+          </a:xfrm>
+          <a:prstGeom prst="rect">
+            <a:avLst/>
+          </a:prstGeom>
+          <a:solidFill>
+            <a:schemeClr val="accent4">
+              <a:lumMod val="60000"/>
+              <a:lumOff val="40000"/>
+            </a:schemeClr>
+          </a:solidFill>
+        </p:spPr>
+        <p:style>
+          <a:lnRef idx="2">
+            <a:schemeClr val="accent4">
+              <a:shade val="50000"/>
+            </a:schemeClr>
+          </a:lnRef>
+          <a:fillRef idx="1">
+            <a:schemeClr val="accent4"/>
+          </a:fillRef>
+          <a:effectRef idx="0">
+            <a:schemeClr val="accent4"/>
+          </a:effectRef>
+          <a:fontRef idx="minor">
+            <a:schemeClr val="lt1"/>
+          </a:fontRef>
+        </p:style>
+        <p:txBody>
+          <a:bodyPr rtlCol="0" anchor="ctr"/>
+          <a:lstStyle/>
+          <a:p>
+            <a:pPr algn="ctr"/>
+            <a:endParaRPr lang="es-UY"/>
+          </a:p>
+        </p:txBody>
+      </p:sp>
+      <p:sp>
+        <p:nvSpPr>
+          <p:cNvPr id="45" name="Rectángulo 44">
+            <a:extLst>
+              <a:ext uri="{FF2B5EF4-FFF2-40B4-BE49-F238E27FC236}">
+                <a16:creationId xmlns:a16="http://schemas.microsoft.com/office/drawing/2014/main" id="{A979DDA7-D82F-A449-2CC0-5D1D97106448}"/>
+              </a:ext>
+            </a:extLst>
+          </p:cNvPr>
+          <p:cNvSpPr/>
+          <p:nvPr/>
+        </p:nvSpPr>
+        <p:spPr>
+          <a:xfrm>
+            <a:off x="7195695" y="2386216"/>
+            <a:ext cx="1483355" cy="744101"/>
+          </a:xfrm>
+          <a:prstGeom prst="rect">
+            <a:avLst/>
+          </a:prstGeom>
+          <a:solidFill>
+            <a:schemeClr val="accent4">
+              <a:lumMod val="60000"/>
+              <a:lumOff val="40000"/>
+            </a:schemeClr>
+          </a:solidFill>
+        </p:spPr>
+        <p:style>
+          <a:lnRef idx="2">
+            <a:schemeClr val="accent4">
+              <a:shade val="50000"/>
+            </a:schemeClr>
+          </a:lnRef>
+          <a:fillRef idx="1">
+            <a:schemeClr val="accent4"/>
+          </a:fillRef>
+          <a:effectRef idx="0">
+            <a:schemeClr val="accent4"/>
+          </a:effectRef>
+          <a:fontRef idx="minor">
+            <a:schemeClr val="lt1"/>
+          </a:fontRef>
+        </p:style>
+        <p:txBody>
+          <a:bodyPr rtlCol="0" anchor="ctr"/>
+          <a:lstStyle/>
+          <a:p>
+            <a:pPr algn="ctr"/>
+            <a:endParaRPr lang="es-UY"/>
+          </a:p>
+        </p:txBody>
+      </p:sp>
+      <p:sp>
+        <p:nvSpPr>
+          <p:cNvPr id="47" name="CuadroTexto 46">
+            <a:extLst>
+              <a:ext uri="{FF2B5EF4-FFF2-40B4-BE49-F238E27FC236}">
+                <a16:creationId xmlns:a16="http://schemas.microsoft.com/office/drawing/2014/main" id="{C3A9A9D0-BA11-006F-E277-4199AFD2C8FA}"/>
+              </a:ext>
+            </a:extLst>
+          </p:cNvPr>
+          <p:cNvSpPr txBox="1"/>
+          <p:nvPr/>
+        </p:nvSpPr>
+        <p:spPr>
+          <a:xfrm>
+            <a:off x="1034783" y="3932563"/>
+            <a:ext cx="651269" cy="276999"/>
+          </a:xfrm>
+          <a:prstGeom prst="rect">
+            <a:avLst/>
+          </a:prstGeom>
+          <a:noFill/>
+        </p:spPr>
+        <p:txBody>
+          <a:bodyPr wrap="none" rtlCol="0">
+            <a:spAutoFit/>
+          </a:bodyPr>
+          <a:lstStyle/>
+          <a:p>
+            <a:r>
+              <a:rPr lang="es-UY" sz="1200" i="1" dirty="0"/>
+              <a:t>Abierto</a:t>
+            </a:r>
+          </a:p>
+        </p:txBody>
+      </p:sp>
+      <p:sp>
+        <p:nvSpPr>
+          <p:cNvPr id="48" name="CuadroTexto 47">
+            <a:extLst>
+              <a:ext uri="{FF2B5EF4-FFF2-40B4-BE49-F238E27FC236}">
+                <a16:creationId xmlns:a16="http://schemas.microsoft.com/office/drawing/2014/main" id="{9A6BA44E-135B-C855-06A2-B8595306141B}"/>
+              </a:ext>
+            </a:extLst>
+          </p:cNvPr>
+          <p:cNvSpPr txBox="1"/>
+          <p:nvPr/>
+        </p:nvSpPr>
+        <p:spPr>
+          <a:xfrm>
+            <a:off x="1040142" y="4335586"/>
+            <a:ext cx="681661" cy="276999"/>
+          </a:xfrm>
+          <a:prstGeom prst="rect">
+            <a:avLst/>
+          </a:prstGeom>
+          <a:noFill/>
+        </p:spPr>
+        <p:txBody>
+          <a:bodyPr wrap="none" rtlCol="0">
+            <a:spAutoFit/>
+          </a:bodyPr>
+          <a:lstStyle/>
+          <a:p>
+            <a:r>
+              <a:rPr lang="es-UY" sz="1200" i="1" dirty="0"/>
+              <a:t>Cerrado</a:t>
+            </a:r>
+          </a:p>
+        </p:txBody>
+      </p:sp>
+      <p:sp>
+        <p:nvSpPr>
+          <p:cNvPr id="49" name="CuadroTexto 48">
+            <a:extLst>
+              <a:ext uri="{FF2B5EF4-FFF2-40B4-BE49-F238E27FC236}">
+                <a16:creationId xmlns:a16="http://schemas.microsoft.com/office/drawing/2014/main" id="{12CCCDD6-DB9F-2B15-AC38-66B77947AB1F}"/>
+              </a:ext>
+            </a:extLst>
+          </p:cNvPr>
+          <p:cNvSpPr txBox="1"/>
+          <p:nvPr/>
+        </p:nvSpPr>
+        <p:spPr>
+          <a:xfrm>
+            <a:off x="1026408" y="4777226"/>
+            <a:ext cx="681661" cy="276999"/>
+          </a:xfrm>
+          <a:prstGeom prst="rect">
+            <a:avLst/>
+          </a:prstGeom>
+          <a:noFill/>
+        </p:spPr>
+        <p:txBody>
+          <a:bodyPr wrap="none" rtlCol="0">
+            <a:spAutoFit/>
+          </a:bodyPr>
+          <a:lstStyle/>
+          <a:p>
+            <a:r>
+              <a:rPr lang="es-UY" sz="1200" i="1" dirty="0"/>
+              <a:t>Cerrado</a:t>
+            </a:r>
+          </a:p>
+        </p:txBody>
+      </p:sp>
+      <p:sp>
+        <p:nvSpPr>
+          <p:cNvPr id="50" name="Rectángulo 49">
+            <a:extLst>
+              <a:ext uri="{FF2B5EF4-FFF2-40B4-BE49-F238E27FC236}">
+                <a16:creationId xmlns:a16="http://schemas.microsoft.com/office/drawing/2014/main" id="{05CCD542-BA2A-7325-014E-002D5C4A2307}"/>
+              </a:ext>
+            </a:extLst>
+          </p:cNvPr>
+          <p:cNvSpPr/>
+          <p:nvPr/>
+        </p:nvSpPr>
+        <p:spPr>
+          <a:xfrm>
+            <a:off x="10402607" y="844745"/>
+            <a:ext cx="1276688" cy="688618"/>
+          </a:xfrm>
+          <a:prstGeom prst="rect">
+            <a:avLst/>
+          </a:prstGeom>
+          <a:solidFill>
+            <a:schemeClr val="accent4">
+              <a:lumMod val="60000"/>
+              <a:lumOff val="40000"/>
+            </a:schemeClr>
+          </a:solidFill>
+        </p:spPr>
+        <p:style>
+          <a:lnRef idx="2">
+            <a:schemeClr val="accent4">
+              <a:shade val="50000"/>
+            </a:schemeClr>
+          </a:lnRef>
+          <a:fillRef idx="1">
+            <a:schemeClr val="accent4"/>
+          </a:fillRef>
+          <a:effectRef idx="0">
+            <a:schemeClr val="accent4"/>
+          </a:effectRef>
+          <a:fontRef idx="minor">
+            <a:schemeClr val="lt1"/>
+          </a:fontRef>
+        </p:style>
+        <p:txBody>
+          <a:bodyPr rtlCol="0" anchor="ctr"/>
+          <a:lstStyle/>
+          <a:p>
+            <a:pPr algn="ctr"/>
+            <a:endParaRPr lang="es-UY"/>
+          </a:p>
+        </p:txBody>
+      </p:sp>
+      <p:sp>
+        <p:nvSpPr>
+          <p:cNvPr id="52" name="Rectángulo 51">
+            <a:extLst>
+              <a:ext uri="{FF2B5EF4-FFF2-40B4-BE49-F238E27FC236}">
+                <a16:creationId xmlns:a16="http://schemas.microsoft.com/office/drawing/2014/main" id="{0016181F-B7FC-078C-7D9D-27533DD2B339}"/>
+              </a:ext>
+            </a:extLst>
+          </p:cNvPr>
+          <p:cNvSpPr/>
+          <p:nvPr/>
+        </p:nvSpPr>
+        <p:spPr>
+          <a:xfrm>
+            <a:off x="10393316" y="1623723"/>
+            <a:ext cx="1285979" cy="654372"/>
+          </a:xfrm>
+          <a:prstGeom prst="rect">
+            <a:avLst/>
+          </a:prstGeom>
+          <a:solidFill>
+            <a:schemeClr val="accent4">
+              <a:lumMod val="60000"/>
+              <a:lumOff val="40000"/>
+            </a:schemeClr>
+          </a:solidFill>
+        </p:spPr>
+        <p:style>
+          <a:lnRef idx="2">
+            <a:schemeClr val="accent4">
+              <a:shade val="50000"/>
+            </a:schemeClr>
+          </a:lnRef>
+          <a:fillRef idx="1">
+            <a:schemeClr val="accent4"/>
+          </a:fillRef>
+          <a:effectRef idx="0">
+            <a:schemeClr val="accent4"/>
+          </a:effectRef>
+          <a:fontRef idx="minor">
+            <a:schemeClr val="lt1"/>
+          </a:fontRef>
+        </p:style>
+        <p:txBody>
+          <a:bodyPr rtlCol="0" anchor="ctr"/>
+          <a:lstStyle/>
+          <a:p>
+            <a:pPr algn="ctr"/>
+            <a:endParaRPr lang="es-UY"/>
+          </a:p>
+        </p:txBody>
+      </p:sp>
+      <p:sp>
+        <p:nvSpPr>
+          <p:cNvPr id="53" name="Rectángulo 52">
+            <a:extLst>
+              <a:ext uri="{FF2B5EF4-FFF2-40B4-BE49-F238E27FC236}">
+                <a16:creationId xmlns:a16="http://schemas.microsoft.com/office/drawing/2014/main" id="{7FE5730F-3E2F-F60F-E9A2-5ABF5A213D0B}"/>
+              </a:ext>
+            </a:extLst>
+          </p:cNvPr>
+          <p:cNvSpPr/>
+          <p:nvPr/>
+        </p:nvSpPr>
+        <p:spPr>
+          <a:xfrm>
+            <a:off x="10393315" y="2368455"/>
+            <a:ext cx="1285979" cy="596689"/>
+          </a:xfrm>
+          <a:prstGeom prst="rect">
+            <a:avLst/>
+          </a:prstGeom>
+          <a:solidFill>
+            <a:schemeClr val="accent4">
+              <a:lumMod val="60000"/>
+              <a:lumOff val="40000"/>
+            </a:schemeClr>
+          </a:solidFill>
+        </p:spPr>
+        <p:style>
+          <a:lnRef idx="2">
+            <a:schemeClr val="accent4">
+              <a:shade val="50000"/>
+            </a:schemeClr>
+          </a:lnRef>
+          <a:fillRef idx="1">
+            <a:schemeClr val="accent4"/>
+          </a:fillRef>
+          <a:effectRef idx="0">
+            <a:schemeClr val="accent4"/>
+          </a:effectRef>
+          <a:fontRef idx="minor">
+            <a:schemeClr val="lt1"/>
+          </a:fontRef>
+        </p:style>
+        <p:txBody>
+          <a:bodyPr rtlCol="0" anchor="ctr"/>
+          <a:lstStyle/>
+          <a:p>
+            <a:pPr algn="ctr"/>
+            <a:endParaRPr lang="es-UY"/>
+          </a:p>
+        </p:txBody>
+      </p:sp>
+      <p:sp>
+        <p:nvSpPr>
+          <p:cNvPr id="54" name="CuadroTexto 53">
+            <a:extLst>
+              <a:ext uri="{FF2B5EF4-FFF2-40B4-BE49-F238E27FC236}">
+                <a16:creationId xmlns:a16="http://schemas.microsoft.com/office/drawing/2014/main" id="{D7CA9954-7CC9-131B-0630-ACDEB6CC655E}"/>
+              </a:ext>
+            </a:extLst>
+          </p:cNvPr>
+          <p:cNvSpPr txBox="1"/>
+          <p:nvPr/>
+        </p:nvSpPr>
+        <p:spPr>
+          <a:xfrm flipH="1">
+            <a:off x="9836830" y="159607"/>
+            <a:ext cx="2515404" cy="584775"/>
+          </a:xfrm>
+          <a:prstGeom prst="rect">
+            <a:avLst/>
+          </a:prstGeom>
+          <a:noFill/>
+        </p:spPr>
+        <p:txBody>
+          <a:bodyPr wrap="square" rtlCol="0">
+            <a:spAutoFit/>
+          </a:bodyPr>
+          <a:lstStyle/>
+          <a:p>
+            <a:r>
+              <a:rPr lang="es-UY" sz="1600" b="1" dirty="0" err="1"/>
+              <a:t>ColaPedidosParaEntregar</a:t>
+            </a:r>
+            <a:r>
+              <a:rPr lang="es-UY" sz="1600" dirty="0"/>
+              <a:t> (Sistema)</a:t>
+            </a:r>
+          </a:p>
+        </p:txBody>
+      </p:sp>
+      <p:sp>
+        <p:nvSpPr>
+          <p:cNvPr id="55" name="Abrir llave 54">
+            <a:extLst>
+              <a:ext uri="{FF2B5EF4-FFF2-40B4-BE49-F238E27FC236}">
+                <a16:creationId xmlns:a16="http://schemas.microsoft.com/office/drawing/2014/main" id="{0C2A44B0-0F81-61A8-9232-ECC59540E83D}"/>
+              </a:ext>
+            </a:extLst>
+          </p:cNvPr>
+          <p:cNvSpPr/>
+          <p:nvPr/>
+        </p:nvSpPr>
+        <p:spPr>
+          <a:xfrm rot="16200000">
+            <a:off x="9425756" y="2430472"/>
+            <a:ext cx="434716" cy="4840597"/>
+          </a:xfrm>
+          <a:prstGeom prst="leftBrace">
+            <a:avLst/>
+          </a:prstGeom>
+          <a:ln w="22225"/>
+        </p:spPr>
+        <p:style>
+          <a:lnRef idx="1">
+            <a:schemeClr val="accent1"/>
+          </a:lnRef>
+          <a:fillRef idx="0">
+            <a:schemeClr val="accent1"/>
+          </a:fillRef>
+          <a:effectRef idx="0">
+            <a:schemeClr val="accent1"/>
+          </a:effectRef>
+          <a:fontRef idx="minor">
+            <a:schemeClr val="tx1"/>
+          </a:fontRef>
+        </p:style>
+        <p:txBody>
+          <a:bodyPr rtlCol="0" anchor="ctr"/>
+          <a:lstStyle/>
+          <a:p>
+            <a:pPr algn="ctr"/>
+            <a:endParaRPr lang="es-UY"/>
+          </a:p>
+        </p:txBody>
+      </p:sp>
+      <p:sp>
+        <p:nvSpPr>
+          <p:cNvPr id="56" name="CuadroTexto 55">
+            <a:extLst>
+              <a:ext uri="{FF2B5EF4-FFF2-40B4-BE49-F238E27FC236}">
+                <a16:creationId xmlns:a16="http://schemas.microsoft.com/office/drawing/2014/main" id="{8E7E45FE-4B5C-C6AA-BAAE-284C96BD78D3}"/>
+              </a:ext>
+            </a:extLst>
+          </p:cNvPr>
+          <p:cNvSpPr txBox="1"/>
+          <p:nvPr/>
+        </p:nvSpPr>
+        <p:spPr>
+          <a:xfrm>
+            <a:off x="8107801" y="5068129"/>
+            <a:ext cx="3655574" cy="430887"/>
+          </a:xfrm>
+          <a:prstGeom prst="rect">
+            <a:avLst/>
+          </a:prstGeom>
+          <a:noFill/>
+        </p:spPr>
+        <p:txBody>
+          <a:bodyPr wrap="square" rtlCol="0">
+            <a:spAutoFit/>
+          </a:bodyPr>
+          <a:lstStyle/>
+          <a:p>
+            <a:r>
+              <a:rPr lang="es-UY" sz="1100" dirty="0"/>
+              <a:t>Acá dos colas distintas porque sino habría que recorrer siempre la cola para saber cuál es el próximo para entregar.</a:t>
+            </a:r>
+          </a:p>
+        </p:txBody>
+      </p:sp>
+      <p:sp>
+        <p:nvSpPr>
+          <p:cNvPr id="57" name="CuadroTexto 56">
+            <a:extLst>
+              <a:ext uri="{FF2B5EF4-FFF2-40B4-BE49-F238E27FC236}">
+                <a16:creationId xmlns:a16="http://schemas.microsoft.com/office/drawing/2014/main" id="{AE63BDF4-15E3-3FB8-9F71-5C166AE1BD52}"/>
+              </a:ext>
+            </a:extLst>
+          </p:cNvPr>
+          <p:cNvSpPr txBox="1"/>
+          <p:nvPr/>
+        </p:nvSpPr>
+        <p:spPr>
+          <a:xfrm>
+            <a:off x="7581307" y="1786884"/>
+            <a:ext cx="681661" cy="276999"/>
+          </a:xfrm>
+          <a:prstGeom prst="rect">
+            <a:avLst/>
+          </a:prstGeom>
+          <a:noFill/>
+        </p:spPr>
+        <p:txBody>
+          <a:bodyPr wrap="none" rtlCol="0">
+            <a:spAutoFit/>
+          </a:bodyPr>
+          <a:lstStyle/>
+          <a:p>
+            <a:r>
+              <a:rPr lang="es-UY" sz="1200" i="1" dirty="0"/>
+              <a:t>Cerrado</a:t>
+            </a:r>
+          </a:p>
+        </p:txBody>
+      </p:sp>
+      <p:sp>
+        <p:nvSpPr>
+          <p:cNvPr id="58" name="CuadroTexto 57">
+            <a:extLst>
+              <a:ext uri="{FF2B5EF4-FFF2-40B4-BE49-F238E27FC236}">
+                <a16:creationId xmlns:a16="http://schemas.microsoft.com/office/drawing/2014/main" id="{CDFE4583-7628-7507-91FD-B26A1612925B}"/>
+              </a:ext>
+            </a:extLst>
+          </p:cNvPr>
+          <p:cNvSpPr txBox="1"/>
+          <p:nvPr/>
+        </p:nvSpPr>
+        <p:spPr>
+          <a:xfrm>
+            <a:off x="7596541" y="2606150"/>
+            <a:ext cx="681661" cy="276999"/>
+          </a:xfrm>
+          <a:prstGeom prst="rect">
+            <a:avLst/>
+          </a:prstGeom>
+          <a:noFill/>
+        </p:spPr>
+        <p:txBody>
+          <a:bodyPr wrap="none" rtlCol="0">
+            <a:spAutoFit/>
+          </a:bodyPr>
+          <a:lstStyle/>
+          <a:p>
+            <a:r>
+              <a:rPr lang="es-UY" sz="1200" i="1" dirty="0"/>
+              <a:t>Cerrado</a:t>
+            </a:r>
+          </a:p>
+        </p:txBody>
+      </p:sp>
+      <p:sp>
+        <p:nvSpPr>
+          <p:cNvPr id="59" name="CuadroTexto 58">
+            <a:extLst>
+              <a:ext uri="{FF2B5EF4-FFF2-40B4-BE49-F238E27FC236}">
+                <a16:creationId xmlns:a16="http://schemas.microsoft.com/office/drawing/2014/main" id="{69796DB1-D39D-0D80-E482-08F3B8A52672}"/>
+              </a:ext>
+            </a:extLst>
+          </p:cNvPr>
+          <p:cNvSpPr txBox="1"/>
+          <p:nvPr/>
+        </p:nvSpPr>
+        <p:spPr>
+          <a:xfrm>
+            <a:off x="10351308" y="1075737"/>
+            <a:ext cx="1427763" cy="276999"/>
+          </a:xfrm>
+          <a:prstGeom prst="rect">
+            <a:avLst/>
+          </a:prstGeom>
+          <a:noFill/>
+        </p:spPr>
+        <p:txBody>
+          <a:bodyPr wrap="none" rtlCol="0">
+            <a:spAutoFit/>
+          </a:bodyPr>
+          <a:lstStyle/>
+          <a:p>
+            <a:r>
+              <a:rPr lang="es-UY" sz="1200" i="1" dirty="0" err="1"/>
+              <a:t>ProntoParaEntregar</a:t>
+            </a:r>
+            <a:endParaRPr lang="es-UY" sz="1200" i="1" dirty="0"/>
+          </a:p>
+        </p:txBody>
+      </p:sp>
+      <p:sp>
+        <p:nvSpPr>
+          <p:cNvPr id="60" name="CuadroTexto 59">
+            <a:extLst>
+              <a:ext uri="{FF2B5EF4-FFF2-40B4-BE49-F238E27FC236}">
+                <a16:creationId xmlns:a16="http://schemas.microsoft.com/office/drawing/2014/main" id="{86E31EFE-3D1B-0707-E7D9-A5C1C5CB23D2}"/>
+              </a:ext>
+            </a:extLst>
+          </p:cNvPr>
+          <p:cNvSpPr txBox="1"/>
+          <p:nvPr/>
+        </p:nvSpPr>
+        <p:spPr>
+          <a:xfrm>
+            <a:off x="10322422" y="1851989"/>
+            <a:ext cx="1427763" cy="276999"/>
+          </a:xfrm>
+          <a:prstGeom prst="rect">
+            <a:avLst/>
+          </a:prstGeom>
+          <a:noFill/>
+        </p:spPr>
+        <p:txBody>
+          <a:bodyPr wrap="none" rtlCol="0">
+            <a:spAutoFit/>
+          </a:bodyPr>
+          <a:lstStyle/>
+          <a:p>
+            <a:r>
+              <a:rPr lang="es-UY" sz="1200" i="1" dirty="0" err="1"/>
+              <a:t>ProntoParaEntregar</a:t>
+            </a:r>
+            <a:endParaRPr lang="es-UY" sz="1200" i="1" dirty="0"/>
+          </a:p>
+        </p:txBody>
+      </p:sp>
+      <p:sp>
+        <p:nvSpPr>
+          <p:cNvPr id="61" name="CuadroTexto 60">
+            <a:extLst>
+              <a:ext uri="{FF2B5EF4-FFF2-40B4-BE49-F238E27FC236}">
+                <a16:creationId xmlns:a16="http://schemas.microsoft.com/office/drawing/2014/main" id="{79CF027D-F1B8-C04C-AE91-55BA2FD0D55F}"/>
+              </a:ext>
+            </a:extLst>
+          </p:cNvPr>
+          <p:cNvSpPr txBox="1"/>
+          <p:nvPr/>
+        </p:nvSpPr>
+        <p:spPr>
+          <a:xfrm>
+            <a:off x="10351307" y="2563468"/>
+            <a:ext cx="1427763" cy="276999"/>
+          </a:xfrm>
+          <a:prstGeom prst="rect">
+            <a:avLst/>
+          </a:prstGeom>
+          <a:noFill/>
+        </p:spPr>
+        <p:txBody>
+          <a:bodyPr wrap="none" rtlCol="0">
+            <a:spAutoFit/>
+          </a:bodyPr>
+          <a:lstStyle/>
+          <a:p>
+            <a:r>
+              <a:rPr lang="es-UY" sz="1200" i="1" dirty="0" err="1"/>
+              <a:t>ProntoParaEntregar</a:t>
+            </a:r>
+            <a:endParaRPr lang="es-UY" sz="1200" i="1" dirty="0"/>
+          </a:p>
+        </p:txBody>
+      </p:sp>
+    </p:spTree>
+    <p:extLst>
+      <p:ext uri="{BB962C8B-B14F-4D97-AF65-F5344CB8AC3E}">
+        <p14:creationId xmlns:p14="http://schemas.microsoft.com/office/powerpoint/2010/main" val="1857491606"/>
+      </p:ext>
+    </p:extLst>
+  </p:cSld>
+  <p:clrMapOvr>
+    <a:masterClrMapping/>
+  </p:clrMapOvr>
+</p:sld>
+</file>
+
+<file path=ppt/slides/slide3.xml><?xml version="1.0" encoding="utf-8"?>
+<p:sld xmlns:a="http://schemas.openxmlformats.org/drawingml/2006/main" xmlns:r="http://schemas.openxmlformats.org/officeDocument/2006/relationships" xmlns:p="http://schemas.openxmlformats.org/presentationml/2006/main">
+  <p:cSld>
+    <p:spTree>
+      <p:nvGrpSpPr>
+        <p:cNvPr id="1" name=""/>
+        <p:cNvGrpSpPr/>
+        <p:nvPr/>
+      </p:nvGrpSpPr>
+      <p:grpSpPr>
+        <a:xfrm>
+          <a:off x="0" y="0"/>
+          <a:ext cx="0" cy="0"/>
+          <a:chOff x="0" y="0"/>
+          <a:chExt cx="0" cy="0"/>
+        </a:xfrm>
+      </p:grpSpPr>
+    </p:spTree>
+    <p:extLst>
+      <p:ext uri="{BB962C8B-B14F-4D97-AF65-F5344CB8AC3E}">
+        <p14:creationId xmlns:p14="http://schemas.microsoft.com/office/powerpoint/2010/main" val="2670844793"/>
       </p:ext>
     </p:extLst>
   </p:cSld>

--- a/estructura.pptx
+++ b/estructura.pptx
@@ -117,7 +117,7 @@
 <file path=ppt/revisionInfo.xml><?xml version="1.0" encoding="utf-8"?>
 <p1510:revInfo xmlns:a="http://schemas.openxmlformats.org/drawingml/2006/main" xmlns:r="http://schemas.openxmlformats.org/officeDocument/2006/relationships" xmlns:p1510="http://schemas.microsoft.com/office/powerpoint/2015/10/main">
   <p1510:revLst>
-    <p1510:client id="{CEFFCF97-A6EB-42E5-A1B4-79EF91758720}" v="24" dt="2023-04-24T15:05:34.517"/>
+    <p1510:client id="{CEFFCF97-A6EB-42E5-A1B4-79EF91758720}" v="25" dt="2023-04-24T23:53:44.920"/>
   </p1510:revLst>
 </p1510:revInfo>
 </file>
@@ -127,7 +127,7 @@
   <pc:docChgLst>
     <pc:chgData name="Sofi Fernandez" userId="5dcd86d9bf03d87f" providerId="LiveId" clId="{CEFFCF97-A6EB-42E5-A1B4-79EF91758720}"/>
     <pc:docChg chg="undo custSel addSld modSld">
-      <pc:chgData name="Sofi Fernandez" userId="5dcd86d9bf03d87f" providerId="LiveId" clId="{CEFFCF97-A6EB-42E5-A1B4-79EF91758720}" dt="2023-04-24T15:05:54.775" v="946" actId="20577"/>
+      <pc:chgData name="Sofi Fernandez" userId="5dcd86d9bf03d87f" providerId="LiveId" clId="{CEFFCF97-A6EB-42E5-A1B4-79EF91758720}" dt="2023-04-24T23:53:54.423" v="955" actId="1076"/>
       <pc:docMkLst>
         <pc:docMk/>
       </pc:docMkLst>
@@ -298,7 +298,7 @@
         </pc:sldMkLst>
       </pc:sldChg>
       <pc:sldChg chg="addSp delSp modSp add mod">
-        <pc:chgData name="Sofi Fernandez" userId="5dcd86d9bf03d87f" providerId="LiveId" clId="{CEFFCF97-A6EB-42E5-A1B4-79EF91758720}" dt="2023-04-24T15:05:54.775" v="946" actId="20577"/>
+        <pc:chgData name="Sofi Fernandez" userId="5dcd86d9bf03d87f" providerId="LiveId" clId="{CEFFCF97-A6EB-42E5-A1B4-79EF91758720}" dt="2023-04-24T23:53:54.423" v="955" actId="1076"/>
         <pc:sldMkLst>
           <pc:docMk/>
           <pc:sldMk cId="1857491606" sldId="258"/>
@@ -381,6 +381,14 @@
             <pc:docMk/>
             <pc:sldMk cId="1857491606" sldId="258"/>
             <ac:spMk id="11" creationId="{7271AA81-1F73-E4C6-70AE-B9A7BE60EC8C}"/>
+          </ac:spMkLst>
+        </pc:spChg>
+        <pc:spChg chg="add mod">
+          <ac:chgData name="Sofi Fernandez" userId="5dcd86d9bf03d87f" providerId="LiveId" clId="{CEFFCF97-A6EB-42E5-A1B4-79EF91758720}" dt="2023-04-24T23:53:54.423" v="955" actId="1076"/>
+          <ac:spMkLst>
+            <pc:docMk/>
+            <pc:sldMk cId="1857491606" sldId="258"/>
+            <ac:spMk id="12" creationId="{0823D65F-6E1F-5651-3DA6-FB35D344279C}"/>
           </ac:spMkLst>
         </pc:spChg>
         <pc:spChg chg="del mod">
@@ -8061,6 +8069,41 @@
           </a:p>
         </p:txBody>
       </p:sp>
+      <p:sp>
+        <p:nvSpPr>
+          <p:cNvPr id="12" name="CuadroTexto 11">
+            <a:extLst>
+              <a:ext uri="{FF2B5EF4-FFF2-40B4-BE49-F238E27FC236}">
+                <a16:creationId xmlns:a16="http://schemas.microsoft.com/office/drawing/2014/main" id="{0823D65F-6E1F-5651-3DA6-FB35D344279C}"/>
+              </a:ext>
+            </a:extLst>
+          </p:cNvPr>
+          <p:cNvSpPr txBox="1"/>
+          <p:nvPr/>
+        </p:nvSpPr>
+        <p:spPr>
+          <a:xfrm>
+            <a:off x="10888883" y="474221"/>
+            <a:ext cx="955802" cy="369332"/>
+          </a:xfrm>
+          <a:prstGeom prst="rect">
+            <a:avLst/>
+          </a:prstGeom>
+          <a:noFill/>
+        </p:spPr>
+        <p:txBody>
+          <a:bodyPr wrap="square" rtlCol="0">
+            <a:spAutoFit/>
+          </a:bodyPr>
+          <a:lstStyle/>
+          <a:p>
+            <a:r>
+              <a:rPr lang="es-UY" dirty="0"/>
+              <a:t>Lista?</a:t>
+            </a:r>
+          </a:p>
+        </p:txBody>
+      </p:sp>
     </p:spTree>
     <p:extLst>
       <p:ext uri="{BB962C8B-B14F-4D97-AF65-F5344CB8AC3E}">

--- a/estructura.pptx
+++ b/estructura.pptx
@@ -922,7 +922,7 @@
           <a:p>
             <a:fld id="{231E479A-090E-4E0E-A87B-A2D1A9833DF2}" type="datetimeFigureOut">
               <a:rPr lang="es-UY" smtClean="0"/>
-              <a:t>24 Abr. 2023</a:t>
+              <a:t>28/4/2023</a:t>
             </a:fld>
             <a:endParaRPr lang="es-UY"/>
           </a:p>
@@ -1122,7 +1122,7 @@
           <a:p>
             <a:fld id="{231E479A-090E-4E0E-A87B-A2D1A9833DF2}" type="datetimeFigureOut">
               <a:rPr lang="es-UY" smtClean="0"/>
-              <a:t>24 Abr. 2023</a:t>
+              <a:t>28/4/2023</a:t>
             </a:fld>
             <a:endParaRPr lang="es-UY"/>
           </a:p>
@@ -1332,7 +1332,7 @@
           <a:p>
             <a:fld id="{231E479A-090E-4E0E-A87B-A2D1A9833DF2}" type="datetimeFigureOut">
               <a:rPr lang="es-UY" smtClean="0"/>
-              <a:t>24 Abr. 2023</a:t>
+              <a:t>28/4/2023</a:t>
             </a:fld>
             <a:endParaRPr lang="es-UY"/>
           </a:p>
@@ -1532,7 +1532,7 @@
           <a:p>
             <a:fld id="{231E479A-090E-4E0E-A87B-A2D1A9833DF2}" type="datetimeFigureOut">
               <a:rPr lang="es-UY" smtClean="0"/>
-              <a:t>24 Abr. 2023</a:t>
+              <a:t>28/4/2023</a:t>
             </a:fld>
             <a:endParaRPr lang="es-UY"/>
           </a:p>
@@ -1808,7 +1808,7 @@
           <a:p>
             <a:fld id="{231E479A-090E-4E0E-A87B-A2D1A9833DF2}" type="datetimeFigureOut">
               <a:rPr lang="es-UY" smtClean="0"/>
-              <a:t>24 Abr. 2023</a:t>
+              <a:t>28/4/2023</a:t>
             </a:fld>
             <a:endParaRPr lang="es-UY"/>
           </a:p>
@@ -2076,7 +2076,7 @@
           <a:p>
             <a:fld id="{231E479A-090E-4E0E-A87B-A2D1A9833DF2}" type="datetimeFigureOut">
               <a:rPr lang="es-UY" smtClean="0"/>
-              <a:t>24 Abr. 2023</a:t>
+              <a:t>28/4/2023</a:t>
             </a:fld>
             <a:endParaRPr lang="es-UY"/>
           </a:p>
@@ -2491,7 +2491,7 @@
           <a:p>
             <a:fld id="{231E479A-090E-4E0E-A87B-A2D1A9833DF2}" type="datetimeFigureOut">
               <a:rPr lang="es-UY" smtClean="0"/>
-              <a:t>24 Abr. 2023</a:t>
+              <a:t>28/4/2023</a:t>
             </a:fld>
             <a:endParaRPr lang="es-UY"/>
           </a:p>
@@ -2633,7 +2633,7 @@
           <a:p>
             <a:fld id="{231E479A-090E-4E0E-A87B-A2D1A9833DF2}" type="datetimeFigureOut">
               <a:rPr lang="es-UY" smtClean="0"/>
-              <a:t>24 Abr. 2023</a:t>
+              <a:t>28/4/2023</a:t>
             </a:fld>
             <a:endParaRPr lang="es-UY"/>
           </a:p>
@@ -2746,7 +2746,7 @@
           <a:p>
             <a:fld id="{231E479A-090E-4E0E-A87B-A2D1A9833DF2}" type="datetimeFigureOut">
               <a:rPr lang="es-UY" smtClean="0"/>
-              <a:t>24 Abr. 2023</a:t>
+              <a:t>28/4/2023</a:t>
             </a:fld>
             <a:endParaRPr lang="es-UY"/>
           </a:p>
@@ -3059,7 +3059,7 @@
           <a:p>
             <a:fld id="{231E479A-090E-4E0E-A87B-A2D1A9833DF2}" type="datetimeFigureOut">
               <a:rPr lang="es-UY" smtClean="0"/>
-              <a:t>24 Abr. 2023</a:t>
+              <a:t>28/4/2023</a:t>
             </a:fld>
             <a:endParaRPr lang="es-UY"/>
           </a:p>
@@ -3348,7 +3348,7 @@
           <a:p>
             <a:fld id="{231E479A-090E-4E0E-A87B-A2D1A9833DF2}" type="datetimeFigureOut">
               <a:rPr lang="es-UY" smtClean="0"/>
-              <a:t>24 Abr. 2023</a:t>
+              <a:t>28/4/2023</a:t>
             </a:fld>
             <a:endParaRPr lang="es-UY"/>
           </a:p>
@@ -3591,7 +3591,7 @@
           <a:p>
             <a:fld id="{231E479A-090E-4E0E-A87B-A2D1A9833DF2}" type="datetimeFigureOut">
               <a:rPr lang="es-UY" smtClean="0"/>
-              <a:t>24 Abr. 2023</a:t>
+              <a:t>28/4/2023</a:t>
             </a:fld>
             <a:endParaRPr lang="es-UY"/>
           </a:p>
@@ -5567,7 +5567,7 @@
         </p:nvSpPr>
         <p:spPr>
           <a:xfrm>
-            <a:off x="62773" y="69880"/>
+            <a:off x="55199" y="69880"/>
             <a:ext cx="12081602" cy="3158536"/>
           </a:xfrm>
           <a:prstGeom prst="roundRect">
@@ -5714,8 +5714,8 @@
         </p:nvSpPr>
         <p:spPr>
           <a:xfrm>
-            <a:off x="590148" y="1427288"/>
-            <a:ext cx="1391038" cy="688157"/>
+            <a:off x="567666" y="1434834"/>
+            <a:ext cx="1412163" cy="761187"/>
           </a:xfrm>
           <a:prstGeom prst="rect">
             <a:avLst/>
@@ -5766,8 +5766,8 @@
         </p:nvSpPr>
         <p:spPr>
           <a:xfrm>
-            <a:off x="579330" y="2246612"/>
-            <a:ext cx="1338137" cy="688157"/>
+            <a:off x="574467" y="2324071"/>
+            <a:ext cx="1414910" cy="732949"/>
           </a:xfrm>
           <a:prstGeom prst="rect">
             <a:avLst/>
@@ -6436,7 +6436,7 @@
         </p:nvCxnSpPr>
         <p:spPr>
           <a:xfrm>
-            <a:off x="1360418" y="3003383"/>
+            <a:off x="1333785" y="3003383"/>
             <a:ext cx="0" cy="817274"/>
           </a:xfrm>
           <a:prstGeom prst="straightConnector1">
@@ -6614,7 +6614,7 @@
         <p:spPr>
           <a:xfrm>
             <a:off x="1855905" y="3451325"/>
-            <a:ext cx="2082301" cy="369332"/>
+            <a:ext cx="3014993" cy="369332"/>
           </a:xfrm>
           <a:prstGeom prst="rect">
             <a:avLst/>
@@ -6629,7 +6629,7 @@
           <a:p>
             <a:r>
               <a:rPr lang="en-US" b="1" dirty="0" err="1"/>
-              <a:t>PilaPedidos</a:t>
+              <a:t>ListaPedidosCerrados</a:t>
             </a:r>
             <a:r>
               <a:rPr lang="en-US" dirty="0"/>
@@ -6662,7 +6662,7 @@
         <p:spPr>
           <a:xfrm>
             <a:off x="1871578" y="3824842"/>
-            <a:ext cx="2600767" cy="769441"/>
+            <a:ext cx="2600767" cy="430887"/>
           </a:xfrm>
           <a:prstGeom prst="rect">
             <a:avLst/>
@@ -6678,27 +6678,11 @@
             <a:pPr algn="just"/>
             <a:r>
               <a:rPr lang="en-US" sz="1100" dirty="0"/>
-              <a:t>Nuevo </a:t>
+              <a:t>Tengo </a:t>
             </a:r>
             <a:r>
               <a:rPr lang="en-US" sz="1100" dirty="0" err="1"/>
-              <a:t>pedido</a:t>
-            </a:r>
-            <a:r>
-              <a:rPr lang="en-US" sz="1100" dirty="0"/>
-              <a:t> se </a:t>
-            </a:r>
-            <a:r>
-              <a:rPr lang="en-US" sz="1100" dirty="0" err="1"/>
-              <a:t>agrega</a:t>
-            </a:r>
-            <a:r>
-              <a:rPr lang="en-US" sz="1100" dirty="0"/>
-              <a:t> al final (</a:t>
-            </a:r>
-            <a:r>
-              <a:rPr lang="en-US" sz="1100" dirty="0" err="1"/>
-              <a:t>queda</a:t>
+              <a:t>todos</a:t>
             </a:r>
             <a:r>
               <a:rPr lang="en-US" sz="1100" dirty="0"/>
@@ -6706,15 +6690,7 @@
             </a:r>
             <a:r>
               <a:rPr lang="en-US" sz="1100" dirty="0" err="1"/>
-              <a:t>abierto</a:t>
-            </a:r>
-            <a:r>
-              <a:rPr lang="en-US" sz="1100" dirty="0"/>
-              <a:t>). Para </a:t>
-            </a:r>
-            <a:r>
-              <a:rPr lang="en-US" sz="1100" dirty="0" err="1"/>
-              <a:t>listar</a:t>
+              <a:t>los</a:t>
             </a:r>
             <a:r>
               <a:rPr lang="en-US" sz="1100" dirty="0"/>
@@ -6734,51 +6710,11 @@
             </a:r>
             <a:r>
               <a:rPr lang="en-US" sz="1100" dirty="0"/>
-              <a:t>, se </a:t>
+              <a:t> de un </a:t>
             </a:r>
             <a:r>
               <a:rPr lang="en-US" sz="1100" dirty="0" err="1"/>
-              <a:t>evalua</a:t>
-            </a:r>
-            <a:r>
-              <a:rPr lang="en-US" sz="1100" dirty="0"/>
-              <a:t> solo </a:t>
-            </a:r>
-            <a:r>
-              <a:rPr lang="en-US" sz="1100" dirty="0" err="1"/>
-              <a:t>el</a:t>
-            </a:r>
-            <a:r>
-              <a:rPr lang="en-US" sz="1100" dirty="0"/>
-              <a:t> primero </a:t>
-            </a:r>
-            <a:r>
-              <a:rPr lang="en-US" sz="1100" dirty="0" err="1"/>
-              <a:t>ya</a:t>
-            </a:r>
-            <a:r>
-              <a:rPr lang="en-US" sz="1100" dirty="0"/>
-              <a:t> que </a:t>
-            </a:r>
-            <a:r>
-              <a:rPr lang="en-US" sz="1100" dirty="0" err="1"/>
-              <a:t>el</a:t>
-            </a:r>
-            <a:r>
-              <a:rPr lang="en-US" sz="1100" dirty="0"/>
-              <a:t> resto </a:t>
-            </a:r>
-            <a:r>
-              <a:rPr lang="en-US" sz="1100" dirty="0" err="1"/>
-              <a:t>estarán</a:t>
-            </a:r>
-            <a:r>
-              <a:rPr lang="en-US" sz="1100" dirty="0"/>
-              <a:t> </a:t>
-            </a:r>
-            <a:r>
-              <a:rPr lang="en-US" sz="1100" dirty="0" err="1"/>
-              <a:t>cerrados</a:t>
+              <a:t>cliente</a:t>
             </a:r>
             <a:endParaRPr lang="es-UY" sz="1100" dirty="0"/>
           </a:p>
@@ -6798,8 +6734,8 @@
         </p:nvSpPr>
         <p:spPr>
           <a:xfrm>
-            <a:off x="489264" y="2189977"/>
-            <a:ext cx="1491921" cy="813406"/>
+            <a:off x="508802" y="2250622"/>
+            <a:ext cx="1577517" cy="866350"/>
           </a:xfrm>
           <a:prstGeom prst="rect">
             <a:avLst/>
@@ -6898,8 +6834,8 @@
         </p:nvSpPr>
         <p:spPr>
           <a:xfrm>
-            <a:off x="608089" y="722171"/>
-            <a:ext cx="1494001" cy="553998"/>
+            <a:off x="540908" y="570167"/>
+            <a:ext cx="1747827" cy="861774"/>
           </a:xfrm>
           <a:prstGeom prst="rect">
             <a:avLst/>
@@ -6975,6 +6911,24 @@
             <a:r>
               <a:rPr lang="es-UY" sz="1000" b="1" dirty="0" err="1"/>
               <a:t>pilaPedidos</a:t>
+            </a:r>
+            <a:r>
+              <a:rPr lang="es-UY" sz="1000" dirty="0"/>
+              <a:t>;</a:t>
+            </a:r>
+          </a:p>
+          <a:p>
+            <a:r>
+              <a:rPr lang="es-UY" sz="1000" dirty="0" err="1"/>
+              <a:t>Private</a:t>
+            </a:r>
+            <a:r>
+              <a:rPr lang="es-UY" sz="1000" dirty="0"/>
+              <a:t> Pedido </a:t>
+            </a:r>
+            <a:r>
+              <a:rPr lang="es-UY" sz="1000" b="1" dirty="0" err="1"/>
+              <a:t>pedidoAbierto</a:t>
             </a:r>
             <a:r>
               <a:rPr lang="es-UY" sz="1000" dirty="0"/>
@@ -7526,7 +7480,7 @@
         <p:spPr>
           <a:xfrm>
             <a:off x="1034783" y="3932563"/>
-            <a:ext cx="651269" cy="276999"/>
+            <a:ext cx="679994" cy="276999"/>
           </a:xfrm>
           <a:prstGeom prst="rect">
             <a:avLst/>
@@ -7541,7 +7495,7 @@
           <a:p>
             <a:r>
               <a:rPr lang="es-UY" sz="1200" i="1" dirty="0"/>
-              <a:t>Abierto</a:t>
+              <a:t>Cerrado</a:t>
             </a:r>
           </a:p>
         </p:txBody>

--- a/estructura.pptx
+++ b/estructura.pptx
@@ -922,7 +922,7 @@
           <a:p>
             <a:fld id="{231E479A-090E-4E0E-A87B-A2D1A9833DF2}" type="datetimeFigureOut">
               <a:rPr lang="es-UY" smtClean="0"/>
-              <a:t>28/4/2023</a:t>
+              <a:t>1/5/2023</a:t>
             </a:fld>
             <a:endParaRPr lang="es-UY"/>
           </a:p>
@@ -1122,7 +1122,7 @@
           <a:p>
             <a:fld id="{231E479A-090E-4E0E-A87B-A2D1A9833DF2}" type="datetimeFigureOut">
               <a:rPr lang="es-UY" smtClean="0"/>
-              <a:t>28/4/2023</a:t>
+              <a:t>1/5/2023</a:t>
             </a:fld>
             <a:endParaRPr lang="es-UY"/>
           </a:p>
@@ -1332,7 +1332,7 @@
           <a:p>
             <a:fld id="{231E479A-090E-4E0E-A87B-A2D1A9833DF2}" type="datetimeFigureOut">
               <a:rPr lang="es-UY" smtClean="0"/>
-              <a:t>28/4/2023</a:t>
+              <a:t>1/5/2023</a:t>
             </a:fld>
             <a:endParaRPr lang="es-UY"/>
           </a:p>
@@ -1532,7 +1532,7 @@
           <a:p>
             <a:fld id="{231E479A-090E-4E0E-A87B-A2D1A9833DF2}" type="datetimeFigureOut">
               <a:rPr lang="es-UY" smtClean="0"/>
-              <a:t>28/4/2023</a:t>
+              <a:t>1/5/2023</a:t>
             </a:fld>
             <a:endParaRPr lang="es-UY"/>
           </a:p>
@@ -1808,7 +1808,7 @@
           <a:p>
             <a:fld id="{231E479A-090E-4E0E-A87B-A2D1A9833DF2}" type="datetimeFigureOut">
               <a:rPr lang="es-UY" smtClean="0"/>
-              <a:t>28/4/2023</a:t>
+              <a:t>1/5/2023</a:t>
             </a:fld>
             <a:endParaRPr lang="es-UY"/>
           </a:p>
@@ -2076,7 +2076,7 @@
           <a:p>
             <a:fld id="{231E479A-090E-4E0E-A87B-A2D1A9833DF2}" type="datetimeFigureOut">
               <a:rPr lang="es-UY" smtClean="0"/>
-              <a:t>28/4/2023</a:t>
+              <a:t>1/5/2023</a:t>
             </a:fld>
             <a:endParaRPr lang="es-UY"/>
           </a:p>
@@ -2491,7 +2491,7 @@
           <a:p>
             <a:fld id="{231E479A-090E-4E0E-A87B-A2D1A9833DF2}" type="datetimeFigureOut">
               <a:rPr lang="es-UY" smtClean="0"/>
-              <a:t>28/4/2023</a:t>
+              <a:t>1/5/2023</a:t>
             </a:fld>
             <a:endParaRPr lang="es-UY"/>
           </a:p>
@@ -2633,7 +2633,7 @@
           <a:p>
             <a:fld id="{231E479A-090E-4E0E-A87B-A2D1A9833DF2}" type="datetimeFigureOut">
               <a:rPr lang="es-UY" smtClean="0"/>
-              <a:t>28/4/2023</a:t>
+              <a:t>1/5/2023</a:t>
             </a:fld>
             <a:endParaRPr lang="es-UY"/>
           </a:p>
@@ -2746,7 +2746,7 @@
           <a:p>
             <a:fld id="{231E479A-090E-4E0E-A87B-A2D1A9833DF2}" type="datetimeFigureOut">
               <a:rPr lang="es-UY" smtClean="0"/>
-              <a:t>28/4/2023</a:t>
+              <a:t>1/5/2023</a:t>
             </a:fld>
             <a:endParaRPr lang="es-UY"/>
           </a:p>
@@ -3059,7 +3059,7 @@
           <a:p>
             <a:fld id="{231E479A-090E-4E0E-A87B-A2D1A9833DF2}" type="datetimeFigureOut">
               <a:rPr lang="es-UY" smtClean="0"/>
-              <a:t>28/4/2023</a:t>
+              <a:t>1/5/2023</a:t>
             </a:fld>
             <a:endParaRPr lang="es-UY"/>
           </a:p>
@@ -3348,7 +3348,7 @@
           <a:p>
             <a:fld id="{231E479A-090E-4E0E-A87B-A2D1A9833DF2}" type="datetimeFigureOut">
               <a:rPr lang="es-UY" smtClean="0"/>
-              <a:t>28/4/2023</a:t>
+              <a:t>1/5/2023</a:t>
             </a:fld>
             <a:endParaRPr lang="es-UY"/>
           </a:p>
@@ -3591,7 +3591,7 @@
           <a:p>
             <a:fld id="{231E479A-090E-4E0E-A87B-A2D1A9833DF2}" type="datetimeFigureOut">
               <a:rPr lang="es-UY" smtClean="0"/>
-              <a:t>28/4/2023</a:t>
+              <a:t>1/5/2023</a:t>
             </a:fld>
             <a:endParaRPr lang="es-UY"/>
           </a:p>
@@ -5567,7 +5567,7 @@
         </p:nvSpPr>
         <p:spPr>
           <a:xfrm>
-            <a:off x="55199" y="69880"/>
+            <a:off x="55199" y="34934"/>
             <a:ext cx="12081602" cy="3158536"/>
           </a:xfrm>
           <a:prstGeom prst="roundRect">
@@ -6375,7 +6375,7 @@
             </a:r>
             <a:r>
               <a:rPr lang="es-UY" sz="1100" dirty="0" err="1"/>
-              <a:t>ColaPedidosParaEntregar</a:t>
+              <a:t>ListaPedidosParaEntregar</a:t>
             </a:r>
             <a:r>
               <a:rPr lang="es-UY" sz="1100" dirty="0"/>
@@ -6835,7 +6835,7 @@
         <p:spPr>
           <a:xfrm>
             <a:off x="540908" y="570167"/>
-            <a:ext cx="1747827" cy="861774"/>
+            <a:ext cx="1747827" cy="1015663"/>
           </a:xfrm>
           <a:prstGeom prst="rect">
             <a:avLst/>
@@ -6906,11 +6906,19 @@
             </a:r>
             <a:r>
               <a:rPr lang="es-UY" sz="1000" dirty="0"/>
-              <a:t> Pila </a:t>
+              <a:t> </a:t>
+            </a:r>
+            <a:r>
+              <a:rPr lang="es-UY" sz="1000" dirty="0" err="1"/>
+              <a:t>ListaSimple</a:t>
+            </a:r>
+            <a:r>
+              <a:rPr lang="es-UY" sz="1000" dirty="0"/>
+              <a:t> </a:t>
             </a:r>
             <a:r>
               <a:rPr lang="es-UY" sz="1000" b="1" dirty="0" err="1"/>
-              <a:t>pilaPedidos</a:t>
+              <a:t>listaPedidos</a:t>
             </a:r>
             <a:r>
               <a:rPr lang="es-UY" sz="1000" dirty="0"/>
@@ -7102,8 +7110,8 @@
         </p:nvSpPr>
         <p:spPr>
           <a:xfrm>
-            <a:off x="3712676" y="612895"/>
-            <a:ext cx="1879355" cy="861774"/>
+            <a:off x="3666636" y="585521"/>
+            <a:ext cx="1879355" cy="1015663"/>
           </a:xfrm>
           <a:prstGeom prst="rect">
             <a:avLst/>
@@ -7251,6 +7259,32 @@
             <a:r>
               <a:rPr lang="es-UY" sz="1000" dirty="0"/>
               <a:t> = 1;</a:t>
+            </a:r>
+          </a:p>
+          <a:p>
+            <a:r>
+              <a:rPr lang="es-UY" sz="1000" dirty="0" err="1"/>
+              <a:t>private</a:t>
+            </a:r>
+            <a:r>
+              <a:rPr lang="es-UY" sz="1000" dirty="0"/>
+              <a:t> </a:t>
+            </a:r>
+            <a:r>
+              <a:rPr lang="es-UY" sz="1000" dirty="0" err="1"/>
+              <a:t>int</a:t>
+            </a:r>
+            <a:r>
+              <a:rPr lang="es-UY" sz="1000" dirty="0"/>
+              <a:t> </a:t>
+            </a:r>
+            <a:r>
+              <a:rPr lang="es-UY" sz="1000" b="1" dirty="0" err="1"/>
+              <a:t>pedidosProducto</a:t>
+            </a:r>
+            <a:r>
+              <a:rPr lang="es-UY" sz="1000" dirty="0"/>
+              <a:t> = 0;</a:t>
             </a:r>
           </a:p>
         </p:txBody>
@@ -7756,7 +7790,7 @@
           <a:p>
             <a:r>
               <a:rPr lang="es-UY" sz="1600" b="1" dirty="0" err="1"/>
-              <a:t>ColaPedidosParaEntregar</a:t>
+              <a:t>ListaPedidosParaEntregar</a:t>
             </a:r>
             <a:r>
               <a:rPr lang="es-UY" sz="1600" dirty="0"/>
@@ -7767,55 +7801,10 @@
       </p:sp>
       <p:sp>
         <p:nvSpPr>
-          <p:cNvPr id="55" name="Abrir llave 54">
-            <a:extLst>
-              <a:ext uri="{FF2B5EF4-FFF2-40B4-BE49-F238E27FC236}">
-                <a16:creationId xmlns:a16="http://schemas.microsoft.com/office/drawing/2014/main" id="{0C2A44B0-0F81-61A8-9232-ECC59540E83D}"/>
-              </a:ext>
-            </a:extLst>
-          </p:cNvPr>
-          <p:cNvSpPr/>
-          <p:nvPr/>
-        </p:nvSpPr>
-        <p:spPr>
-          <a:xfrm rot="16200000">
-            <a:off x="9425756" y="2430472"/>
-            <a:ext cx="434716" cy="4840597"/>
-          </a:xfrm>
-          <a:prstGeom prst="leftBrace">
-            <a:avLst/>
-          </a:prstGeom>
-          <a:ln w="22225"/>
-        </p:spPr>
-        <p:style>
-          <a:lnRef idx="1">
-            <a:schemeClr val="accent1"/>
-          </a:lnRef>
-          <a:fillRef idx="0">
-            <a:schemeClr val="accent1"/>
-          </a:fillRef>
-          <a:effectRef idx="0">
-            <a:schemeClr val="accent1"/>
-          </a:effectRef>
-          <a:fontRef idx="minor">
-            <a:schemeClr val="tx1"/>
-          </a:fontRef>
-        </p:style>
-        <p:txBody>
-          <a:bodyPr rtlCol="0" anchor="ctr"/>
-          <a:lstStyle/>
-          <a:p>
-            <a:pPr algn="ctr"/>
-            <a:endParaRPr lang="es-UY"/>
-          </a:p>
-        </p:txBody>
-      </p:sp>
-      <p:sp>
-        <p:nvSpPr>
-          <p:cNvPr id="56" name="CuadroTexto 55">
-            <a:extLst>
-              <a:ext uri="{FF2B5EF4-FFF2-40B4-BE49-F238E27FC236}">
-                <a16:creationId xmlns:a16="http://schemas.microsoft.com/office/drawing/2014/main" id="{8E7E45FE-4B5C-C6AA-BAAE-284C96BD78D3}"/>
+          <p:cNvPr id="57" name="CuadroTexto 56">
+            <a:extLst>
+              <a:ext uri="{FF2B5EF4-FFF2-40B4-BE49-F238E27FC236}">
+                <a16:creationId xmlns:a16="http://schemas.microsoft.com/office/drawing/2014/main" id="{AE63BDF4-15E3-3FB8-9F71-5C166AE1BD52}"/>
               </a:ext>
             </a:extLst>
           </p:cNvPr>
@@ -7824,8 +7813,8 @@
         </p:nvSpPr>
         <p:spPr>
           <a:xfrm>
-            <a:off x="8107801" y="5068129"/>
-            <a:ext cx="3655574" cy="430887"/>
+            <a:off x="7581307" y="1786884"/>
+            <a:ext cx="681661" cy="276999"/>
           </a:xfrm>
           <a:prstGeom prst="rect">
             <a:avLst/>
@@ -7833,24 +7822,24 @@
           <a:noFill/>
         </p:spPr>
         <p:txBody>
-          <a:bodyPr wrap="square" rtlCol="0">
+          <a:bodyPr wrap="none" rtlCol="0">
             <a:spAutoFit/>
           </a:bodyPr>
           <a:lstStyle/>
           <a:p>
             <a:r>
-              <a:rPr lang="es-UY" sz="1100" dirty="0"/>
-              <a:t>Acá dos colas distintas porque sino habría que recorrer siempre la cola para saber cuál es el próximo para entregar.</a:t>
-            </a:r>
-          </a:p>
-        </p:txBody>
-      </p:sp>
-      <p:sp>
-        <p:nvSpPr>
-          <p:cNvPr id="57" name="CuadroTexto 56">
-            <a:extLst>
-              <a:ext uri="{FF2B5EF4-FFF2-40B4-BE49-F238E27FC236}">
-                <a16:creationId xmlns:a16="http://schemas.microsoft.com/office/drawing/2014/main" id="{AE63BDF4-15E3-3FB8-9F71-5C166AE1BD52}"/>
+              <a:rPr lang="es-UY" sz="1200" i="1" dirty="0"/>
+              <a:t>Cerrado</a:t>
+            </a:r>
+          </a:p>
+        </p:txBody>
+      </p:sp>
+      <p:sp>
+        <p:nvSpPr>
+          <p:cNvPr id="58" name="CuadroTexto 57">
+            <a:extLst>
+              <a:ext uri="{FF2B5EF4-FFF2-40B4-BE49-F238E27FC236}">
+                <a16:creationId xmlns:a16="http://schemas.microsoft.com/office/drawing/2014/main" id="{CDFE4583-7628-7507-91FD-B26A1612925B}"/>
               </a:ext>
             </a:extLst>
           </p:cNvPr>
@@ -7859,7 +7848,7 @@
         </p:nvSpPr>
         <p:spPr>
           <a:xfrm>
-            <a:off x="7581307" y="1786884"/>
+            <a:off x="7596541" y="2606150"/>
             <a:ext cx="681661" cy="276999"/>
           </a:xfrm>
           <a:prstGeom prst="rect">
@@ -7882,10 +7871,10 @@
       </p:sp>
       <p:sp>
         <p:nvSpPr>
-          <p:cNvPr id="58" name="CuadroTexto 57">
-            <a:extLst>
-              <a:ext uri="{FF2B5EF4-FFF2-40B4-BE49-F238E27FC236}">
-                <a16:creationId xmlns:a16="http://schemas.microsoft.com/office/drawing/2014/main" id="{CDFE4583-7628-7507-91FD-B26A1612925B}"/>
+          <p:cNvPr id="59" name="CuadroTexto 58">
+            <a:extLst>
+              <a:ext uri="{FF2B5EF4-FFF2-40B4-BE49-F238E27FC236}">
+                <a16:creationId xmlns:a16="http://schemas.microsoft.com/office/drawing/2014/main" id="{69796DB1-D39D-0D80-E482-08F3B8A52672}"/>
               </a:ext>
             </a:extLst>
           </p:cNvPr>
@@ -7894,8 +7883,8 @@
         </p:nvSpPr>
         <p:spPr>
           <a:xfrm>
-            <a:off x="7596541" y="2606150"/>
-            <a:ext cx="681661" cy="276999"/>
+            <a:off x="10351308" y="1075737"/>
+            <a:ext cx="1427763" cy="276999"/>
           </a:xfrm>
           <a:prstGeom prst="rect">
             <a:avLst/>
@@ -7909,18 +7898,19 @@
           <a:lstStyle/>
           <a:p>
             <a:r>
-              <a:rPr lang="es-UY" sz="1200" i="1" dirty="0"/>
-              <a:t>Cerrado</a:t>
-            </a:r>
-          </a:p>
-        </p:txBody>
-      </p:sp>
-      <p:sp>
-        <p:nvSpPr>
-          <p:cNvPr id="59" name="CuadroTexto 58">
-            <a:extLst>
-              <a:ext uri="{FF2B5EF4-FFF2-40B4-BE49-F238E27FC236}">
-                <a16:creationId xmlns:a16="http://schemas.microsoft.com/office/drawing/2014/main" id="{69796DB1-D39D-0D80-E482-08F3B8A52672}"/>
+              <a:rPr lang="es-UY" sz="1200" i="1" dirty="0" err="1"/>
+              <a:t>ProntoParaEntregar</a:t>
+            </a:r>
+            <a:endParaRPr lang="es-UY" sz="1200" i="1" dirty="0"/>
+          </a:p>
+        </p:txBody>
+      </p:sp>
+      <p:sp>
+        <p:nvSpPr>
+          <p:cNvPr id="60" name="CuadroTexto 59">
+            <a:extLst>
+              <a:ext uri="{FF2B5EF4-FFF2-40B4-BE49-F238E27FC236}">
+                <a16:creationId xmlns:a16="http://schemas.microsoft.com/office/drawing/2014/main" id="{86E31EFE-3D1B-0707-E7D9-A5C1C5CB23D2}"/>
               </a:ext>
             </a:extLst>
           </p:cNvPr>
@@ -7929,7 +7919,7 @@
         </p:nvSpPr>
         <p:spPr>
           <a:xfrm>
-            <a:off x="10351308" y="1075737"/>
+            <a:off x="10322422" y="1851989"/>
             <a:ext cx="1427763" cy="276999"/>
           </a:xfrm>
           <a:prstGeom prst="rect">
@@ -7953,10 +7943,10 @@
       </p:sp>
       <p:sp>
         <p:nvSpPr>
-          <p:cNvPr id="60" name="CuadroTexto 59">
-            <a:extLst>
-              <a:ext uri="{FF2B5EF4-FFF2-40B4-BE49-F238E27FC236}">
-                <a16:creationId xmlns:a16="http://schemas.microsoft.com/office/drawing/2014/main" id="{86E31EFE-3D1B-0707-E7D9-A5C1C5CB23D2}"/>
+          <p:cNvPr id="61" name="CuadroTexto 60">
+            <a:extLst>
+              <a:ext uri="{FF2B5EF4-FFF2-40B4-BE49-F238E27FC236}">
+                <a16:creationId xmlns:a16="http://schemas.microsoft.com/office/drawing/2014/main" id="{79CF027D-F1B8-C04C-AE91-55BA2FD0D55F}"/>
               </a:ext>
             </a:extLst>
           </p:cNvPr>
@@ -7965,7 +7955,7 @@
         </p:nvSpPr>
         <p:spPr>
           <a:xfrm>
-            <a:off x="10322422" y="1851989"/>
+            <a:off x="10351307" y="2563468"/>
             <a:ext cx="1427763" cy="276999"/>
           </a:xfrm>
           <a:prstGeom prst="rect">
@@ -7984,77 +7974,6 @@
               <a:t>ProntoParaEntregar</a:t>
             </a:r>
             <a:endParaRPr lang="es-UY" sz="1200" i="1" dirty="0"/>
-          </a:p>
-        </p:txBody>
-      </p:sp>
-      <p:sp>
-        <p:nvSpPr>
-          <p:cNvPr id="61" name="CuadroTexto 60">
-            <a:extLst>
-              <a:ext uri="{FF2B5EF4-FFF2-40B4-BE49-F238E27FC236}">
-                <a16:creationId xmlns:a16="http://schemas.microsoft.com/office/drawing/2014/main" id="{79CF027D-F1B8-C04C-AE91-55BA2FD0D55F}"/>
-              </a:ext>
-            </a:extLst>
-          </p:cNvPr>
-          <p:cNvSpPr txBox="1"/>
-          <p:nvPr/>
-        </p:nvSpPr>
-        <p:spPr>
-          <a:xfrm>
-            <a:off x="10351307" y="2563468"/>
-            <a:ext cx="1427763" cy="276999"/>
-          </a:xfrm>
-          <a:prstGeom prst="rect">
-            <a:avLst/>
-          </a:prstGeom>
-          <a:noFill/>
-        </p:spPr>
-        <p:txBody>
-          <a:bodyPr wrap="none" rtlCol="0">
-            <a:spAutoFit/>
-          </a:bodyPr>
-          <a:lstStyle/>
-          <a:p>
-            <a:r>
-              <a:rPr lang="es-UY" sz="1200" i="1" dirty="0" err="1"/>
-              <a:t>ProntoParaEntregar</a:t>
-            </a:r>
-            <a:endParaRPr lang="es-UY" sz="1200" i="1" dirty="0"/>
-          </a:p>
-        </p:txBody>
-      </p:sp>
-      <p:sp>
-        <p:nvSpPr>
-          <p:cNvPr id="12" name="CuadroTexto 11">
-            <a:extLst>
-              <a:ext uri="{FF2B5EF4-FFF2-40B4-BE49-F238E27FC236}">
-                <a16:creationId xmlns:a16="http://schemas.microsoft.com/office/drawing/2014/main" id="{0823D65F-6E1F-5651-3DA6-FB35D344279C}"/>
-              </a:ext>
-            </a:extLst>
-          </p:cNvPr>
-          <p:cNvSpPr txBox="1"/>
-          <p:nvPr/>
-        </p:nvSpPr>
-        <p:spPr>
-          <a:xfrm>
-            <a:off x="10888883" y="474221"/>
-            <a:ext cx="955802" cy="369332"/>
-          </a:xfrm>
-          <a:prstGeom prst="rect">
-            <a:avLst/>
-          </a:prstGeom>
-          <a:noFill/>
-        </p:spPr>
-        <p:txBody>
-          <a:bodyPr wrap="square" rtlCol="0">
-            <a:spAutoFit/>
-          </a:bodyPr>
-          <a:lstStyle/>
-          <a:p>
-            <a:r>
-              <a:rPr lang="es-UY" dirty="0"/>
-              <a:t>Lista?</a:t>
-            </a:r>
           </a:p>
         </p:txBody>
       </p:sp>

--- a/estructura.pptx
+++ b/estructura.pptx
@@ -922,7 +922,7 @@
           <a:p>
             <a:fld id="{231E479A-090E-4E0E-A87B-A2D1A9833DF2}" type="datetimeFigureOut">
               <a:rPr lang="es-UY" smtClean="0"/>
-              <a:t>1/5/2023</a:t>
+              <a:t>3/5/2023</a:t>
             </a:fld>
             <a:endParaRPr lang="es-UY"/>
           </a:p>
@@ -1122,7 +1122,7 @@
           <a:p>
             <a:fld id="{231E479A-090E-4E0E-A87B-A2D1A9833DF2}" type="datetimeFigureOut">
               <a:rPr lang="es-UY" smtClean="0"/>
-              <a:t>1/5/2023</a:t>
+              <a:t>3/5/2023</a:t>
             </a:fld>
             <a:endParaRPr lang="es-UY"/>
           </a:p>
@@ -1332,7 +1332,7 @@
           <a:p>
             <a:fld id="{231E479A-090E-4E0E-A87B-A2D1A9833DF2}" type="datetimeFigureOut">
               <a:rPr lang="es-UY" smtClean="0"/>
-              <a:t>1/5/2023</a:t>
+              <a:t>3/5/2023</a:t>
             </a:fld>
             <a:endParaRPr lang="es-UY"/>
           </a:p>
@@ -1532,7 +1532,7 @@
           <a:p>
             <a:fld id="{231E479A-090E-4E0E-A87B-A2D1A9833DF2}" type="datetimeFigureOut">
               <a:rPr lang="es-UY" smtClean="0"/>
-              <a:t>1/5/2023</a:t>
+              <a:t>3/5/2023</a:t>
             </a:fld>
             <a:endParaRPr lang="es-UY"/>
           </a:p>
@@ -1808,7 +1808,7 @@
           <a:p>
             <a:fld id="{231E479A-090E-4E0E-A87B-A2D1A9833DF2}" type="datetimeFigureOut">
               <a:rPr lang="es-UY" smtClean="0"/>
-              <a:t>1/5/2023</a:t>
+              <a:t>3/5/2023</a:t>
             </a:fld>
             <a:endParaRPr lang="es-UY"/>
           </a:p>
@@ -2076,7 +2076,7 @@
           <a:p>
             <a:fld id="{231E479A-090E-4E0E-A87B-A2D1A9833DF2}" type="datetimeFigureOut">
               <a:rPr lang="es-UY" smtClean="0"/>
-              <a:t>1/5/2023</a:t>
+              <a:t>3/5/2023</a:t>
             </a:fld>
             <a:endParaRPr lang="es-UY"/>
           </a:p>
@@ -2491,7 +2491,7 @@
           <a:p>
             <a:fld id="{231E479A-090E-4E0E-A87B-A2D1A9833DF2}" type="datetimeFigureOut">
               <a:rPr lang="es-UY" smtClean="0"/>
-              <a:t>1/5/2023</a:t>
+              <a:t>3/5/2023</a:t>
             </a:fld>
             <a:endParaRPr lang="es-UY"/>
           </a:p>
@@ -2633,7 +2633,7 @@
           <a:p>
             <a:fld id="{231E479A-090E-4E0E-A87B-A2D1A9833DF2}" type="datetimeFigureOut">
               <a:rPr lang="es-UY" smtClean="0"/>
-              <a:t>1/5/2023</a:t>
+              <a:t>3/5/2023</a:t>
             </a:fld>
             <a:endParaRPr lang="es-UY"/>
           </a:p>
@@ -2746,7 +2746,7 @@
           <a:p>
             <a:fld id="{231E479A-090E-4E0E-A87B-A2D1A9833DF2}" type="datetimeFigureOut">
               <a:rPr lang="es-UY" smtClean="0"/>
-              <a:t>1/5/2023</a:t>
+              <a:t>3/5/2023</a:t>
             </a:fld>
             <a:endParaRPr lang="es-UY"/>
           </a:p>
@@ -3059,7 +3059,7 @@
           <a:p>
             <a:fld id="{231E479A-090E-4E0E-A87B-A2D1A9833DF2}" type="datetimeFigureOut">
               <a:rPr lang="es-UY" smtClean="0"/>
-              <a:t>1/5/2023</a:t>
+              <a:t>3/5/2023</a:t>
             </a:fld>
             <a:endParaRPr lang="es-UY"/>
           </a:p>
@@ -3348,7 +3348,7 @@
           <a:p>
             <a:fld id="{231E479A-090E-4E0E-A87B-A2D1A9833DF2}" type="datetimeFigureOut">
               <a:rPr lang="es-UY" smtClean="0"/>
-              <a:t>1/5/2023</a:t>
+              <a:t>3/5/2023</a:t>
             </a:fld>
             <a:endParaRPr lang="es-UY"/>
           </a:p>
@@ -3591,7 +3591,7 @@
           <a:p>
             <a:fld id="{231E479A-090E-4E0E-A87B-A2D1A9833DF2}" type="datetimeFigureOut">
               <a:rPr lang="es-UY" smtClean="0"/>
-              <a:t>1/5/2023</a:t>
+              <a:t>3/5/2023</a:t>
             </a:fld>
             <a:endParaRPr lang="es-UY"/>
           </a:p>
@@ -6267,7 +6267,7 @@
         <p:spPr>
           <a:xfrm>
             <a:off x="5389303" y="634632"/>
-            <a:ext cx="1136358" cy="2192908"/>
+            <a:ext cx="1136358" cy="1708160"/>
           </a:xfrm>
           <a:prstGeom prst="rect">
             <a:avLst/>
@@ -6282,26 +6282,13 @@
           <a:p>
             <a:r>
               <a:rPr lang="es-UY" sz="1050" dirty="0"/>
-              <a:t>Se muestran en orden en que se les dio el alta (el primer elementos se muestra primero). </a:t>
-            </a:r>
-            <a:r>
-              <a:rPr lang="es-UY" sz="1050" dirty="0">
-                <a:highlight>
-                  <a:srgbClr val="FFFF00"/>
-                </a:highlight>
-              </a:rPr>
-              <a:t>PERO</a:t>
-            </a:r>
-          </a:p>
-          <a:p>
-            <a:r>
-              <a:rPr lang="es-UY" sz="1050" dirty="0">
-                <a:highlight>
-                  <a:srgbClr val="FFFF00"/>
-                </a:highlight>
-              </a:rPr>
-              <a:t>2.5 Tengo que buscar por nombre para eliminar producto o sea LISTA?</a:t>
-            </a:r>
+              <a:t>Se muestran en orden en que se les dio el alta (el primer elementos se muestra primero. Se buscan por nombre para eliminar o dar de alta Stock.</a:t>
+            </a:r>
+            <a:endParaRPr lang="es-UY" sz="1050" dirty="0">
+              <a:highlight>
+                <a:srgbClr val="FFFF00"/>
+              </a:highlight>
+            </a:endParaRPr>
           </a:p>
         </p:txBody>
       </p:sp>
@@ -6336,7 +6323,7 @@
             <a:pPr algn="just"/>
             <a:r>
               <a:rPr lang="es-UY" sz="1050" dirty="0"/>
-              <a:t>Se agrega uno arriba de otro, y se puede eliminar solo el último que entró</a:t>
+              <a:t>Se agrega uno arriba de otro, y se puede eliminar solo los últimos que se agregaron</a:t>
             </a:r>
           </a:p>
         </p:txBody>

--- a/estructura.pptx
+++ b/estructura.pptx
@@ -117,7 +117,7 @@
 <file path=ppt/revisionInfo.xml><?xml version="1.0" encoding="utf-8"?>
 <p1510:revInfo xmlns:a="http://schemas.openxmlformats.org/drawingml/2006/main" xmlns:r="http://schemas.openxmlformats.org/officeDocument/2006/relationships" xmlns:p1510="http://schemas.microsoft.com/office/powerpoint/2015/10/main">
   <p1510:revLst>
-    <p1510:client id="{CEFFCF97-A6EB-42E5-A1B4-79EF91758720}" v="25" dt="2023-04-24T23:53:44.920"/>
+    <p1510:client id="{CEFFCF97-A6EB-42E5-A1B4-79EF91758720}" v="29" dt="2023-05-03T18:37:15.840"/>
   </p1510:revLst>
 </p1510:revInfo>
 </file>
@@ -127,7 +127,7 @@
   <pc:docChgLst>
     <pc:chgData name="Sofi Fernandez" userId="5dcd86d9bf03d87f" providerId="LiveId" clId="{CEFFCF97-A6EB-42E5-A1B4-79EF91758720}"/>
     <pc:docChg chg="undo custSel addSld modSld">
-      <pc:chgData name="Sofi Fernandez" userId="5dcd86d9bf03d87f" providerId="LiveId" clId="{CEFFCF97-A6EB-42E5-A1B4-79EF91758720}" dt="2023-04-24T23:53:54.423" v="955" actId="1076"/>
+      <pc:chgData name="Sofi Fernandez" userId="5dcd86d9bf03d87f" providerId="LiveId" clId="{CEFFCF97-A6EB-42E5-A1B4-79EF91758720}" dt="2023-05-03T18:37:15.840" v="1333" actId="164"/>
       <pc:docMkLst>
         <pc:docMk/>
       </pc:docMkLst>
@@ -298,13 +298,13 @@
         </pc:sldMkLst>
       </pc:sldChg>
       <pc:sldChg chg="addSp delSp modSp add mod">
-        <pc:chgData name="Sofi Fernandez" userId="5dcd86d9bf03d87f" providerId="LiveId" clId="{CEFFCF97-A6EB-42E5-A1B4-79EF91758720}" dt="2023-04-24T23:53:54.423" v="955" actId="1076"/>
+        <pc:chgData name="Sofi Fernandez" userId="5dcd86d9bf03d87f" providerId="LiveId" clId="{CEFFCF97-A6EB-42E5-A1B4-79EF91758720}" dt="2023-05-03T18:37:15.840" v="1333" actId="164"/>
         <pc:sldMkLst>
           <pc:docMk/>
           <pc:sldMk cId="1857491606" sldId="258"/>
         </pc:sldMkLst>
         <pc:spChg chg="add mod">
-          <ac:chgData name="Sofi Fernandez" userId="5dcd86d9bf03d87f" providerId="LiveId" clId="{CEFFCF97-A6EB-42E5-A1B4-79EF91758720}" dt="2023-04-24T15:01:00.971" v="670" actId="1037"/>
+          <ac:chgData name="Sofi Fernandez" userId="5dcd86d9bf03d87f" providerId="LiveId" clId="{CEFFCF97-A6EB-42E5-A1B4-79EF91758720}" dt="2023-05-03T18:37:15.840" v="1333" actId="164"/>
           <ac:spMkLst>
             <pc:docMk/>
             <pc:sldMk cId="1857491606" sldId="258"/>
@@ -312,7 +312,7 @@
           </ac:spMkLst>
         </pc:spChg>
         <pc:spChg chg="add mod ord">
-          <ac:chgData name="Sofi Fernandez" userId="5dcd86d9bf03d87f" providerId="LiveId" clId="{CEFFCF97-A6EB-42E5-A1B4-79EF91758720}" dt="2023-04-24T15:01:44.711" v="677" actId="14100"/>
+          <ac:chgData name="Sofi Fernandez" userId="5dcd86d9bf03d87f" providerId="LiveId" clId="{CEFFCF97-A6EB-42E5-A1B4-79EF91758720}" dt="2023-05-03T18:37:15.840" v="1333" actId="164"/>
           <ac:spMkLst>
             <pc:docMk/>
             <pc:sldMk cId="1857491606" sldId="258"/>
@@ -320,7 +320,7 @@
           </ac:spMkLst>
         </pc:spChg>
         <pc:spChg chg="mod">
-          <ac:chgData name="Sofi Fernandez" userId="5dcd86d9bf03d87f" providerId="LiveId" clId="{CEFFCF97-A6EB-42E5-A1B4-79EF91758720}" dt="2023-04-24T15:01:00.971" v="670" actId="1037"/>
+          <ac:chgData name="Sofi Fernandez" userId="5dcd86d9bf03d87f" providerId="LiveId" clId="{CEFFCF97-A6EB-42E5-A1B4-79EF91758720}" dt="2023-05-03T18:37:15.840" v="1333" actId="164"/>
           <ac:spMkLst>
             <pc:docMk/>
             <pc:sldMk cId="1857491606" sldId="258"/>
@@ -328,15 +328,15 @@
           </ac:spMkLst>
         </pc:spChg>
         <pc:spChg chg="mod">
-          <ac:chgData name="Sofi Fernandez" userId="5dcd86d9bf03d87f" providerId="LiveId" clId="{CEFFCF97-A6EB-42E5-A1B4-79EF91758720}" dt="2023-04-24T14:58:59.381" v="616" actId="1037"/>
+          <ac:chgData name="Sofi Fernandez" userId="5dcd86d9bf03d87f" providerId="LiveId" clId="{CEFFCF97-A6EB-42E5-A1B4-79EF91758720}" dt="2023-05-03T18:37:15.840" v="1333" actId="164"/>
           <ac:spMkLst>
             <pc:docMk/>
             <pc:sldMk cId="1857491606" sldId="258"/>
             <ac:spMk id="5" creationId="{45F51AFA-473D-FCCF-98D8-C1D95D16F69F}"/>
           </ac:spMkLst>
         </pc:spChg>
-        <pc:spChg chg="mod">
-          <ac:chgData name="Sofi Fernandez" userId="5dcd86d9bf03d87f" providerId="LiveId" clId="{CEFFCF97-A6EB-42E5-A1B4-79EF91758720}" dt="2023-04-24T15:01:00.971" v="670" actId="1037"/>
+        <pc:spChg chg="del mod">
+          <ac:chgData name="Sofi Fernandez" userId="5dcd86d9bf03d87f" providerId="LiveId" clId="{CEFFCF97-A6EB-42E5-A1B4-79EF91758720}" dt="2023-05-03T17:36:36.436" v="968" actId="478"/>
           <ac:spMkLst>
             <pc:docMk/>
             <pc:sldMk cId="1857491606" sldId="258"/>
@@ -344,7 +344,7 @@
           </ac:spMkLst>
         </pc:spChg>
         <pc:spChg chg="mod">
-          <ac:chgData name="Sofi Fernandez" userId="5dcd86d9bf03d87f" providerId="LiveId" clId="{CEFFCF97-A6EB-42E5-A1B4-79EF91758720}" dt="2023-04-24T15:01:00.971" v="670" actId="1037"/>
+          <ac:chgData name="Sofi Fernandez" userId="5dcd86d9bf03d87f" providerId="LiveId" clId="{CEFFCF97-A6EB-42E5-A1B4-79EF91758720}" dt="2023-05-03T18:37:15.840" v="1333" actId="164"/>
           <ac:spMkLst>
             <pc:docMk/>
             <pc:sldMk cId="1857491606" sldId="258"/>
@@ -352,7 +352,7 @@
           </ac:spMkLst>
         </pc:spChg>
         <pc:spChg chg="mod">
-          <ac:chgData name="Sofi Fernandez" userId="5dcd86d9bf03d87f" providerId="LiveId" clId="{CEFFCF97-A6EB-42E5-A1B4-79EF91758720}" dt="2023-04-24T14:59:41.934" v="642" actId="1038"/>
+          <ac:chgData name="Sofi Fernandez" userId="5dcd86d9bf03d87f" providerId="LiveId" clId="{CEFFCF97-A6EB-42E5-A1B4-79EF91758720}" dt="2023-05-03T18:37:15.840" v="1333" actId="164"/>
           <ac:spMkLst>
             <pc:docMk/>
             <pc:sldMk cId="1857491606" sldId="258"/>
@@ -360,7 +360,7 @@
           </ac:spMkLst>
         </pc:spChg>
         <pc:spChg chg="add mod">
-          <ac:chgData name="Sofi Fernandez" userId="5dcd86d9bf03d87f" providerId="LiveId" clId="{CEFFCF97-A6EB-42E5-A1B4-79EF91758720}" dt="2023-04-24T14:58:59.381" v="616" actId="1037"/>
+          <ac:chgData name="Sofi Fernandez" userId="5dcd86d9bf03d87f" providerId="LiveId" clId="{CEFFCF97-A6EB-42E5-A1B4-79EF91758720}" dt="2023-05-03T18:37:15.840" v="1333" actId="164"/>
           <ac:spMkLst>
             <pc:docMk/>
             <pc:sldMk cId="1857491606" sldId="258"/>
@@ -368,7 +368,7 @@
           </ac:spMkLst>
         </pc:spChg>
         <pc:spChg chg="mod">
-          <ac:chgData name="Sofi Fernandez" userId="5dcd86d9bf03d87f" providerId="LiveId" clId="{CEFFCF97-A6EB-42E5-A1B4-79EF91758720}" dt="2023-04-24T14:58:59.381" v="616" actId="1037"/>
+          <ac:chgData name="Sofi Fernandez" userId="5dcd86d9bf03d87f" providerId="LiveId" clId="{CEFFCF97-A6EB-42E5-A1B4-79EF91758720}" dt="2023-05-03T18:37:15.840" v="1333" actId="164"/>
           <ac:spMkLst>
             <pc:docMk/>
             <pc:sldMk cId="1857491606" sldId="258"/>
@@ -376,7 +376,7 @@
           </ac:spMkLst>
         </pc:spChg>
         <pc:spChg chg="mod">
-          <ac:chgData name="Sofi Fernandez" userId="5dcd86d9bf03d87f" providerId="LiveId" clId="{CEFFCF97-A6EB-42E5-A1B4-79EF91758720}" dt="2023-04-24T14:58:59.381" v="616" actId="1037"/>
+          <ac:chgData name="Sofi Fernandez" userId="5dcd86d9bf03d87f" providerId="LiveId" clId="{CEFFCF97-A6EB-42E5-A1B4-79EF91758720}" dt="2023-05-03T18:37:15.840" v="1333" actId="164"/>
           <ac:spMkLst>
             <pc:docMk/>
             <pc:sldMk cId="1857491606" sldId="258"/>
@@ -389,6 +389,14 @@
             <pc:docMk/>
             <pc:sldMk cId="1857491606" sldId="258"/>
             <ac:spMk id="12" creationId="{0823D65F-6E1F-5651-3DA6-FB35D344279C}"/>
+          </ac:spMkLst>
+        </pc:spChg>
+        <pc:spChg chg="add mod">
+          <ac:chgData name="Sofi Fernandez" userId="5dcd86d9bf03d87f" providerId="LiveId" clId="{CEFFCF97-A6EB-42E5-A1B4-79EF91758720}" dt="2023-05-03T18:37:15.840" v="1333" actId="164"/>
+          <ac:spMkLst>
+            <pc:docMk/>
+            <pc:sldMk cId="1857491606" sldId="258"/>
+            <ac:spMk id="12" creationId="{1D8DE4B3-5614-EC20-7E22-4E4D9C0394BB}"/>
           </ac:spMkLst>
         </pc:spChg>
         <pc:spChg chg="del mod">
@@ -408,7 +416,7 @@
           </ac:spMkLst>
         </pc:spChg>
         <pc:spChg chg="mod">
-          <ac:chgData name="Sofi Fernandez" userId="5dcd86d9bf03d87f" providerId="LiveId" clId="{CEFFCF97-A6EB-42E5-A1B4-79EF91758720}" dt="2023-04-24T15:03:04.159" v="736" actId="20577"/>
+          <ac:chgData name="Sofi Fernandez" userId="5dcd86d9bf03d87f" providerId="LiveId" clId="{CEFFCF97-A6EB-42E5-A1B4-79EF91758720}" dt="2023-05-03T18:37:15.840" v="1333" actId="164"/>
           <ac:spMkLst>
             <pc:docMk/>
             <pc:sldMk cId="1857491606" sldId="258"/>
@@ -416,7 +424,7 @@
           </ac:spMkLst>
         </pc:spChg>
         <pc:spChg chg="mod">
-          <ac:chgData name="Sofi Fernandez" userId="5dcd86d9bf03d87f" providerId="LiveId" clId="{CEFFCF97-A6EB-42E5-A1B4-79EF91758720}" dt="2023-04-24T14:58:59.381" v="616" actId="1037"/>
+          <ac:chgData name="Sofi Fernandez" userId="5dcd86d9bf03d87f" providerId="LiveId" clId="{CEFFCF97-A6EB-42E5-A1B4-79EF91758720}" dt="2023-05-03T18:37:15.840" v="1333" actId="164"/>
           <ac:spMkLst>
             <pc:docMk/>
             <pc:sldMk cId="1857491606" sldId="258"/>
@@ -424,7 +432,7 @@
           </ac:spMkLst>
         </pc:spChg>
         <pc:spChg chg="mod">
-          <ac:chgData name="Sofi Fernandez" userId="5dcd86d9bf03d87f" providerId="LiveId" clId="{CEFFCF97-A6EB-42E5-A1B4-79EF91758720}" dt="2023-04-24T14:58:59.381" v="616" actId="1037"/>
+          <ac:chgData name="Sofi Fernandez" userId="5dcd86d9bf03d87f" providerId="LiveId" clId="{CEFFCF97-A6EB-42E5-A1B4-79EF91758720}" dt="2023-05-03T18:37:15.840" v="1333" actId="164"/>
           <ac:spMkLst>
             <pc:docMk/>
             <pc:sldMk cId="1857491606" sldId="258"/>
@@ -432,7 +440,7 @@
           </ac:spMkLst>
         </pc:spChg>
         <pc:spChg chg="mod">
-          <ac:chgData name="Sofi Fernandez" userId="5dcd86d9bf03d87f" providerId="LiveId" clId="{CEFFCF97-A6EB-42E5-A1B4-79EF91758720}" dt="2023-04-24T14:58:59.381" v="616" actId="1037"/>
+          <ac:chgData name="Sofi Fernandez" userId="5dcd86d9bf03d87f" providerId="LiveId" clId="{CEFFCF97-A6EB-42E5-A1B4-79EF91758720}" dt="2023-05-03T18:37:15.840" v="1333" actId="164"/>
           <ac:spMkLst>
             <pc:docMk/>
             <pc:sldMk cId="1857491606" sldId="258"/>
@@ -440,7 +448,7 @@
           </ac:spMkLst>
         </pc:spChg>
         <pc:spChg chg="mod">
-          <ac:chgData name="Sofi Fernandez" userId="5dcd86d9bf03d87f" providerId="LiveId" clId="{CEFFCF97-A6EB-42E5-A1B4-79EF91758720}" dt="2023-04-24T15:05:54.775" v="946" actId="20577"/>
+          <ac:chgData name="Sofi Fernandez" userId="5dcd86d9bf03d87f" providerId="LiveId" clId="{CEFFCF97-A6EB-42E5-A1B4-79EF91758720}" dt="2023-05-03T18:37:15.840" v="1333" actId="164"/>
           <ac:spMkLst>
             <pc:docMk/>
             <pc:sldMk cId="1857491606" sldId="258"/>
@@ -448,7 +456,7 @@
           </ac:spMkLst>
         </pc:spChg>
         <pc:spChg chg="add mod">
-          <ac:chgData name="Sofi Fernandez" userId="5dcd86d9bf03d87f" providerId="LiveId" clId="{CEFFCF97-A6EB-42E5-A1B4-79EF91758720}" dt="2023-04-24T15:01:00.971" v="670" actId="1037"/>
+          <ac:chgData name="Sofi Fernandez" userId="5dcd86d9bf03d87f" providerId="LiveId" clId="{CEFFCF97-A6EB-42E5-A1B4-79EF91758720}" dt="2023-05-03T18:37:15.840" v="1333" actId="164"/>
           <ac:spMkLst>
             <pc:docMk/>
             <pc:sldMk cId="1857491606" sldId="258"/>
@@ -456,7 +464,7 @@
           </ac:spMkLst>
         </pc:spChg>
         <pc:spChg chg="mod">
-          <ac:chgData name="Sofi Fernandez" userId="5dcd86d9bf03d87f" providerId="LiveId" clId="{CEFFCF97-A6EB-42E5-A1B4-79EF91758720}" dt="2023-04-24T14:58:59.381" v="616" actId="1037"/>
+          <ac:chgData name="Sofi Fernandez" userId="5dcd86d9bf03d87f" providerId="LiveId" clId="{CEFFCF97-A6EB-42E5-A1B4-79EF91758720}" dt="2023-05-03T18:37:15.840" v="1333" actId="164"/>
           <ac:spMkLst>
             <pc:docMk/>
             <pc:sldMk cId="1857491606" sldId="258"/>
@@ -464,7 +472,7 @@
           </ac:spMkLst>
         </pc:spChg>
         <pc:spChg chg="mod">
-          <ac:chgData name="Sofi Fernandez" userId="5dcd86d9bf03d87f" providerId="LiveId" clId="{CEFFCF97-A6EB-42E5-A1B4-79EF91758720}" dt="2023-04-24T14:58:59.381" v="616" actId="1037"/>
+          <ac:chgData name="Sofi Fernandez" userId="5dcd86d9bf03d87f" providerId="LiveId" clId="{CEFFCF97-A6EB-42E5-A1B4-79EF91758720}" dt="2023-05-03T18:37:15.840" v="1333" actId="164"/>
           <ac:spMkLst>
             <pc:docMk/>
             <pc:sldMk cId="1857491606" sldId="258"/>
@@ -472,7 +480,7 @@
           </ac:spMkLst>
         </pc:spChg>
         <pc:spChg chg="mod">
-          <ac:chgData name="Sofi Fernandez" userId="5dcd86d9bf03d87f" providerId="LiveId" clId="{CEFFCF97-A6EB-42E5-A1B4-79EF91758720}" dt="2023-04-24T14:59:41.934" v="642" actId="1038"/>
+          <ac:chgData name="Sofi Fernandez" userId="5dcd86d9bf03d87f" providerId="LiveId" clId="{CEFFCF97-A6EB-42E5-A1B4-79EF91758720}" dt="2023-05-03T18:37:15.840" v="1333" actId="164"/>
           <ac:spMkLst>
             <pc:docMk/>
             <pc:sldMk cId="1857491606" sldId="258"/>
@@ -480,7 +488,7 @@
           </ac:spMkLst>
         </pc:spChg>
         <pc:spChg chg="mod">
-          <ac:chgData name="Sofi Fernandez" userId="5dcd86d9bf03d87f" providerId="LiveId" clId="{CEFFCF97-A6EB-42E5-A1B4-79EF91758720}" dt="2023-04-24T14:58:59.381" v="616" actId="1037"/>
+          <ac:chgData name="Sofi Fernandez" userId="5dcd86d9bf03d87f" providerId="LiveId" clId="{CEFFCF97-A6EB-42E5-A1B4-79EF91758720}" dt="2023-05-03T18:37:15.840" v="1333" actId="164"/>
           <ac:spMkLst>
             <pc:docMk/>
             <pc:sldMk cId="1857491606" sldId="258"/>
@@ -488,7 +496,7 @@
           </ac:spMkLst>
         </pc:spChg>
         <pc:spChg chg="mod">
-          <ac:chgData name="Sofi Fernandez" userId="5dcd86d9bf03d87f" providerId="LiveId" clId="{CEFFCF97-A6EB-42E5-A1B4-79EF91758720}" dt="2023-04-24T15:01:08.816" v="673" actId="1076"/>
+          <ac:chgData name="Sofi Fernandez" userId="5dcd86d9bf03d87f" providerId="LiveId" clId="{CEFFCF97-A6EB-42E5-A1B4-79EF91758720}" dt="2023-05-03T18:37:15.840" v="1333" actId="164"/>
           <ac:spMkLst>
             <pc:docMk/>
             <pc:sldMk cId="1857491606" sldId="258"/>
@@ -512,7 +520,7 @@
           </ac:spMkLst>
         </pc:spChg>
         <pc:spChg chg="add mod">
-          <ac:chgData name="Sofi Fernandez" userId="5dcd86d9bf03d87f" providerId="LiveId" clId="{CEFFCF97-A6EB-42E5-A1B4-79EF91758720}" dt="2023-04-24T14:58:59.381" v="616" actId="1037"/>
+          <ac:chgData name="Sofi Fernandez" userId="5dcd86d9bf03d87f" providerId="LiveId" clId="{CEFFCF97-A6EB-42E5-A1B4-79EF91758720}" dt="2023-05-03T18:37:15.840" v="1333" actId="164"/>
           <ac:spMkLst>
             <pc:docMk/>
             <pc:sldMk cId="1857491606" sldId="258"/>
@@ -520,7 +528,7 @@
           </ac:spMkLst>
         </pc:spChg>
         <pc:spChg chg="mod">
-          <ac:chgData name="Sofi Fernandez" userId="5dcd86d9bf03d87f" providerId="LiveId" clId="{CEFFCF97-A6EB-42E5-A1B4-79EF91758720}" dt="2023-04-24T14:58:59.381" v="616" actId="1037"/>
+          <ac:chgData name="Sofi Fernandez" userId="5dcd86d9bf03d87f" providerId="LiveId" clId="{CEFFCF97-A6EB-42E5-A1B4-79EF91758720}" dt="2023-05-03T18:37:15.840" v="1333" actId="164"/>
           <ac:spMkLst>
             <pc:docMk/>
             <pc:sldMk cId="1857491606" sldId="258"/>
@@ -528,7 +536,7 @@
           </ac:spMkLst>
         </pc:spChg>
         <pc:spChg chg="mod">
-          <ac:chgData name="Sofi Fernandez" userId="5dcd86d9bf03d87f" providerId="LiveId" clId="{CEFFCF97-A6EB-42E5-A1B4-79EF91758720}" dt="2023-04-24T14:58:59.381" v="616" actId="1037"/>
+          <ac:chgData name="Sofi Fernandez" userId="5dcd86d9bf03d87f" providerId="LiveId" clId="{CEFFCF97-A6EB-42E5-A1B4-79EF91758720}" dt="2023-05-03T18:37:15.840" v="1333" actId="164"/>
           <ac:spMkLst>
             <pc:docMk/>
             <pc:sldMk cId="1857491606" sldId="258"/>
@@ -536,7 +544,7 @@
           </ac:spMkLst>
         </pc:spChg>
         <pc:spChg chg="mod">
-          <ac:chgData name="Sofi Fernandez" userId="5dcd86d9bf03d87f" providerId="LiveId" clId="{CEFFCF97-A6EB-42E5-A1B4-79EF91758720}" dt="2023-04-24T14:58:59.381" v="616" actId="1037"/>
+          <ac:chgData name="Sofi Fernandez" userId="5dcd86d9bf03d87f" providerId="LiveId" clId="{CEFFCF97-A6EB-42E5-A1B4-79EF91758720}" dt="2023-05-03T18:37:15.840" v="1333" actId="164"/>
           <ac:spMkLst>
             <pc:docMk/>
             <pc:sldMk cId="1857491606" sldId="258"/>
@@ -544,7 +552,7 @@
           </ac:spMkLst>
         </pc:spChg>
         <pc:spChg chg="mod">
-          <ac:chgData name="Sofi Fernandez" userId="5dcd86d9bf03d87f" providerId="LiveId" clId="{CEFFCF97-A6EB-42E5-A1B4-79EF91758720}" dt="2023-04-24T14:58:59.381" v="616" actId="1037"/>
+          <ac:chgData name="Sofi Fernandez" userId="5dcd86d9bf03d87f" providerId="LiveId" clId="{CEFFCF97-A6EB-42E5-A1B4-79EF91758720}" dt="2023-05-03T18:37:15.840" v="1333" actId="164"/>
           <ac:spMkLst>
             <pc:docMk/>
             <pc:sldMk cId="1857491606" sldId="258"/>
@@ -552,7 +560,7 @@
           </ac:spMkLst>
         </pc:spChg>
         <pc:spChg chg="mod">
-          <ac:chgData name="Sofi Fernandez" userId="5dcd86d9bf03d87f" providerId="LiveId" clId="{CEFFCF97-A6EB-42E5-A1B4-79EF91758720}" dt="2023-04-24T15:03:33.219" v="748" actId="20577"/>
+          <ac:chgData name="Sofi Fernandez" userId="5dcd86d9bf03d87f" providerId="LiveId" clId="{CEFFCF97-A6EB-42E5-A1B4-79EF91758720}" dt="2023-05-03T18:37:15.840" v="1333" actId="164"/>
           <ac:spMkLst>
             <pc:docMk/>
             <pc:sldMk cId="1857491606" sldId="258"/>
@@ -560,7 +568,7 @@
           </ac:spMkLst>
         </pc:spChg>
         <pc:spChg chg="add mod">
-          <ac:chgData name="Sofi Fernandez" userId="5dcd86d9bf03d87f" providerId="LiveId" clId="{CEFFCF97-A6EB-42E5-A1B4-79EF91758720}" dt="2023-04-24T14:59:41.934" v="642" actId="1038"/>
+          <ac:chgData name="Sofi Fernandez" userId="5dcd86d9bf03d87f" providerId="LiveId" clId="{CEFFCF97-A6EB-42E5-A1B4-79EF91758720}" dt="2023-05-03T18:37:15.840" v="1333" actId="164"/>
           <ac:spMkLst>
             <pc:docMk/>
             <pc:sldMk cId="1857491606" sldId="258"/>
@@ -592,7 +600,7 @@
           </ac:spMkLst>
         </pc:spChg>
         <pc:spChg chg="add mod">
-          <ac:chgData name="Sofi Fernandez" userId="5dcd86d9bf03d87f" providerId="LiveId" clId="{CEFFCF97-A6EB-42E5-A1B4-79EF91758720}" dt="2023-04-24T14:59:41.934" v="642" actId="1038"/>
+          <ac:chgData name="Sofi Fernandez" userId="5dcd86d9bf03d87f" providerId="LiveId" clId="{CEFFCF97-A6EB-42E5-A1B4-79EF91758720}" dt="2023-05-03T18:37:15.840" v="1333" actId="164"/>
           <ac:spMkLst>
             <pc:docMk/>
             <pc:sldMk cId="1857491606" sldId="258"/>
@@ -600,7 +608,7 @@
           </ac:spMkLst>
         </pc:spChg>
         <pc:spChg chg="add mod">
-          <ac:chgData name="Sofi Fernandez" userId="5dcd86d9bf03d87f" providerId="LiveId" clId="{CEFFCF97-A6EB-42E5-A1B4-79EF91758720}" dt="2023-04-24T14:59:41.934" v="642" actId="1038"/>
+          <ac:chgData name="Sofi Fernandez" userId="5dcd86d9bf03d87f" providerId="LiveId" clId="{CEFFCF97-A6EB-42E5-A1B4-79EF91758720}" dt="2023-05-03T18:37:15.840" v="1333" actId="164"/>
           <ac:spMkLst>
             <pc:docMk/>
             <pc:sldMk cId="1857491606" sldId="258"/>
@@ -608,7 +616,7 @@
           </ac:spMkLst>
         </pc:spChg>
         <pc:spChg chg="add mod">
-          <ac:chgData name="Sofi Fernandez" userId="5dcd86d9bf03d87f" providerId="LiveId" clId="{CEFFCF97-A6EB-42E5-A1B4-79EF91758720}" dt="2023-04-24T14:58:59.381" v="616" actId="1037"/>
+          <ac:chgData name="Sofi Fernandez" userId="5dcd86d9bf03d87f" providerId="LiveId" clId="{CEFFCF97-A6EB-42E5-A1B4-79EF91758720}" dt="2023-05-03T18:37:15.840" v="1333" actId="164"/>
           <ac:spMkLst>
             <pc:docMk/>
             <pc:sldMk cId="1857491606" sldId="258"/>
@@ -624,7 +632,7 @@
           </ac:spMkLst>
         </pc:spChg>
         <pc:spChg chg="add mod">
-          <ac:chgData name="Sofi Fernandez" userId="5dcd86d9bf03d87f" providerId="LiveId" clId="{CEFFCF97-A6EB-42E5-A1B4-79EF91758720}" dt="2023-04-24T14:58:59.381" v="616" actId="1037"/>
+          <ac:chgData name="Sofi Fernandez" userId="5dcd86d9bf03d87f" providerId="LiveId" clId="{CEFFCF97-A6EB-42E5-A1B4-79EF91758720}" dt="2023-05-03T18:37:15.840" v="1333" actId="164"/>
           <ac:spMkLst>
             <pc:docMk/>
             <pc:sldMk cId="1857491606" sldId="258"/>
@@ -632,7 +640,7 @@
           </ac:spMkLst>
         </pc:spChg>
         <pc:spChg chg="add mod">
-          <ac:chgData name="Sofi Fernandez" userId="5dcd86d9bf03d87f" providerId="LiveId" clId="{CEFFCF97-A6EB-42E5-A1B4-79EF91758720}" dt="2023-04-24T14:58:59.381" v="616" actId="1037"/>
+          <ac:chgData name="Sofi Fernandez" userId="5dcd86d9bf03d87f" providerId="LiveId" clId="{CEFFCF97-A6EB-42E5-A1B4-79EF91758720}" dt="2023-05-03T18:37:15.840" v="1333" actId="164"/>
           <ac:spMkLst>
             <pc:docMk/>
             <pc:sldMk cId="1857491606" sldId="258"/>
@@ -640,7 +648,7 @@
           </ac:spMkLst>
         </pc:spChg>
         <pc:spChg chg="add mod">
-          <ac:chgData name="Sofi Fernandez" userId="5dcd86d9bf03d87f" providerId="LiveId" clId="{CEFFCF97-A6EB-42E5-A1B4-79EF91758720}" dt="2023-04-24T14:58:59.381" v="616" actId="1037"/>
+          <ac:chgData name="Sofi Fernandez" userId="5dcd86d9bf03d87f" providerId="LiveId" clId="{CEFFCF97-A6EB-42E5-A1B4-79EF91758720}" dt="2023-05-03T18:37:15.840" v="1333" actId="164"/>
           <ac:spMkLst>
             <pc:docMk/>
             <pc:sldMk cId="1857491606" sldId="258"/>
@@ -648,7 +656,7 @@
           </ac:spMkLst>
         </pc:spChg>
         <pc:spChg chg="add mod">
-          <ac:chgData name="Sofi Fernandez" userId="5dcd86d9bf03d87f" providerId="LiveId" clId="{CEFFCF97-A6EB-42E5-A1B4-79EF91758720}" dt="2023-04-24T14:58:59.381" v="616" actId="1037"/>
+          <ac:chgData name="Sofi Fernandez" userId="5dcd86d9bf03d87f" providerId="LiveId" clId="{CEFFCF97-A6EB-42E5-A1B4-79EF91758720}" dt="2023-05-03T18:37:15.840" v="1333" actId="164"/>
           <ac:spMkLst>
             <pc:docMk/>
             <pc:sldMk cId="1857491606" sldId="258"/>
@@ -656,7 +664,7 @@
           </ac:spMkLst>
         </pc:spChg>
         <pc:spChg chg="add mod">
-          <ac:chgData name="Sofi Fernandez" userId="5dcd86d9bf03d87f" providerId="LiveId" clId="{CEFFCF97-A6EB-42E5-A1B4-79EF91758720}" dt="2023-04-24T15:01:53.377" v="678" actId="1076"/>
+          <ac:chgData name="Sofi Fernandez" userId="5dcd86d9bf03d87f" providerId="LiveId" clId="{CEFFCF97-A6EB-42E5-A1B4-79EF91758720}" dt="2023-05-03T18:37:15.840" v="1333" actId="164"/>
           <ac:spMkLst>
             <pc:docMk/>
             <pc:sldMk cId="1857491606" sldId="258"/>
@@ -672,7 +680,7 @@
           </ac:spMkLst>
         </pc:spChg>
         <pc:spChg chg="add mod">
-          <ac:chgData name="Sofi Fernandez" userId="5dcd86d9bf03d87f" providerId="LiveId" clId="{CEFFCF97-A6EB-42E5-A1B4-79EF91758720}" dt="2023-04-24T15:01:59.624" v="681" actId="1076"/>
+          <ac:chgData name="Sofi Fernandez" userId="5dcd86d9bf03d87f" providerId="LiveId" clId="{CEFFCF97-A6EB-42E5-A1B4-79EF91758720}" dt="2023-05-03T18:37:15.840" v="1333" actId="164"/>
           <ac:spMkLst>
             <pc:docMk/>
             <pc:sldMk cId="1857491606" sldId="258"/>
@@ -680,7 +688,7 @@
           </ac:spMkLst>
         </pc:spChg>
         <pc:spChg chg="add mod">
-          <ac:chgData name="Sofi Fernandez" userId="5dcd86d9bf03d87f" providerId="LiveId" clId="{CEFFCF97-A6EB-42E5-A1B4-79EF91758720}" dt="2023-04-24T15:02:03.695" v="682" actId="1076"/>
+          <ac:chgData name="Sofi Fernandez" userId="5dcd86d9bf03d87f" providerId="LiveId" clId="{CEFFCF97-A6EB-42E5-A1B4-79EF91758720}" dt="2023-05-03T18:37:15.840" v="1333" actId="164"/>
           <ac:spMkLst>
             <pc:docMk/>
             <pc:sldMk cId="1857491606" sldId="258"/>
@@ -688,7 +696,7 @@
           </ac:spMkLst>
         </pc:spChg>
         <pc:spChg chg="add mod">
-          <ac:chgData name="Sofi Fernandez" userId="5dcd86d9bf03d87f" providerId="LiveId" clId="{CEFFCF97-A6EB-42E5-A1B4-79EF91758720}" dt="2023-04-24T15:01:39.715" v="676" actId="404"/>
+          <ac:chgData name="Sofi Fernandez" userId="5dcd86d9bf03d87f" providerId="LiveId" clId="{CEFFCF97-A6EB-42E5-A1B4-79EF91758720}" dt="2023-05-03T18:37:15.840" v="1333" actId="164"/>
           <ac:spMkLst>
             <pc:docMk/>
             <pc:sldMk cId="1857491606" sldId="258"/>
@@ -712,7 +720,7 @@
           </ac:spMkLst>
         </pc:spChg>
         <pc:spChg chg="add mod">
-          <ac:chgData name="Sofi Fernandez" userId="5dcd86d9bf03d87f" providerId="LiveId" clId="{CEFFCF97-A6EB-42E5-A1B4-79EF91758720}" dt="2023-04-24T15:04:50.603" v="908" actId="1076"/>
+          <ac:chgData name="Sofi Fernandez" userId="5dcd86d9bf03d87f" providerId="LiveId" clId="{CEFFCF97-A6EB-42E5-A1B4-79EF91758720}" dt="2023-05-03T18:37:15.840" v="1333" actId="164"/>
           <ac:spMkLst>
             <pc:docMk/>
             <pc:sldMk cId="1857491606" sldId="258"/>
@@ -720,7 +728,7 @@
           </ac:spMkLst>
         </pc:spChg>
         <pc:spChg chg="add mod">
-          <ac:chgData name="Sofi Fernandez" userId="5dcd86d9bf03d87f" providerId="LiveId" clId="{CEFFCF97-A6EB-42E5-A1B4-79EF91758720}" dt="2023-04-24T15:04:55.985" v="910" actId="1076"/>
+          <ac:chgData name="Sofi Fernandez" userId="5dcd86d9bf03d87f" providerId="LiveId" clId="{CEFFCF97-A6EB-42E5-A1B4-79EF91758720}" dt="2023-05-03T18:37:15.840" v="1333" actId="164"/>
           <ac:spMkLst>
             <pc:docMk/>
             <pc:sldMk cId="1857491606" sldId="258"/>
@@ -728,7 +736,7 @@
           </ac:spMkLst>
         </pc:spChg>
         <pc:spChg chg="add mod">
-          <ac:chgData name="Sofi Fernandez" userId="5dcd86d9bf03d87f" providerId="LiveId" clId="{CEFFCF97-A6EB-42E5-A1B4-79EF91758720}" dt="2023-04-24T15:05:28.352" v="941" actId="1076"/>
+          <ac:chgData name="Sofi Fernandez" userId="5dcd86d9bf03d87f" providerId="LiveId" clId="{CEFFCF97-A6EB-42E5-A1B4-79EF91758720}" dt="2023-05-03T18:37:15.840" v="1333" actId="164"/>
           <ac:spMkLst>
             <pc:docMk/>
             <pc:sldMk cId="1857491606" sldId="258"/>
@@ -736,7 +744,7 @@
           </ac:spMkLst>
         </pc:spChg>
         <pc:spChg chg="add mod">
-          <ac:chgData name="Sofi Fernandez" userId="5dcd86d9bf03d87f" providerId="LiveId" clId="{CEFFCF97-A6EB-42E5-A1B4-79EF91758720}" dt="2023-04-24T15:05:33.699" v="943" actId="1076"/>
+          <ac:chgData name="Sofi Fernandez" userId="5dcd86d9bf03d87f" providerId="LiveId" clId="{CEFFCF97-A6EB-42E5-A1B4-79EF91758720}" dt="2023-05-03T18:37:15.840" v="1333" actId="164"/>
           <ac:spMkLst>
             <pc:docMk/>
             <pc:sldMk cId="1857491606" sldId="258"/>
@@ -744,15 +752,23 @@
           </ac:spMkLst>
         </pc:spChg>
         <pc:spChg chg="add mod">
-          <ac:chgData name="Sofi Fernandez" userId="5dcd86d9bf03d87f" providerId="LiveId" clId="{CEFFCF97-A6EB-42E5-A1B4-79EF91758720}" dt="2023-04-24T15:05:38.619" v="945" actId="1076"/>
+          <ac:chgData name="Sofi Fernandez" userId="5dcd86d9bf03d87f" providerId="LiveId" clId="{CEFFCF97-A6EB-42E5-A1B4-79EF91758720}" dt="2023-05-03T18:37:15.840" v="1333" actId="164"/>
           <ac:spMkLst>
             <pc:docMk/>
             <pc:sldMk cId="1857491606" sldId="258"/>
             <ac:spMk id="61" creationId="{79CF027D-F1B8-C04C-AE91-55BA2FD0D55F}"/>
           </ac:spMkLst>
         </pc:spChg>
+        <pc:grpChg chg="add mod">
+          <ac:chgData name="Sofi Fernandez" userId="5dcd86d9bf03d87f" providerId="LiveId" clId="{CEFFCF97-A6EB-42E5-A1B4-79EF91758720}" dt="2023-05-03T18:37:15.840" v="1333" actId="164"/>
+          <ac:grpSpMkLst>
+            <pc:docMk/>
+            <pc:sldMk cId="1857491606" sldId="258"/>
+            <ac:grpSpMk id="13" creationId="{D9F1A4B9-EFB6-64D6-885A-6FC5FB5EBEDA}"/>
+          </ac:grpSpMkLst>
+        </pc:grpChg>
         <pc:cxnChg chg="mod">
-          <ac:chgData name="Sofi Fernandez" userId="5dcd86d9bf03d87f" providerId="LiveId" clId="{CEFFCF97-A6EB-42E5-A1B4-79EF91758720}" dt="2023-04-24T14:58:59.381" v="616" actId="1037"/>
+          <ac:chgData name="Sofi Fernandez" userId="5dcd86d9bf03d87f" providerId="LiveId" clId="{CEFFCF97-A6EB-42E5-A1B4-79EF91758720}" dt="2023-05-03T18:37:15.840" v="1333" actId="164"/>
           <ac:cxnSpMkLst>
             <pc:docMk/>
             <pc:sldMk cId="1857491606" sldId="258"/>
@@ -760,7 +776,7 @@
           </ac:cxnSpMkLst>
         </pc:cxnChg>
         <pc:cxnChg chg="mod">
-          <ac:chgData name="Sofi Fernandez" userId="5dcd86d9bf03d87f" providerId="LiveId" clId="{CEFFCF97-A6EB-42E5-A1B4-79EF91758720}" dt="2023-04-24T14:58:59.381" v="616" actId="1037"/>
+          <ac:chgData name="Sofi Fernandez" userId="5dcd86d9bf03d87f" providerId="LiveId" clId="{CEFFCF97-A6EB-42E5-A1B4-79EF91758720}" dt="2023-05-03T18:37:15.840" v="1333" actId="164"/>
           <ac:cxnSpMkLst>
             <pc:docMk/>
             <pc:sldMk cId="1857491606" sldId="258"/>
@@ -922,7 +938,7 @@
           <a:p>
             <a:fld id="{231E479A-090E-4E0E-A87B-A2D1A9833DF2}" type="datetimeFigureOut">
               <a:rPr lang="es-UY" smtClean="0"/>
-              <a:t>3/5/2023</a:t>
+              <a:t>3 May. 2023</a:t>
             </a:fld>
             <a:endParaRPr lang="es-UY"/>
           </a:p>
@@ -1122,7 +1138,7 @@
           <a:p>
             <a:fld id="{231E479A-090E-4E0E-A87B-A2D1A9833DF2}" type="datetimeFigureOut">
               <a:rPr lang="es-UY" smtClean="0"/>
-              <a:t>3/5/2023</a:t>
+              <a:t>3 May. 2023</a:t>
             </a:fld>
             <a:endParaRPr lang="es-UY"/>
           </a:p>
@@ -1332,7 +1348,7 @@
           <a:p>
             <a:fld id="{231E479A-090E-4E0E-A87B-A2D1A9833DF2}" type="datetimeFigureOut">
               <a:rPr lang="es-UY" smtClean="0"/>
-              <a:t>3/5/2023</a:t>
+              <a:t>3 May. 2023</a:t>
             </a:fld>
             <a:endParaRPr lang="es-UY"/>
           </a:p>
@@ -1532,7 +1548,7 @@
           <a:p>
             <a:fld id="{231E479A-090E-4E0E-A87B-A2D1A9833DF2}" type="datetimeFigureOut">
               <a:rPr lang="es-UY" smtClean="0"/>
-              <a:t>3/5/2023</a:t>
+              <a:t>3 May. 2023</a:t>
             </a:fld>
             <a:endParaRPr lang="es-UY"/>
           </a:p>
@@ -1808,7 +1824,7 @@
           <a:p>
             <a:fld id="{231E479A-090E-4E0E-A87B-A2D1A9833DF2}" type="datetimeFigureOut">
               <a:rPr lang="es-UY" smtClean="0"/>
-              <a:t>3/5/2023</a:t>
+              <a:t>3 May. 2023</a:t>
             </a:fld>
             <a:endParaRPr lang="es-UY"/>
           </a:p>
@@ -2076,7 +2092,7 @@
           <a:p>
             <a:fld id="{231E479A-090E-4E0E-A87B-A2D1A9833DF2}" type="datetimeFigureOut">
               <a:rPr lang="es-UY" smtClean="0"/>
-              <a:t>3/5/2023</a:t>
+              <a:t>3 May. 2023</a:t>
             </a:fld>
             <a:endParaRPr lang="es-UY"/>
           </a:p>
@@ -2491,7 +2507,7 @@
           <a:p>
             <a:fld id="{231E479A-090E-4E0E-A87B-A2D1A9833DF2}" type="datetimeFigureOut">
               <a:rPr lang="es-UY" smtClean="0"/>
-              <a:t>3/5/2023</a:t>
+              <a:t>3 May. 2023</a:t>
             </a:fld>
             <a:endParaRPr lang="es-UY"/>
           </a:p>
@@ -2633,7 +2649,7 @@
           <a:p>
             <a:fld id="{231E479A-090E-4E0E-A87B-A2D1A9833DF2}" type="datetimeFigureOut">
               <a:rPr lang="es-UY" smtClean="0"/>
-              <a:t>3/5/2023</a:t>
+              <a:t>3 May. 2023</a:t>
             </a:fld>
             <a:endParaRPr lang="es-UY"/>
           </a:p>
@@ -2746,7 +2762,7 @@
           <a:p>
             <a:fld id="{231E479A-090E-4E0E-A87B-A2D1A9833DF2}" type="datetimeFigureOut">
               <a:rPr lang="es-UY" smtClean="0"/>
-              <a:t>3/5/2023</a:t>
+              <a:t>3 May. 2023</a:t>
             </a:fld>
             <a:endParaRPr lang="es-UY"/>
           </a:p>
@@ -3059,7 +3075,7 @@
           <a:p>
             <a:fld id="{231E479A-090E-4E0E-A87B-A2D1A9833DF2}" type="datetimeFigureOut">
               <a:rPr lang="es-UY" smtClean="0"/>
-              <a:t>3/5/2023</a:t>
+              <a:t>3 May. 2023</a:t>
             </a:fld>
             <a:endParaRPr lang="es-UY"/>
           </a:p>
@@ -3348,7 +3364,7 @@
           <a:p>
             <a:fld id="{231E479A-090E-4E0E-A87B-A2D1A9833DF2}" type="datetimeFigureOut">
               <a:rPr lang="es-UY" smtClean="0"/>
-              <a:t>3/5/2023</a:t>
+              <a:t>3 May. 2023</a:t>
             </a:fld>
             <a:endParaRPr lang="es-UY"/>
           </a:p>
@@ -3591,7 +3607,7 @@
           <a:p>
             <a:fld id="{231E479A-090E-4E0E-A87B-A2D1A9833DF2}" type="datetimeFigureOut">
               <a:rPr lang="es-UY" smtClean="0"/>
-              <a:t>3/5/2023</a:t>
+              <a:t>3 May. 2023</a:t>
             </a:fld>
             <a:endParaRPr lang="es-UY"/>
           </a:p>
@@ -5553,2417 +5569,2464 @@
           <a:chExt cx="0" cy="0"/>
         </a:xfrm>
       </p:grpSpPr>
-      <p:sp>
-        <p:nvSpPr>
-          <p:cNvPr id="3" name="Rectángulo: esquinas redondeadas 2">
-            <a:extLst>
-              <a:ext uri="{FF2B5EF4-FFF2-40B4-BE49-F238E27FC236}">
-                <a16:creationId xmlns:a16="http://schemas.microsoft.com/office/drawing/2014/main" id="{95911338-262D-7B49-33B7-AE2E84EDCA3E}"/>
-              </a:ext>
-            </a:extLst>
-          </p:cNvPr>
-          <p:cNvSpPr/>
+      <p:grpSp>
+        <p:nvGrpSpPr>
+          <p:cNvPr id="13" name="Grupo 12">
+            <a:extLst>
+              <a:ext uri="{FF2B5EF4-FFF2-40B4-BE49-F238E27FC236}">
+                <a16:creationId xmlns:a16="http://schemas.microsoft.com/office/drawing/2014/main" id="{D9F1A4B9-EFB6-64D6-885A-6FC5FB5EBEDA}"/>
+              </a:ext>
+            </a:extLst>
+          </p:cNvPr>
+          <p:cNvGrpSpPr/>
           <p:nvPr/>
-        </p:nvSpPr>
-        <p:spPr>
+        </p:nvGrpSpPr>
+        <p:grpSpPr>
           <a:xfrm>
-            <a:off x="55199" y="34934"/>
-            <a:ext cx="12081602" cy="3158536"/>
+            <a:off x="55199" y="104633"/>
+            <a:ext cx="12177743" cy="5659110"/>
+            <a:chOff x="55199" y="104633"/>
+            <a:chExt cx="12177743" cy="5659110"/>
           </a:xfrm>
-          <a:prstGeom prst="roundRect">
-            <a:avLst>
-              <a:gd name="adj" fmla="val 6565"/>
-            </a:avLst>
-          </a:prstGeom>
-          <a:solidFill>
-            <a:schemeClr val="bg1">
-              <a:lumMod val="85000"/>
-            </a:schemeClr>
-          </a:solidFill>
-          <a:ln>
+        </p:grpSpPr>
+        <p:sp>
+          <p:nvSpPr>
+            <p:cNvPr id="3" name="Rectángulo: esquinas redondeadas 2">
+              <a:extLst>
+                <a:ext uri="{FF2B5EF4-FFF2-40B4-BE49-F238E27FC236}">
+                  <a16:creationId xmlns:a16="http://schemas.microsoft.com/office/drawing/2014/main" id="{95911338-262D-7B49-33B7-AE2E84EDCA3E}"/>
+                </a:ext>
+              </a:extLst>
+            </p:cNvPr>
+            <p:cNvSpPr/>
+            <p:nvPr/>
+          </p:nvSpPr>
+          <p:spPr>
+            <a:xfrm>
+              <a:off x="55199" y="104633"/>
+              <a:ext cx="12081602" cy="3411837"/>
+            </a:xfrm>
+            <a:prstGeom prst="roundRect">
+              <a:avLst>
+                <a:gd name="adj" fmla="val 6565"/>
+              </a:avLst>
+            </a:prstGeom>
+            <a:solidFill>
+              <a:schemeClr val="bg1">
+                <a:lumMod val="85000"/>
+              </a:schemeClr>
+            </a:solidFill>
+            <a:ln>
+              <a:noFill/>
+            </a:ln>
+          </p:spPr>
+          <p:style>
+            <a:lnRef idx="2">
+              <a:schemeClr val="accent1">
+                <a:shade val="50000"/>
+              </a:schemeClr>
+            </a:lnRef>
+            <a:fillRef idx="1">
+              <a:schemeClr val="accent1"/>
+            </a:fillRef>
+            <a:effectRef idx="0">
+              <a:schemeClr val="accent1"/>
+            </a:effectRef>
+            <a:fontRef idx="minor">
+              <a:schemeClr val="lt1"/>
+            </a:fontRef>
+          </p:style>
+          <p:txBody>
+            <a:bodyPr rtlCol="0" anchor="ctr"/>
+            <a:lstStyle/>
+            <a:p>
+              <a:pPr algn="ctr"/>
+              <a:endParaRPr lang="es-UY" dirty="0"/>
+            </a:p>
+          </p:txBody>
+        </p:sp>
+        <p:sp>
+          <p:nvSpPr>
+            <p:cNvPr id="4" name="Rectángulo 3">
+              <a:extLst>
+                <a:ext uri="{FF2B5EF4-FFF2-40B4-BE49-F238E27FC236}">
+                  <a16:creationId xmlns:a16="http://schemas.microsoft.com/office/drawing/2014/main" id="{8E20DFBD-0FDC-CFBE-D1FF-6F795AE7A329}"/>
+                </a:ext>
+              </a:extLst>
+            </p:cNvPr>
+            <p:cNvSpPr/>
+            <p:nvPr/>
+          </p:nvSpPr>
+          <p:spPr>
+            <a:xfrm>
+              <a:off x="589131" y="1098661"/>
+              <a:ext cx="1812875" cy="757661"/>
+            </a:xfrm>
+            <a:prstGeom prst="rect">
+              <a:avLst/>
+            </a:prstGeom>
+            <a:solidFill>
+              <a:schemeClr val="accent1">
+                <a:lumMod val="60000"/>
+                <a:lumOff val="40000"/>
+              </a:schemeClr>
+            </a:solidFill>
+          </p:spPr>
+          <p:style>
+            <a:lnRef idx="2">
+              <a:schemeClr val="accent1">
+                <a:shade val="50000"/>
+              </a:schemeClr>
+            </a:lnRef>
+            <a:fillRef idx="1">
+              <a:schemeClr val="accent1"/>
+            </a:fillRef>
+            <a:effectRef idx="0">
+              <a:schemeClr val="accent1"/>
+            </a:effectRef>
+            <a:fontRef idx="minor">
+              <a:schemeClr val="lt1"/>
+            </a:fontRef>
+          </p:style>
+          <p:txBody>
+            <a:bodyPr rtlCol="0" anchor="ctr"/>
+            <a:lstStyle/>
+            <a:p>
+              <a:pPr algn="ctr"/>
+              <a:endParaRPr lang="es-UY"/>
+            </a:p>
+          </p:txBody>
+        </p:sp>
+        <p:sp>
+          <p:nvSpPr>
+            <p:cNvPr id="5" name="CuadroTexto 4">
+              <a:extLst>
+                <a:ext uri="{FF2B5EF4-FFF2-40B4-BE49-F238E27FC236}">
+                  <a16:creationId xmlns:a16="http://schemas.microsoft.com/office/drawing/2014/main" id="{45F51AFA-473D-FCCF-98D8-C1D95D16F69F}"/>
+                </a:ext>
+              </a:extLst>
+            </p:cNvPr>
+            <p:cNvSpPr txBox="1"/>
+            <p:nvPr/>
+          </p:nvSpPr>
+          <p:spPr>
+            <a:xfrm flipH="1">
+              <a:off x="281203" y="264488"/>
+              <a:ext cx="2850482" cy="646331"/>
+            </a:xfrm>
+            <a:prstGeom prst="rect">
+              <a:avLst/>
+            </a:prstGeom>
             <a:noFill/>
-          </a:ln>
-        </p:spPr>
-        <p:style>
-          <a:lnRef idx="2">
-            <a:schemeClr val="accent1">
-              <a:shade val="50000"/>
-            </a:schemeClr>
-          </a:lnRef>
-          <a:fillRef idx="1">
-            <a:schemeClr val="accent1"/>
-          </a:fillRef>
-          <a:effectRef idx="0">
-            <a:schemeClr val="accent1"/>
-          </a:effectRef>
-          <a:fontRef idx="minor">
-            <a:schemeClr val="lt1"/>
-          </a:fontRef>
-        </p:style>
-        <p:txBody>
-          <a:bodyPr rtlCol="0" anchor="ctr"/>
-          <a:lstStyle/>
-          <a:p>
-            <a:pPr algn="ctr"/>
-            <a:endParaRPr lang="es-UY"/>
-          </a:p>
-        </p:txBody>
-      </p:sp>
-      <p:sp>
-        <p:nvSpPr>
-          <p:cNvPr id="4" name="Rectángulo 3">
-            <a:extLst>
-              <a:ext uri="{FF2B5EF4-FFF2-40B4-BE49-F238E27FC236}">
-                <a16:creationId xmlns:a16="http://schemas.microsoft.com/office/drawing/2014/main" id="{8E20DFBD-0FDC-CFBE-D1FF-6F795AE7A329}"/>
-              </a:ext>
-            </a:extLst>
-          </p:cNvPr>
-          <p:cNvSpPr/>
-          <p:nvPr/>
-        </p:nvSpPr>
-        <p:spPr>
-          <a:xfrm>
-            <a:off x="589131" y="634632"/>
-            <a:ext cx="1392055" cy="688157"/>
-          </a:xfrm>
-          <a:prstGeom prst="rect">
-            <a:avLst/>
-          </a:prstGeom>
-          <a:solidFill>
-            <a:schemeClr val="accent1">
-              <a:lumMod val="60000"/>
-              <a:lumOff val="40000"/>
-            </a:schemeClr>
-          </a:solidFill>
-        </p:spPr>
-        <p:style>
-          <a:lnRef idx="2">
-            <a:schemeClr val="accent1">
-              <a:shade val="50000"/>
-            </a:schemeClr>
-          </a:lnRef>
-          <a:fillRef idx="1">
-            <a:schemeClr val="accent1"/>
-          </a:fillRef>
-          <a:effectRef idx="0">
-            <a:schemeClr val="accent1"/>
-          </a:effectRef>
-          <a:fontRef idx="minor">
-            <a:schemeClr val="lt1"/>
-          </a:fontRef>
-        </p:style>
-        <p:txBody>
-          <a:bodyPr rtlCol="0" anchor="ctr"/>
-          <a:lstStyle/>
-          <a:p>
-            <a:pPr algn="ctr"/>
-            <a:endParaRPr lang="es-UY"/>
-          </a:p>
-        </p:txBody>
-      </p:sp>
-      <p:sp>
-        <p:nvSpPr>
-          <p:cNvPr id="5" name="CuadroTexto 4">
-            <a:extLst>
-              <a:ext uri="{FF2B5EF4-FFF2-40B4-BE49-F238E27FC236}">
-                <a16:creationId xmlns:a16="http://schemas.microsoft.com/office/drawing/2014/main" id="{45F51AFA-473D-FCCF-98D8-C1D95D16F69F}"/>
-              </a:ext>
-            </a:extLst>
-          </p:cNvPr>
-          <p:cNvSpPr txBox="1"/>
-          <p:nvPr/>
-        </p:nvSpPr>
-        <p:spPr>
-          <a:xfrm flipH="1">
-            <a:off x="142927" y="87792"/>
-            <a:ext cx="3407121" cy="369332"/>
-          </a:xfrm>
-          <a:prstGeom prst="rect">
-            <a:avLst/>
-          </a:prstGeom>
-          <a:noFill/>
-        </p:spPr>
-        <p:txBody>
-          <a:bodyPr wrap="square" rtlCol="0">
-            <a:spAutoFit/>
-          </a:bodyPr>
-          <a:lstStyle/>
-          <a:p>
-            <a:r>
-              <a:rPr lang="es-UY" b="1" dirty="0" err="1"/>
-              <a:t>ListaSimpleClientes</a:t>
-            </a:r>
-            <a:r>
-              <a:rPr lang="es-UY" dirty="0"/>
-              <a:t> (Sistema)</a:t>
-            </a:r>
-          </a:p>
-        </p:txBody>
-      </p:sp>
-      <p:sp>
-        <p:nvSpPr>
-          <p:cNvPr id="6" name="Rectángulo 5">
-            <a:extLst>
-              <a:ext uri="{FF2B5EF4-FFF2-40B4-BE49-F238E27FC236}">
-                <a16:creationId xmlns:a16="http://schemas.microsoft.com/office/drawing/2014/main" id="{06FE537E-7325-47A6-5B65-C56ED4B8BB8F}"/>
-              </a:ext>
-            </a:extLst>
-          </p:cNvPr>
-          <p:cNvSpPr/>
-          <p:nvPr/>
-        </p:nvSpPr>
-        <p:spPr>
-          <a:xfrm>
-            <a:off x="567666" y="1434834"/>
-            <a:ext cx="1412163" cy="761187"/>
-          </a:xfrm>
-          <a:prstGeom prst="rect">
-            <a:avLst/>
-          </a:prstGeom>
-          <a:solidFill>
-            <a:schemeClr val="accent1">
-              <a:lumMod val="60000"/>
-              <a:lumOff val="40000"/>
-            </a:schemeClr>
-          </a:solidFill>
-        </p:spPr>
-        <p:style>
-          <a:lnRef idx="2">
-            <a:schemeClr val="accent1">
-              <a:shade val="50000"/>
-            </a:schemeClr>
-          </a:lnRef>
-          <a:fillRef idx="1">
-            <a:schemeClr val="accent1"/>
-          </a:fillRef>
-          <a:effectRef idx="0">
-            <a:schemeClr val="accent1"/>
-          </a:effectRef>
-          <a:fontRef idx="minor">
-            <a:schemeClr val="lt1"/>
-          </a:fontRef>
-        </p:style>
-        <p:txBody>
-          <a:bodyPr rtlCol="0" anchor="ctr"/>
-          <a:lstStyle/>
-          <a:p>
-            <a:pPr algn="ctr"/>
-            <a:endParaRPr lang="es-UY"/>
-          </a:p>
-        </p:txBody>
-      </p:sp>
-      <p:sp>
-        <p:nvSpPr>
-          <p:cNvPr id="7" name="Rectángulo 6">
-            <a:extLst>
-              <a:ext uri="{FF2B5EF4-FFF2-40B4-BE49-F238E27FC236}">
-                <a16:creationId xmlns:a16="http://schemas.microsoft.com/office/drawing/2014/main" id="{A7EE3BBC-1498-E26E-FE19-C1F8E59937FA}"/>
-              </a:ext>
-            </a:extLst>
-          </p:cNvPr>
-          <p:cNvSpPr/>
-          <p:nvPr/>
-        </p:nvSpPr>
-        <p:spPr>
-          <a:xfrm>
-            <a:off x="574467" y="2324071"/>
-            <a:ext cx="1414910" cy="732949"/>
-          </a:xfrm>
-          <a:prstGeom prst="rect">
-            <a:avLst/>
-          </a:prstGeom>
-          <a:solidFill>
-            <a:schemeClr val="accent1">
-              <a:lumMod val="60000"/>
-              <a:lumOff val="40000"/>
-            </a:schemeClr>
-          </a:solidFill>
-        </p:spPr>
-        <p:style>
-          <a:lnRef idx="2">
-            <a:schemeClr val="accent1">
-              <a:shade val="50000"/>
-            </a:schemeClr>
-          </a:lnRef>
-          <a:fillRef idx="1">
-            <a:schemeClr val="accent1"/>
-          </a:fillRef>
-          <a:effectRef idx="0">
-            <a:schemeClr val="accent1"/>
-          </a:effectRef>
-          <a:fontRef idx="minor">
-            <a:schemeClr val="lt1"/>
-          </a:fontRef>
-        </p:style>
-        <p:txBody>
-          <a:bodyPr rtlCol="0" anchor="ctr"/>
-          <a:lstStyle/>
-          <a:p>
-            <a:pPr algn="ctr"/>
-            <a:endParaRPr lang="es-UY"/>
-          </a:p>
-        </p:txBody>
-      </p:sp>
-      <p:sp>
-        <p:nvSpPr>
-          <p:cNvPr id="10" name="Rectángulo 9">
-            <a:extLst>
-              <a:ext uri="{FF2B5EF4-FFF2-40B4-BE49-F238E27FC236}">
-                <a16:creationId xmlns:a16="http://schemas.microsoft.com/office/drawing/2014/main" id="{EAC9CFAD-DCF2-2A10-F70F-FD5571DA632F}"/>
-              </a:ext>
-            </a:extLst>
-          </p:cNvPr>
-          <p:cNvSpPr/>
-          <p:nvPr/>
-        </p:nvSpPr>
-        <p:spPr>
-          <a:xfrm>
-            <a:off x="7195695" y="555975"/>
-            <a:ext cx="1483355" cy="872565"/>
-          </a:xfrm>
-          <a:prstGeom prst="rect">
-            <a:avLst/>
-          </a:prstGeom>
-          <a:solidFill>
-            <a:schemeClr val="accent4">
-              <a:lumMod val="60000"/>
-              <a:lumOff val="40000"/>
-            </a:schemeClr>
-          </a:solidFill>
-        </p:spPr>
-        <p:style>
-          <a:lnRef idx="2">
-            <a:schemeClr val="accent4">
-              <a:shade val="50000"/>
-            </a:schemeClr>
-          </a:lnRef>
-          <a:fillRef idx="1">
-            <a:schemeClr val="accent4"/>
-          </a:fillRef>
-          <a:effectRef idx="0">
-            <a:schemeClr val="accent4"/>
-          </a:effectRef>
-          <a:fontRef idx="minor">
-            <a:schemeClr val="lt1"/>
-          </a:fontRef>
-        </p:style>
-        <p:txBody>
-          <a:bodyPr rtlCol="0" anchor="ctr"/>
-          <a:lstStyle/>
-          <a:p>
-            <a:pPr algn="ctr"/>
-            <a:endParaRPr lang="es-UY"/>
-          </a:p>
-        </p:txBody>
-      </p:sp>
-      <p:sp>
-        <p:nvSpPr>
-          <p:cNvPr id="11" name="CuadroTexto 10">
-            <a:extLst>
-              <a:ext uri="{FF2B5EF4-FFF2-40B4-BE49-F238E27FC236}">
-                <a16:creationId xmlns:a16="http://schemas.microsoft.com/office/drawing/2014/main" id="{7271AA81-1F73-E4C6-70AE-B9A7BE60EC8C}"/>
-              </a:ext>
-            </a:extLst>
-          </p:cNvPr>
-          <p:cNvSpPr txBox="1"/>
-          <p:nvPr/>
-        </p:nvSpPr>
-        <p:spPr>
-          <a:xfrm flipH="1">
-            <a:off x="6693222" y="151056"/>
-            <a:ext cx="3289697" cy="369332"/>
-          </a:xfrm>
-          <a:prstGeom prst="rect">
-            <a:avLst/>
-          </a:prstGeom>
-          <a:noFill/>
-        </p:spPr>
-        <p:txBody>
-          <a:bodyPr wrap="square" rtlCol="0">
-            <a:spAutoFit/>
-          </a:bodyPr>
-          <a:lstStyle/>
-          <a:p>
-            <a:r>
-              <a:rPr lang="es-UY" b="1" dirty="0" err="1"/>
-              <a:t>ColaPedidosCerrados</a:t>
-            </a:r>
-            <a:r>
-              <a:rPr lang="es-UY" dirty="0"/>
-              <a:t> (Sistema)</a:t>
-            </a:r>
-          </a:p>
-        </p:txBody>
-      </p:sp>
-      <p:sp>
-        <p:nvSpPr>
-          <p:cNvPr id="16" name="CuadroTexto 15">
-            <a:extLst>
-              <a:ext uri="{FF2B5EF4-FFF2-40B4-BE49-F238E27FC236}">
-                <a16:creationId xmlns:a16="http://schemas.microsoft.com/office/drawing/2014/main" id="{74940B42-6742-9E5D-19ED-60BA00053131}"/>
-              </a:ext>
-            </a:extLst>
-          </p:cNvPr>
-          <p:cNvSpPr txBox="1"/>
-          <p:nvPr/>
-        </p:nvSpPr>
-        <p:spPr>
-          <a:xfrm flipH="1">
-            <a:off x="192566" y="335722"/>
-            <a:ext cx="3916183" cy="276999"/>
-          </a:xfrm>
-          <a:prstGeom prst="rect">
-            <a:avLst/>
-          </a:prstGeom>
-          <a:noFill/>
-        </p:spPr>
-        <p:txBody>
-          <a:bodyPr wrap="square" rtlCol="0">
-            <a:spAutoFit/>
-          </a:bodyPr>
-          <a:lstStyle/>
-          <a:p>
-            <a:r>
-              <a:rPr lang="es-UY" sz="1200" dirty="0"/>
-              <a:t>ordenada alfabéticamente por nombre</a:t>
-            </a:r>
-          </a:p>
-        </p:txBody>
-      </p:sp>
-      <p:cxnSp>
-        <p:nvCxnSpPr>
-          <p:cNvPr id="18" name="Conector recto de flecha 17">
-            <a:extLst>
-              <a:ext uri="{FF2B5EF4-FFF2-40B4-BE49-F238E27FC236}">
-                <a16:creationId xmlns:a16="http://schemas.microsoft.com/office/drawing/2014/main" id="{953C0AFA-3605-471F-EB0A-30D17221ED57}"/>
-              </a:ext>
-            </a:extLst>
-          </p:cNvPr>
-          <p:cNvCxnSpPr>
-            <a:cxnSpLocks/>
-          </p:cNvCxnSpPr>
-          <p:nvPr/>
-        </p:nvCxnSpPr>
-        <p:spPr>
-          <a:xfrm flipV="1">
-            <a:off x="1906270" y="4918702"/>
-            <a:ext cx="370906" cy="1"/>
-          </a:xfrm>
-          <a:prstGeom prst="straightConnector1">
-            <a:avLst/>
-          </a:prstGeom>
-          <a:ln w="38100">
-            <a:tailEnd type="triangle"/>
-          </a:ln>
-        </p:spPr>
-        <p:style>
-          <a:lnRef idx="1">
-            <a:schemeClr val="accent1"/>
-          </a:lnRef>
-          <a:fillRef idx="0">
-            <a:schemeClr val="accent1"/>
-          </a:fillRef>
-          <a:effectRef idx="0">
-            <a:schemeClr val="accent1"/>
-          </a:effectRef>
-          <a:fontRef idx="minor">
-            <a:schemeClr val="tx1"/>
-          </a:fontRef>
-        </p:style>
-      </p:cxnSp>
-      <p:sp>
-        <p:nvSpPr>
-          <p:cNvPr id="19" name="Rectángulo 18">
-            <a:extLst>
-              <a:ext uri="{FF2B5EF4-FFF2-40B4-BE49-F238E27FC236}">
-                <a16:creationId xmlns:a16="http://schemas.microsoft.com/office/drawing/2014/main" id="{CF6B36BF-CA83-4C16-2878-9F1B073A9F33}"/>
-              </a:ext>
-            </a:extLst>
-          </p:cNvPr>
-          <p:cNvSpPr/>
-          <p:nvPr/>
-        </p:nvSpPr>
-        <p:spPr>
-          <a:xfrm>
-            <a:off x="2336958" y="4850771"/>
-            <a:ext cx="690745" cy="672723"/>
-          </a:xfrm>
-          <a:prstGeom prst="rect">
-            <a:avLst/>
-          </a:prstGeom>
-        </p:spPr>
-        <p:style>
-          <a:lnRef idx="2">
-            <a:schemeClr val="accent6">
-              <a:shade val="50000"/>
-            </a:schemeClr>
-          </a:lnRef>
-          <a:fillRef idx="1">
-            <a:schemeClr val="accent6"/>
-          </a:fillRef>
-          <a:effectRef idx="0">
-            <a:schemeClr val="accent6"/>
-          </a:effectRef>
-          <a:fontRef idx="minor">
-            <a:schemeClr val="lt1"/>
-          </a:fontRef>
-        </p:style>
-        <p:txBody>
-          <a:bodyPr rtlCol="0" anchor="ctr"/>
-          <a:lstStyle/>
-          <a:p>
-            <a:pPr algn="ctr"/>
-            <a:endParaRPr lang="es-UY"/>
-          </a:p>
-        </p:txBody>
-      </p:sp>
-      <p:sp>
-        <p:nvSpPr>
-          <p:cNvPr id="20" name="CuadroTexto 19">
-            <a:extLst>
-              <a:ext uri="{FF2B5EF4-FFF2-40B4-BE49-F238E27FC236}">
-                <a16:creationId xmlns:a16="http://schemas.microsoft.com/office/drawing/2014/main" id="{AF9EC196-11E2-4549-EEE1-461C2BDE45B9}"/>
-              </a:ext>
-            </a:extLst>
-          </p:cNvPr>
-          <p:cNvSpPr txBox="1"/>
-          <p:nvPr/>
-        </p:nvSpPr>
-        <p:spPr>
-          <a:xfrm flipH="1">
-            <a:off x="3146558" y="4481439"/>
-            <a:ext cx="3376925" cy="369332"/>
-          </a:xfrm>
-          <a:prstGeom prst="rect">
-            <a:avLst/>
-          </a:prstGeom>
-          <a:noFill/>
-        </p:spPr>
-        <p:txBody>
-          <a:bodyPr wrap="square" rtlCol="0">
-            <a:spAutoFit/>
-          </a:bodyPr>
-          <a:lstStyle/>
-          <a:p>
-            <a:r>
-              <a:rPr lang="es-UY" b="1" dirty="0" err="1"/>
-              <a:t>PilaProductos</a:t>
-            </a:r>
-            <a:r>
-              <a:rPr lang="es-UY" dirty="0"/>
-              <a:t> </a:t>
-            </a:r>
-            <a:r>
-              <a:rPr lang="es-UY"/>
-              <a:t>(Pedido, </a:t>
-            </a:r>
-            <a:r>
-              <a:rPr lang="es-UY" sz="1100" dirty="0"/>
-              <a:t>del cliente</a:t>
-            </a:r>
-            <a:r>
-              <a:rPr lang="es-UY" dirty="0"/>
-              <a:t>)</a:t>
-            </a:r>
-          </a:p>
-        </p:txBody>
-      </p:sp>
-      <p:sp>
-        <p:nvSpPr>
-          <p:cNvPr id="22" name="Rectángulo 21">
-            <a:extLst>
-              <a:ext uri="{FF2B5EF4-FFF2-40B4-BE49-F238E27FC236}">
-                <a16:creationId xmlns:a16="http://schemas.microsoft.com/office/drawing/2014/main" id="{4E1F71AD-6E22-A47D-2A64-C875E2F17F04}"/>
-              </a:ext>
-            </a:extLst>
-          </p:cNvPr>
-          <p:cNvSpPr/>
-          <p:nvPr/>
-        </p:nvSpPr>
-        <p:spPr>
-          <a:xfrm>
-            <a:off x="3191599" y="4846321"/>
-            <a:ext cx="690745" cy="672723"/>
-          </a:xfrm>
-          <a:prstGeom prst="rect">
-            <a:avLst/>
-          </a:prstGeom>
-        </p:spPr>
-        <p:style>
-          <a:lnRef idx="2">
-            <a:schemeClr val="accent6">
-              <a:shade val="50000"/>
-            </a:schemeClr>
-          </a:lnRef>
-          <a:fillRef idx="1">
-            <a:schemeClr val="accent6"/>
-          </a:fillRef>
-          <a:effectRef idx="0">
-            <a:schemeClr val="accent6"/>
-          </a:effectRef>
-          <a:fontRef idx="minor">
-            <a:schemeClr val="lt1"/>
-          </a:fontRef>
-        </p:style>
-        <p:txBody>
-          <a:bodyPr rtlCol="0" anchor="ctr"/>
-          <a:lstStyle/>
-          <a:p>
-            <a:pPr algn="ctr"/>
-            <a:endParaRPr lang="es-UY"/>
-          </a:p>
-        </p:txBody>
-      </p:sp>
-      <p:sp>
-        <p:nvSpPr>
-          <p:cNvPr id="23" name="Rectángulo 22">
-            <a:extLst>
-              <a:ext uri="{FF2B5EF4-FFF2-40B4-BE49-F238E27FC236}">
-                <a16:creationId xmlns:a16="http://schemas.microsoft.com/office/drawing/2014/main" id="{23B8CAC4-D738-D956-33C6-B5CA2028B64E}"/>
-              </a:ext>
-            </a:extLst>
-          </p:cNvPr>
-          <p:cNvSpPr/>
-          <p:nvPr/>
-        </p:nvSpPr>
-        <p:spPr>
-          <a:xfrm>
-            <a:off x="4008378" y="4846320"/>
-            <a:ext cx="690745" cy="672723"/>
-          </a:xfrm>
-          <a:prstGeom prst="rect">
-            <a:avLst/>
-          </a:prstGeom>
-        </p:spPr>
-        <p:style>
-          <a:lnRef idx="2">
-            <a:schemeClr val="accent6">
-              <a:shade val="50000"/>
-            </a:schemeClr>
-          </a:lnRef>
-          <a:fillRef idx="1">
-            <a:schemeClr val="accent6"/>
-          </a:fillRef>
-          <a:effectRef idx="0">
-            <a:schemeClr val="accent6"/>
-          </a:effectRef>
-          <a:fontRef idx="minor">
-            <a:schemeClr val="lt1"/>
-          </a:fontRef>
-        </p:style>
-        <p:txBody>
-          <a:bodyPr rtlCol="0" anchor="ctr"/>
-          <a:lstStyle/>
-          <a:p>
-            <a:pPr algn="ctr"/>
-            <a:endParaRPr lang="es-UY"/>
-          </a:p>
-        </p:txBody>
-      </p:sp>
-      <p:sp>
-        <p:nvSpPr>
-          <p:cNvPr id="24" name="Rectángulo 23">
-            <a:extLst>
-              <a:ext uri="{FF2B5EF4-FFF2-40B4-BE49-F238E27FC236}">
-                <a16:creationId xmlns:a16="http://schemas.microsoft.com/office/drawing/2014/main" id="{4E8827D2-C37F-76E1-47E5-9F88D819006C}"/>
-              </a:ext>
-            </a:extLst>
-          </p:cNvPr>
-          <p:cNvSpPr/>
-          <p:nvPr/>
-        </p:nvSpPr>
-        <p:spPr>
-          <a:xfrm>
-            <a:off x="3742030" y="566025"/>
-            <a:ext cx="1623201" cy="1007959"/>
-          </a:xfrm>
-          <a:prstGeom prst="rect">
-            <a:avLst/>
-          </a:prstGeom>
-          <a:solidFill>
-            <a:schemeClr val="accent6">
-              <a:lumMod val="60000"/>
-              <a:lumOff val="40000"/>
-            </a:schemeClr>
-          </a:solidFill>
-          <a:ln/>
-        </p:spPr>
-        <p:style>
-          <a:lnRef idx="2">
-            <a:schemeClr val="accent6">
-              <a:shade val="50000"/>
-            </a:schemeClr>
-          </a:lnRef>
-          <a:fillRef idx="1">
-            <a:schemeClr val="accent6"/>
-          </a:fillRef>
-          <a:effectRef idx="0">
-            <a:schemeClr val="accent6"/>
-          </a:effectRef>
-          <a:fontRef idx="minor">
-            <a:schemeClr val="lt1"/>
-          </a:fontRef>
-        </p:style>
-        <p:txBody>
-          <a:bodyPr rtlCol="0" anchor="ctr"/>
-          <a:lstStyle/>
-          <a:p>
-            <a:pPr algn="ctr"/>
-            <a:endParaRPr lang="es-UY"/>
-          </a:p>
-        </p:txBody>
-      </p:sp>
-      <p:sp>
-        <p:nvSpPr>
-          <p:cNvPr id="25" name="CuadroTexto 24">
-            <a:extLst>
-              <a:ext uri="{FF2B5EF4-FFF2-40B4-BE49-F238E27FC236}">
-                <a16:creationId xmlns:a16="http://schemas.microsoft.com/office/drawing/2014/main" id="{5DABC579-AEF4-C43A-12AF-9795422F78AE}"/>
-              </a:ext>
-            </a:extLst>
-          </p:cNvPr>
-          <p:cNvSpPr txBox="1"/>
-          <p:nvPr/>
-        </p:nvSpPr>
-        <p:spPr>
-          <a:xfrm flipH="1">
-            <a:off x="3414934" y="170463"/>
-            <a:ext cx="3461301" cy="369332"/>
-          </a:xfrm>
-          <a:prstGeom prst="rect">
-            <a:avLst/>
-          </a:prstGeom>
-          <a:noFill/>
-        </p:spPr>
-        <p:txBody>
-          <a:bodyPr wrap="square" rtlCol="0">
-            <a:spAutoFit/>
-          </a:bodyPr>
-          <a:lstStyle/>
-          <a:p>
-            <a:r>
-              <a:rPr lang="es-UY" b="1" dirty="0" err="1"/>
-              <a:t>ListaSimpleProductos</a:t>
-            </a:r>
-            <a:r>
-              <a:rPr lang="es-UY" dirty="0"/>
-              <a:t> (Sistema)</a:t>
-            </a:r>
-          </a:p>
-        </p:txBody>
-      </p:sp>
-      <p:sp>
-        <p:nvSpPr>
-          <p:cNvPr id="8" name="CuadroTexto 7">
-            <a:extLst>
-              <a:ext uri="{FF2B5EF4-FFF2-40B4-BE49-F238E27FC236}">
-                <a16:creationId xmlns:a16="http://schemas.microsoft.com/office/drawing/2014/main" id="{134F8412-F78E-DE75-6C45-1C63F7E9C8EA}"/>
-              </a:ext>
-            </a:extLst>
-          </p:cNvPr>
-          <p:cNvSpPr txBox="1"/>
-          <p:nvPr/>
-        </p:nvSpPr>
-        <p:spPr>
-          <a:xfrm>
-            <a:off x="5389303" y="634632"/>
-            <a:ext cx="1136358" cy="1708160"/>
-          </a:xfrm>
-          <a:prstGeom prst="rect">
-            <a:avLst/>
-          </a:prstGeom>
-          <a:noFill/>
-        </p:spPr>
-        <p:txBody>
-          <a:bodyPr wrap="square" rtlCol="0">
-            <a:spAutoFit/>
-          </a:bodyPr>
-          <a:lstStyle/>
-          <a:p>
-            <a:r>
-              <a:rPr lang="es-UY" sz="1050" dirty="0"/>
-              <a:t>Se muestran en orden en que se les dio el alta (el primer elementos se muestra primero. Se buscan por nombre para eliminar o dar de alta Stock.</a:t>
-            </a:r>
-            <a:endParaRPr lang="es-UY" sz="1050" dirty="0">
-              <a:highlight>
-                <a:srgbClr val="FFFF00"/>
-              </a:highlight>
-            </a:endParaRPr>
-          </a:p>
-        </p:txBody>
-      </p:sp>
-      <p:sp>
-        <p:nvSpPr>
-          <p:cNvPr id="14" name="CuadroTexto 13">
-            <a:extLst>
-              <a:ext uri="{FF2B5EF4-FFF2-40B4-BE49-F238E27FC236}">
-                <a16:creationId xmlns:a16="http://schemas.microsoft.com/office/drawing/2014/main" id="{26887DC5-23BC-230D-690C-08F829EB4DE9}"/>
-              </a:ext>
-            </a:extLst>
-          </p:cNvPr>
-          <p:cNvSpPr txBox="1"/>
-          <p:nvPr/>
-        </p:nvSpPr>
-        <p:spPr>
-          <a:xfrm>
-            <a:off x="4699123" y="4843083"/>
-            <a:ext cx="2211127" cy="577081"/>
-          </a:xfrm>
-          <a:prstGeom prst="rect">
-            <a:avLst/>
-          </a:prstGeom>
-          <a:noFill/>
-        </p:spPr>
-        <p:txBody>
-          <a:bodyPr wrap="square" rtlCol="0">
-            <a:spAutoFit/>
-          </a:bodyPr>
-          <a:lstStyle/>
-          <a:p>
-            <a:pPr algn="just"/>
-            <a:r>
-              <a:rPr lang="es-UY" sz="1050" dirty="0"/>
-              <a:t>Se agrega uno arriba de otro, y se puede eliminar solo los últimos que se agregaron</a:t>
-            </a:r>
-          </a:p>
-        </p:txBody>
-      </p:sp>
-      <p:sp>
-        <p:nvSpPr>
-          <p:cNvPr id="17" name="CuadroTexto 16">
-            <a:extLst>
-              <a:ext uri="{FF2B5EF4-FFF2-40B4-BE49-F238E27FC236}">
-                <a16:creationId xmlns:a16="http://schemas.microsoft.com/office/drawing/2014/main" id="{DFAFAC94-7726-C550-AD0E-66EBC61B15BC}"/>
-              </a:ext>
-            </a:extLst>
-          </p:cNvPr>
-          <p:cNvSpPr txBox="1"/>
-          <p:nvPr/>
-        </p:nvSpPr>
-        <p:spPr>
-          <a:xfrm>
-            <a:off x="7171750" y="3202576"/>
-            <a:ext cx="1747695" cy="1277273"/>
-          </a:xfrm>
-          <a:prstGeom prst="rect">
-            <a:avLst/>
-          </a:prstGeom>
-          <a:noFill/>
-        </p:spPr>
-        <p:txBody>
-          <a:bodyPr wrap="square" rtlCol="0">
-            <a:spAutoFit/>
-          </a:bodyPr>
-          <a:lstStyle/>
-          <a:p>
-            <a:r>
-              <a:rPr lang="es-UY" sz="1100" dirty="0"/>
-              <a:t>Se procesan en orden de llegada (el primer elementos se procesa primero), pedido procesado se elimina y pasa a </a:t>
-            </a:r>
-            <a:r>
-              <a:rPr lang="es-UY" sz="1100" dirty="0" err="1"/>
-              <a:t>ListaPedidosParaEntregar</a:t>
-            </a:r>
-            <a:r>
-              <a:rPr lang="es-UY" sz="1100" dirty="0"/>
-              <a:t>()</a:t>
-            </a:r>
-          </a:p>
-        </p:txBody>
-      </p:sp>
-      <p:sp>
-        <p:nvSpPr>
-          <p:cNvPr id="26" name="CuadroTexto 25">
-            <a:extLst>
-              <a:ext uri="{FF2B5EF4-FFF2-40B4-BE49-F238E27FC236}">
-                <a16:creationId xmlns:a16="http://schemas.microsoft.com/office/drawing/2014/main" id="{E1D28098-26E0-366C-D16D-75ADED6F6D87}"/>
-              </a:ext>
-            </a:extLst>
-          </p:cNvPr>
-          <p:cNvSpPr txBox="1"/>
-          <p:nvPr/>
-        </p:nvSpPr>
-        <p:spPr>
-          <a:xfrm>
-            <a:off x="1960056" y="605173"/>
-            <a:ext cx="1275333" cy="769441"/>
-          </a:xfrm>
-          <a:prstGeom prst="rect">
-            <a:avLst/>
-          </a:prstGeom>
-          <a:noFill/>
-        </p:spPr>
-        <p:txBody>
-          <a:bodyPr wrap="square" rtlCol="0">
-            <a:spAutoFit/>
-          </a:bodyPr>
-          <a:lstStyle/>
-          <a:p>
-            <a:pPr algn="just"/>
-            <a:r>
-              <a:rPr lang="es-UY" sz="1100" dirty="0"/>
-              <a:t>Se busca por Ci, se muestran ordenados alfabéticamente</a:t>
-            </a:r>
-          </a:p>
-        </p:txBody>
-      </p:sp>
-      <p:cxnSp>
-        <p:nvCxnSpPr>
-          <p:cNvPr id="30" name="Conector recto de flecha 29">
-            <a:extLst>
-              <a:ext uri="{FF2B5EF4-FFF2-40B4-BE49-F238E27FC236}">
-                <a16:creationId xmlns:a16="http://schemas.microsoft.com/office/drawing/2014/main" id="{583D7A11-6D9E-0F74-8A41-FF4898A569CD}"/>
-              </a:ext>
-            </a:extLst>
-          </p:cNvPr>
-          <p:cNvCxnSpPr>
-            <a:cxnSpLocks/>
-          </p:cNvCxnSpPr>
-          <p:nvPr/>
-        </p:nvCxnSpPr>
-        <p:spPr>
-          <a:xfrm>
-            <a:off x="1333785" y="3003383"/>
-            <a:ext cx="0" cy="817274"/>
-          </a:xfrm>
-          <a:prstGeom prst="straightConnector1">
-            <a:avLst/>
-          </a:prstGeom>
-          <a:ln w="38100">
-            <a:tailEnd type="triangle"/>
-          </a:ln>
-        </p:spPr>
-        <p:style>
-          <a:lnRef idx="1">
-            <a:schemeClr val="accent1"/>
-          </a:lnRef>
-          <a:fillRef idx="0">
-            <a:schemeClr val="accent1"/>
-          </a:fillRef>
-          <a:effectRef idx="0">
-            <a:schemeClr val="accent1"/>
-          </a:effectRef>
-          <a:fontRef idx="minor">
-            <a:schemeClr val="tx1"/>
-          </a:fontRef>
-        </p:style>
-      </p:cxnSp>
-      <p:sp>
-        <p:nvSpPr>
-          <p:cNvPr id="32" name="Rectángulo 31">
-            <a:extLst>
-              <a:ext uri="{FF2B5EF4-FFF2-40B4-BE49-F238E27FC236}">
-                <a16:creationId xmlns:a16="http://schemas.microsoft.com/office/drawing/2014/main" id="{5C33449E-246E-476B-5E7D-DD20D8213147}"/>
-              </a:ext>
-            </a:extLst>
-          </p:cNvPr>
-          <p:cNvSpPr/>
-          <p:nvPr/>
-        </p:nvSpPr>
-        <p:spPr>
-          <a:xfrm flipV="1">
-            <a:off x="901713" y="3863872"/>
-            <a:ext cx="944774" cy="369332"/>
-          </a:xfrm>
-          <a:prstGeom prst="rect">
-            <a:avLst/>
-          </a:prstGeom>
-        </p:spPr>
-        <p:style>
-          <a:lnRef idx="2">
-            <a:schemeClr val="accent4">
-              <a:shade val="50000"/>
-            </a:schemeClr>
-          </a:lnRef>
-          <a:fillRef idx="1">
-            <a:schemeClr val="accent4"/>
-          </a:fillRef>
-          <a:effectRef idx="0">
-            <a:schemeClr val="accent4"/>
-          </a:effectRef>
-          <a:fontRef idx="minor">
-            <a:schemeClr val="lt1"/>
-          </a:fontRef>
-        </p:style>
-        <p:txBody>
-          <a:bodyPr rtlCol="0" anchor="ctr"/>
-          <a:lstStyle/>
-          <a:p>
-            <a:pPr algn="ctr"/>
-            <a:endParaRPr lang="es-UY"/>
-          </a:p>
-        </p:txBody>
-      </p:sp>
-      <p:sp>
-        <p:nvSpPr>
-          <p:cNvPr id="33" name="Rectángulo 32">
-            <a:extLst>
-              <a:ext uri="{FF2B5EF4-FFF2-40B4-BE49-F238E27FC236}">
-                <a16:creationId xmlns:a16="http://schemas.microsoft.com/office/drawing/2014/main" id="{B48A363C-AE49-66AD-16A1-EF2222439BD3}"/>
-              </a:ext>
-            </a:extLst>
-          </p:cNvPr>
-          <p:cNvSpPr/>
-          <p:nvPr/>
-        </p:nvSpPr>
-        <p:spPr>
-          <a:xfrm flipV="1">
-            <a:off x="901715" y="4287805"/>
-            <a:ext cx="944774" cy="369332"/>
-          </a:xfrm>
-          <a:prstGeom prst="rect">
-            <a:avLst/>
-          </a:prstGeom>
-        </p:spPr>
-        <p:style>
-          <a:lnRef idx="2">
-            <a:schemeClr val="accent4">
-              <a:shade val="50000"/>
-            </a:schemeClr>
-          </a:lnRef>
-          <a:fillRef idx="1">
-            <a:schemeClr val="accent4"/>
-          </a:fillRef>
-          <a:effectRef idx="0">
-            <a:schemeClr val="accent4"/>
-          </a:effectRef>
-          <a:fontRef idx="minor">
-            <a:schemeClr val="lt1"/>
-          </a:fontRef>
-        </p:style>
-        <p:txBody>
-          <a:bodyPr rtlCol="0" anchor="ctr"/>
-          <a:lstStyle/>
-          <a:p>
-            <a:pPr algn="ctr"/>
-            <a:endParaRPr lang="es-UY"/>
-          </a:p>
-        </p:txBody>
-      </p:sp>
-      <p:sp>
-        <p:nvSpPr>
-          <p:cNvPr id="34" name="Rectángulo 33">
-            <a:extLst>
-              <a:ext uri="{FF2B5EF4-FFF2-40B4-BE49-F238E27FC236}">
-                <a16:creationId xmlns:a16="http://schemas.microsoft.com/office/drawing/2014/main" id="{3F3ADED7-FE15-8C10-1B98-FA35576FCDC9}"/>
-              </a:ext>
-            </a:extLst>
-          </p:cNvPr>
-          <p:cNvSpPr/>
-          <p:nvPr/>
-        </p:nvSpPr>
-        <p:spPr>
-          <a:xfrm flipV="1">
-            <a:off x="901714" y="4734036"/>
-            <a:ext cx="944774" cy="369332"/>
-          </a:xfrm>
-          <a:prstGeom prst="rect">
-            <a:avLst/>
-          </a:prstGeom>
-        </p:spPr>
-        <p:style>
-          <a:lnRef idx="2">
-            <a:schemeClr val="accent4">
-              <a:shade val="50000"/>
-            </a:schemeClr>
-          </a:lnRef>
-          <a:fillRef idx="1">
-            <a:schemeClr val="accent4"/>
-          </a:fillRef>
-          <a:effectRef idx="0">
-            <a:schemeClr val="accent4"/>
-          </a:effectRef>
-          <a:fontRef idx="minor">
-            <a:schemeClr val="lt1"/>
-          </a:fontRef>
-        </p:style>
-        <p:txBody>
-          <a:bodyPr rtlCol="0" anchor="ctr"/>
-          <a:lstStyle/>
-          <a:p>
-            <a:pPr algn="ctr"/>
-            <a:endParaRPr lang="es-UY"/>
-          </a:p>
-        </p:txBody>
-      </p:sp>
-      <p:sp>
-        <p:nvSpPr>
-          <p:cNvPr id="35" name="CuadroTexto 34">
-            <a:extLst>
-              <a:ext uri="{FF2B5EF4-FFF2-40B4-BE49-F238E27FC236}">
-                <a16:creationId xmlns:a16="http://schemas.microsoft.com/office/drawing/2014/main" id="{6D232677-BD88-1493-AB99-F3C0661E7921}"/>
-              </a:ext>
-            </a:extLst>
-          </p:cNvPr>
-          <p:cNvSpPr txBox="1"/>
-          <p:nvPr/>
-        </p:nvSpPr>
-        <p:spPr>
-          <a:xfrm>
-            <a:off x="1855905" y="3451325"/>
-            <a:ext cx="3014993" cy="369332"/>
-          </a:xfrm>
-          <a:prstGeom prst="rect">
-            <a:avLst/>
-          </a:prstGeom>
-          <a:noFill/>
-        </p:spPr>
-        <p:txBody>
-          <a:bodyPr wrap="none" rtlCol="0">
-            <a:spAutoFit/>
-          </a:bodyPr>
-          <a:lstStyle/>
-          <a:p>
-            <a:r>
-              <a:rPr lang="en-US" b="1" dirty="0" err="1"/>
-              <a:t>ListaPedidosCerrados</a:t>
-            </a:r>
-            <a:r>
-              <a:rPr lang="en-US" dirty="0"/>
-              <a:t>(</a:t>
-            </a:r>
-            <a:r>
-              <a:rPr lang="en-US" dirty="0" err="1"/>
-              <a:t>Cliente</a:t>
-            </a:r>
-            <a:r>
-              <a:rPr lang="en-US" dirty="0"/>
-              <a:t>)</a:t>
-            </a:r>
-            <a:endParaRPr lang="es-UY" dirty="0"/>
-          </a:p>
-        </p:txBody>
-      </p:sp>
-      <p:sp>
-        <p:nvSpPr>
-          <p:cNvPr id="36" name="CuadroTexto 35">
-            <a:extLst>
-              <a:ext uri="{FF2B5EF4-FFF2-40B4-BE49-F238E27FC236}">
-                <a16:creationId xmlns:a16="http://schemas.microsoft.com/office/drawing/2014/main" id="{05D2C676-402B-893F-D85C-9083FD14B72B}"/>
-              </a:ext>
-            </a:extLst>
-          </p:cNvPr>
-          <p:cNvSpPr txBox="1"/>
-          <p:nvPr/>
-        </p:nvSpPr>
-        <p:spPr>
-          <a:xfrm>
-            <a:off x="1871578" y="3824842"/>
-            <a:ext cx="2600767" cy="430887"/>
-          </a:xfrm>
-          <a:prstGeom prst="rect">
-            <a:avLst/>
-          </a:prstGeom>
-          <a:noFill/>
-        </p:spPr>
-        <p:txBody>
-          <a:bodyPr wrap="square" rtlCol="0">
-            <a:spAutoFit/>
-          </a:bodyPr>
-          <a:lstStyle/>
-          <a:p>
-            <a:pPr algn="just"/>
-            <a:r>
-              <a:rPr lang="en-US" sz="1100" dirty="0"/>
-              <a:t>Tengo </a:t>
-            </a:r>
-            <a:r>
-              <a:rPr lang="en-US" sz="1100" dirty="0" err="1"/>
-              <a:t>todos</a:t>
-            </a:r>
-            <a:r>
-              <a:rPr lang="en-US" sz="1100" dirty="0"/>
-              <a:t> </a:t>
-            </a:r>
-            <a:r>
-              <a:rPr lang="en-US" sz="1100" dirty="0" err="1"/>
-              <a:t>los</a:t>
-            </a:r>
-            <a:r>
-              <a:rPr lang="en-US" sz="1100" dirty="0"/>
-              <a:t> </a:t>
-            </a:r>
-            <a:r>
-              <a:rPr lang="en-US" sz="1100" dirty="0" err="1"/>
-              <a:t>pedidos</a:t>
-            </a:r>
-            <a:r>
-              <a:rPr lang="en-US" sz="1100" dirty="0"/>
-              <a:t> </a:t>
-            </a:r>
-            <a:r>
-              <a:rPr lang="en-US" sz="1100" dirty="0" err="1"/>
-              <a:t>cerrados</a:t>
-            </a:r>
-            <a:r>
-              <a:rPr lang="en-US" sz="1100" dirty="0"/>
-              <a:t> de un </a:t>
-            </a:r>
-            <a:r>
-              <a:rPr lang="en-US" sz="1100" dirty="0" err="1"/>
-              <a:t>cliente</a:t>
-            </a:r>
-            <a:endParaRPr lang="es-UY" sz="1100" dirty="0"/>
-          </a:p>
-        </p:txBody>
-      </p:sp>
-      <p:sp>
-        <p:nvSpPr>
-          <p:cNvPr id="2" name="Rectángulo 1">
-            <a:extLst>
-              <a:ext uri="{FF2B5EF4-FFF2-40B4-BE49-F238E27FC236}">
-                <a16:creationId xmlns:a16="http://schemas.microsoft.com/office/drawing/2014/main" id="{BA0B6EE6-4538-E103-BF58-0802A09FF01B}"/>
-              </a:ext>
-            </a:extLst>
-          </p:cNvPr>
-          <p:cNvSpPr/>
-          <p:nvPr/>
-        </p:nvSpPr>
-        <p:spPr>
-          <a:xfrm>
-            <a:off x="508802" y="2250622"/>
-            <a:ext cx="1577517" cy="866350"/>
-          </a:xfrm>
-          <a:prstGeom prst="rect">
-            <a:avLst/>
-          </a:prstGeom>
-          <a:noFill/>
-          <a:ln w="15875">
-            <a:prstDash val="sysDash"/>
-          </a:ln>
-        </p:spPr>
-        <p:style>
-          <a:lnRef idx="2">
-            <a:schemeClr val="accent1">
-              <a:shade val="50000"/>
-            </a:schemeClr>
-          </a:lnRef>
-          <a:fillRef idx="1">
-            <a:schemeClr val="accent1"/>
-          </a:fillRef>
-          <a:effectRef idx="0">
-            <a:schemeClr val="accent1"/>
-          </a:effectRef>
-          <a:fontRef idx="minor">
-            <a:schemeClr val="lt1"/>
-          </a:fontRef>
-        </p:style>
-        <p:txBody>
-          <a:bodyPr rtlCol="0" anchor="ctr"/>
-          <a:lstStyle/>
-          <a:p>
-            <a:pPr algn="ctr"/>
-            <a:endParaRPr lang="es-UY"/>
-          </a:p>
-        </p:txBody>
-      </p:sp>
-      <p:sp>
-        <p:nvSpPr>
-          <p:cNvPr id="9" name="Rectángulo 8">
-            <a:extLst>
-              <a:ext uri="{FF2B5EF4-FFF2-40B4-BE49-F238E27FC236}">
-                <a16:creationId xmlns:a16="http://schemas.microsoft.com/office/drawing/2014/main" id="{955BBB35-0100-7EB5-46F6-81013E689508}"/>
-              </a:ext>
-            </a:extLst>
-          </p:cNvPr>
-          <p:cNvSpPr/>
-          <p:nvPr/>
-        </p:nvSpPr>
-        <p:spPr>
-          <a:xfrm>
-            <a:off x="813246" y="4696665"/>
-            <a:ext cx="1135454" cy="502794"/>
-          </a:xfrm>
-          <a:prstGeom prst="rect">
-            <a:avLst/>
-          </a:prstGeom>
-          <a:noFill/>
-          <a:ln w="15875">
-            <a:prstDash val="sysDash"/>
-          </a:ln>
-        </p:spPr>
-        <p:style>
-          <a:lnRef idx="2">
-            <a:schemeClr val="accent1">
-              <a:shade val="50000"/>
-            </a:schemeClr>
-          </a:lnRef>
-          <a:fillRef idx="1">
-            <a:schemeClr val="accent1"/>
-          </a:fillRef>
-          <a:effectRef idx="0">
-            <a:schemeClr val="accent1"/>
-          </a:effectRef>
-          <a:fontRef idx="minor">
-            <a:schemeClr val="lt1"/>
-          </a:fontRef>
-        </p:style>
-        <p:txBody>
-          <a:bodyPr rtlCol="0" anchor="ctr"/>
-          <a:lstStyle/>
-          <a:p>
-            <a:pPr algn="ctr"/>
-            <a:endParaRPr lang="es-UY"/>
-          </a:p>
-        </p:txBody>
-      </p:sp>
-      <p:sp>
-        <p:nvSpPr>
-          <p:cNvPr id="21" name="CuadroTexto 20">
-            <a:extLst>
-              <a:ext uri="{FF2B5EF4-FFF2-40B4-BE49-F238E27FC236}">
-                <a16:creationId xmlns:a16="http://schemas.microsoft.com/office/drawing/2014/main" id="{0BD4AAE6-AC89-C6C9-91ED-0B7187C44C9B}"/>
-              </a:ext>
-            </a:extLst>
-          </p:cNvPr>
-          <p:cNvSpPr txBox="1"/>
-          <p:nvPr/>
-        </p:nvSpPr>
-        <p:spPr>
-          <a:xfrm>
-            <a:off x="540908" y="570167"/>
-            <a:ext cx="1747827" cy="1015663"/>
-          </a:xfrm>
-          <a:prstGeom prst="rect">
-            <a:avLst/>
-          </a:prstGeom>
-          <a:noFill/>
-        </p:spPr>
-        <p:txBody>
-          <a:bodyPr wrap="square">
-            <a:spAutoFit/>
-          </a:bodyPr>
-          <a:lstStyle/>
-          <a:p>
-            <a:r>
-              <a:rPr lang="es-UY" sz="1000" dirty="0" err="1"/>
-              <a:t>private</a:t>
-            </a:r>
-            <a:r>
-              <a:rPr lang="es-UY" sz="1000" dirty="0"/>
-              <a:t> </a:t>
-            </a:r>
-            <a:r>
-              <a:rPr lang="es-UY" sz="1000" dirty="0" err="1"/>
-              <a:t>String</a:t>
-            </a:r>
-            <a:r>
-              <a:rPr lang="es-UY" sz="1000" dirty="0"/>
-              <a:t> </a:t>
-            </a:r>
-            <a:r>
-              <a:rPr lang="es-UY" sz="1000" b="1" dirty="0"/>
-              <a:t>nombre</a:t>
-            </a:r>
-            <a:r>
-              <a:rPr lang="es-UY" sz="1000" dirty="0"/>
-              <a:t>;</a:t>
-            </a:r>
-          </a:p>
-          <a:p>
-            <a:r>
-              <a:rPr lang="es-UY" sz="1000" dirty="0" err="1"/>
-              <a:t>private</a:t>
-            </a:r>
-            <a:r>
-              <a:rPr lang="es-UY" sz="1000" dirty="0"/>
-              <a:t> </a:t>
-            </a:r>
-            <a:r>
-              <a:rPr lang="es-UY" sz="1000" dirty="0" err="1"/>
-              <a:t>String</a:t>
-            </a:r>
-            <a:r>
-              <a:rPr lang="es-UY" sz="1000" dirty="0"/>
-              <a:t> </a:t>
-            </a:r>
-            <a:r>
-              <a:rPr lang="es-UY" sz="1000" b="1" dirty="0" err="1"/>
-              <a:t>ci</a:t>
-            </a:r>
-            <a:r>
-              <a:rPr lang="es-UY" sz="1000" dirty="0"/>
-              <a:t>;</a:t>
-            </a:r>
-          </a:p>
-          <a:p>
-            <a:r>
-              <a:rPr lang="es-UY" sz="1000" dirty="0" err="1"/>
-              <a:t>private</a:t>
-            </a:r>
-            <a:r>
-              <a:rPr lang="es-UY" sz="1000" dirty="0"/>
-              <a:t> </a:t>
-            </a:r>
-            <a:r>
-              <a:rPr lang="es-UY" sz="1000" dirty="0" err="1"/>
-              <a:t>ListaSimple</a:t>
-            </a:r>
-            <a:r>
-              <a:rPr lang="es-UY" sz="1000" dirty="0"/>
-              <a:t> </a:t>
-            </a:r>
-            <a:r>
-              <a:rPr lang="es-UY" sz="1000" b="1" dirty="0" err="1"/>
-              <a:t>listaPedidos</a:t>
-            </a:r>
-            <a:r>
-              <a:rPr lang="es-UY" sz="1000" dirty="0"/>
-              <a:t>;</a:t>
-            </a:r>
-          </a:p>
-          <a:p>
-            <a:r>
-              <a:rPr lang="es-UY" sz="1000" dirty="0" err="1"/>
-              <a:t>Private</a:t>
-            </a:r>
-            <a:r>
-              <a:rPr lang="es-UY" sz="1000" dirty="0"/>
-              <a:t> Pedido </a:t>
-            </a:r>
-            <a:r>
-              <a:rPr lang="es-UY" sz="1000" b="1" dirty="0" err="1"/>
-              <a:t>pedidoAbierto</a:t>
-            </a:r>
-            <a:r>
-              <a:rPr lang="es-UY" sz="1000" dirty="0"/>
-              <a:t>;</a:t>
-            </a:r>
-          </a:p>
-        </p:txBody>
-      </p:sp>
-      <p:sp>
-        <p:nvSpPr>
-          <p:cNvPr id="29" name="CuadroTexto 28">
-            <a:extLst>
-              <a:ext uri="{FF2B5EF4-FFF2-40B4-BE49-F238E27FC236}">
-                <a16:creationId xmlns:a16="http://schemas.microsoft.com/office/drawing/2014/main" id="{51D24C7D-AA9A-371B-B4F3-CAECA2210592}"/>
-              </a:ext>
-            </a:extLst>
-          </p:cNvPr>
-          <p:cNvSpPr txBox="1"/>
-          <p:nvPr/>
-        </p:nvSpPr>
-        <p:spPr>
-          <a:xfrm>
-            <a:off x="7222816" y="566766"/>
-            <a:ext cx="1583501" cy="861774"/>
-          </a:xfrm>
-          <a:prstGeom prst="rect">
-            <a:avLst/>
-          </a:prstGeom>
-          <a:noFill/>
-        </p:spPr>
-        <p:txBody>
-          <a:bodyPr wrap="square">
-            <a:spAutoFit/>
-          </a:bodyPr>
-          <a:lstStyle/>
-          <a:p>
-            <a:r>
-              <a:rPr lang="es-UY" sz="1000" dirty="0" err="1"/>
-              <a:t>private</a:t>
-            </a:r>
-            <a:r>
-              <a:rPr lang="es-UY" sz="1000" dirty="0"/>
-              <a:t> </a:t>
-            </a:r>
-            <a:r>
-              <a:rPr lang="es-UY" sz="1000" dirty="0" err="1"/>
-              <a:t>static</a:t>
-            </a:r>
-            <a:r>
-              <a:rPr lang="es-UY" sz="1000" dirty="0"/>
-              <a:t> </a:t>
-            </a:r>
-            <a:r>
-              <a:rPr lang="es-UY" sz="1000" dirty="0" err="1"/>
-              <a:t>int</a:t>
-            </a:r>
-            <a:r>
-              <a:rPr lang="es-UY" sz="1000" dirty="0"/>
-              <a:t> </a:t>
-            </a:r>
-            <a:r>
-              <a:rPr lang="es-UY" sz="1000" b="1" dirty="0"/>
-              <a:t>ID</a:t>
-            </a:r>
-            <a:r>
-              <a:rPr lang="es-UY" sz="1000" dirty="0"/>
-              <a:t> = 1;</a:t>
-            </a:r>
-          </a:p>
-          <a:p>
-            <a:r>
-              <a:rPr lang="es-UY" sz="1000" dirty="0" err="1"/>
-              <a:t>private</a:t>
-            </a:r>
-            <a:r>
-              <a:rPr lang="es-UY" sz="1000" dirty="0"/>
-              <a:t> </a:t>
-            </a:r>
-            <a:r>
-              <a:rPr lang="es-UY" sz="1000" dirty="0" err="1"/>
-              <a:t>int</a:t>
-            </a:r>
-            <a:r>
-              <a:rPr lang="es-UY" sz="1000" dirty="0"/>
-              <a:t> </a:t>
-            </a:r>
-            <a:r>
-              <a:rPr lang="es-UY" sz="1000" b="1" dirty="0" err="1"/>
-              <a:t>IDPedido</a:t>
-            </a:r>
-            <a:r>
-              <a:rPr lang="es-UY" sz="1000" dirty="0"/>
-              <a:t>;</a:t>
-            </a:r>
-          </a:p>
-          <a:p>
-            <a:r>
-              <a:rPr lang="es-UY" sz="1000" dirty="0" err="1"/>
-              <a:t>private</a:t>
-            </a:r>
-            <a:r>
-              <a:rPr lang="es-UY" sz="1000" dirty="0"/>
-              <a:t> </a:t>
-            </a:r>
-            <a:r>
-              <a:rPr lang="es-UY" sz="1000" dirty="0" err="1"/>
-              <a:t>enum</a:t>
-            </a:r>
-            <a:r>
-              <a:rPr lang="es-UY" sz="1000" dirty="0"/>
-              <a:t> </a:t>
-            </a:r>
-            <a:r>
-              <a:rPr lang="es-UY" sz="1000" b="1" dirty="0"/>
-              <a:t>estado</a:t>
-            </a:r>
-            <a:r>
-              <a:rPr lang="es-UY" sz="1000" dirty="0"/>
-              <a:t>;</a:t>
-            </a:r>
-          </a:p>
-          <a:p>
-            <a:r>
-              <a:rPr lang="es-UY" sz="1000" dirty="0" err="1"/>
-              <a:t>private</a:t>
-            </a:r>
-            <a:r>
-              <a:rPr lang="es-UY" sz="1000" dirty="0"/>
-              <a:t> Cliente </a:t>
-            </a:r>
-            <a:r>
-              <a:rPr lang="es-UY" sz="1000" b="1" dirty="0" err="1"/>
-              <a:t>cli</a:t>
-            </a:r>
-            <a:r>
-              <a:rPr lang="es-UY" sz="1000" dirty="0"/>
-              <a:t>;</a:t>
-            </a:r>
-          </a:p>
-          <a:p>
-            <a:r>
-              <a:rPr lang="es-UY" sz="1000" dirty="0" err="1"/>
-              <a:t>private</a:t>
-            </a:r>
-            <a:r>
-              <a:rPr lang="es-UY" sz="1000" dirty="0"/>
-              <a:t> Pila </a:t>
-            </a:r>
-            <a:r>
-              <a:rPr lang="es-UY" sz="1000" b="1" dirty="0" err="1"/>
-              <a:t>pilaProductos</a:t>
-            </a:r>
-            <a:r>
-              <a:rPr lang="es-UY" sz="1000" dirty="0"/>
-              <a:t>;</a:t>
-            </a:r>
-          </a:p>
-        </p:txBody>
-      </p:sp>
-      <p:sp>
-        <p:nvSpPr>
-          <p:cNvPr id="37" name="CuadroTexto 36">
-            <a:extLst>
-              <a:ext uri="{FF2B5EF4-FFF2-40B4-BE49-F238E27FC236}">
-                <a16:creationId xmlns:a16="http://schemas.microsoft.com/office/drawing/2014/main" id="{C5D48424-461D-6B81-BCBA-7FD04F2A7D91}"/>
-              </a:ext>
-            </a:extLst>
-          </p:cNvPr>
-          <p:cNvSpPr txBox="1"/>
-          <p:nvPr/>
-        </p:nvSpPr>
-        <p:spPr>
-          <a:xfrm>
-            <a:off x="3666636" y="585521"/>
-            <a:ext cx="1879355" cy="1015663"/>
-          </a:xfrm>
-          <a:prstGeom prst="rect">
-            <a:avLst/>
-          </a:prstGeom>
-          <a:noFill/>
-        </p:spPr>
-        <p:txBody>
-          <a:bodyPr wrap="square">
-            <a:spAutoFit/>
-          </a:bodyPr>
-          <a:lstStyle/>
-          <a:p>
-            <a:r>
-              <a:rPr lang="es-UY" sz="1000" dirty="0" err="1"/>
-              <a:t>private</a:t>
-            </a:r>
-            <a:r>
-              <a:rPr lang="es-UY" sz="1000" dirty="0"/>
-              <a:t> </a:t>
-            </a:r>
-            <a:r>
-              <a:rPr lang="es-UY" sz="1000" dirty="0" err="1"/>
-              <a:t>String</a:t>
-            </a:r>
-            <a:r>
-              <a:rPr lang="es-UY" sz="1000" dirty="0"/>
-              <a:t> </a:t>
-            </a:r>
-            <a:r>
-              <a:rPr lang="es-UY" sz="1000" b="1" dirty="0"/>
-              <a:t>nombre</a:t>
-            </a:r>
-            <a:r>
-              <a:rPr lang="es-UY" sz="1000" dirty="0"/>
-              <a:t>;</a:t>
-            </a:r>
-          </a:p>
-          <a:p>
-            <a:r>
-              <a:rPr lang="es-UY" sz="1000" dirty="0" err="1"/>
-              <a:t>private</a:t>
-            </a:r>
-            <a:r>
-              <a:rPr lang="es-UY" sz="1000" dirty="0"/>
-              <a:t> </a:t>
-            </a:r>
-            <a:r>
-              <a:rPr lang="es-UY" sz="1000" dirty="0" err="1"/>
-              <a:t>String</a:t>
-            </a:r>
-            <a:r>
-              <a:rPr lang="es-UY" sz="1000" dirty="0"/>
-              <a:t> </a:t>
-            </a:r>
-            <a:r>
-              <a:rPr lang="es-UY" sz="1000" b="1" dirty="0" err="1"/>
-              <a:t>descripcion</a:t>
-            </a:r>
-            <a:r>
-              <a:rPr lang="es-UY" sz="1000" dirty="0"/>
-              <a:t>;</a:t>
-            </a:r>
-          </a:p>
-          <a:p>
-            <a:r>
-              <a:rPr lang="es-UY" sz="1000" dirty="0" err="1"/>
-              <a:t>private</a:t>
-            </a:r>
-            <a:r>
-              <a:rPr lang="es-UY" sz="1000" dirty="0"/>
-              <a:t> </a:t>
-            </a:r>
-            <a:r>
-              <a:rPr lang="es-UY" sz="1000" dirty="0" err="1"/>
-              <a:t>int</a:t>
-            </a:r>
-            <a:r>
-              <a:rPr lang="es-UY" sz="1000" dirty="0"/>
-              <a:t> </a:t>
-            </a:r>
-            <a:r>
-              <a:rPr lang="es-UY" sz="1000" b="1" dirty="0"/>
-              <a:t>stock</a:t>
-            </a:r>
-            <a:r>
-              <a:rPr lang="es-UY" sz="1000" dirty="0"/>
-              <a:t>;</a:t>
-            </a:r>
-          </a:p>
-          <a:p>
-            <a:r>
-              <a:rPr lang="es-UY" sz="1000" dirty="0" err="1"/>
-              <a:t>private</a:t>
-            </a:r>
-            <a:r>
-              <a:rPr lang="es-UY" sz="1000" dirty="0"/>
-              <a:t> </a:t>
-            </a:r>
-            <a:r>
-              <a:rPr lang="es-UY" sz="1000" dirty="0" err="1"/>
-              <a:t>int</a:t>
-            </a:r>
-            <a:r>
-              <a:rPr lang="es-UY" sz="1000" dirty="0"/>
-              <a:t> </a:t>
-            </a:r>
-            <a:r>
-              <a:rPr lang="es-UY" sz="1000" b="1" dirty="0"/>
-              <a:t>ID</a:t>
-            </a:r>
-            <a:r>
-              <a:rPr lang="es-UY" sz="1000" dirty="0"/>
-              <a:t>;</a:t>
-            </a:r>
-          </a:p>
-          <a:p>
-            <a:r>
-              <a:rPr lang="es-UY" sz="1000" dirty="0" err="1"/>
-              <a:t>private</a:t>
-            </a:r>
-            <a:r>
-              <a:rPr lang="es-UY" sz="1000" dirty="0"/>
-              <a:t> </a:t>
-            </a:r>
-            <a:r>
-              <a:rPr lang="es-UY" sz="1000" dirty="0" err="1"/>
-              <a:t>static</a:t>
-            </a:r>
-            <a:r>
-              <a:rPr lang="es-UY" sz="1000" dirty="0"/>
-              <a:t> </a:t>
-            </a:r>
-            <a:r>
-              <a:rPr lang="es-UY" sz="1000" dirty="0" err="1"/>
-              <a:t>int</a:t>
-            </a:r>
-            <a:r>
-              <a:rPr lang="es-UY" sz="1000" dirty="0"/>
-              <a:t> </a:t>
-            </a:r>
-            <a:r>
-              <a:rPr lang="es-UY" sz="1000" b="1" dirty="0" err="1"/>
-              <a:t>IDClase</a:t>
-            </a:r>
-            <a:r>
-              <a:rPr lang="es-UY" sz="1000" dirty="0"/>
-              <a:t> = 1;</a:t>
-            </a:r>
-          </a:p>
-          <a:p>
-            <a:r>
-              <a:rPr lang="es-UY" sz="1000" dirty="0" err="1"/>
-              <a:t>private</a:t>
-            </a:r>
-            <a:r>
-              <a:rPr lang="es-UY" sz="1000" dirty="0"/>
-              <a:t> </a:t>
-            </a:r>
-            <a:r>
-              <a:rPr lang="es-UY" sz="1000" dirty="0" err="1"/>
-              <a:t>int</a:t>
-            </a:r>
-            <a:r>
-              <a:rPr lang="es-UY" sz="1000" dirty="0"/>
-              <a:t> </a:t>
-            </a:r>
-            <a:r>
-              <a:rPr lang="es-UY" sz="1000" b="1" dirty="0" err="1"/>
-              <a:t>pedidosProducto</a:t>
-            </a:r>
-            <a:r>
-              <a:rPr lang="es-UY" sz="1000" dirty="0"/>
-              <a:t> = 0;</a:t>
-            </a:r>
-          </a:p>
-        </p:txBody>
-      </p:sp>
-      <p:sp>
-        <p:nvSpPr>
-          <p:cNvPr id="41" name="Rectángulo 40">
-            <a:extLst>
-              <a:ext uri="{FF2B5EF4-FFF2-40B4-BE49-F238E27FC236}">
-                <a16:creationId xmlns:a16="http://schemas.microsoft.com/office/drawing/2014/main" id="{A6471AA1-3783-39B1-6422-74D4A608E628}"/>
-              </a:ext>
-            </a:extLst>
-          </p:cNvPr>
-          <p:cNvSpPr/>
-          <p:nvPr/>
-        </p:nvSpPr>
-        <p:spPr>
-          <a:xfrm>
-            <a:off x="3738981" y="1624418"/>
-            <a:ext cx="1623201" cy="688157"/>
-          </a:xfrm>
-          <a:prstGeom prst="rect">
-            <a:avLst/>
-          </a:prstGeom>
-          <a:solidFill>
-            <a:schemeClr val="accent6">
-              <a:lumMod val="60000"/>
-              <a:lumOff val="40000"/>
-            </a:schemeClr>
-          </a:solidFill>
-          <a:ln/>
-        </p:spPr>
-        <p:style>
-          <a:lnRef idx="2">
-            <a:schemeClr val="accent6">
-              <a:shade val="50000"/>
-            </a:schemeClr>
-          </a:lnRef>
-          <a:fillRef idx="1">
-            <a:schemeClr val="accent6"/>
-          </a:fillRef>
-          <a:effectRef idx="0">
-            <a:schemeClr val="accent6"/>
-          </a:effectRef>
-          <a:fontRef idx="minor">
-            <a:schemeClr val="lt1"/>
-          </a:fontRef>
-        </p:style>
-        <p:txBody>
-          <a:bodyPr rtlCol="0" anchor="ctr"/>
-          <a:lstStyle/>
-          <a:p>
-            <a:pPr algn="ctr"/>
-            <a:endParaRPr lang="es-UY"/>
-          </a:p>
-        </p:txBody>
-      </p:sp>
-      <p:sp>
-        <p:nvSpPr>
-          <p:cNvPr id="42" name="Rectángulo 41">
-            <a:extLst>
-              <a:ext uri="{FF2B5EF4-FFF2-40B4-BE49-F238E27FC236}">
-                <a16:creationId xmlns:a16="http://schemas.microsoft.com/office/drawing/2014/main" id="{28402205-DE90-C306-2B47-3B06453ADB30}"/>
-              </a:ext>
-            </a:extLst>
-          </p:cNvPr>
-          <p:cNvSpPr/>
-          <p:nvPr/>
-        </p:nvSpPr>
-        <p:spPr>
-          <a:xfrm>
-            <a:off x="3738981" y="2395246"/>
-            <a:ext cx="1623201" cy="688157"/>
-          </a:xfrm>
-          <a:prstGeom prst="rect">
-            <a:avLst/>
-          </a:prstGeom>
-          <a:solidFill>
-            <a:schemeClr val="accent6">
-              <a:lumMod val="60000"/>
-              <a:lumOff val="40000"/>
-            </a:schemeClr>
-          </a:solidFill>
-          <a:ln/>
-        </p:spPr>
-        <p:style>
-          <a:lnRef idx="2">
-            <a:schemeClr val="accent6">
-              <a:shade val="50000"/>
-            </a:schemeClr>
-          </a:lnRef>
-          <a:fillRef idx="1">
-            <a:schemeClr val="accent6"/>
-          </a:fillRef>
-          <a:effectRef idx="0">
-            <a:schemeClr val="accent6"/>
-          </a:effectRef>
-          <a:fontRef idx="minor">
-            <a:schemeClr val="lt1"/>
-          </a:fontRef>
-        </p:style>
-        <p:txBody>
-          <a:bodyPr rtlCol="0" anchor="ctr"/>
-          <a:lstStyle/>
-          <a:p>
-            <a:pPr algn="ctr"/>
-            <a:endParaRPr lang="es-UY"/>
-          </a:p>
-        </p:txBody>
-      </p:sp>
-      <p:sp>
-        <p:nvSpPr>
-          <p:cNvPr id="43" name="Rectángulo 42">
-            <a:extLst>
-              <a:ext uri="{FF2B5EF4-FFF2-40B4-BE49-F238E27FC236}">
-                <a16:creationId xmlns:a16="http://schemas.microsoft.com/office/drawing/2014/main" id="{ED35BCF5-B5AD-2005-B077-F03E180D7358}"/>
-              </a:ext>
-            </a:extLst>
-          </p:cNvPr>
-          <p:cNvSpPr/>
-          <p:nvPr/>
-        </p:nvSpPr>
-        <p:spPr>
-          <a:xfrm>
-            <a:off x="7186405" y="1521454"/>
-            <a:ext cx="1483355" cy="744101"/>
-          </a:xfrm>
-          <a:prstGeom prst="rect">
-            <a:avLst/>
-          </a:prstGeom>
-          <a:solidFill>
-            <a:schemeClr val="accent4">
-              <a:lumMod val="60000"/>
-              <a:lumOff val="40000"/>
-            </a:schemeClr>
-          </a:solidFill>
-        </p:spPr>
-        <p:style>
-          <a:lnRef idx="2">
-            <a:schemeClr val="accent4">
-              <a:shade val="50000"/>
-            </a:schemeClr>
-          </a:lnRef>
-          <a:fillRef idx="1">
-            <a:schemeClr val="accent4"/>
-          </a:fillRef>
-          <a:effectRef idx="0">
-            <a:schemeClr val="accent4"/>
-          </a:effectRef>
-          <a:fontRef idx="minor">
-            <a:schemeClr val="lt1"/>
-          </a:fontRef>
-        </p:style>
-        <p:txBody>
-          <a:bodyPr rtlCol="0" anchor="ctr"/>
-          <a:lstStyle/>
-          <a:p>
-            <a:pPr algn="ctr"/>
-            <a:endParaRPr lang="es-UY"/>
-          </a:p>
-        </p:txBody>
-      </p:sp>
-      <p:sp>
-        <p:nvSpPr>
-          <p:cNvPr id="45" name="Rectángulo 44">
-            <a:extLst>
-              <a:ext uri="{FF2B5EF4-FFF2-40B4-BE49-F238E27FC236}">
-                <a16:creationId xmlns:a16="http://schemas.microsoft.com/office/drawing/2014/main" id="{A979DDA7-D82F-A449-2CC0-5D1D97106448}"/>
-              </a:ext>
-            </a:extLst>
-          </p:cNvPr>
-          <p:cNvSpPr/>
-          <p:nvPr/>
-        </p:nvSpPr>
-        <p:spPr>
-          <a:xfrm>
-            <a:off x="7195695" y="2386216"/>
-            <a:ext cx="1483355" cy="744101"/>
-          </a:xfrm>
-          <a:prstGeom prst="rect">
-            <a:avLst/>
-          </a:prstGeom>
-          <a:solidFill>
-            <a:schemeClr val="accent4">
-              <a:lumMod val="60000"/>
-              <a:lumOff val="40000"/>
-            </a:schemeClr>
-          </a:solidFill>
-        </p:spPr>
-        <p:style>
-          <a:lnRef idx="2">
-            <a:schemeClr val="accent4">
-              <a:shade val="50000"/>
-            </a:schemeClr>
-          </a:lnRef>
-          <a:fillRef idx="1">
-            <a:schemeClr val="accent4"/>
-          </a:fillRef>
-          <a:effectRef idx="0">
-            <a:schemeClr val="accent4"/>
-          </a:effectRef>
-          <a:fontRef idx="minor">
-            <a:schemeClr val="lt1"/>
-          </a:fontRef>
-        </p:style>
-        <p:txBody>
-          <a:bodyPr rtlCol="0" anchor="ctr"/>
-          <a:lstStyle/>
-          <a:p>
-            <a:pPr algn="ctr"/>
-            <a:endParaRPr lang="es-UY"/>
-          </a:p>
-        </p:txBody>
-      </p:sp>
-      <p:sp>
-        <p:nvSpPr>
-          <p:cNvPr id="47" name="CuadroTexto 46">
-            <a:extLst>
-              <a:ext uri="{FF2B5EF4-FFF2-40B4-BE49-F238E27FC236}">
-                <a16:creationId xmlns:a16="http://schemas.microsoft.com/office/drawing/2014/main" id="{C3A9A9D0-BA11-006F-E277-4199AFD2C8FA}"/>
-              </a:ext>
-            </a:extLst>
-          </p:cNvPr>
-          <p:cNvSpPr txBox="1"/>
-          <p:nvPr/>
-        </p:nvSpPr>
-        <p:spPr>
-          <a:xfrm>
-            <a:off x="1034783" y="3932563"/>
-            <a:ext cx="679994" cy="276999"/>
-          </a:xfrm>
-          <a:prstGeom prst="rect">
-            <a:avLst/>
-          </a:prstGeom>
-          <a:noFill/>
-        </p:spPr>
-        <p:txBody>
-          <a:bodyPr wrap="none" rtlCol="0">
-            <a:spAutoFit/>
-          </a:bodyPr>
-          <a:lstStyle/>
-          <a:p>
-            <a:r>
-              <a:rPr lang="es-UY" sz="1200" i="1" dirty="0"/>
-              <a:t>Cerrado</a:t>
-            </a:r>
-          </a:p>
-        </p:txBody>
-      </p:sp>
-      <p:sp>
-        <p:nvSpPr>
-          <p:cNvPr id="48" name="CuadroTexto 47">
-            <a:extLst>
-              <a:ext uri="{FF2B5EF4-FFF2-40B4-BE49-F238E27FC236}">
-                <a16:creationId xmlns:a16="http://schemas.microsoft.com/office/drawing/2014/main" id="{9A6BA44E-135B-C855-06A2-B8595306141B}"/>
-              </a:ext>
-            </a:extLst>
-          </p:cNvPr>
-          <p:cNvSpPr txBox="1"/>
-          <p:nvPr/>
-        </p:nvSpPr>
-        <p:spPr>
-          <a:xfrm>
-            <a:off x="1040142" y="4335586"/>
-            <a:ext cx="681661" cy="276999"/>
-          </a:xfrm>
-          <a:prstGeom prst="rect">
-            <a:avLst/>
-          </a:prstGeom>
-          <a:noFill/>
-        </p:spPr>
-        <p:txBody>
-          <a:bodyPr wrap="none" rtlCol="0">
-            <a:spAutoFit/>
-          </a:bodyPr>
-          <a:lstStyle/>
-          <a:p>
-            <a:r>
-              <a:rPr lang="es-UY" sz="1200" i="1" dirty="0"/>
-              <a:t>Cerrado</a:t>
-            </a:r>
-          </a:p>
-        </p:txBody>
-      </p:sp>
-      <p:sp>
-        <p:nvSpPr>
-          <p:cNvPr id="49" name="CuadroTexto 48">
-            <a:extLst>
-              <a:ext uri="{FF2B5EF4-FFF2-40B4-BE49-F238E27FC236}">
-                <a16:creationId xmlns:a16="http://schemas.microsoft.com/office/drawing/2014/main" id="{12CCCDD6-DB9F-2B15-AC38-66B77947AB1F}"/>
-              </a:ext>
-            </a:extLst>
-          </p:cNvPr>
-          <p:cNvSpPr txBox="1"/>
-          <p:nvPr/>
-        </p:nvSpPr>
-        <p:spPr>
-          <a:xfrm>
-            <a:off x="1026408" y="4777226"/>
-            <a:ext cx="681661" cy="276999"/>
-          </a:xfrm>
-          <a:prstGeom prst="rect">
-            <a:avLst/>
-          </a:prstGeom>
-          <a:noFill/>
-        </p:spPr>
-        <p:txBody>
-          <a:bodyPr wrap="none" rtlCol="0">
-            <a:spAutoFit/>
-          </a:bodyPr>
-          <a:lstStyle/>
-          <a:p>
-            <a:r>
-              <a:rPr lang="es-UY" sz="1200" i="1" dirty="0"/>
-              <a:t>Cerrado</a:t>
-            </a:r>
-          </a:p>
-        </p:txBody>
-      </p:sp>
-      <p:sp>
-        <p:nvSpPr>
-          <p:cNvPr id="50" name="Rectángulo 49">
-            <a:extLst>
-              <a:ext uri="{FF2B5EF4-FFF2-40B4-BE49-F238E27FC236}">
-                <a16:creationId xmlns:a16="http://schemas.microsoft.com/office/drawing/2014/main" id="{05CCD542-BA2A-7325-014E-002D5C4A2307}"/>
-              </a:ext>
-            </a:extLst>
-          </p:cNvPr>
-          <p:cNvSpPr/>
-          <p:nvPr/>
-        </p:nvSpPr>
-        <p:spPr>
-          <a:xfrm>
-            <a:off x="10402607" y="844745"/>
-            <a:ext cx="1276688" cy="688618"/>
-          </a:xfrm>
-          <a:prstGeom prst="rect">
-            <a:avLst/>
-          </a:prstGeom>
-          <a:solidFill>
-            <a:schemeClr val="accent4">
-              <a:lumMod val="60000"/>
-              <a:lumOff val="40000"/>
-            </a:schemeClr>
-          </a:solidFill>
-        </p:spPr>
-        <p:style>
-          <a:lnRef idx="2">
-            <a:schemeClr val="accent4">
-              <a:shade val="50000"/>
-            </a:schemeClr>
-          </a:lnRef>
-          <a:fillRef idx="1">
-            <a:schemeClr val="accent4"/>
-          </a:fillRef>
-          <a:effectRef idx="0">
-            <a:schemeClr val="accent4"/>
-          </a:effectRef>
-          <a:fontRef idx="minor">
-            <a:schemeClr val="lt1"/>
-          </a:fontRef>
-        </p:style>
-        <p:txBody>
-          <a:bodyPr rtlCol="0" anchor="ctr"/>
-          <a:lstStyle/>
-          <a:p>
-            <a:pPr algn="ctr"/>
-            <a:endParaRPr lang="es-UY"/>
-          </a:p>
-        </p:txBody>
-      </p:sp>
-      <p:sp>
-        <p:nvSpPr>
-          <p:cNvPr id="52" name="Rectángulo 51">
-            <a:extLst>
-              <a:ext uri="{FF2B5EF4-FFF2-40B4-BE49-F238E27FC236}">
-                <a16:creationId xmlns:a16="http://schemas.microsoft.com/office/drawing/2014/main" id="{0016181F-B7FC-078C-7D9D-27533DD2B339}"/>
-              </a:ext>
-            </a:extLst>
-          </p:cNvPr>
-          <p:cNvSpPr/>
-          <p:nvPr/>
-        </p:nvSpPr>
-        <p:spPr>
-          <a:xfrm>
-            <a:off x="10393316" y="1623723"/>
-            <a:ext cx="1285979" cy="654372"/>
-          </a:xfrm>
-          <a:prstGeom prst="rect">
-            <a:avLst/>
-          </a:prstGeom>
-          <a:solidFill>
-            <a:schemeClr val="accent4">
-              <a:lumMod val="60000"/>
-              <a:lumOff val="40000"/>
-            </a:schemeClr>
-          </a:solidFill>
-        </p:spPr>
-        <p:style>
-          <a:lnRef idx="2">
-            <a:schemeClr val="accent4">
-              <a:shade val="50000"/>
-            </a:schemeClr>
-          </a:lnRef>
-          <a:fillRef idx="1">
-            <a:schemeClr val="accent4"/>
-          </a:fillRef>
-          <a:effectRef idx="0">
-            <a:schemeClr val="accent4"/>
-          </a:effectRef>
-          <a:fontRef idx="minor">
-            <a:schemeClr val="lt1"/>
-          </a:fontRef>
-        </p:style>
-        <p:txBody>
-          <a:bodyPr rtlCol="0" anchor="ctr"/>
-          <a:lstStyle/>
-          <a:p>
-            <a:pPr algn="ctr"/>
-            <a:endParaRPr lang="es-UY"/>
-          </a:p>
-        </p:txBody>
-      </p:sp>
-      <p:sp>
-        <p:nvSpPr>
-          <p:cNvPr id="53" name="Rectángulo 52">
-            <a:extLst>
-              <a:ext uri="{FF2B5EF4-FFF2-40B4-BE49-F238E27FC236}">
-                <a16:creationId xmlns:a16="http://schemas.microsoft.com/office/drawing/2014/main" id="{7FE5730F-3E2F-F60F-E9A2-5ABF5A213D0B}"/>
-              </a:ext>
-            </a:extLst>
-          </p:cNvPr>
-          <p:cNvSpPr/>
-          <p:nvPr/>
-        </p:nvSpPr>
-        <p:spPr>
-          <a:xfrm>
-            <a:off x="10393315" y="2368455"/>
-            <a:ext cx="1285979" cy="596689"/>
-          </a:xfrm>
-          <a:prstGeom prst="rect">
-            <a:avLst/>
-          </a:prstGeom>
-          <a:solidFill>
-            <a:schemeClr val="accent4">
-              <a:lumMod val="60000"/>
-              <a:lumOff val="40000"/>
-            </a:schemeClr>
-          </a:solidFill>
-        </p:spPr>
-        <p:style>
-          <a:lnRef idx="2">
-            <a:schemeClr val="accent4">
-              <a:shade val="50000"/>
-            </a:schemeClr>
-          </a:lnRef>
-          <a:fillRef idx="1">
-            <a:schemeClr val="accent4"/>
-          </a:fillRef>
-          <a:effectRef idx="0">
-            <a:schemeClr val="accent4"/>
-          </a:effectRef>
-          <a:fontRef idx="minor">
-            <a:schemeClr val="lt1"/>
-          </a:fontRef>
-        </p:style>
-        <p:txBody>
-          <a:bodyPr rtlCol="0" anchor="ctr"/>
-          <a:lstStyle/>
-          <a:p>
-            <a:pPr algn="ctr"/>
-            <a:endParaRPr lang="es-UY"/>
-          </a:p>
-        </p:txBody>
-      </p:sp>
-      <p:sp>
-        <p:nvSpPr>
-          <p:cNvPr id="54" name="CuadroTexto 53">
-            <a:extLst>
-              <a:ext uri="{FF2B5EF4-FFF2-40B4-BE49-F238E27FC236}">
-                <a16:creationId xmlns:a16="http://schemas.microsoft.com/office/drawing/2014/main" id="{D7CA9954-7CC9-131B-0630-ACDEB6CC655E}"/>
-              </a:ext>
-            </a:extLst>
-          </p:cNvPr>
-          <p:cNvSpPr txBox="1"/>
-          <p:nvPr/>
-        </p:nvSpPr>
-        <p:spPr>
-          <a:xfrm flipH="1">
-            <a:off x="9836830" y="159607"/>
-            <a:ext cx="2515404" cy="584775"/>
-          </a:xfrm>
-          <a:prstGeom prst="rect">
-            <a:avLst/>
-          </a:prstGeom>
-          <a:noFill/>
-        </p:spPr>
-        <p:txBody>
-          <a:bodyPr wrap="square" rtlCol="0">
-            <a:spAutoFit/>
-          </a:bodyPr>
-          <a:lstStyle/>
-          <a:p>
-            <a:r>
-              <a:rPr lang="es-UY" sz="1600" b="1" dirty="0" err="1"/>
-              <a:t>ListaPedidosParaEntregar</a:t>
-            </a:r>
-            <a:r>
-              <a:rPr lang="es-UY" sz="1600" dirty="0"/>
-              <a:t> (Sistema)</a:t>
-            </a:r>
-          </a:p>
-        </p:txBody>
-      </p:sp>
-      <p:sp>
-        <p:nvSpPr>
-          <p:cNvPr id="57" name="CuadroTexto 56">
-            <a:extLst>
-              <a:ext uri="{FF2B5EF4-FFF2-40B4-BE49-F238E27FC236}">
-                <a16:creationId xmlns:a16="http://schemas.microsoft.com/office/drawing/2014/main" id="{AE63BDF4-15E3-3FB8-9F71-5C166AE1BD52}"/>
-              </a:ext>
-            </a:extLst>
-          </p:cNvPr>
-          <p:cNvSpPr txBox="1"/>
-          <p:nvPr/>
-        </p:nvSpPr>
-        <p:spPr>
-          <a:xfrm>
-            <a:off x="7581307" y="1786884"/>
-            <a:ext cx="681661" cy="276999"/>
-          </a:xfrm>
-          <a:prstGeom prst="rect">
-            <a:avLst/>
-          </a:prstGeom>
-          <a:noFill/>
-        </p:spPr>
-        <p:txBody>
-          <a:bodyPr wrap="none" rtlCol="0">
-            <a:spAutoFit/>
-          </a:bodyPr>
-          <a:lstStyle/>
-          <a:p>
-            <a:r>
-              <a:rPr lang="es-UY" sz="1200" i="1" dirty="0"/>
-              <a:t>Cerrado</a:t>
-            </a:r>
-          </a:p>
-        </p:txBody>
-      </p:sp>
-      <p:sp>
-        <p:nvSpPr>
-          <p:cNvPr id="58" name="CuadroTexto 57">
-            <a:extLst>
-              <a:ext uri="{FF2B5EF4-FFF2-40B4-BE49-F238E27FC236}">
-                <a16:creationId xmlns:a16="http://schemas.microsoft.com/office/drawing/2014/main" id="{CDFE4583-7628-7507-91FD-B26A1612925B}"/>
-              </a:ext>
-            </a:extLst>
-          </p:cNvPr>
-          <p:cNvSpPr txBox="1"/>
-          <p:nvPr/>
-        </p:nvSpPr>
-        <p:spPr>
-          <a:xfrm>
-            <a:off x="7596541" y="2606150"/>
-            <a:ext cx="681661" cy="276999"/>
-          </a:xfrm>
-          <a:prstGeom prst="rect">
-            <a:avLst/>
-          </a:prstGeom>
-          <a:noFill/>
-        </p:spPr>
-        <p:txBody>
-          <a:bodyPr wrap="none" rtlCol="0">
-            <a:spAutoFit/>
-          </a:bodyPr>
-          <a:lstStyle/>
-          <a:p>
-            <a:r>
-              <a:rPr lang="es-UY" sz="1200" i="1" dirty="0"/>
-              <a:t>Cerrado</a:t>
-            </a:r>
-          </a:p>
-        </p:txBody>
-      </p:sp>
-      <p:sp>
-        <p:nvSpPr>
-          <p:cNvPr id="59" name="CuadroTexto 58">
-            <a:extLst>
-              <a:ext uri="{FF2B5EF4-FFF2-40B4-BE49-F238E27FC236}">
-                <a16:creationId xmlns:a16="http://schemas.microsoft.com/office/drawing/2014/main" id="{69796DB1-D39D-0D80-E482-08F3B8A52672}"/>
-              </a:ext>
-            </a:extLst>
-          </p:cNvPr>
-          <p:cNvSpPr txBox="1"/>
-          <p:nvPr/>
-        </p:nvSpPr>
-        <p:spPr>
-          <a:xfrm>
-            <a:off x="10351308" y="1075737"/>
-            <a:ext cx="1427763" cy="276999"/>
-          </a:xfrm>
-          <a:prstGeom prst="rect">
-            <a:avLst/>
-          </a:prstGeom>
-          <a:noFill/>
-        </p:spPr>
-        <p:txBody>
-          <a:bodyPr wrap="none" rtlCol="0">
-            <a:spAutoFit/>
-          </a:bodyPr>
-          <a:lstStyle/>
-          <a:p>
-            <a:r>
-              <a:rPr lang="es-UY" sz="1200" i="1" dirty="0" err="1"/>
-              <a:t>ProntoParaEntregar</a:t>
-            </a:r>
-            <a:endParaRPr lang="es-UY" sz="1200" i="1" dirty="0"/>
-          </a:p>
-        </p:txBody>
-      </p:sp>
-      <p:sp>
-        <p:nvSpPr>
-          <p:cNvPr id="60" name="CuadroTexto 59">
-            <a:extLst>
-              <a:ext uri="{FF2B5EF4-FFF2-40B4-BE49-F238E27FC236}">
-                <a16:creationId xmlns:a16="http://schemas.microsoft.com/office/drawing/2014/main" id="{86E31EFE-3D1B-0707-E7D9-A5C1C5CB23D2}"/>
-              </a:ext>
-            </a:extLst>
-          </p:cNvPr>
-          <p:cNvSpPr txBox="1"/>
-          <p:nvPr/>
-        </p:nvSpPr>
-        <p:spPr>
-          <a:xfrm>
-            <a:off x="10322422" y="1851989"/>
-            <a:ext cx="1427763" cy="276999"/>
-          </a:xfrm>
-          <a:prstGeom prst="rect">
-            <a:avLst/>
-          </a:prstGeom>
-          <a:noFill/>
-        </p:spPr>
-        <p:txBody>
-          <a:bodyPr wrap="none" rtlCol="0">
-            <a:spAutoFit/>
-          </a:bodyPr>
-          <a:lstStyle/>
-          <a:p>
-            <a:r>
-              <a:rPr lang="es-UY" sz="1200" i="1" dirty="0" err="1"/>
-              <a:t>ProntoParaEntregar</a:t>
-            </a:r>
-            <a:endParaRPr lang="es-UY" sz="1200" i="1" dirty="0"/>
-          </a:p>
-        </p:txBody>
-      </p:sp>
-      <p:sp>
-        <p:nvSpPr>
-          <p:cNvPr id="61" name="CuadroTexto 60">
-            <a:extLst>
-              <a:ext uri="{FF2B5EF4-FFF2-40B4-BE49-F238E27FC236}">
-                <a16:creationId xmlns:a16="http://schemas.microsoft.com/office/drawing/2014/main" id="{79CF027D-F1B8-C04C-AE91-55BA2FD0D55F}"/>
-              </a:ext>
-            </a:extLst>
-          </p:cNvPr>
-          <p:cNvSpPr txBox="1"/>
-          <p:nvPr/>
-        </p:nvSpPr>
-        <p:spPr>
-          <a:xfrm>
-            <a:off x="10351307" y="2563468"/>
-            <a:ext cx="1427763" cy="276999"/>
-          </a:xfrm>
-          <a:prstGeom prst="rect">
-            <a:avLst/>
-          </a:prstGeom>
-          <a:noFill/>
-        </p:spPr>
-        <p:txBody>
-          <a:bodyPr wrap="none" rtlCol="0">
-            <a:spAutoFit/>
-          </a:bodyPr>
-          <a:lstStyle/>
-          <a:p>
-            <a:r>
-              <a:rPr lang="es-UY" sz="1200" i="1" dirty="0" err="1"/>
-              <a:t>ProntoParaEntregar</a:t>
-            </a:r>
-            <a:endParaRPr lang="es-UY" sz="1200" i="1" dirty="0"/>
-          </a:p>
-        </p:txBody>
-      </p:sp>
+          </p:spPr>
+          <p:txBody>
+            <a:bodyPr wrap="square" rtlCol="0">
+              <a:spAutoFit/>
+            </a:bodyPr>
+            <a:lstStyle/>
+            <a:p>
+              <a:r>
+                <a:rPr lang="es-UY" b="1" dirty="0" err="1"/>
+                <a:t>ListaSimpleClientes</a:t>
+              </a:r>
+              <a:r>
+                <a:rPr lang="es-UY" dirty="0"/>
+                <a:t> (Sistema)</a:t>
+              </a:r>
+            </a:p>
+          </p:txBody>
+        </p:sp>
+        <p:sp>
+          <p:nvSpPr>
+            <p:cNvPr id="7" name="Rectángulo 6">
+              <a:extLst>
+                <a:ext uri="{FF2B5EF4-FFF2-40B4-BE49-F238E27FC236}">
+                  <a16:creationId xmlns:a16="http://schemas.microsoft.com/office/drawing/2014/main" id="{A7EE3BBC-1498-E26E-FE19-C1F8E59937FA}"/>
+                </a:ext>
+              </a:extLst>
+            </p:cNvPr>
+            <p:cNvSpPr/>
+            <p:nvPr/>
+          </p:nvSpPr>
+          <p:spPr>
+            <a:xfrm>
+              <a:off x="600514" y="2699800"/>
+              <a:ext cx="1777227" cy="579860"/>
+            </a:xfrm>
+            <a:prstGeom prst="rect">
+              <a:avLst/>
+            </a:prstGeom>
+            <a:solidFill>
+              <a:schemeClr val="accent1">
+                <a:lumMod val="60000"/>
+                <a:lumOff val="40000"/>
+              </a:schemeClr>
+            </a:solidFill>
+          </p:spPr>
+          <p:style>
+            <a:lnRef idx="2">
+              <a:schemeClr val="accent1">
+                <a:shade val="50000"/>
+              </a:schemeClr>
+            </a:lnRef>
+            <a:fillRef idx="1">
+              <a:schemeClr val="accent1"/>
+            </a:fillRef>
+            <a:effectRef idx="0">
+              <a:schemeClr val="accent1"/>
+            </a:effectRef>
+            <a:fontRef idx="minor">
+              <a:schemeClr val="lt1"/>
+            </a:fontRef>
+          </p:style>
+          <p:txBody>
+            <a:bodyPr rtlCol="0" anchor="ctr"/>
+            <a:lstStyle/>
+            <a:p>
+              <a:pPr algn="ctr"/>
+              <a:endParaRPr lang="es-UY"/>
+            </a:p>
+          </p:txBody>
+        </p:sp>
+        <p:sp>
+          <p:nvSpPr>
+            <p:cNvPr id="10" name="Rectángulo 9">
+              <a:extLst>
+                <a:ext uri="{FF2B5EF4-FFF2-40B4-BE49-F238E27FC236}">
+                  <a16:creationId xmlns:a16="http://schemas.microsoft.com/office/drawing/2014/main" id="{EAC9CFAD-DCF2-2A10-F70F-FD5571DA632F}"/>
+                </a:ext>
+              </a:extLst>
+            </p:cNvPr>
+            <p:cNvSpPr/>
+            <p:nvPr/>
+          </p:nvSpPr>
+          <p:spPr>
+            <a:xfrm>
+              <a:off x="7195695" y="910819"/>
+              <a:ext cx="1483355" cy="872565"/>
+            </a:xfrm>
+            <a:prstGeom prst="rect">
+              <a:avLst/>
+            </a:prstGeom>
+            <a:solidFill>
+              <a:schemeClr val="accent4">
+                <a:lumMod val="60000"/>
+                <a:lumOff val="40000"/>
+              </a:schemeClr>
+            </a:solidFill>
+          </p:spPr>
+          <p:style>
+            <a:lnRef idx="2">
+              <a:schemeClr val="accent4">
+                <a:shade val="50000"/>
+              </a:schemeClr>
+            </a:lnRef>
+            <a:fillRef idx="1">
+              <a:schemeClr val="accent4"/>
+            </a:fillRef>
+            <a:effectRef idx="0">
+              <a:schemeClr val="accent4"/>
+            </a:effectRef>
+            <a:fontRef idx="minor">
+              <a:schemeClr val="lt1"/>
+            </a:fontRef>
+          </p:style>
+          <p:txBody>
+            <a:bodyPr rtlCol="0" anchor="ctr"/>
+            <a:lstStyle/>
+            <a:p>
+              <a:pPr algn="ctr"/>
+              <a:endParaRPr lang="es-UY"/>
+            </a:p>
+          </p:txBody>
+        </p:sp>
+        <p:sp>
+          <p:nvSpPr>
+            <p:cNvPr id="11" name="CuadroTexto 10">
+              <a:extLst>
+                <a:ext uri="{FF2B5EF4-FFF2-40B4-BE49-F238E27FC236}">
+                  <a16:creationId xmlns:a16="http://schemas.microsoft.com/office/drawing/2014/main" id="{7271AA81-1F73-E4C6-70AE-B9A7BE60EC8C}"/>
+                </a:ext>
+              </a:extLst>
+            </p:cNvPr>
+            <p:cNvSpPr txBox="1"/>
+            <p:nvPr/>
+          </p:nvSpPr>
+          <p:spPr>
+            <a:xfrm flipH="1">
+              <a:off x="7133162" y="243788"/>
+              <a:ext cx="2928175" cy="646331"/>
+            </a:xfrm>
+            <a:prstGeom prst="rect">
+              <a:avLst/>
+            </a:prstGeom>
+            <a:noFill/>
+          </p:spPr>
+          <p:txBody>
+            <a:bodyPr wrap="square" rtlCol="0">
+              <a:spAutoFit/>
+            </a:bodyPr>
+            <a:lstStyle/>
+            <a:p>
+              <a:r>
+                <a:rPr lang="es-UY" b="1" dirty="0" err="1"/>
+                <a:t>ColaPedidosCerrados</a:t>
+              </a:r>
+              <a:r>
+                <a:rPr lang="es-UY" dirty="0"/>
+                <a:t> (Sistema)</a:t>
+              </a:r>
+            </a:p>
+          </p:txBody>
+        </p:sp>
+        <p:sp>
+          <p:nvSpPr>
+            <p:cNvPr id="16" name="CuadroTexto 15">
+              <a:extLst>
+                <a:ext uri="{FF2B5EF4-FFF2-40B4-BE49-F238E27FC236}">
+                  <a16:creationId xmlns:a16="http://schemas.microsoft.com/office/drawing/2014/main" id="{74940B42-6742-9E5D-19ED-60BA00053131}"/>
+                </a:ext>
+              </a:extLst>
+            </p:cNvPr>
+            <p:cNvSpPr txBox="1"/>
+            <p:nvPr/>
+          </p:nvSpPr>
+          <p:spPr>
+            <a:xfrm flipH="1">
+              <a:off x="312916" y="790328"/>
+              <a:ext cx="2707299" cy="276999"/>
+            </a:xfrm>
+            <a:prstGeom prst="rect">
+              <a:avLst/>
+            </a:prstGeom>
+            <a:noFill/>
+          </p:spPr>
+          <p:txBody>
+            <a:bodyPr wrap="square" rtlCol="0">
+              <a:spAutoFit/>
+            </a:bodyPr>
+            <a:lstStyle/>
+            <a:p>
+              <a:r>
+                <a:rPr lang="es-UY" sz="1200" dirty="0"/>
+                <a:t>ordenada alfabéticamente por nombre</a:t>
+              </a:r>
+            </a:p>
+          </p:txBody>
+        </p:sp>
+        <p:cxnSp>
+          <p:nvCxnSpPr>
+            <p:cNvPr id="18" name="Conector recto de flecha 17">
+              <a:extLst>
+                <a:ext uri="{FF2B5EF4-FFF2-40B4-BE49-F238E27FC236}">
+                  <a16:creationId xmlns:a16="http://schemas.microsoft.com/office/drawing/2014/main" id="{953C0AFA-3605-471F-EB0A-30D17221ED57}"/>
+                </a:ext>
+              </a:extLst>
+            </p:cNvPr>
+            <p:cNvCxnSpPr>
+              <a:cxnSpLocks/>
+            </p:cNvCxnSpPr>
+            <p:nvPr/>
+          </p:nvCxnSpPr>
+          <p:spPr>
+            <a:xfrm flipV="1">
+              <a:off x="2024549" y="5328138"/>
+              <a:ext cx="370906" cy="1"/>
+            </a:xfrm>
+            <a:prstGeom prst="straightConnector1">
+              <a:avLst/>
+            </a:prstGeom>
+            <a:ln w="38100">
+              <a:tailEnd type="triangle"/>
+            </a:ln>
+          </p:spPr>
+          <p:style>
+            <a:lnRef idx="1">
+              <a:schemeClr val="accent1"/>
+            </a:lnRef>
+            <a:fillRef idx="0">
+              <a:schemeClr val="accent1"/>
+            </a:fillRef>
+            <a:effectRef idx="0">
+              <a:schemeClr val="accent1"/>
+            </a:effectRef>
+            <a:fontRef idx="minor">
+              <a:schemeClr val="tx1"/>
+            </a:fontRef>
+          </p:style>
+        </p:cxnSp>
+        <p:sp>
+          <p:nvSpPr>
+            <p:cNvPr id="19" name="Rectángulo 18">
+              <a:extLst>
+                <a:ext uri="{FF2B5EF4-FFF2-40B4-BE49-F238E27FC236}">
+                  <a16:creationId xmlns:a16="http://schemas.microsoft.com/office/drawing/2014/main" id="{CF6B36BF-CA83-4C16-2878-9F1B073A9F33}"/>
+                </a:ext>
+              </a:extLst>
+            </p:cNvPr>
+            <p:cNvSpPr/>
+            <p:nvPr/>
+          </p:nvSpPr>
+          <p:spPr>
+            <a:xfrm>
+              <a:off x="2455237" y="5260208"/>
+              <a:ext cx="752429" cy="430886"/>
+            </a:xfrm>
+            <a:prstGeom prst="rect">
+              <a:avLst/>
+            </a:prstGeom>
+            <a:solidFill>
+              <a:schemeClr val="accent6">
+                <a:lumMod val="60000"/>
+                <a:lumOff val="40000"/>
+              </a:schemeClr>
+            </a:solidFill>
+          </p:spPr>
+          <p:style>
+            <a:lnRef idx="2">
+              <a:schemeClr val="accent6">
+                <a:shade val="50000"/>
+              </a:schemeClr>
+            </a:lnRef>
+            <a:fillRef idx="1">
+              <a:schemeClr val="accent6"/>
+            </a:fillRef>
+            <a:effectRef idx="0">
+              <a:schemeClr val="accent6"/>
+            </a:effectRef>
+            <a:fontRef idx="minor">
+              <a:schemeClr val="lt1"/>
+            </a:fontRef>
+          </p:style>
+          <p:txBody>
+            <a:bodyPr rtlCol="0" anchor="ctr"/>
+            <a:lstStyle/>
+            <a:p>
+              <a:pPr algn="ctr"/>
+              <a:endParaRPr lang="es-UY"/>
+            </a:p>
+          </p:txBody>
+        </p:sp>
+        <p:sp>
+          <p:nvSpPr>
+            <p:cNvPr id="20" name="CuadroTexto 19">
+              <a:extLst>
+                <a:ext uri="{FF2B5EF4-FFF2-40B4-BE49-F238E27FC236}">
+                  <a16:creationId xmlns:a16="http://schemas.microsoft.com/office/drawing/2014/main" id="{AF9EC196-11E2-4549-EEE1-461C2BDE45B9}"/>
+                </a:ext>
+              </a:extLst>
+            </p:cNvPr>
+            <p:cNvSpPr txBox="1"/>
+            <p:nvPr/>
+          </p:nvSpPr>
+          <p:spPr>
+            <a:xfrm flipH="1">
+              <a:off x="2373968" y="4921435"/>
+              <a:ext cx="3376925" cy="369332"/>
+            </a:xfrm>
+            <a:prstGeom prst="rect">
+              <a:avLst/>
+            </a:prstGeom>
+            <a:noFill/>
+          </p:spPr>
+          <p:txBody>
+            <a:bodyPr wrap="square" rtlCol="0">
+              <a:spAutoFit/>
+            </a:bodyPr>
+            <a:lstStyle/>
+            <a:p>
+              <a:r>
+                <a:rPr lang="es-UY" b="1" dirty="0" err="1"/>
+                <a:t>PilaProductos</a:t>
+              </a:r>
+              <a:r>
+                <a:rPr lang="es-UY" dirty="0"/>
+                <a:t> (Pedido)</a:t>
+              </a:r>
+            </a:p>
+          </p:txBody>
+        </p:sp>
+        <p:sp>
+          <p:nvSpPr>
+            <p:cNvPr id="22" name="Rectángulo 21">
+              <a:extLst>
+                <a:ext uri="{FF2B5EF4-FFF2-40B4-BE49-F238E27FC236}">
+                  <a16:creationId xmlns:a16="http://schemas.microsoft.com/office/drawing/2014/main" id="{4E1F71AD-6E22-A47D-2A64-C875E2F17F04}"/>
+                </a:ext>
+              </a:extLst>
+            </p:cNvPr>
+            <p:cNvSpPr/>
+            <p:nvPr/>
+          </p:nvSpPr>
+          <p:spPr>
+            <a:xfrm>
+              <a:off x="3309878" y="5255757"/>
+              <a:ext cx="690745" cy="430887"/>
+            </a:xfrm>
+            <a:prstGeom prst="rect">
+              <a:avLst/>
+            </a:prstGeom>
+            <a:solidFill>
+              <a:schemeClr val="accent6">
+                <a:lumMod val="60000"/>
+                <a:lumOff val="40000"/>
+              </a:schemeClr>
+            </a:solidFill>
+          </p:spPr>
+          <p:style>
+            <a:lnRef idx="2">
+              <a:schemeClr val="accent6">
+                <a:shade val="50000"/>
+              </a:schemeClr>
+            </a:lnRef>
+            <a:fillRef idx="1">
+              <a:schemeClr val="accent6"/>
+            </a:fillRef>
+            <a:effectRef idx="0">
+              <a:schemeClr val="accent6"/>
+            </a:effectRef>
+            <a:fontRef idx="minor">
+              <a:schemeClr val="lt1"/>
+            </a:fontRef>
+          </p:style>
+          <p:txBody>
+            <a:bodyPr rtlCol="0" anchor="ctr"/>
+            <a:lstStyle/>
+            <a:p>
+              <a:pPr algn="ctr"/>
+              <a:endParaRPr lang="es-UY"/>
+            </a:p>
+          </p:txBody>
+        </p:sp>
+        <p:sp>
+          <p:nvSpPr>
+            <p:cNvPr id="23" name="Rectángulo 22">
+              <a:extLst>
+                <a:ext uri="{FF2B5EF4-FFF2-40B4-BE49-F238E27FC236}">
+                  <a16:creationId xmlns:a16="http://schemas.microsoft.com/office/drawing/2014/main" id="{23B8CAC4-D738-D956-33C6-B5CA2028B64E}"/>
+                </a:ext>
+              </a:extLst>
+            </p:cNvPr>
+            <p:cNvSpPr/>
+            <p:nvPr/>
+          </p:nvSpPr>
+          <p:spPr>
+            <a:xfrm>
+              <a:off x="4126657" y="5255756"/>
+              <a:ext cx="690745" cy="430885"/>
+            </a:xfrm>
+            <a:prstGeom prst="rect">
+              <a:avLst/>
+            </a:prstGeom>
+            <a:solidFill>
+              <a:schemeClr val="accent6">
+                <a:lumMod val="60000"/>
+                <a:lumOff val="40000"/>
+              </a:schemeClr>
+            </a:solidFill>
+          </p:spPr>
+          <p:style>
+            <a:lnRef idx="2">
+              <a:schemeClr val="accent6">
+                <a:shade val="50000"/>
+              </a:schemeClr>
+            </a:lnRef>
+            <a:fillRef idx="1">
+              <a:schemeClr val="accent6"/>
+            </a:fillRef>
+            <a:effectRef idx="0">
+              <a:schemeClr val="accent6"/>
+            </a:effectRef>
+            <a:fontRef idx="minor">
+              <a:schemeClr val="lt1"/>
+            </a:fontRef>
+          </p:style>
+          <p:txBody>
+            <a:bodyPr rtlCol="0" anchor="ctr"/>
+            <a:lstStyle/>
+            <a:p>
+              <a:pPr algn="ctr"/>
+              <a:endParaRPr lang="es-UY"/>
+            </a:p>
+          </p:txBody>
+        </p:sp>
+        <p:sp>
+          <p:nvSpPr>
+            <p:cNvPr id="24" name="Rectángulo 23">
+              <a:extLst>
+                <a:ext uri="{FF2B5EF4-FFF2-40B4-BE49-F238E27FC236}">
+                  <a16:creationId xmlns:a16="http://schemas.microsoft.com/office/drawing/2014/main" id="{4E8827D2-C37F-76E1-47E5-9F88D819006C}"/>
+                </a:ext>
+              </a:extLst>
+            </p:cNvPr>
+            <p:cNvSpPr/>
+            <p:nvPr/>
+          </p:nvSpPr>
+          <p:spPr>
+            <a:xfrm>
+              <a:off x="3742030" y="920869"/>
+              <a:ext cx="1720819" cy="1007959"/>
+            </a:xfrm>
+            <a:prstGeom prst="rect">
+              <a:avLst/>
+            </a:prstGeom>
+            <a:solidFill>
+              <a:schemeClr val="accent6">
+                <a:lumMod val="60000"/>
+                <a:lumOff val="40000"/>
+              </a:schemeClr>
+            </a:solidFill>
+            <a:ln/>
+          </p:spPr>
+          <p:style>
+            <a:lnRef idx="2">
+              <a:schemeClr val="accent6">
+                <a:shade val="50000"/>
+              </a:schemeClr>
+            </a:lnRef>
+            <a:fillRef idx="1">
+              <a:schemeClr val="accent6"/>
+            </a:fillRef>
+            <a:effectRef idx="0">
+              <a:schemeClr val="accent6"/>
+            </a:effectRef>
+            <a:fontRef idx="minor">
+              <a:schemeClr val="lt1"/>
+            </a:fontRef>
+          </p:style>
+          <p:txBody>
+            <a:bodyPr rtlCol="0" anchor="ctr"/>
+            <a:lstStyle/>
+            <a:p>
+              <a:pPr algn="ctr"/>
+              <a:endParaRPr lang="es-UY"/>
+            </a:p>
+          </p:txBody>
+        </p:sp>
+        <p:sp>
+          <p:nvSpPr>
+            <p:cNvPr id="25" name="CuadroTexto 24">
+              <a:extLst>
+                <a:ext uri="{FF2B5EF4-FFF2-40B4-BE49-F238E27FC236}">
+                  <a16:creationId xmlns:a16="http://schemas.microsoft.com/office/drawing/2014/main" id="{5DABC579-AEF4-C43A-12AF-9795422F78AE}"/>
+                </a:ext>
+              </a:extLst>
+            </p:cNvPr>
+            <p:cNvSpPr txBox="1"/>
+            <p:nvPr/>
+          </p:nvSpPr>
+          <p:spPr>
+            <a:xfrm flipH="1">
+              <a:off x="3699385" y="208432"/>
+              <a:ext cx="2928174" cy="646331"/>
+            </a:xfrm>
+            <a:prstGeom prst="rect">
+              <a:avLst/>
+            </a:prstGeom>
+            <a:noFill/>
+          </p:spPr>
+          <p:txBody>
+            <a:bodyPr wrap="square" rtlCol="0">
+              <a:spAutoFit/>
+            </a:bodyPr>
+            <a:lstStyle/>
+            <a:p>
+              <a:r>
+                <a:rPr lang="es-UY" b="1" dirty="0" err="1"/>
+                <a:t>ListaSimpleProductos</a:t>
+              </a:r>
+              <a:r>
+                <a:rPr lang="es-UY" dirty="0"/>
+                <a:t> (Sistema)</a:t>
+              </a:r>
+            </a:p>
+          </p:txBody>
+        </p:sp>
+        <p:sp>
+          <p:nvSpPr>
+            <p:cNvPr id="8" name="CuadroTexto 7">
+              <a:extLst>
+                <a:ext uri="{FF2B5EF4-FFF2-40B4-BE49-F238E27FC236}">
+                  <a16:creationId xmlns:a16="http://schemas.microsoft.com/office/drawing/2014/main" id="{134F8412-F78E-DE75-6C45-1C63F7E9C8EA}"/>
+                </a:ext>
+              </a:extLst>
+            </p:cNvPr>
+            <p:cNvSpPr txBox="1"/>
+            <p:nvPr/>
+          </p:nvSpPr>
+          <p:spPr>
+            <a:xfrm>
+              <a:off x="5441686" y="880791"/>
+              <a:ext cx="1266786" cy="1061829"/>
+            </a:xfrm>
+            <a:prstGeom prst="rect">
+              <a:avLst/>
+            </a:prstGeom>
+            <a:noFill/>
+          </p:spPr>
+          <p:txBody>
+            <a:bodyPr wrap="square" rtlCol="0">
+              <a:spAutoFit/>
+            </a:bodyPr>
+            <a:lstStyle/>
+            <a:p>
+              <a:pPr algn="just"/>
+              <a:r>
+                <a:rPr lang="es-UY" sz="1050" dirty="0"/>
+                <a:t>Se muestran en orden en que se les dio el alta. Se buscan por nombre para eliminar o dar de alta Stock.</a:t>
+              </a:r>
+              <a:endParaRPr lang="es-UY" sz="1050" dirty="0">
+                <a:highlight>
+                  <a:srgbClr val="FFFF00"/>
+                </a:highlight>
+              </a:endParaRPr>
+            </a:p>
+          </p:txBody>
+        </p:sp>
+        <p:sp>
+          <p:nvSpPr>
+            <p:cNvPr id="14" name="CuadroTexto 13">
+              <a:extLst>
+                <a:ext uri="{FF2B5EF4-FFF2-40B4-BE49-F238E27FC236}">
+                  <a16:creationId xmlns:a16="http://schemas.microsoft.com/office/drawing/2014/main" id="{26887DC5-23BC-230D-690C-08F829EB4DE9}"/>
+                </a:ext>
+              </a:extLst>
+            </p:cNvPr>
+            <p:cNvSpPr txBox="1"/>
+            <p:nvPr/>
+          </p:nvSpPr>
+          <p:spPr>
+            <a:xfrm>
+              <a:off x="4817402" y="5186662"/>
+              <a:ext cx="2211127" cy="577081"/>
+            </a:xfrm>
+            <a:prstGeom prst="rect">
+              <a:avLst/>
+            </a:prstGeom>
+            <a:noFill/>
+          </p:spPr>
+          <p:txBody>
+            <a:bodyPr wrap="square" rtlCol="0">
+              <a:spAutoFit/>
+            </a:bodyPr>
+            <a:lstStyle/>
+            <a:p>
+              <a:pPr algn="just"/>
+              <a:r>
+                <a:rPr lang="es-UY" sz="1050" dirty="0"/>
+                <a:t>Se agrega uno arriba de otro, y se puede eliminar solo los últimos que se agregaron.</a:t>
+              </a:r>
+            </a:p>
+          </p:txBody>
+        </p:sp>
+        <p:sp>
+          <p:nvSpPr>
+            <p:cNvPr id="17" name="CuadroTexto 16">
+              <a:extLst>
+                <a:ext uri="{FF2B5EF4-FFF2-40B4-BE49-F238E27FC236}">
+                  <a16:creationId xmlns:a16="http://schemas.microsoft.com/office/drawing/2014/main" id="{DFAFAC94-7726-C550-AD0E-66EBC61B15BC}"/>
+                </a:ext>
+              </a:extLst>
+            </p:cNvPr>
+            <p:cNvSpPr txBox="1"/>
+            <p:nvPr/>
+          </p:nvSpPr>
+          <p:spPr>
+            <a:xfrm>
+              <a:off x="7099048" y="3489555"/>
+              <a:ext cx="1831036" cy="938719"/>
+            </a:xfrm>
+            <a:prstGeom prst="rect">
+              <a:avLst/>
+            </a:prstGeom>
+            <a:noFill/>
+          </p:spPr>
+          <p:txBody>
+            <a:bodyPr wrap="square" rtlCol="0">
+              <a:spAutoFit/>
+            </a:bodyPr>
+            <a:lstStyle/>
+            <a:p>
+              <a:pPr algn="just"/>
+              <a:r>
+                <a:rPr lang="es-UY" sz="1100" dirty="0"/>
+                <a:t>Se procesan en orden de llegada (el primer elementos se procesa primero), pedido procesado se elimina y pasa a </a:t>
+              </a:r>
+              <a:r>
+                <a:rPr lang="es-UY" sz="1100" dirty="0" err="1"/>
+                <a:t>ListaPedidosParaEntregar</a:t>
+              </a:r>
+              <a:r>
+                <a:rPr lang="es-UY" sz="1100" dirty="0"/>
+                <a:t>()</a:t>
+              </a:r>
+            </a:p>
+          </p:txBody>
+        </p:sp>
+        <p:sp>
+          <p:nvSpPr>
+            <p:cNvPr id="26" name="CuadroTexto 25">
+              <a:extLst>
+                <a:ext uri="{FF2B5EF4-FFF2-40B4-BE49-F238E27FC236}">
+                  <a16:creationId xmlns:a16="http://schemas.microsoft.com/office/drawing/2014/main" id="{E1D28098-26E0-366C-D16D-75ADED6F6D87}"/>
+                </a:ext>
+              </a:extLst>
+            </p:cNvPr>
+            <p:cNvSpPr txBox="1"/>
+            <p:nvPr/>
+          </p:nvSpPr>
+          <p:spPr>
+            <a:xfrm>
+              <a:off x="2387829" y="1067679"/>
+              <a:ext cx="1275333" cy="769441"/>
+            </a:xfrm>
+            <a:prstGeom prst="rect">
+              <a:avLst/>
+            </a:prstGeom>
+            <a:noFill/>
+          </p:spPr>
+          <p:txBody>
+            <a:bodyPr wrap="square" rtlCol="0">
+              <a:spAutoFit/>
+            </a:bodyPr>
+            <a:lstStyle/>
+            <a:p>
+              <a:pPr algn="just"/>
+              <a:r>
+                <a:rPr lang="es-UY" sz="1100" dirty="0"/>
+                <a:t>Se busca por Ci, se muestran ordenados alfabéticamente</a:t>
+              </a:r>
+            </a:p>
+          </p:txBody>
+        </p:sp>
+        <p:cxnSp>
+          <p:nvCxnSpPr>
+            <p:cNvPr id="30" name="Conector recto de flecha 29">
+              <a:extLst>
+                <a:ext uri="{FF2B5EF4-FFF2-40B4-BE49-F238E27FC236}">
+                  <a16:creationId xmlns:a16="http://schemas.microsoft.com/office/drawing/2014/main" id="{583D7A11-6D9E-0F74-8A41-FF4898A569CD}"/>
+                </a:ext>
+              </a:extLst>
+            </p:cNvPr>
+            <p:cNvCxnSpPr>
+              <a:cxnSpLocks/>
+            </p:cNvCxnSpPr>
+            <p:nvPr/>
+          </p:nvCxnSpPr>
+          <p:spPr>
+            <a:xfrm>
+              <a:off x="1483910" y="3358123"/>
+              <a:ext cx="0" cy="817274"/>
+            </a:xfrm>
+            <a:prstGeom prst="straightConnector1">
+              <a:avLst/>
+            </a:prstGeom>
+            <a:ln w="38100">
+              <a:tailEnd type="triangle"/>
+            </a:ln>
+          </p:spPr>
+          <p:style>
+            <a:lnRef idx="1">
+              <a:schemeClr val="accent1"/>
+            </a:lnRef>
+            <a:fillRef idx="0">
+              <a:schemeClr val="accent1"/>
+            </a:fillRef>
+            <a:effectRef idx="0">
+              <a:schemeClr val="accent1"/>
+            </a:effectRef>
+            <a:fontRef idx="minor">
+              <a:schemeClr val="tx1"/>
+            </a:fontRef>
+          </p:style>
+        </p:cxnSp>
+        <p:sp>
+          <p:nvSpPr>
+            <p:cNvPr id="32" name="Rectángulo 31">
+              <a:extLst>
+                <a:ext uri="{FF2B5EF4-FFF2-40B4-BE49-F238E27FC236}">
+                  <a16:creationId xmlns:a16="http://schemas.microsoft.com/office/drawing/2014/main" id="{5C33449E-246E-476B-5E7D-DD20D8213147}"/>
+                </a:ext>
+              </a:extLst>
+            </p:cNvPr>
+            <p:cNvSpPr/>
+            <p:nvPr/>
+          </p:nvSpPr>
+          <p:spPr>
+            <a:xfrm flipV="1">
+              <a:off x="1019992" y="4273308"/>
+              <a:ext cx="944774" cy="369332"/>
+            </a:xfrm>
+            <a:prstGeom prst="rect">
+              <a:avLst/>
+            </a:prstGeom>
+            <a:solidFill>
+              <a:schemeClr val="accent4">
+                <a:lumMod val="60000"/>
+                <a:lumOff val="40000"/>
+              </a:schemeClr>
+            </a:solidFill>
+          </p:spPr>
+          <p:style>
+            <a:lnRef idx="2">
+              <a:schemeClr val="accent4">
+                <a:shade val="50000"/>
+              </a:schemeClr>
+            </a:lnRef>
+            <a:fillRef idx="1">
+              <a:schemeClr val="accent4"/>
+            </a:fillRef>
+            <a:effectRef idx="0">
+              <a:schemeClr val="accent4"/>
+            </a:effectRef>
+            <a:fontRef idx="minor">
+              <a:schemeClr val="lt1"/>
+            </a:fontRef>
+          </p:style>
+          <p:txBody>
+            <a:bodyPr rtlCol="0" anchor="ctr"/>
+            <a:lstStyle/>
+            <a:p>
+              <a:pPr algn="ctr"/>
+              <a:endParaRPr lang="es-UY"/>
+            </a:p>
+          </p:txBody>
+        </p:sp>
+        <p:sp>
+          <p:nvSpPr>
+            <p:cNvPr id="33" name="Rectángulo 32">
+              <a:extLst>
+                <a:ext uri="{FF2B5EF4-FFF2-40B4-BE49-F238E27FC236}">
+                  <a16:creationId xmlns:a16="http://schemas.microsoft.com/office/drawing/2014/main" id="{B48A363C-AE49-66AD-16A1-EF2222439BD3}"/>
+                </a:ext>
+              </a:extLst>
+            </p:cNvPr>
+            <p:cNvSpPr/>
+            <p:nvPr/>
+          </p:nvSpPr>
+          <p:spPr>
+            <a:xfrm flipV="1">
+              <a:off x="1019994" y="4697241"/>
+              <a:ext cx="944774" cy="369332"/>
+            </a:xfrm>
+            <a:prstGeom prst="rect">
+              <a:avLst/>
+            </a:prstGeom>
+            <a:solidFill>
+              <a:schemeClr val="accent4">
+                <a:lumMod val="60000"/>
+                <a:lumOff val="40000"/>
+              </a:schemeClr>
+            </a:solidFill>
+          </p:spPr>
+          <p:style>
+            <a:lnRef idx="2">
+              <a:schemeClr val="accent4">
+                <a:shade val="50000"/>
+              </a:schemeClr>
+            </a:lnRef>
+            <a:fillRef idx="1">
+              <a:schemeClr val="accent4"/>
+            </a:fillRef>
+            <a:effectRef idx="0">
+              <a:schemeClr val="accent4"/>
+            </a:effectRef>
+            <a:fontRef idx="minor">
+              <a:schemeClr val="lt1"/>
+            </a:fontRef>
+          </p:style>
+          <p:txBody>
+            <a:bodyPr rtlCol="0" anchor="ctr"/>
+            <a:lstStyle/>
+            <a:p>
+              <a:pPr algn="ctr"/>
+              <a:endParaRPr lang="es-UY"/>
+            </a:p>
+          </p:txBody>
+        </p:sp>
+        <p:sp>
+          <p:nvSpPr>
+            <p:cNvPr id="34" name="Rectángulo 33">
+              <a:extLst>
+                <a:ext uri="{FF2B5EF4-FFF2-40B4-BE49-F238E27FC236}">
+                  <a16:creationId xmlns:a16="http://schemas.microsoft.com/office/drawing/2014/main" id="{3F3ADED7-FE15-8C10-1B98-FA35576FCDC9}"/>
+                </a:ext>
+              </a:extLst>
+            </p:cNvPr>
+            <p:cNvSpPr/>
+            <p:nvPr/>
+          </p:nvSpPr>
+          <p:spPr>
+            <a:xfrm flipV="1">
+              <a:off x="1019993" y="5143472"/>
+              <a:ext cx="944774" cy="369332"/>
+            </a:xfrm>
+            <a:prstGeom prst="rect">
+              <a:avLst/>
+            </a:prstGeom>
+            <a:solidFill>
+              <a:schemeClr val="accent4">
+                <a:lumMod val="60000"/>
+                <a:lumOff val="40000"/>
+              </a:schemeClr>
+            </a:solidFill>
+          </p:spPr>
+          <p:style>
+            <a:lnRef idx="2">
+              <a:schemeClr val="accent4">
+                <a:shade val="50000"/>
+              </a:schemeClr>
+            </a:lnRef>
+            <a:fillRef idx="1">
+              <a:schemeClr val="accent4"/>
+            </a:fillRef>
+            <a:effectRef idx="0">
+              <a:schemeClr val="accent4"/>
+            </a:effectRef>
+            <a:fontRef idx="minor">
+              <a:schemeClr val="lt1"/>
+            </a:fontRef>
+          </p:style>
+          <p:txBody>
+            <a:bodyPr rtlCol="0" anchor="ctr"/>
+            <a:lstStyle/>
+            <a:p>
+              <a:pPr algn="ctr"/>
+              <a:endParaRPr lang="es-UY"/>
+            </a:p>
+          </p:txBody>
+        </p:sp>
+        <p:sp>
+          <p:nvSpPr>
+            <p:cNvPr id="35" name="CuadroTexto 34">
+              <a:extLst>
+                <a:ext uri="{FF2B5EF4-FFF2-40B4-BE49-F238E27FC236}">
+                  <a16:creationId xmlns:a16="http://schemas.microsoft.com/office/drawing/2014/main" id="{6D232677-BD88-1493-AB99-F3C0661E7921}"/>
+                </a:ext>
+              </a:extLst>
+            </p:cNvPr>
+            <p:cNvSpPr txBox="1"/>
+            <p:nvPr/>
+          </p:nvSpPr>
+          <p:spPr>
+            <a:xfrm>
+              <a:off x="1974184" y="3860761"/>
+              <a:ext cx="3014993" cy="369332"/>
+            </a:xfrm>
+            <a:prstGeom prst="rect">
+              <a:avLst/>
+            </a:prstGeom>
+            <a:noFill/>
+          </p:spPr>
+          <p:txBody>
+            <a:bodyPr wrap="none" rtlCol="0">
+              <a:spAutoFit/>
+            </a:bodyPr>
+            <a:lstStyle/>
+            <a:p>
+              <a:r>
+                <a:rPr lang="en-US" b="1" dirty="0" err="1"/>
+                <a:t>ListaPedidosCerrados</a:t>
+              </a:r>
+              <a:r>
+                <a:rPr lang="en-US" dirty="0"/>
+                <a:t>(</a:t>
+              </a:r>
+              <a:r>
+                <a:rPr lang="en-US" dirty="0" err="1"/>
+                <a:t>Cliente</a:t>
+              </a:r>
+              <a:r>
+                <a:rPr lang="en-US" dirty="0"/>
+                <a:t>)</a:t>
+              </a:r>
+              <a:endParaRPr lang="es-UY" dirty="0"/>
+            </a:p>
+          </p:txBody>
+        </p:sp>
+        <p:sp>
+          <p:nvSpPr>
+            <p:cNvPr id="36" name="CuadroTexto 35">
+              <a:extLst>
+                <a:ext uri="{FF2B5EF4-FFF2-40B4-BE49-F238E27FC236}">
+                  <a16:creationId xmlns:a16="http://schemas.microsoft.com/office/drawing/2014/main" id="{05D2C676-402B-893F-D85C-9083FD14B72B}"/>
+                </a:ext>
+              </a:extLst>
+            </p:cNvPr>
+            <p:cNvSpPr txBox="1"/>
+            <p:nvPr/>
+          </p:nvSpPr>
+          <p:spPr>
+            <a:xfrm>
+              <a:off x="1989857" y="4234278"/>
+              <a:ext cx="2600767" cy="430887"/>
+            </a:xfrm>
+            <a:prstGeom prst="rect">
+              <a:avLst/>
+            </a:prstGeom>
+            <a:noFill/>
+          </p:spPr>
+          <p:txBody>
+            <a:bodyPr wrap="square" rtlCol="0">
+              <a:spAutoFit/>
+            </a:bodyPr>
+            <a:lstStyle/>
+            <a:p>
+              <a:pPr algn="just"/>
+              <a:r>
+                <a:rPr lang="en-US" sz="1100" dirty="0"/>
+                <a:t>Tengo </a:t>
+              </a:r>
+              <a:r>
+                <a:rPr lang="en-US" sz="1100" dirty="0" err="1"/>
+                <a:t>todos</a:t>
+              </a:r>
+              <a:r>
+                <a:rPr lang="en-US" sz="1100" dirty="0"/>
+                <a:t> </a:t>
+              </a:r>
+              <a:r>
+                <a:rPr lang="en-US" sz="1100" dirty="0" err="1"/>
+                <a:t>los</a:t>
+              </a:r>
+              <a:r>
+                <a:rPr lang="en-US" sz="1100" dirty="0"/>
+                <a:t> </a:t>
+              </a:r>
+              <a:r>
+                <a:rPr lang="en-US" sz="1100" dirty="0" err="1"/>
+                <a:t>pedidos</a:t>
+              </a:r>
+              <a:r>
+                <a:rPr lang="en-US" sz="1100" dirty="0"/>
+                <a:t> </a:t>
+              </a:r>
+              <a:r>
+                <a:rPr lang="en-US" sz="1100" dirty="0" err="1"/>
+                <a:t>cerrados</a:t>
+              </a:r>
+              <a:r>
+                <a:rPr lang="en-US" sz="1100" dirty="0"/>
+                <a:t> de un </a:t>
+              </a:r>
+              <a:r>
+                <a:rPr lang="en-US" sz="1100" dirty="0" err="1"/>
+                <a:t>cliente</a:t>
+              </a:r>
+              <a:endParaRPr lang="es-UY" sz="1100" dirty="0"/>
+            </a:p>
+          </p:txBody>
+        </p:sp>
+        <p:sp>
+          <p:nvSpPr>
+            <p:cNvPr id="2" name="Rectángulo 1">
+              <a:extLst>
+                <a:ext uri="{FF2B5EF4-FFF2-40B4-BE49-F238E27FC236}">
+                  <a16:creationId xmlns:a16="http://schemas.microsoft.com/office/drawing/2014/main" id="{BA0B6EE6-4538-E103-BF58-0802A09FF01B}"/>
+                </a:ext>
+              </a:extLst>
+            </p:cNvPr>
+            <p:cNvSpPr/>
+            <p:nvPr/>
+          </p:nvSpPr>
+          <p:spPr>
+            <a:xfrm>
+              <a:off x="528690" y="2626801"/>
+              <a:ext cx="1967456" cy="748517"/>
+            </a:xfrm>
+            <a:prstGeom prst="rect">
+              <a:avLst/>
+            </a:prstGeom>
+            <a:noFill/>
+            <a:ln w="15875">
+              <a:prstDash val="sysDash"/>
+            </a:ln>
+          </p:spPr>
+          <p:style>
+            <a:lnRef idx="2">
+              <a:schemeClr val="accent1">
+                <a:shade val="50000"/>
+              </a:schemeClr>
+            </a:lnRef>
+            <a:fillRef idx="1">
+              <a:schemeClr val="accent1"/>
+            </a:fillRef>
+            <a:effectRef idx="0">
+              <a:schemeClr val="accent1"/>
+            </a:effectRef>
+            <a:fontRef idx="minor">
+              <a:schemeClr val="lt1"/>
+            </a:fontRef>
+          </p:style>
+          <p:txBody>
+            <a:bodyPr rtlCol="0" anchor="ctr"/>
+            <a:lstStyle/>
+            <a:p>
+              <a:pPr algn="ctr"/>
+              <a:endParaRPr lang="es-UY"/>
+            </a:p>
+          </p:txBody>
+        </p:sp>
+        <p:sp>
+          <p:nvSpPr>
+            <p:cNvPr id="9" name="Rectángulo 8">
+              <a:extLst>
+                <a:ext uri="{FF2B5EF4-FFF2-40B4-BE49-F238E27FC236}">
+                  <a16:creationId xmlns:a16="http://schemas.microsoft.com/office/drawing/2014/main" id="{955BBB35-0100-7EB5-46F6-81013E689508}"/>
+                </a:ext>
+              </a:extLst>
+            </p:cNvPr>
+            <p:cNvSpPr/>
+            <p:nvPr/>
+          </p:nvSpPr>
+          <p:spPr>
+            <a:xfrm>
+              <a:off x="931525" y="5106101"/>
+              <a:ext cx="1135454" cy="502794"/>
+            </a:xfrm>
+            <a:prstGeom prst="rect">
+              <a:avLst/>
+            </a:prstGeom>
+            <a:noFill/>
+            <a:ln w="15875">
+              <a:prstDash val="sysDash"/>
+            </a:ln>
+          </p:spPr>
+          <p:style>
+            <a:lnRef idx="2">
+              <a:schemeClr val="accent1">
+                <a:shade val="50000"/>
+              </a:schemeClr>
+            </a:lnRef>
+            <a:fillRef idx="1">
+              <a:schemeClr val="accent1"/>
+            </a:fillRef>
+            <a:effectRef idx="0">
+              <a:schemeClr val="accent1"/>
+            </a:effectRef>
+            <a:fontRef idx="minor">
+              <a:schemeClr val="lt1"/>
+            </a:fontRef>
+          </p:style>
+          <p:txBody>
+            <a:bodyPr rtlCol="0" anchor="ctr"/>
+            <a:lstStyle/>
+            <a:p>
+              <a:pPr algn="ctr"/>
+              <a:endParaRPr lang="es-UY"/>
+            </a:p>
+          </p:txBody>
+        </p:sp>
+        <p:sp>
+          <p:nvSpPr>
+            <p:cNvPr id="21" name="CuadroTexto 20">
+              <a:extLst>
+                <a:ext uri="{FF2B5EF4-FFF2-40B4-BE49-F238E27FC236}">
+                  <a16:creationId xmlns:a16="http://schemas.microsoft.com/office/drawing/2014/main" id="{0BD4AAE6-AC89-C6C9-91ED-0B7187C44C9B}"/>
+                </a:ext>
+              </a:extLst>
+            </p:cNvPr>
+            <p:cNvSpPr txBox="1"/>
+            <p:nvPr/>
+          </p:nvSpPr>
+          <p:spPr>
+            <a:xfrm>
+              <a:off x="613513" y="1065760"/>
+              <a:ext cx="1967456" cy="861774"/>
+            </a:xfrm>
+            <a:prstGeom prst="rect">
+              <a:avLst/>
+            </a:prstGeom>
+            <a:noFill/>
+          </p:spPr>
+          <p:txBody>
+            <a:bodyPr wrap="square">
+              <a:spAutoFit/>
+            </a:bodyPr>
+            <a:lstStyle/>
+            <a:p>
+              <a:r>
+                <a:rPr lang="es-UY" sz="1000" dirty="0" err="1"/>
+                <a:t>private</a:t>
+              </a:r>
+              <a:r>
+                <a:rPr lang="es-UY" sz="1000" dirty="0"/>
+                <a:t> </a:t>
+              </a:r>
+              <a:r>
+                <a:rPr lang="es-UY" sz="1000" dirty="0" err="1"/>
+                <a:t>String</a:t>
+              </a:r>
+              <a:r>
+                <a:rPr lang="es-UY" sz="1000" dirty="0"/>
+                <a:t> </a:t>
+              </a:r>
+              <a:r>
+                <a:rPr lang="es-UY" sz="1000" b="1" dirty="0"/>
+                <a:t>nombre</a:t>
+              </a:r>
+              <a:r>
+                <a:rPr lang="es-UY" sz="1000" dirty="0"/>
+                <a:t>;</a:t>
+              </a:r>
+            </a:p>
+            <a:p>
+              <a:r>
+                <a:rPr lang="es-UY" sz="1000" dirty="0" err="1"/>
+                <a:t>private</a:t>
+              </a:r>
+              <a:r>
+                <a:rPr lang="es-UY" sz="1000" dirty="0"/>
+                <a:t> </a:t>
+              </a:r>
+              <a:r>
+                <a:rPr lang="es-UY" sz="1000" dirty="0" err="1"/>
+                <a:t>String</a:t>
+              </a:r>
+              <a:r>
+                <a:rPr lang="es-UY" sz="1000" dirty="0"/>
+                <a:t> </a:t>
+              </a:r>
+              <a:r>
+                <a:rPr lang="es-UY" sz="1000" b="1" dirty="0" err="1"/>
+                <a:t>ci</a:t>
+              </a:r>
+              <a:r>
+                <a:rPr lang="es-UY" sz="1000" dirty="0"/>
+                <a:t>;</a:t>
+              </a:r>
+            </a:p>
+            <a:p>
+              <a:r>
+                <a:rPr lang="es-UY" sz="1000" dirty="0" err="1"/>
+                <a:t>private</a:t>
+              </a:r>
+              <a:r>
+                <a:rPr lang="es-UY" sz="1000" dirty="0"/>
+                <a:t> </a:t>
+              </a:r>
+              <a:r>
+                <a:rPr lang="es-UY" sz="1000" dirty="0" err="1"/>
+                <a:t>ListaSimple</a:t>
+              </a:r>
+              <a:r>
+                <a:rPr lang="es-UY" sz="1000" dirty="0"/>
+                <a:t> </a:t>
+              </a:r>
+              <a:r>
+                <a:rPr lang="es-UY" sz="1000" b="1" dirty="0" err="1"/>
+                <a:t>listaPedidosCerrados</a:t>
+              </a:r>
+              <a:r>
+                <a:rPr lang="es-UY" sz="1000" dirty="0"/>
+                <a:t>;</a:t>
+              </a:r>
+            </a:p>
+            <a:p>
+              <a:r>
+                <a:rPr lang="es-UY" sz="1000" dirty="0" err="1"/>
+                <a:t>private</a:t>
+              </a:r>
+              <a:r>
+                <a:rPr lang="es-UY" sz="1000" dirty="0"/>
+                <a:t> Pedido </a:t>
+              </a:r>
+              <a:r>
+                <a:rPr lang="es-UY" sz="1000" b="1" dirty="0" err="1"/>
+                <a:t>pedidoAbierto</a:t>
+              </a:r>
+              <a:r>
+                <a:rPr lang="es-UY" sz="1000" dirty="0"/>
+                <a:t>;</a:t>
+              </a:r>
+            </a:p>
+          </p:txBody>
+        </p:sp>
+        <p:sp>
+          <p:nvSpPr>
+            <p:cNvPr id="29" name="CuadroTexto 28">
+              <a:extLst>
+                <a:ext uri="{FF2B5EF4-FFF2-40B4-BE49-F238E27FC236}">
+                  <a16:creationId xmlns:a16="http://schemas.microsoft.com/office/drawing/2014/main" id="{51D24C7D-AA9A-371B-B4F3-CAECA2210592}"/>
+                </a:ext>
+              </a:extLst>
+            </p:cNvPr>
+            <p:cNvSpPr txBox="1"/>
+            <p:nvPr/>
+          </p:nvSpPr>
+          <p:spPr>
+            <a:xfrm>
+              <a:off x="7222816" y="921610"/>
+              <a:ext cx="1583501" cy="861774"/>
+            </a:xfrm>
+            <a:prstGeom prst="rect">
+              <a:avLst/>
+            </a:prstGeom>
+            <a:noFill/>
+          </p:spPr>
+          <p:txBody>
+            <a:bodyPr wrap="square">
+              <a:spAutoFit/>
+            </a:bodyPr>
+            <a:lstStyle/>
+            <a:p>
+              <a:r>
+                <a:rPr lang="es-UY" sz="1000" dirty="0" err="1"/>
+                <a:t>private</a:t>
+              </a:r>
+              <a:r>
+                <a:rPr lang="es-UY" sz="1000" dirty="0"/>
+                <a:t> </a:t>
+              </a:r>
+              <a:r>
+                <a:rPr lang="es-UY" sz="1000" dirty="0" err="1"/>
+                <a:t>static</a:t>
+              </a:r>
+              <a:r>
+                <a:rPr lang="es-UY" sz="1000" dirty="0"/>
+                <a:t> </a:t>
+              </a:r>
+              <a:r>
+                <a:rPr lang="es-UY" sz="1000" dirty="0" err="1"/>
+                <a:t>int</a:t>
+              </a:r>
+              <a:r>
+                <a:rPr lang="es-UY" sz="1000" dirty="0"/>
+                <a:t> </a:t>
+              </a:r>
+              <a:r>
+                <a:rPr lang="es-UY" sz="1000" b="1" dirty="0"/>
+                <a:t>ID</a:t>
+              </a:r>
+              <a:r>
+                <a:rPr lang="es-UY" sz="1000" dirty="0"/>
+                <a:t> = 1;</a:t>
+              </a:r>
+            </a:p>
+            <a:p>
+              <a:r>
+                <a:rPr lang="es-UY" sz="1000" dirty="0" err="1"/>
+                <a:t>private</a:t>
+              </a:r>
+              <a:r>
+                <a:rPr lang="es-UY" sz="1000" dirty="0"/>
+                <a:t> </a:t>
+              </a:r>
+              <a:r>
+                <a:rPr lang="es-UY" sz="1000" dirty="0" err="1"/>
+                <a:t>int</a:t>
+              </a:r>
+              <a:r>
+                <a:rPr lang="es-UY" sz="1000" dirty="0"/>
+                <a:t> </a:t>
+              </a:r>
+              <a:r>
+                <a:rPr lang="es-UY" sz="1000" b="1" dirty="0" err="1"/>
+                <a:t>IDPedido</a:t>
+              </a:r>
+              <a:r>
+                <a:rPr lang="es-UY" sz="1000" dirty="0"/>
+                <a:t>;</a:t>
+              </a:r>
+            </a:p>
+            <a:p>
+              <a:r>
+                <a:rPr lang="es-UY" sz="1000" dirty="0" err="1"/>
+                <a:t>private</a:t>
+              </a:r>
+              <a:r>
+                <a:rPr lang="es-UY" sz="1000" dirty="0"/>
+                <a:t> </a:t>
+              </a:r>
+              <a:r>
+                <a:rPr lang="es-UY" sz="1000" dirty="0" err="1"/>
+                <a:t>enum</a:t>
+              </a:r>
+              <a:r>
+                <a:rPr lang="es-UY" sz="1000" dirty="0"/>
+                <a:t> </a:t>
+              </a:r>
+              <a:r>
+                <a:rPr lang="es-UY" sz="1000" b="1" dirty="0"/>
+                <a:t>estado</a:t>
+              </a:r>
+              <a:r>
+                <a:rPr lang="es-UY" sz="1000" dirty="0"/>
+                <a:t>;</a:t>
+              </a:r>
+            </a:p>
+            <a:p>
+              <a:r>
+                <a:rPr lang="es-UY" sz="1000" dirty="0" err="1"/>
+                <a:t>private</a:t>
+              </a:r>
+              <a:r>
+                <a:rPr lang="es-UY" sz="1000" dirty="0"/>
+                <a:t> Cliente </a:t>
+              </a:r>
+              <a:r>
+                <a:rPr lang="es-UY" sz="1000" b="1" dirty="0" err="1"/>
+                <a:t>cli</a:t>
+              </a:r>
+              <a:r>
+                <a:rPr lang="es-UY" sz="1000" dirty="0"/>
+                <a:t>;</a:t>
+              </a:r>
+            </a:p>
+            <a:p>
+              <a:r>
+                <a:rPr lang="es-UY" sz="1000" dirty="0" err="1"/>
+                <a:t>private</a:t>
+              </a:r>
+              <a:r>
+                <a:rPr lang="es-UY" sz="1000" dirty="0"/>
+                <a:t> Pila </a:t>
+              </a:r>
+              <a:r>
+                <a:rPr lang="es-UY" sz="1000" b="1" dirty="0" err="1"/>
+                <a:t>pilaProductos</a:t>
+              </a:r>
+              <a:r>
+                <a:rPr lang="es-UY" sz="1000" dirty="0"/>
+                <a:t>;</a:t>
+              </a:r>
+            </a:p>
+          </p:txBody>
+        </p:sp>
+        <p:sp>
+          <p:nvSpPr>
+            <p:cNvPr id="37" name="CuadroTexto 36">
+              <a:extLst>
+                <a:ext uri="{FF2B5EF4-FFF2-40B4-BE49-F238E27FC236}">
+                  <a16:creationId xmlns:a16="http://schemas.microsoft.com/office/drawing/2014/main" id="{C5D48424-461D-6B81-BCBA-7FD04F2A7D91}"/>
+                </a:ext>
+              </a:extLst>
+            </p:cNvPr>
+            <p:cNvSpPr txBox="1"/>
+            <p:nvPr/>
+          </p:nvSpPr>
+          <p:spPr>
+            <a:xfrm>
+              <a:off x="3666636" y="940365"/>
+              <a:ext cx="1879355" cy="1015663"/>
+            </a:xfrm>
+            <a:prstGeom prst="rect">
+              <a:avLst/>
+            </a:prstGeom>
+            <a:noFill/>
+          </p:spPr>
+          <p:txBody>
+            <a:bodyPr wrap="square">
+              <a:spAutoFit/>
+            </a:bodyPr>
+            <a:lstStyle/>
+            <a:p>
+              <a:r>
+                <a:rPr lang="es-UY" sz="1000" dirty="0" err="1"/>
+                <a:t>private</a:t>
+              </a:r>
+              <a:r>
+                <a:rPr lang="es-UY" sz="1000" dirty="0"/>
+                <a:t> </a:t>
+              </a:r>
+              <a:r>
+                <a:rPr lang="es-UY" sz="1000" dirty="0" err="1"/>
+                <a:t>String</a:t>
+              </a:r>
+              <a:r>
+                <a:rPr lang="es-UY" sz="1000" dirty="0"/>
+                <a:t> </a:t>
+              </a:r>
+              <a:r>
+                <a:rPr lang="es-UY" sz="1000" b="1" dirty="0"/>
+                <a:t>nombre</a:t>
+              </a:r>
+              <a:r>
+                <a:rPr lang="es-UY" sz="1000" dirty="0"/>
+                <a:t>;</a:t>
+              </a:r>
+            </a:p>
+            <a:p>
+              <a:r>
+                <a:rPr lang="es-UY" sz="1000" dirty="0" err="1"/>
+                <a:t>private</a:t>
+              </a:r>
+              <a:r>
+                <a:rPr lang="es-UY" sz="1000" dirty="0"/>
+                <a:t> </a:t>
+              </a:r>
+              <a:r>
+                <a:rPr lang="es-UY" sz="1000" dirty="0" err="1"/>
+                <a:t>String</a:t>
+              </a:r>
+              <a:r>
+                <a:rPr lang="es-UY" sz="1000" dirty="0"/>
+                <a:t> </a:t>
+              </a:r>
+              <a:r>
+                <a:rPr lang="es-UY" sz="1000" b="1" dirty="0" err="1"/>
+                <a:t>descripcion</a:t>
+              </a:r>
+              <a:r>
+                <a:rPr lang="es-UY" sz="1000" dirty="0"/>
+                <a:t>;</a:t>
+              </a:r>
+            </a:p>
+            <a:p>
+              <a:r>
+                <a:rPr lang="es-UY" sz="1000" dirty="0" err="1"/>
+                <a:t>private</a:t>
+              </a:r>
+              <a:r>
+                <a:rPr lang="es-UY" sz="1000" dirty="0"/>
+                <a:t> </a:t>
+              </a:r>
+              <a:r>
+                <a:rPr lang="es-UY" sz="1000" dirty="0" err="1"/>
+                <a:t>int</a:t>
+              </a:r>
+              <a:r>
+                <a:rPr lang="es-UY" sz="1000" dirty="0"/>
+                <a:t> </a:t>
+              </a:r>
+              <a:r>
+                <a:rPr lang="es-UY" sz="1000" b="1" dirty="0"/>
+                <a:t>stock</a:t>
+              </a:r>
+              <a:r>
+                <a:rPr lang="es-UY" sz="1000" dirty="0"/>
+                <a:t>;</a:t>
+              </a:r>
+            </a:p>
+            <a:p>
+              <a:r>
+                <a:rPr lang="es-UY" sz="1000" dirty="0" err="1"/>
+                <a:t>private</a:t>
+              </a:r>
+              <a:r>
+                <a:rPr lang="es-UY" sz="1000" dirty="0"/>
+                <a:t> </a:t>
+              </a:r>
+              <a:r>
+                <a:rPr lang="es-UY" sz="1000" dirty="0" err="1"/>
+                <a:t>int</a:t>
+              </a:r>
+              <a:r>
+                <a:rPr lang="es-UY" sz="1000" dirty="0"/>
+                <a:t> </a:t>
+              </a:r>
+              <a:r>
+                <a:rPr lang="es-UY" sz="1000" b="1" dirty="0"/>
+                <a:t>ID</a:t>
+              </a:r>
+              <a:r>
+                <a:rPr lang="es-UY" sz="1000" dirty="0"/>
+                <a:t>;</a:t>
+              </a:r>
+            </a:p>
+            <a:p>
+              <a:r>
+                <a:rPr lang="es-UY" sz="1000" dirty="0" err="1"/>
+                <a:t>private</a:t>
+              </a:r>
+              <a:r>
+                <a:rPr lang="es-UY" sz="1000" dirty="0"/>
+                <a:t> </a:t>
+              </a:r>
+              <a:r>
+                <a:rPr lang="es-UY" sz="1000" dirty="0" err="1"/>
+                <a:t>static</a:t>
+              </a:r>
+              <a:r>
+                <a:rPr lang="es-UY" sz="1000" dirty="0"/>
+                <a:t> </a:t>
+              </a:r>
+              <a:r>
+                <a:rPr lang="es-UY" sz="1000" dirty="0" err="1"/>
+                <a:t>int</a:t>
+              </a:r>
+              <a:r>
+                <a:rPr lang="es-UY" sz="1000" dirty="0"/>
+                <a:t> </a:t>
+              </a:r>
+              <a:r>
+                <a:rPr lang="es-UY" sz="1000" b="1" dirty="0" err="1"/>
+                <a:t>IDClase</a:t>
+              </a:r>
+              <a:r>
+                <a:rPr lang="es-UY" sz="1000" dirty="0"/>
+                <a:t> = 1;</a:t>
+              </a:r>
+            </a:p>
+            <a:p>
+              <a:r>
+                <a:rPr lang="es-UY" sz="1000" dirty="0" err="1"/>
+                <a:t>private</a:t>
+              </a:r>
+              <a:r>
+                <a:rPr lang="es-UY" sz="1000" dirty="0"/>
+                <a:t> </a:t>
+              </a:r>
+              <a:r>
+                <a:rPr lang="es-UY" sz="1000" dirty="0" err="1"/>
+                <a:t>int</a:t>
+              </a:r>
+              <a:r>
+                <a:rPr lang="es-UY" sz="1000" dirty="0"/>
+                <a:t> </a:t>
+              </a:r>
+              <a:r>
+                <a:rPr lang="es-UY" sz="1000" b="1" dirty="0" err="1"/>
+                <a:t>pedidosProducto</a:t>
+              </a:r>
+              <a:r>
+                <a:rPr lang="es-UY" sz="1000" dirty="0"/>
+                <a:t> = 0;</a:t>
+              </a:r>
+            </a:p>
+          </p:txBody>
+        </p:sp>
+        <p:sp>
+          <p:nvSpPr>
+            <p:cNvPr id="41" name="Rectángulo 40">
+              <a:extLst>
+                <a:ext uri="{FF2B5EF4-FFF2-40B4-BE49-F238E27FC236}">
+                  <a16:creationId xmlns:a16="http://schemas.microsoft.com/office/drawing/2014/main" id="{A6471AA1-3783-39B1-6422-74D4A608E628}"/>
+                </a:ext>
+              </a:extLst>
+            </p:cNvPr>
+            <p:cNvSpPr/>
+            <p:nvPr/>
+          </p:nvSpPr>
+          <p:spPr>
+            <a:xfrm>
+              <a:off x="3738981" y="1979262"/>
+              <a:ext cx="1723868" cy="688157"/>
+            </a:xfrm>
+            <a:prstGeom prst="rect">
+              <a:avLst/>
+            </a:prstGeom>
+            <a:solidFill>
+              <a:schemeClr val="accent6">
+                <a:lumMod val="60000"/>
+                <a:lumOff val="40000"/>
+              </a:schemeClr>
+            </a:solidFill>
+            <a:ln/>
+          </p:spPr>
+          <p:style>
+            <a:lnRef idx="2">
+              <a:schemeClr val="accent6">
+                <a:shade val="50000"/>
+              </a:schemeClr>
+            </a:lnRef>
+            <a:fillRef idx="1">
+              <a:schemeClr val="accent6"/>
+            </a:fillRef>
+            <a:effectRef idx="0">
+              <a:schemeClr val="accent6"/>
+            </a:effectRef>
+            <a:fontRef idx="minor">
+              <a:schemeClr val="lt1"/>
+            </a:fontRef>
+          </p:style>
+          <p:txBody>
+            <a:bodyPr rtlCol="0" anchor="ctr"/>
+            <a:lstStyle/>
+            <a:p>
+              <a:pPr algn="ctr"/>
+              <a:endParaRPr lang="es-UY"/>
+            </a:p>
+          </p:txBody>
+        </p:sp>
+        <p:sp>
+          <p:nvSpPr>
+            <p:cNvPr id="42" name="Rectángulo 41">
+              <a:extLst>
+                <a:ext uri="{FF2B5EF4-FFF2-40B4-BE49-F238E27FC236}">
+                  <a16:creationId xmlns:a16="http://schemas.microsoft.com/office/drawing/2014/main" id="{28402205-DE90-C306-2B47-3B06453ADB30}"/>
+                </a:ext>
+              </a:extLst>
+            </p:cNvPr>
+            <p:cNvSpPr/>
+            <p:nvPr/>
+          </p:nvSpPr>
+          <p:spPr>
+            <a:xfrm>
+              <a:off x="3738981" y="2750090"/>
+              <a:ext cx="1742449" cy="688157"/>
+            </a:xfrm>
+            <a:prstGeom prst="rect">
+              <a:avLst/>
+            </a:prstGeom>
+            <a:solidFill>
+              <a:schemeClr val="accent6">
+                <a:lumMod val="60000"/>
+                <a:lumOff val="40000"/>
+              </a:schemeClr>
+            </a:solidFill>
+            <a:ln/>
+          </p:spPr>
+          <p:style>
+            <a:lnRef idx="2">
+              <a:schemeClr val="accent6">
+                <a:shade val="50000"/>
+              </a:schemeClr>
+            </a:lnRef>
+            <a:fillRef idx="1">
+              <a:schemeClr val="accent6"/>
+            </a:fillRef>
+            <a:effectRef idx="0">
+              <a:schemeClr val="accent6"/>
+            </a:effectRef>
+            <a:fontRef idx="minor">
+              <a:schemeClr val="lt1"/>
+            </a:fontRef>
+          </p:style>
+          <p:txBody>
+            <a:bodyPr rtlCol="0" anchor="ctr"/>
+            <a:lstStyle/>
+            <a:p>
+              <a:pPr algn="ctr"/>
+              <a:endParaRPr lang="es-UY"/>
+            </a:p>
+          </p:txBody>
+        </p:sp>
+        <p:sp>
+          <p:nvSpPr>
+            <p:cNvPr id="43" name="Rectángulo 42">
+              <a:extLst>
+                <a:ext uri="{FF2B5EF4-FFF2-40B4-BE49-F238E27FC236}">
+                  <a16:creationId xmlns:a16="http://schemas.microsoft.com/office/drawing/2014/main" id="{ED35BCF5-B5AD-2005-B077-F03E180D7358}"/>
+                </a:ext>
+              </a:extLst>
+            </p:cNvPr>
+            <p:cNvSpPr/>
+            <p:nvPr/>
+          </p:nvSpPr>
+          <p:spPr>
+            <a:xfrm>
+              <a:off x="7186405" y="1889946"/>
+              <a:ext cx="1483355" cy="688157"/>
+            </a:xfrm>
+            <a:prstGeom prst="rect">
+              <a:avLst/>
+            </a:prstGeom>
+            <a:solidFill>
+              <a:schemeClr val="accent4">
+                <a:lumMod val="60000"/>
+                <a:lumOff val="40000"/>
+              </a:schemeClr>
+            </a:solidFill>
+          </p:spPr>
+          <p:style>
+            <a:lnRef idx="2">
+              <a:schemeClr val="accent4">
+                <a:shade val="50000"/>
+              </a:schemeClr>
+            </a:lnRef>
+            <a:fillRef idx="1">
+              <a:schemeClr val="accent4"/>
+            </a:fillRef>
+            <a:effectRef idx="0">
+              <a:schemeClr val="accent4"/>
+            </a:effectRef>
+            <a:fontRef idx="minor">
+              <a:schemeClr val="lt1"/>
+            </a:fontRef>
+          </p:style>
+          <p:txBody>
+            <a:bodyPr rtlCol="0" anchor="ctr"/>
+            <a:lstStyle/>
+            <a:p>
+              <a:pPr algn="ctr"/>
+              <a:endParaRPr lang="es-UY"/>
+            </a:p>
+          </p:txBody>
+        </p:sp>
+        <p:sp>
+          <p:nvSpPr>
+            <p:cNvPr id="45" name="Rectángulo 44">
+              <a:extLst>
+                <a:ext uri="{FF2B5EF4-FFF2-40B4-BE49-F238E27FC236}">
+                  <a16:creationId xmlns:a16="http://schemas.microsoft.com/office/drawing/2014/main" id="{A979DDA7-D82F-A449-2CC0-5D1D97106448}"/>
+                </a:ext>
+              </a:extLst>
+            </p:cNvPr>
+            <p:cNvSpPr/>
+            <p:nvPr/>
+          </p:nvSpPr>
+          <p:spPr>
+            <a:xfrm>
+              <a:off x="7195695" y="2668273"/>
+              <a:ext cx="1483355" cy="687940"/>
+            </a:xfrm>
+            <a:prstGeom prst="rect">
+              <a:avLst/>
+            </a:prstGeom>
+            <a:solidFill>
+              <a:schemeClr val="accent4">
+                <a:lumMod val="60000"/>
+                <a:lumOff val="40000"/>
+              </a:schemeClr>
+            </a:solidFill>
+          </p:spPr>
+          <p:style>
+            <a:lnRef idx="2">
+              <a:schemeClr val="accent4">
+                <a:shade val="50000"/>
+              </a:schemeClr>
+            </a:lnRef>
+            <a:fillRef idx="1">
+              <a:schemeClr val="accent4"/>
+            </a:fillRef>
+            <a:effectRef idx="0">
+              <a:schemeClr val="accent4"/>
+            </a:effectRef>
+            <a:fontRef idx="minor">
+              <a:schemeClr val="lt1"/>
+            </a:fontRef>
+          </p:style>
+          <p:txBody>
+            <a:bodyPr rtlCol="0" anchor="ctr"/>
+            <a:lstStyle/>
+            <a:p>
+              <a:pPr algn="ctr"/>
+              <a:endParaRPr lang="es-UY"/>
+            </a:p>
+          </p:txBody>
+        </p:sp>
+        <p:sp>
+          <p:nvSpPr>
+            <p:cNvPr id="47" name="CuadroTexto 46">
+              <a:extLst>
+                <a:ext uri="{FF2B5EF4-FFF2-40B4-BE49-F238E27FC236}">
+                  <a16:creationId xmlns:a16="http://schemas.microsoft.com/office/drawing/2014/main" id="{C3A9A9D0-BA11-006F-E277-4199AFD2C8FA}"/>
+                </a:ext>
+              </a:extLst>
+            </p:cNvPr>
+            <p:cNvSpPr txBox="1"/>
+            <p:nvPr/>
+          </p:nvSpPr>
+          <p:spPr>
+            <a:xfrm>
+              <a:off x="1153062" y="4341999"/>
+              <a:ext cx="679994" cy="276999"/>
+            </a:xfrm>
+            <a:prstGeom prst="rect">
+              <a:avLst/>
+            </a:prstGeom>
+            <a:noFill/>
+          </p:spPr>
+          <p:txBody>
+            <a:bodyPr wrap="none" rtlCol="0">
+              <a:spAutoFit/>
+            </a:bodyPr>
+            <a:lstStyle/>
+            <a:p>
+              <a:r>
+                <a:rPr lang="es-UY" sz="1200" i="1" dirty="0"/>
+                <a:t>Cerrado</a:t>
+              </a:r>
+            </a:p>
+          </p:txBody>
+        </p:sp>
+        <p:sp>
+          <p:nvSpPr>
+            <p:cNvPr id="48" name="CuadroTexto 47">
+              <a:extLst>
+                <a:ext uri="{FF2B5EF4-FFF2-40B4-BE49-F238E27FC236}">
+                  <a16:creationId xmlns:a16="http://schemas.microsoft.com/office/drawing/2014/main" id="{9A6BA44E-135B-C855-06A2-B8595306141B}"/>
+                </a:ext>
+              </a:extLst>
+            </p:cNvPr>
+            <p:cNvSpPr txBox="1"/>
+            <p:nvPr/>
+          </p:nvSpPr>
+          <p:spPr>
+            <a:xfrm>
+              <a:off x="1158421" y="4745022"/>
+              <a:ext cx="681661" cy="276999"/>
+            </a:xfrm>
+            <a:prstGeom prst="rect">
+              <a:avLst/>
+            </a:prstGeom>
+            <a:noFill/>
+          </p:spPr>
+          <p:txBody>
+            <a:bodyPr wrap="none" rtlCol="0">
+              <a:spAutoFit/>
+            </a:bodyPr>
+            <a:lstStyle/>
+            <a:p>
+              <a:r>
+                <a:rPr lang="es-UY" sz="1200" i="1" dirty="0"/>
+                <a:t>Cerrado</a:t>
+              </a:r>
+            </a:p>
+          </p:txBody>
+        </p:sp>
+        <p:sp>
+          <p:nvSpPr>
+            <p:cNvPr id="49" name="CuadroTexto 48">
+              <a:extLst>
+                <a:ext uri="{FF2B5EF4-FFF2-40B4-BE49-F238E27FC236}">
+                  <a16:creationId xmlns:a16="http://schemas.microsoft.com/office/drawing/2014/main" id="{12CCCDD6-DB9F-2B15-AC38-66B77947AB1F}"/>
+                </a:ext>
+              </a:extLst>
+            </p:cNvPr>
+            <p:cNvSpPr txBox="1"/>
+            <p:nvPr/>
+          </p:nvSpPr>
+          <p:spPr>
+            <a:xfrm>
+              <a:off x="1144687" y="5186662"/>
+              <a:ext cx="681661" cy="276999"/>
+            </a:xfrm>
+            <a:prstGeom prst="rect">
+              <a:avLst/>
+            </a:prstGeom>
+            <a:noFill/>
+          </p:spPr>
+          <p:txBody>
+            <a:bodyPr wrap="none" rtlCol="0">
+              <a:spAutoFit/>
+            </a:bodyPr>
+            <a:lstStyle/>
+            <a:p>
+              <a:r>
+                <a:rPr lang="es-UY" sz="1200" i="1" dirty="0"/>
+                <a:t>Cerrado</a:t>
+              </a:r>
+            </a:p>
+          </p:txBody>
+        </p:sp>
+        <p:sp>
+          <p:nvSpPr>
+            <p:cNvPr id="50" name="Rectángulo 49">
+              <a:extLst>
+                <a:ext uri="{FF2B5EF4-FFF2-40B4-BE49-F238E27FC236}">
+                  <a16:creationId xmlns:a16="http://schemas.microsoft.com/office/drawing/2014/main" id="{05CCD542-BA2A-7325-014E-002D5C4A2307}"/>
+                </a:ext>
+              </a:extLst>
+            </p:cNvPr>
+            <p:cNvSpPr/>
+            <p:nvPr/>
+          </p:nvSpPr>
+          <p:spPr>
+            <a:xfrm>
+              <a:off x="10402607" y="976679"/>
+              <a:ext cx="1276688" cy="688618"/>
+            </a:xfrm>
+            <a:prstGeom prst="rect">
+              <a:avLst/>
+            </a:prstGeom>
+            <a:solidFill>
+              <a:schemeClr val="accent4">
+                <a:lumMod val="60000"/>
+                <a:lumOff val="40000"/>
+              </a:schemeClr>
+            </a:solidFill>
+          </p:spPr>
+          <p:style>
+            <a:lnRef idx="2">
+              <a:schemeClr val="accent4">
+                <a:shade val="50000"/>
+              </a:schemeClr>
+            </a:lnRef>
+            <a:fillRef idx="1">
+              <a:schemeClr val="accent4"/>
+            </a:fillRef>
+            <a:effectRef idx="0">
+              <a:schemeClr val="accent4"/>
+            </a:effectRef>
+            <a:fontRef idx="minor">
+              <a:schemeClr val="lt1"/>
+            </a:fontRef>
+          </p:style>
+          <p:txBody>
+            <a:bodyPr rtlCol="0" anchor="ctr"/>
+            <a:lstStyle/>
+            <a:p>
+              <a:pPr algn="ctr"/>
+              <a:endParaRPr lang="es-UY"/>
+            </a:p>
+          </p:txBody>
+        </p:sp>
+        <p:sp>
+          <p:nvSpPr>
+            <p:cNvPr id="52" name="Rectángulo 51">
+              <a:extLst>
+                <a:ext uri="{FF2B5EF4-FFF2-40B4-BE49-F238E27FC236}">
+                  <a16:creationId xmlns:a16="http://schemas.microsoft.com/office/drawing/2014/main" id="{0016181F-B7FC-078C-7D9D-27533DD2B339}"/>
+                </a:ext>
+              </a:extLst>
+            </p:cNvPr>
+            <p:cNvSpPr/>
+            <p:nvPr/>
+          </p:nvSpPr>
+          <p:spPr>
+            <a:xfrm>
+              <a:off x="10393316" y="1755657"/>
+              <a:ext cx="1285979" cy="654372"/>
+            </a:xfrm>
+            <a:prstGeom prst="rect">
+              <a:avLst/>
+            </a:prstGeom>
+            <a:solidFill>
+              <a:schemeClr val="accent4">
+                <a:lumMod val="60000"/>
+                <a:lumOff val="40000"/>
+              </a:schemeClr>
+            </a:solidFill>
+          </p:spPr>
+          <p:style>
+            <a:lnRef idx="2">
+              <a:schemeClr val="accent4">
+                <a:shade val="50000"/>
+              </a:schemeClr>
+            </a:lnRef>
+            <a:fillRef idx="1">
+              <a:schemeClr val="accent4"/>
+            </a:fillRef>
+            <a:effectRef idx="0">
+              <a:schemeClr val="accent4"/>
+            </a:effectRef>
+            <a:fontRef idx="minor">
+              <a:schemeClr val="lt1"/>
+            </a:fontRef>
+          </p:style>
+          <p:txBody>
+            <a:bodyPr rtlCol="0" anchor="ctr"/>
+            <a:lstStyle/>
+            <a:p>
+              <a:pPr algn="ctr"/>
+              <a:endParaRPr lang="es-UY"/>
+            </a:p>
+          </p:txBody>
+        </p:sp>
+        <p:sp>
+          <p:nvSpPr>
+            <p:cNvPr id="53" name="Rectángulo 52">
+              <a:extLst>
+                <a:ext uri="{FF2B5EF4-FFF2-40B4-BE49-F238E27FC236}">
+                  <a16:creationId xmlns:a16="http://schemas.microsoft.com/office/drawing/2014/main" id="{7FE5730F-3E2F-F60F-E9A2-5ABF5A213D0B}"/>
+                </a:ext>
+              </a:extLst>
+            </p:cNvPr>
+            <p:cNvSpPr/>
+            <p:nvPr/>
+          </p:nvSpPr>
+          <p:spPr>
+            <a:xfrm>
+              <a:off x="10393315" y="2500389"/>
+              <a:ext cx="1285979" cy="596689"/>
+            </a:xfrm>
+            <a:prstGeom prst="rect">
+              <a:avLst/>
+            </a:prstGeom>
+            <a:solidFill>
+              <a:schemeClr val="accent4">
+                <a:lumMod val="60000"/>
+                <a:lumOff val="40000"/>
+              </a:schemeClr>
+            </a:solidFill>
+          </p:spPr>
+          <p:style>
+            <a:lnRef idx="2">
+              <a:schemeClr val="accent4">
+                <a:shade val="50000"/>
+              </a:schemeClr>
+            </a:lnRef>
+            <a:fillRef idx="1">
+              <a:schemeClr val="accent4"/>
+            </a:fillRef>
+            <a:effectRef idx="0">
+              <a:schemeClr val="accent4"/>
+            </a:effectRef>
+            <a:fontRef idx="minor">
+              <a:schemeClr val="lt1"/>
+            </a:fontRef>
+          </p:style>
+          <p:txBody>
+            <a:bodyPr rtlCol="0" anchor="ctr"/>
+            <a:lstStyle/>
+            <a:p>
+              <a:pPr algn="ctr"/>
+              <a:endParaRPr lang="es-UY"/>
+            </a:p>
+          </p:txBody>
+        </p:sp>
+        <p:sp>
+          <p:nvSpPr>
+            <p:cNvPr id="54" name="CuadroTexto 53">
+              <a:extLst>
+                <a:ext uri="{FF2B5EF4-FFF2-40B4-BE49-F238E27FC236}">
+                  <a16:creationId xmlns:a16="http://schemas.microsoft.com/office/drawing/2014/main" id="{D7CA9954-7CC9-131B-0630-ACDEB6CC655E}"/>
+                </a:ext>
+              </a:extLst>
+            </p:cNvPr>
+            <p:cNvSpPr txBox="1"/>
+            <p:nvPr/>
+          </p:nvSpPr>
+          <p:spPr>
+            <a:xfrm flipH="1">
+              <a:off x="9545676" y="236947"/>
+              <a:ext cx="2687266" cy="646331"/>
+            </a:xfrm>
+            <a:prstGeom prst="rect">
+              <a:avLst/>
+            </a:prstGeom>
+            <a:noFill/>
+          </p:spPr>
+          <p:txBody>
+            <a:bodyPr wrap="square" rtlCol="0">
+              <a:spAutoFit/>
+            </a:bodyPr>
+            <a:lstStyle/>
+            <a:p>
+              <a:r>
+                <a:rPr lang="es-UY" b="1" dirty="0" err="1"/>
+                <a:t>ListaPedidosParaEntregar</a:t>
+              </a:r>
+              <a:r>
+                <a:rPr lang="es-UY" dirty="0"/>
+                <a:t> (Sistema)</a:t>
+              </a:r>
+            </a:p>
+          </p:txBody>
+        </p:sp>
+        <p:sp>
+          <p:nvSpPr>
+            <p:cNvPr id="57" name="CuadroTexto 56">
+              <a:extLst>
+                <a:ext uri="{FF2B5EF4-FFF2-40B4-BE49-F238E27FC236}">
+                  <a16:creationId xmlns:a16="http://schemas.microsoft.com/office/drawing/2014/main" id="{AE63BDF4-15E3-3FB8-9F71-5C166AE1BD52}"/>
+                </a:ext>
+              </a:extLst>
+            </p:cNvPr>
+            <p:cNvSpPr txBox="1"/>
+            <p:nvPr/>
+          </p:nvSpPr>
+          <p:spPr>
+            <a:xfrm>
+              <a:off x="7581307" y="2141728"/>
+              <a:ext cx="681661" cy="276999"/>
+            </a:xfrm>
+            <a:prstGeom prst="rect">
+              <a:avLst/>
+            </a:prstGeom>
+            <a:noFill/>
+          </p:spPr>
+          <p:txBody>
+            <a:bodyPr wrap="none" rtlCol="0">
+              <a:spAutoFit/>
+            </a:bodyPr>
+            <a:lstStyle/>
+            <a:p>
+              <a:r>
+                <a:rPr lang="es-UY" sz="1200" i="1" dirty="0"/>
+                <a:t>Cerrado</a:t>
+              </a:r>
+            </a:p>
+          </p:txBody>
+        </p:sp>
+        <p:sp>
+          <p:nvSpPr>
+            <p:cNvPr id="58" name="CuadroTexto 57">
+              <a:extLst>
+                <a:ext uri="{FF2B5EF4-FFF2-40B4-BE49-F238E27FC236}">
+                  <a16:creationId xmlns:a16="http://schemas.microsoft.com/office/drawing/2014/main" id="{CDFE4583-7628-7507-91FD-B26A1612925B}"/>
+                </a:ext>
+              </a:extLst>
+            </p:cNvPr>
+            <p:cNvSpPr txBox="1"/>
+            <p:nvPr/>
+          </p:nvSpPr>
+          <p:spPr>
+            <a:xfrm>
+              <a:off x="7596541" y="2960994"/>
+              <a:ext cx="681661" cy="276999"/>
+            </a:xfrm>
+            <a:prstGeom prst="rect">
+              <a:avLst/>
+            </a:prstGeom>
+            <a:noFill/>
+          </p:spPr>
+          <p:txBody>
+            <a:bodyPr wrap="none" rtlCol="0">
+              <a:spAutoFit/>
+            </a:bodyPr>
+            <a:lstStyle/>
+            <a:p>
+              <a:r>
+                <a:rPr lang="es-UY" sz="1200" i="1" dirty="0"/>
+                <a:t>Cerrado</a:t>
+              </a:r>
+            </a:p>
+          </p:txBody>
+        </p:sp>
+        <p:sp>
+          <p:nvSpPr>
+            <p:cNvPr id="59" name="CuadroTexto 58">
+              <a:extLst>
+                <a:ext uri="{FF2B5EF4-FFF2-40B4-BE49-F238E27FC236}">
+                  <a16:creationId xmlns:a16="http://schemas.microsoft.com/office/drawing/2014/main" id="{69796DB1-D39D-0D80-E482-08F3B8A52672}"/>
+                </a:ext>
+              </a:extLst>
+            </p:cNvPr>
+            <p:cNvSpPr txBox="1"/>
+            <p:nvPr/>
+          </p:nvSpPr>
+          <p:spPr>
+            <a:xfrm>
+              <a:off x="10351308" y="1207671"/>
+              <a:ext cx="1427763" cy="276999"/>
+            </a:xfrm>
+            <a:prstGeom prst="rect">
+              <a:avLst/>
+            </a:prstGeom>
+            <a:noFill/>
+          </p:spPr>
+          <p:txBody>
+            <a:bodyPr wrap="none" rtlCol="0">
+              <a:spAutoFit/>
+            </a:bodyPr>
+            <a:lstStyle/>
+            <a:p>
+              <a:r>
+                <a:rPr lang="es-UY" sz="1200" i="1" dirty="0" err="1"/>
+                <a:t>ProntoParaEntregar</a:t>
+              </a:r>
+              <a:endParaRPr lang="es-UY" sz="1200" i="1" dirty="0"/>
+            </a:p>
+          </p:txBody>
+        </p:sp>
+        <p:sp>
+          <p:nvSpPr>
+            <p:cNvPr id="60" name="CuadroTexto 59">
+              <a:extLst>
+                <a:ext uri="{FF2B5EF4-FFF2-40B4-BE49-F238E27FC236}">
+                  <a16:creationId xmlns:a16="http://schemas.microsoft.com/office/drawing/2014/main" id="{86E31EFE-3D1B-0707-E7D9-A5C1C5CB23D2}"/>
+                </a:ext>
+              </a:extLst>
+            </p:cNvPr>
+            <p:cNvSpPr txBox="1"/>
+            <p:nvPr/>
+          </p:nvSpPr>
+          <p:spPr>
+            <a:xfrm>
+              <a:off x="10322422" y="1983923"/>
+              <a:ext cx="1427763" cy="276999"/>
+            </a:xfrm>
+            <a:prstGeom prst="rect">
+              <a:avLst/>
+            </a:prstGeom>
+            <a:noFill/>
+          </p:spPr>
+          <p:txBody>
+            <a:bodyPr wrap="none" rtlCol="0">
+              <a:spAutoFit/>
+            </a:bodyPr>
+            <a:lstStyle/>
+            <a:p>
+              <a:r>
+                <a:rPr lang="es-UY" sz="1200" i="1" dirty="0" err="1"/>
+                <a:t>ProntoParaEntregar</a:t>
+              </a:r>
+              <a:endParaRPr lang="es-UY" sz="1200" i="1" dirty="0"/>
+            </a:p>
+          </p:txBody>
+        </p:sp>
+        <p:sp>
+          <p:nvSpPr>
+            <p:cNvPr id="61" name="CuadroTexto 60">
+              <a:extLst>
+                <a:ext uri="{FF2B5EF4-FFF2-40B4-BE49-F238E27FC236}">
+                  <a16:creationId xmlns:a16="http://schemas.microsoft.com/office/drawing/2014/main" id="{79CF027D-F1B8-C04C-AE91-55BA2FD0D55F}"/>
+                </a:ext>
+              </a:extLst>
+            </p:cNvPr>
+            <p:cNvSpPr txBox="1"/>
+            <p:nvPr/>
+          </p:nvSpPr>
+          <p:spPr>
+            <a:xfrm>
+              <a:off x="10351307" y="2695402"/>
+              <a:ext cx="1427763" cy="276999"/>
+            </a:xfrm>
+            <a:prstGeom prst="rect">
+              <a:avLst/>
+            </a:prstGeom>
+            <a:noFill/>
+          </p:spPr>
+          <p:txBody>
+            <a:bodyPr wrap="none" rtlCol="0">
+              <a:spAutoFit/>
+            </a:bodyPr>
+            <a:lstStyle/>
+            <a:p>
+              <a:r>
+                <a:rPr lang="es-UY" sz="1200" i="1" dirty="0" err="1"/>
+                <a:t>ProntoParaEntregar</a:t>
+              </a:r>
+              <a:endParaRPr lang="es-UY" sz="1200" i="1" dirty="0"/>
+            </a:p>
+          </p:txBody>
+        </p:sp>
+        <p:sp>
+          <p:nvSpPr>
+            <p:cNvPr id="12" name="Rectángulo 11">
+              <a:extLst>
+                <a:ext uri="{FF2B5EF4-FFF2-40B4-BE49-F238E27FC236}">
+                  <a16:creationId xmlns:a16="http://schemas.microsoft.com/office/drawing/2014/main" id="{1D8DE4B3-5614-EC20-7E22-4E4D9C0394BB}"/>
+                </a:ext>
+              </a:extLst>
+            </p:cNvPr>
+            <p:cNvSpPr/>
+            <p:nvPr/>
+          </p:nvSpPr>
+          <p:spPr>
+            <a:xfrm>
+              <a:off x="580835" y="1983030"/>
+              <a:ext cx="1806994" cy="594628"/>
+            </a:xfrm>
+            <a:prstGeom prst="rect">
+              <a:avLst/>
+            </a:prstGeom>
+            <a:solidFill>
+              <a:schemeClr val="accent1">
+                <a:lumMod val="60000"/>
+                <a:lumOff val="40000"/>
+              </a:schemeClr>
+            </a:solidFill>
+          </p:spPr>
+          <p:style>
+            <a:lnRef idx="2">
+              <a:schemeClr val="accent1">
+                <a:shade val="50000"/>
+              </a:schemeClr>
+            </a:lnRef>
+            <a:fillRef idx="1">
+              <a:schemeClr val="accent1"/>
+            </a:fillRef>
+            <a:effectRef idx="0">
+              <a:schemeClr val="accent1"/>
+            </a:effectRef>
+            <a:fontRef idx="minor">
+              <a:schemeClr val="lt1"/>
+            </a:fontRef>
+          </p:style>
+          <p:txBody>
+            <a:bodyPr rtlCol="0" anchor="ctr"/>
+            <a:lstStyle/>
+            <a:p>
+              <a:pPr algn="ctr"/>
+              <a:endParaRPr lang="es-UY"/>
+            </a:p>
+          </p:txBody>
+        </p:sp>
+      </p:grpSp>
     </p:spTree>
     <p:extLst>
       <p:ext uri="{BB962C8B-B14F-4D97-AF65-F5344CB8AC3E}">
@@ -8010,7 +8073,7 @@
 <file path=ppt/theme/theme1.xml><?xml version="1.0" encoding="utf-8"?>
 <a:theme xmlns:a="http://schemas.openxmlformats.org/drawingml/2006/main" name="Tema de Office">
   <a:themeElements>
-    <a:clrScheme name="Office">
+    <a:clrScheme name="Papel">
       <a:dk1>
         <a:sysClr val="windowText" lastClr="000000"/>
       </a:dk1>
@@ -8018,34 +8081,34 @@
         <a:sysClr val="window" lastClr="FFFFFF"/>
       </a:lt1>
       <a:dk2>
-        <a:srgbClr val="44546A"/>
+        <a:srgbClr val="444D26"/>
       </a:dk2>
       <a:lt2>
-        <a:srgbClr val="E7E6E6"/>
+        <a:srgbClr val="FEFAC9"/>
       </a:lt2>
       <a:accent1>
-        <a:srgbClr val="4472C4"/>
+        <a:srgbClr val="A5B592"/>
       </a:accent1>
       <a:accent2>
-        <a:srgbClr val="ED7D31"/>
+        <a:srgbClr val="F3A447"/>
       </a:accent2>
       <a:accent3>
-        <a:srgbClr val="A5A5A5"/>
+        <a:srgbClr val="E7BC29"/>
       </a:accent3>
       <a:accent4>
-        <a:srgbClr val="FFC000"/>
+        <a:srgbClr val="D092A7"/>
       </a:accent4>
       <a:accent5>
-        <a:srgbClr val="5B9BD5"/>
+        <a:srgbClr val="9C85C0"/>
       </a:accent5>
       <a:accent6>
-        <a:srgbClr val="70AD47"/>
+        <a:srgbClr val="809EC2"/>
       </a:accent6>
       <a:hlink>
-        <a:srgbClr val="0563C1"/>
+        <a:srgbClr val="8E58B6"/>
       </a:hlink>
       <a:folHlink>
-        <a:srgbClr val="954F72"/>
+        <a:srgbClr val="7F6F6F"/>
       </a:folHlink>
     </a:clrScheme>
     <a:fontScheme name="Office">
